--- a/Heroku - meetup.pptx
+++ b/Heroku - meetup.pptx
@@ -5,7 +5,7 @@
     <p:sldMasterId id="2147483648" r:id="rId4"/>
   </p:sldMasterIdLst>
   <p:notesMasterIdLst>
-    <p:notesMasterId r:id="rId24"/>
+    <p:notesMasterId r:id="rId22"/>
   </p:notesMasterIdLst>
   <p:sldIdLst>
     <p:sldId id="309" r:id="rId5"/>
@@ -19,14 +19,12 @@
     <p:sldId id="325" r:id="rId13"/>
     <p:sldId id="326" r:id="rId14"/>
     <p:sldId id="332" r:id="rId15"/>
-    <p:sldId id="327" r:id="rId16"/>
-    <p:sldId id="328" r:id="rId17"/>
-    <p:sldId id="329" r:id="rId18"/>
-    <p:sldId id="330" r:id="rId19"/>
-    <p:sldId id="331" r:id="rId20"/>
-    <p:sldId id="316" r:id="rId21"/>
-    <p:sldId id="319" r:id="rId22"/>
-    <p:sldId id="312" r:id="rId23"/>
+    <p:sldId id="333" r:id="rId16"/>
+    <p:sldId id="327" r:id="rId17"/>
+    <p:sldId id="328" r:id="rId18"/>
+    <p:sldId id="329" r:id="rId19"/>
+    <p:sldId id="319" r:id="rId20"/>
+    <p:sldId id="312" r:id="rId21"/>
   </p:sldIdLst>
   <p:sldSz cx="9144000" cy="6858000" type="screen4x3"/>
   <p:notesSz cx="6858000" cy="9144000"/>
@@ -265,7 +263,7 @@
               <a:pPr>
                 <a:defRPr/>
               </a:pPr>
-              <a:t>3/17/2012</a:t>
+              <a:t>3/18/2012</a:t>
             </a:fld>
             <a:endParaRPr lang="en-US"/>
           </a:p>
@@ -461,7 +459,7 @@
     </p:spTree>
     <p:extLst>
       <p:ext uri="{BB962C8B-B14F-4D97-AF65-F5344CB8AC3E}">
-        <p14:creationId xmlns="" xmlns:p14="http://schemas.microsoft.com/office/powerpoint/2010/main" val="2221934676"/>
+        <p14:creationId xmlns:p14="http://schemas.microsoft.com/office/powerpoint/2010/main" xmlns="" val="2221934676"/>
       </p:ext>
     </p:extLst>
   </p:cSld>
@@ -701,7 +699,7 @@
     </p:spTree>
     <p:extLst>
       <p:ext uri="{BB962C8B-B14F-4D97-AF65-F5344CB8AC3E}">
-        <p14:creationId xmlns="" xmlns:p14="http://schemas.microsoft.com/office/powerpoint/2010/main" val="4292641058"/>
+        <p14:creationId xmlns:p14="http://schemas.microsoft.com/office/powerpoint/2010/main" xmlns="" val="4292641058"/>
       </p:ext>
     </p:extLst>
   </p:cSld>
@@ -835,14 +833,14 @@
           </a:ln>
           <a:extLst>
             <a:ext uri="{909E8E84-426E-40DD-AFC4-6F175D3DCCD1}">
-              <a14:hiddenFill xmlns="" xmlns:a14="http://schemas.microsoft.com/office/drawing/2010/main">
+              <a14:hiddenFill xmlns:a14="http://schemas.microsoft.com/office/drawing/2010/main" xmlns="">
                 <a:solidFill>
                   <a:srgbClr val="FFFFFF"/>
                 </a:solidFill>
               </a14:hiddenFill>
             </a:ext>
             <a:ext uri="{91240B29-F687-4F45-9708-019B960494DF}">
-              <a14:hiddenLine xmlns="" xmlns:a14="http://schemas.microsoft.com/office/drawing/2010/main" w="9525">
+              <a14:hiddenLine xmlns:a14="http://schemas.microsoft.com/office/drawing/2010/main" xmlns="" w="9525">
                 <a:solidFill>
                   <a:srgbClr val="000000"/>
                 </a:solidFill>
@@ -900,7 +898,7 @@
     </p:spTree>
     <p:extLst>
       <p:ext uri="{BB962C8B-B14F-4D97-AF65-F5344CB8AC3E}">
-        <p14:creationId xmlns="" xmlns:p14="http://schemas.microsoft.com/office/powerpoint/2010/main" val="3459609761"/>
+        <p14:creationId xmlns:p14="http://schemas.microsoft.com/office/powerpoint/2010/main" xmlns="" val="3459609761"/>
       </p:ext>
     </p:extLst>
   </p:cSld>
@@ -1129,7 +1127,7 @@
     </p:spTree>
     <p:extLst>
       <p:ext uri="{BB962C8B-B14F-4D97-AF65-F5344CB8AC3E}">
-        <p14:creationId xmlns="" xmlns:p14="http://schemas.microsoft.com/office/powerpoint/2010/main" val="431821661"/>
+        <p14:creationId xmlns:p14="http://schemas.microsoft.com/office/powerpoint/2010/main" xmlns="" val="431821661"/>
       </p:ext>
     </p:extLst>
   </p:cSld>
@@ -1351,7 +1349,7 @@
     </p:spTree>
     <p:extLst>
       <p:ext uri="{BB962C8B-B14F-4D97-AF65-F5344CB8AC3E}">
-        <p14:creationId xmlns="" xmlns:p14="http://schemas.microsoft.com/office/powerpoint/2010/main" val="235949648"/>
+        <p14:creationId xmlns:p14="http://schemas.microsoft.com/office/powerpoint/2010/main" xmlns="" val="235949648"/>
       </p:ext>
     </p:extLst>
   </p:cSld>
@@ -1459,7 +1457,7 @@
     </p:spTree>
     <p:extLst>
       <p:ext uri="{BB962C8B-B14F-4D97-AF65-F5344CB8AC3E}">
-        <p14:creationId xmlns="" xmlns:p14="http://schemas.microsoft.com/office/powerpoint/2010/main" val="540130751"/>
+        <p14:creationId xmlns:p14="http://schemas.microsoft.com/office/powerpoint/2010/main" xmlns="" val="540130751"/>
       </p:ext>
     </p:extLst>
   </p:cSld>
@@ -1748,7 +1746,7 @@
     </p:spTree>
     <p:extLst>
       <p:ext uri="{BB962C8B-B14F-4D97-AF65-F5344CB8AC3E}">
-        <p14:creationId xmlns="" xmlns:p14="http://schemas.microsoft.com/office/powerpoint/2010/main" val="3180319776"/>
+        <p14:creationId xmlns:p14="http://schemas.microsoft.com/office/powerpoint/2010/main" xmlns="" val="3180319776"/>
       </p:ext>
     </p:extLst>
   </p:cSld>
@@ -1804,14 +1802,14 @@
           </a:ln>
           <a:extLst>
             <a:ext uri="{909E8E84-426E-40DD-AFC4-6F175D3DCCD1}">
-              <a14:hiddenFill xmlns="" xmlns:a14="http://schemas.microsoft.com/office/drawing/2010/main">
+              <a14:hiddenFill xmlns:a14="http://schemas.microsoft.com/office/drawing/2010/main" xmlns="">
                 <a:solidFill>
                   <a:srgbClr val="FFFFFF"/>
                 </a:solidFill>
               </a14:hiddenFill>
             </a:ext>
             <a:ext uri="{91240B29-F687-4F45-9708-019B960494DF}">
-              <a14:hiddenLine xmlns="" xmlns:a14="http://schemas.microsoft.com/office/drawing/2010/main" w="9525">
+              <a14:hiddenLine xmlns:a14="http://schemas.microsoft.com/office/drawing/2010/main" xmlns="" w="9525">
                 <a:solidFill>
                   <a:srgbClr val="000000"/>
                 </a:solidFill>
@@ -1862,14 +1860,14 @@
           </a:ln>
           <a:extLst>
             <a:ext uri="{909E8E84-426E-40DD-AFC4-6F175D3DCCD1}">
-              <a14:hiddenFill xmlns="" xmlns:a14="http://schemas.microsoft.com/office/drawing/2010/main">
+              <a14:hiddenFill xmlns:a14="http://schemas.microsoft.com/office/drawing/2010/main" xmlns="">
                 <a:solidFill>
                   <a:srgbClr val="FFFFFF"/>
                 </a:solidFill>
               </a14:hiddenFill>
             </a:ext>
             <a:ext uri="{91240B29-F687-4F45-9708-019B960494DF}">
-              <a14:hiddenLine xmlns="" xmlns:a14="http://schemas.microsoft.com/office/drawing/2010/main" w="9525">
+              <a14:hiddenLine xmlns:a14="http://schemas.microsoft.com/office/drawing/2010/main" xmlns="" w="9525">
                 <a:solidFill>
                   <a:srgbClr val="000000"/>
                 </a:solidFill>
@@ -2038,7 +2036,7 @@
           <a:blip r:embed="rId8" cstate="print">
             <a:extLst>
               <a:ext uri="{28A0092B-C50C-407E-A947-70E740481C1C}">
-                <a14:useLocalDpi xmlns="" xmlns:a14="http://schemas.microsoft.com/office/drawing/2010/main" val="0"/>
+                <a14:useLocalDpi xmlns:a14="http://schemas.microsoft.com/office/drawing/2010/main" xmlns="" val="0"/>
               </a:ext>
             </a:extLst>
           </a:blip>
@@ -2061,14 +2059,14 @@
           </a:ln>
           <a:extLst>
             <a:ext uri="{909E8E84-426E-40DD-AFC4-6F175D3DCCD1}">
-              <a14:hiddenFill xmlns="" xmlns:a14="http://schemas.microsoft.com/office/drawing/2010/main">
+              <a14:hiddenFill xmlns:a14="http://schemas.microsoft.com/office/drawing/2010/main" xmlns="">
                 <a:solidFill>
                   <a:srgbClr val="FFFFFF"/>
                 </a:solidFill>
               </a14:hiddenFill>
             </a:ext>
             <a:ext uri="{91240B29-F687-4F45-9708-019B960494DF}">
-              <a14:hiddenLine xmlns="" xmlns:a14="http://schemas.microsoft.com/office/drawing/2010/main" w="9525">
+              <a14:hiddenLine xmlns:a14="http://schemas.microsoft.com/office/drawing/2010/main" xmlns="" w="9525">
                 <a:solidFill>
                   <a:srgbClr val="000000"/>
                 </a:solidFill>
@@ -2558,8 +2556,12 @@
               <a:t>Application</a:t>
             </a:r>
             <a:r>
-              <a:rPr lang="hu-HU" dirty="0" smtClean="0"/>
-              <a:t> Platform</a:t>
+              <a:rPr lang="hu-HU" dirty="0"/>
+              <a:t> </a:t>
+            </a:r>
+            <a:r>
+              <a:rPr lang="hu-HU" dirty="0" smtClean="0"/>
+              <a:t>Platform</a:t>
             </a:r>
             <a:endParaRPr lang="en-US" dirty="0"/>
           </a:p>
@@ -2644,10 +2646,26 @@
           <a:lstStyle/>
           <a:p>
             <a:r>
-              <a:rPr lang="en-US" smtClean="0"/>
-              <a:t>Bean attributes</a:t>
-            </a:r>
-            <a:endParaRPr lang="en-US"/>
+              <a:rPr lang="hu-HU" dirty="0" err="1"/>
+              <a:t>Heroku</a:t>
+            </a:r>
+            <a:r>
+              <a:rPr lang="hu-HU" dirty="0"/>
+              <a:t> </a:t>
+            </a:r>
+            <a:r>
+              <a:rPr lang="hu-HU" dirty="0" err="1"/>
+              <a:t>for</a:t>
+            </a:r>
+            <a:r>
+              <a:rPr lang="hu-HU" dirty="0"/>
+              <a:t> Java </a:t>
+            </a:r>
+            <a:r>
+              <a:rPr lang="hu-HU" dirty="0" smtClean="0"/>
+              <a:t>2.</a:t>
+            </a:r>
+            <a:endParaRPr lang="en-US" dirty="0"/>
           </a:p>
         </p:txBody>
       </p:sp>
@@ -2706,153 +2724,38 @@
           </a:p>
         </p:txBody>
       </p:sp>
-      <p:sp>
-        <p:nvSpPr>
-          <p:cNvPr id="5" name="Text Placeholder 4"/>
-          <p:cNvSpPr>
-            <a:spLocks noGrp="1"/>
-          </p:cNvSpPr>
-          <p:nvPr>
-            <p:ph type="body" idx="1"/>
-          </p:nvPr>
-        </p:nvSpPr>
-        <p:spPr/>
-        <p:txBody>
-          <a:bodyPr/>
-          <a:lstStyle/>
-          <a:p>
-            <a:r>
-              <a:rPr lang="en-US" dirty="0" smtClean="0"/>
-              <a:t>Instantiation/destruction related attributes:</a:t>
-            </a:r>
-          </a:p>
-          <a:p>
-            <a:pPr lvl="1"/>
-            <a:r>
-              <a:rPr lang="en-US" dirty="0" smtClean="0"/>
-              <a:t>Init-method</a:t>
-            </a:r>
-          </a:p>
-          <a:p>
-            <a:pPr lvl="1"/>
-            <a:r>
-              <a:rPr lang="en-US" dirty="0" smtClean="0"/>
-              <a:t>Factory-method</a:t>
-            </a:r>
-          </a:p>
-          <a:p>
-            <a:pPr lvl="1"/>
-            <a:r>
-              <a:rPr lang="en-US" dirty="0" smtClean="0"/>
-              <a:t>Factory-bean</a:t>
-            </a:r>
-          </a:p>
-          <a:p>
-            <a:pPr lvl="1"/>
-            <a:r>
-              <a:rPr lang="en-US" dirty="0" smtClean="0"/>
-              <a:t>Destroy-method</a:t>
-            </a:r>
-          </a:p>
-          <a:p>
-            <a:pPr lvl="1"/>
-            <a:r>
-              <a:rPr lang="en-US" dirty="0" smtClean="0"/>
-              <a:t>Lazy-init</a:t>
-            </a:r>
-          </a:p>
-          <a:p>
-            <a:pPr lvl="1"/>
-            <a:r>
-              <a:rPr lang="en-US" dirty="0" smtClean="0"/>
-              <a:t>Scope (singleton, </a:t>
-            </a:r>
-            <a:r>
-              <a:rPr lang="hu-HU" dirty="0" err="1" smtClean="0"/>
-              <a:t>prototype</a:t>
-            </a:r>
-            <a:r>
-              <a:rPr lang="en-US" dirty="0" smtClean="0"/>
-              <a:t>)</a:t>
-            </a:r>
-          </a:p>
-          <a:p>
-            <a:r>
-              <a:rPr lang="en-US" dirty="0" err="1" smtClean="0"/>
-              <a:t>Inheritence</a:t>
-            </a:r>
-            <a:r>
-              <a:rPr lang="en-US" dirty="0" smtClean="0"/>
-              <a:t> related attributes:</a:t>
-            </a:r>
-          </a:p>
-          <a:p>
-            <a:pPr lvl="1"/>
-            <a:r>
-              <a:rPr lang="en-US" dirty="0" smtClean="0"/>
-              <a:t>Abstract</a:t>
-            </a:r>
-          </a:p>
-          <a:p>
-            <a:pPr lvl="1"/>
-            <a:r>
-              <a:rPr lang="en-US" dirty="0" smtClean="0"/>
-              <a:t>Parent</a:t>
-            </a:r>
-          </a:p>
-          <a:p>
-            <a:r>
-              <a:rPr lang="en-US" dirty="0" smtClean="0"/>
-              <a:t>Automatic dependency injection related attributes:</a:t>
-            </a:r>
-          </a:p>
-          <a:p>
-            <a:pPr lvl="1"/>
-            <a:r>
-              <a:rPr lang="en-US" dirty="0" err="1" smtClean="0"/>
-              <a:t>Autowire</a:t>
-            </a:r>
-            <a:r>
-              <a:rPr lang="en-US" dirty="0" smtClean="0"/>
-              <a:t> (</a:t>
-            </a:r>
-            <a:r>
-              <a:rPr lang="en-US" dirty="0" err="1" smtClean="0"/>
-              <a:t>byName</a:t>
-            </a:r>
-            <a:r>
-              <a:rPr lang="en-US" dirty="0" smtClean="0"/>
-              <a:t>, </a:t>
-            </a:r>
-            <a:r>
-              <a:rPr lang="en-US" dirty="0" err="1" smtClean="0"/>
-              <a:t>byType</a:t>
-            </a:r>
-            <a:r>
-              <a:rPr lang="en-US" dirty="0" smtClean="0"/>
-              <a:t>, constructor, no)</a:t>
-            </a:r>
-          </a:p>
-          <a:p>
-            <a:pPr lvl="1"/>
-            <a:r>
-              <a:rPr lang="en-US" dirty="0" err="1" smtClean="0"/>
-              <a:t>Autowire</a:t>
-            </a:r>
-            <a:r>
-              <a:rPr lang="en-US" dirty="0" smtClean="0"/>
-              <a:t>-candidate</a:t>
-            </a:r>
-          </a:p>
-          <a:p>
-            <a:pPr lvl="1"/>
-            <a:r>
-              <a:rPr lang="en-US" dirty="0" smtClean="0"/>
-              <a:t>Primary</a:t>
-            </a:r>
-          </a:p>
-        </p:txBody>
-      </p:sp>
+      <p:pic>
+        <p:nvPicPr>
+          <p:cNvPr id="1028" name="Picture 4"/>
+          <p:cNvPicPr>
+            <a:picLocks noChangeAspect="1" noChangeArrowheads="1"/>
+          </p:cNvPicPr>
+          <p:nvPr/>
+        </p:nvPicPr>
+        <p:blipFill>
+          <a:blip r:embed="rId2" cstate="print"/>
+          <a:srcRect/>
+          <a:stretch>
+            <a:fillRect/>
+          </a:stretch>
+        </p:blipFill>
+        <p:spPr bwMode="auto">
+          <a:xfrm>
+            <a:off x="1600200" y="914400"/>
+            <a:ext cx="6010275" cy="4495800"/>
+          </a:xfrm>
+          <a:prstGeom prst="rect">
+            <a:avLst/>
+          </a:prstGeom>
+          <a:noFill/>
+          <a:ln w="9525">
+            <a:noFill/>
+            <a:miter lim="800000"/>
+            <a:headEnd/>
+            <a:tailEnd/>
+          </a:ln>
+        </p:spPr>
+      </p:pic>
     </p:spTree>
   </p:cSld>
   <p:clrMapOvr>
@@ -2902,15 +2805,27 @@
           <a:p>
             <a:r>
               <a:rPr lang="hu-HU" dirty="0" err="1" smtClean="0"/>
-              <a:t>Special</a:t>
-            </a:r>
-            <a:r>
-              <a:rPr lang="hu-HU" dirty="0" smtClean="0"/>
-              <a:t> </a:t>
-            </a:r>
-            <a:r>
-              <a:rPr lang="hu-HU" dirty="0" err="1" smtClean="0"/>
-              <a:t>interfaces</a:t>
+              <a:t>Scaling</a:t>
+            </a:r>
+            <a:r>
+              <a:rPr lang="hu-HU" dirty="0" smtClean="0"/>
+              <a:t> </a:t>
+            </a:r>
+            <a:r>
+              <a:rPr lang="hu-HU" dirty="0" err="1" smtClean="0"/>
+              <a:t>with</a:t>
+            </a:r>
+            <a:r>
+              <a:rPr lang="hu-HU" dirty="0" smtClean="0"/>
+              <a:t> instant </a:t>
+            </a:r>
+            <a:r>
+              <a:rPr lang="hu-HU" dirty="0" err="1" smtClean="0"/>
+              <a:t>spin-up</a:t>
+            </a:r>
+            <a:r>
+              <a:rPr lang="hu-HU" dirty="0" smtClean="0"/>
+              <a:t> 1.</a:t>
             </a:r>
             <a:endParaRPr lang="en-US" dirty="0"/>
           </a:p>
@@ -2988,127 +2903,304 @@
           <a:p>
             <a:r>
               <a:rPr lang="hu-HU" dirty="0" err="1" smtClean="0"/>
-              <a:t>InitializingBean</a:t>
-            </a:r>
-            <a:r>
-              <a:rPr lang="hu-HU" dirty="0" smtClean="0"/>
-              <a:t> (</a:t>
-            </a:r>
-            <a:r>
-              <a:rPr lang="hu-HU" dirty="0" err="1" smtClean="0"/>
-              <a:t>afterPropertiesSet</a:t>
-            </a:r>
-            <a:r>
-              <a:rPr lang="hu-HU" dirty="0" smtClean="0"/>
-              <a:t> </a:t>
-            </a:r>
-            <a:r>
-              <a:rPr lang="hu-HU" dirty="0" err="1" smtClean="0"/>
-              <a:t>method</a:t>
-            </a:r>
-            <a:r>
-              <a:rPr lang="hu-HU" dirty="0" smtClean="0"/>
-              <a:t>)</a:t>
-            </a:r>
-          </a:p>
-          <a:p>
-            <a:r>
-              <a:rPr lang="hu-HU" dirty="0" err="1" smtClean="0"/>
-              <a:t>DisposableBean</a:t>
-            </a:r>
-            <a:r>
-              <a:rPr lang="hu-HU" dirty="0" smtClean="0"/>
-              <a:t> (</a:t>
-            </a:r>
-            <a:r>
-              <a:rPr lang="hu-HU" dirty="0" err="1" smtClean="0"/>
-              <a:t>destroy</a:t>
-            </a:r>
-            <a:r>
-              <a:rPr lang="hu-HU" dirty="0" smtClean="0"/>
-              <a:t> </a:t>
-            </a:r>
-            <a:r>
-              <a:rPr lang="hu-HU" dirty="0" err="1" smtClean="0"/>
-              <a:t>method</a:t>
-            </a:r>
-            <a:r>
-              <a:rPr lang="hu-HU" dirty="0" smtClean="0"/>
-              <a:t>)</a:t>
-            </a:r>
-          </a:p>
-          <a:p>
-            <a:r>
-              <a:rPr lang="hu-HU" dirty="0" err="1" smtClean="0"/>
-              <a:t>ApplicationContextAware</a:t>
-            </a:r>
-            <a:r>
-              <a:rPr lang="hu-HU" dirty="0" smtClean="0"/>
-              <a:t> (</a:t>
-            </a:r>
-            <a:r>
-              <a:rPr lang="hu-HU" dirty="0" err="1" smtClean="0"/>
-              <a:t>setApplicationContext</a:t>
-            </a:r>
-            <a:r>
-              <a:rPr lang="hu-HU" dirty="0" smtClean="0"/>
-              <a:t> </a:t>
-            </a:r>
-            <a:r>
-              <a:rPr lang="hu-HU" dirty="0" err="1" smtClean="0"/>
-              <a:t>method</a:t>
-            </a:r>
-            <a:r>
-              <a:rPr lang="hu-HU" dirty="0" smtClean="0"/>
-              <a:t>)</a:t>
-            </a:r>
-          </a:p>
-          <a:p>
-            <a:r>
-              <a:rPr lang="hu-HU" dirty="0" err="1" smtClean="0"/>
-              <a:t>BeanNameAware</a:t>
-            </a:r>
-            <a:r>
-              <a:rPr lang="hu-HU" dirty="0" smtClean="0"/>
-              <a:t> (</a:t>
-            </a:r>
-            <a:r>
-              <a:rPr lang="hu-HU" dirty="0" err="1" smtClean="0"/>
-              <a:t>setBeanName</a:t>
-            </a:r>
-            <a:r>
-              <a:rPr lang="hu-HU" dirty="0" smtClean="0"/>
-              <a:t> </a:t>
-            </a:r>
-            <a:r>
-              <a:rPr lang="hu-HU" dirty="0" err="1" smtClean="0"/>
-              <a:t>method</a:t>
-            </a:r>
-            <a:r>
-              <a:rPr lang="hu-HU" dirty="0" smtClean="0"/>
-              <a:t>)</a:t>
-            </a:r>
-          </a:p>
-          <a:p>
-            <a:r>
-              <a:rPr lang="hu-HU" dirty="0" err="1" smtClean="0"/>
-              <a:t>FactoryBean</a:t>
+              <a:t>Easily</a:t>
+            </a:r>
+            <a:r>
+              <a:rPr lang="hu-HU" dirty="0" smtClean="0"/>
+              <a:t> and </a:t>
+            </a:r>
+            <a:r>
+              <a:rPr lang="hu-HU" dirty="0" err="1" smtClean="0"/>
+              <a:t>quickly</a:t>
+            </a:r>
+            <a:r>
+              <a:rPr lang="hu-HU" dirty="0" smtClean="0"/>
+              <a:t> </a:t>
+            </a:r>
+            <a:r>
+              <a:rPr lang="hu-HU" dirty="0" err="1" smtClean="0"/>
+              <a:t>with</a:t>
+            </a:r>
+            <a:r>
+              <a:rPr lang="hu-HU" dirty="0" smtClean="0"/>
+              <a:t> ‘</a:t>
+            </a:r>
+            <a:r>
+              <a:rPr lang="hu-HU" dirty="0" err="1" smtClean="0"/>
+              <a:t>heroku</a:t>
+            </a:r>
+            <a:r>
+              <a:rPr lang="hu-HU" dirty="0" smtClean="0"/>
+              <a:t>’ </a:t>
+            </a:r>
+            <a:r>
+              <a:rPr lang="hu-HU" dirty="0" err="1" smtClean="0"/>
+              <a:t>command</a:t>
+            </a:r>
+            <a:r>
+              <a:rPr lang="hu-HU" dirty="0" smtClean="0"/>
+              <a:t> line </a:t>
+            </a:r>
+            <a:r>
+              <a:rPr lang="hu-HU" dirty="0" err="1" smtClean="0"/>
+              <a:t>tool</a:t>
+            </a:r>
+            <a:r>
+              <a:rPr lang="hu-HU" dirty="0" smtClean="0"/>
+              <a:t>:</a:t>
+            </a:r>
+          </a:p>
+          <a:p>
+            <a:pPr>
+              <a:buNone/>
+            </a:pPr>
+            <a:r>
+              <a:rPr lang="hu-HU" dirty="0" smtClean="0"/>
+              <a:t>	</a:t>
+            </a:r>
+            <a:r>
+              <a:rPr lang="hu-HU" i="1" dirty="0" err="1" smtClean="0"/>
+              <a:t>heroku</a:t>
+            </a:r>
+            <a:r>
+              <a:rPr lang="hu-HU" i="1" dirty="0" smtClean="0"/>
+              <a:t> </a:t>
+            </a:r>
+            <a:r>
+              <a:rPr lang="hu-HU" i="1" dirty="0" err="1"/>
+              <a:t>scale</a:t>
+            </a:r>
+            <a:r>
+              <a:rPr lang="hu-HU" i="1" dirty="0"/>
+              <a:t> web=6 </a:t>
+            </a:r>
+            <a:r>
+              <a:rPr lang="hu-HU" i="1" dirty="0" err="1"/>
+              <a:t>worker</a:t>
+            </a:r>
+            <a:r>
+              <a:rPr lang="hu-HU" i="1" dirty="0"/>
+              <a:t>=2</a:t>
+            </a:r>
+          </a:p>
+          <a:p>
+            <a:r>
+              <a:rPr lang="hu-HU" dirty="0" err="1" smtClean="0"/>
+              <a:t>Nezumi</a:t>
+            </a:r>
+            <a:r>
+              <a:rPr lang="hu-HU" dirty="0" smtClean="0"/>
+              <a:t>:</a:t>
+            </a:r>
+          </a:p>
+          <a:p>
+            <a:pPr>
+              <a:buNone/>
+            </a:pPr>
+            <a:r>
+              <a:rPr lang="hu-HU" i="1" dirty="0" smtClean="0"/>
+              <a:t>	</a:t>
+            </a:r>
+            <a:r>
+              <a:rPr lang="hu-HU" i="1" dirty="0" smtClean="0">
+                <a:hlinkClick r:id="rId2"/>
+              </a:rPr>
+              <a:t>http</a:t>
+            </a:r>
+            <a:r>
+              <a:rPr lang="hu-HU" i="1" dirty="0">
+                <a:hlinkClick r:id="rId2"/>
+              </a:rPr>
+              <a:t>://nezumiapp.com</a:t>
+            </a:r>
+            <a:r>
+              <a:rPr lang="hu-HU" i="1" dirty="0" smtClean="0">
+                <a:hlinkClick r:id="rId2"/>
+              </a:rPr>
+              <a:t>/</a:t>
+            </a:r>
+            <a:endParaRPr lang="hu-HU" i="1" dirty="0" smtClean="0"/>
+          </a:p>
+          <a:p>
+            <a:r>
+              <a:rPr lang="hu-HU" dirty="0" err="1" smtClean="0"/>
+              <a:t>Autoscaling</a:t>
+            </a:r>
+            <a:r>
+              <a:rPr lang="hu-HU" dirty="0" smtClean="0"/>
+              <a:t> is </a:t>
+            </a:r>
+            <a:r>
+              <a:rPr lang="hu-HU" dirty="0" err="1" smtClean="0"/>
+              <a:t>not</a:t>
+            </a:r>
+            <a:r>
+              <a:rPr lang="hu-HU" dirty="0" smtClean="0"/>
+              <a:t> </a:t>
+            </a:r>
+            <a:r>
+              <a:rPr lang="hu-HU" dirty="0" err="1" smtClean="0"/>
+              <a:t>addressed</a:t>
+            </a:r>
+            <a:r>
+              <a:rPr lang="hu-HU" dirty="0" smtClean="0"/>
+              <a:t> </a:t>
+            </a:r>
+            <a:r>
+              <a:rPr lang="hu-HU" dirty="0" err="1" smtClean="0"/>
+              <a:t>by</a:t>
+            </a:r>
+            <a:r>
+              <a:rPr lang="hu-HU" dirty="0" smtClean="0"/>
+              <a:t> </a:t>
+            </a:r>
+            <a:r>
+              <a:rPr lang="hu-HU" dirty="0" err="1" smtClean="0"/>
+              <a:t>Heroku</a:t>
             </a:r>
             <a:endParaRPr lang="hu-HU" dirty="0" smtClean="0"/>
           </a:p>
           <a:p>
             <a:r>
               <a:rPr lang="hu-HU" dirty="0" err="1" smtClean="0"/>
-              <a:t>BeanPostProcessor</a:t>
-            </a:r>
+              <a:t>Implement</a:t>
+            </a:r>
+            <a:r>
+              <a:rPr lang="hu-HU" dirty="0" smtClean="0"/>
+              <a:t> </a:t>
+            </a:r>
+            <a:r>
+              <a:rPr lang="hu-HU" dirty="0" err="1" smtClean="0"/>
+              <a:t>your</a:t>
+            </a:r>
+            <a:r>
+              <a:rPr lang="hu-HU" dirty="0" smtClean="0"/>
+              <a:t> </a:t>
+            </a:r>
+            <a:r>
+              <a:rPr lang="hu-HU" dirty="0" err="1" smtClean="0"/>
+              <a:t>own</a:t>
+            </a:r>
+            <a:r>
+              <a:rPr lang="hu-HU" dirty="0" smtClean="0"/>
+              <a:t> </a:t>
+            </a:r>
+            <a:r>
+              <a:rPr lang="hu-HU" dirty="0" err="1" smtClean="0"/>
+              <a:t>autoscaling</a:t>
+            </a:r>
+            <a:r>
+              <a:rPr lang="hu-HU" dirty="0" smtClean="0"/>
+              <a:t>, </a:t>
+            </a:r>
+            <a:r>
+              <a:rPr lang="hu-HU" dirty="0" err="1" smtClean="0"/>
+              <a:t>or</a:t>
+            </a:r>
+            <a:r>
+              <a:rPr lang="hu-HU" dirty="0" smtClean="0"/>
+              <a:t> </a:t>
+            </a:r>
+            <a:r>
+              <a:rPr lang="hu-HU" dirty="0" err="1" smtClean="0"/>
+              <a:t>use</a:t>
+            </a:r>
+            <a:r>
+              <a:rPr lang="hu-HU" dirty="0" smtClean="0"/>
+              <a:t> </a:t>
+            </a:r>
+            <a:r>
+              <a:rPr lang="hu-HU" dirty="0" err="1" smtClean="0"/>
+              <a:t>third</a:t>
+            </a:r>
+            <a:r>
+              <a:rPr lang="hu-HU" dirty="0" smtClean="0"/>
+              <a:t> </a:t>
+            </a:r>
+            <a:r>
+              <a:rPr lang="hu-HU" dirty="0" err="1" smtClean="0"/>
+              <a:t>parties</a:t>
+            </a:r>
+            <a:r>
+              <a:rPr lang="hu-HU" dirty="0" smtClean="0"/>
+              <a:t> </a:t>
+            </a:r>
+            <a:r>
+              <a:rPr lang="hu-HU" dirty="0" err="1" smtClean="0"/>
+              <a:t>like</a:t>
+            </a:r>
+            <a:r>
+              <a:rPr lang="hu-HU" dirty="0" smtClean="0"/>
+              <a:t>:</a:t>
+            </a:r>
+          </a:p>
+          <a:p>
+            <a:pPr>
+              <a:buNone/>
+            </a:pPr>
+            <a:r>
+              <a:rPr lang="hu-HU" dirty="0" smtClean="0"/>
+              <a:t>	</a:t>
+            </a:r>
+            <a:r>
+              <a:rPr lang="hu-HU" i="1" dirty="0" smtClean="0">
+                <a:hlinkClick r:id="rId3"/>
+              </a:rPr>
+              <a:t>http</a:t>
+            </a:r>
+            <a:r>
+              <a:rPr lang="hu-HU" i="1" dirty="0">
+                <a:hlinkClick r:id="rId3"/>
+              </a:rPr>
+              <a:t>://hirefireapp.com</a:t>
+            </a:r>
+            <a:r>
+              <a:rPr lang="hu-HU" i="1" dirty="0" smtClean="0">
+                <a:hlinkClick r:id="rId3"/>
+              </a:rPr>
+              <a:t>/</a:t>
+            </a:r>
+            <a:endParaRPr lang="hu-HU" i="1" dirty="0" smtClean="0"/>
+          </a:p>
+          <a:p>
+            <a:pPr>
+              <a:buNone/>
+            </a:pPr>
+            <a:r>
+              <a:rPr lang="hu-HU" i="1" dirty="0" smtClean="0"/>
+              <a:t>	</a:t>
+            </a:r>
+            <a:r>
+              <a:rPr lang="hu-HU" i="1" dirty="0" smtClean="0">
+                <a:hlinkClick r:id="rId4"/>
+              </a:rPr>
+              <a:t>http</a:t>
+            </a:r>
+            <a:r>
+              <a:rPr lang="hu-HU" i="1" dirty="0">
+                <a:hlinkClick r:id="rId4"/>
+              </a:rPr>
+              <a:t>://www.heroscale.com</a:t>
+            </a:r>
+            <a:r>
+              <a:rPr lang="hu-HU" i="1" dirty="0" smtClean="0">
+                <a:hlinkClick r:id="rId4"/>
+              </a:rPr>
+              <a:t>/</a:t>
+            </a:r>
+            <a:endParaRPr lang="hu-HU" i="1" dirty="0" smtClean="0"/>
+          </a:p>
+          <a:p>
+            <a:pPr>
+              <a:buNone/>
+            </a:pPr>
+            <a:endParaRPr lang="hu-HU" i="1" dirty="0"/>
+          </a:p>
+          <a:p>
+            <a:pPr>
+              <a:buNone/>
+            </a:pPr>
             <a:endParaRPr lang="hu-HU" dirty="0" smtClean="0"/>
-          </a:p>
-          <a:p>
-            <a:r>
-              <a:rPr lang="hu-HU" dirty="0" err="1" smtClean="0"/>
-              <a:t>BeanFactoryPostProcessor</a:t>
-            </a:r>
-            <a:endParaRPr lang="en-US" dirty="0"/>
           </a:p>
         </p:txBody>
       </p:sp>
@@ -3146,7 +3238,7 @@
       </p:grpSpPr>
       <p:sp>
         <p:nvSpPr>
-          <p:cNvPr id="2" name="Title 1"/>
+          <p:cNvPr id="2" name="Cím 1"/>
           <p:cNvSpPr>
             <a:spLocks noGrp="1"/>
           </p:cNvSpPr>
@@ -3160,16 +3252,40 @@
           <a:lstStyle/>
           <a:p>
             <a:r>
-              <a:rPr lang="en-US" smtClean="0"/>
-              <a:t>Annotation based configuration</a:t>
-            </a:r>
-            <a:endParaRPr lang="en-US"/>
-          </a:p>
-        </p:txBody>
-      </p:sp>
-      <p:sp>
-        <p:nvSpPr>
-          <p:cNvPr id="3" name="Footer Placeholder 2"/>
+              <a:rPr lang="hu-HU" dirty="0" err="1"/>
+              <a:t>Scaling</a:t>
+            </a:r>
+            <a:r>
+              <a:rPr lang="hu-HU" dirty="0"/>
+              <a:t> </a:t>
+            </a:r>
+            <a:r>
+              <a:rPr lang="hu-HU" dirty="0" err="1"/>
+              <a:t>with</a:t>
+            </a:r>
+            <a:r>
+              <a:rPr lang="hu-HU" dirty="0"/>
+              <a:t> instant </a:t>
+            </a:r>
+            <a:r>
+              <a:rPr lang="hu-HU" dirty="0" err="1"/>
+              <a:t>spin-up</a:t>
+            </a:r>
+            <a:r>
+              <a:rPr lang="hu-HU" dirty="0"/>
+              <a:t> </a:t>
+            </a:r>
+            <a:r>
+              <a:rPr lang="hu-HU" dirty="0" smtClean="0"/>
+              <a:t>2.</a:t>
+            </a:r>
+            <a:endParaRPr lang="hu-HU" dirty="0"/>
+          </a:p>
+        </p:txBody>
+      </p:sp>
+      <p:sp>
+        <p:nvSpPr>
+          <p:cNvPr id="3" name="Élőláb helye 2"/>
           <p:cNvSpPr>
             <a:spLocks noGrp="1"/>
           </p:cNvSpPr>
@@ -3195,7 +3311,7 @@
       </p:sp>
       <p:sp>
         <p:nvSpPr>
-          <p:cNvPr id="4" name="Slide Number Placeholder 3"/>
+          <p:cNvPr id="4" name="Dia számának helye 3"/>
           <p:cNvSpPr>
             <a:spLocks noGrp="1"/>
           </p:cNvSpPr>
@@ -3218,109 +3334,13 @@
               </a:pPr>
               <a:t>12</a:t>
             </a:fld>
-            <a:endParaRPr lang="en-US"/>
-          </a:p>
-        </p:txBody>
-      </p:sp>
-      <p:sp>
-        <p:nvSpPr>
-          <p:cNvPr id="5" name="Text Placeholder 4"/>
-          <p:cNvSpPr>
-            <a:spLocks noGrp="1"/>
-          </p:cNvSpPr>
-          <p:nvPr>
-            <p:ph type="body" idx="1"/>
-          </p:nvPr>
-        </p:nvSpPr>
-        <p:spPr/>
-        <p:txBody>
-          <a:bodyPr/>
-          <a:lstStyle/>
-          <a:p>
-            <a:r>
-              <a:rPr lang="en-US" smtClean="0"/>
-              <a:t>Enable annotations in XML</a:t>
-            </a:r>
-          </a:p>
-          <a:p>
-            <a:endParaRPr lang="en-US" smtClean="0"/>
-          </a:p>
-          <a:p>
-            <a:endParaRPr lang="en-US" smtClean="0"/>
-          </a:p>
-          <a:p>
-            <a:r>
-              <a:rPr lang="en-US" smtClean="0"/>
-              <a:t>Use annotations on classes</a:t>
-            </a:r>
-          </a:p>
-          <a:p>
-            <a:pPr lvl="1"/>
-            <a:r>
-              <a:rPr lang="en-US" smtClean="0"/>
-              <a:t>@Component</a:t>
-            </a:r>
-          </a:p>
-          <a:p>
-            <a:pPr lvl="1"/>
-            <a:r>
-              <a:rPr lang="en-US" smtClean="0"/>
-              <a:t>@Repository</a:t>
-            </a:r>
-          </a:p>
-          <a:p>
-            <a:pPr lvl="1"/>
-            <a:r>
-              <a:rPr lang="en-US" smtClean="0"/>
-              <a:t>@Service</a:t>
-            </a:r>
-          </a:p>
-          <a:p>
-            <a:pPr lvl="1"/>
-            <a:r>
-              <a:rPr lang="en-US" smtClean="0"/>
-              <a:t>@Controller</a:t>
-            </a:r>
-          </a:p>
-          <a:p>
-            <a:r>
-              <a:rPr lang="en-US" smtClean="0"/>
-              <a:t>Use annotations on attributes</a:t>
-            </a:r>
-          </a:p>
-          <a:p>
-            <a:pPr lvl="1"/>
-            <a:r>
-              <a:rPr lang="en-US" smtClean="0"/>
-              <a:t>@Autowired</a:t>
-            </a:r>
-          </a:p>
-          <a:p>
-            <a:pPr lvl="1"/>
-            <a:r>
-              <a:rPr lang="en-US" smtClean="0"/>
-              <a:t>@Required</a:t>
-            </a:r>
-          </a:p>
-          <a:p>
-            <a:pPr lvl="1"/>
-            <a:r>
-              <a:rPr lang="en-US" smtClean="0"/>
-              <a:t>@PostConstruct</a:t>
-            </a:r>
-          </a:p>
-          <a:p>
-            <a:pPr lvl="1"/>
-            <a:r>
-              <a:rPr lang="en-US" smtClean="0"/>
-              <a:t>@PreDestroy</a:t>
-            </a:r>
+            <a:endParaRPr lang="en-US" dirty="0"/>
           </a:p>
         </p:txBody>
       </p:sp>
       <p:pic>
         <p:nvPicPr>
-          <p:cNvPr id="4098" name="Picture 2"/>
+          <p:cNvPr id="2050" name="Picture 2"/>
           <p:cNvPicPr>
             <a:picLocks noChangeAspect="1" noChangeArrowheads="1"/>
           </p:cNvPicPr>
@@ -3335,8 +3355,8 @@
         </p:blipFill>
         <p:spPr bwMode="auto">
           <a:xfrm>
-            <a:off x="1143000" y="1219200"/>
-            <a:ext cx="6496050" cy="419100"/>
+            <a:off x="1600200" y="914400"/>
+            <a:ext cx="6000750" cy="4495800"/>
           </a:xfrm>
           <a:prstGeom prst="rect">
             <a:avLst/>
@@ -3398,10 +3418,18 @@
           <a:lstStyle/>
           <a:p>
             <a:r>
-              <a:rPr lang="en-US" smtClean="0"/>
-              <a:t>Java based configuration</a:t>
-            </a:r>
-            <a:endParaRPr lang="en-US"/>
+              <a:rPr lang="hu-HU" dirty="0" err="1" smtClean="0"/>
+              <a:t>Dyno</a:t>
+            </a:r>
+            <a:r>
+              <a:rPr lang="hu-HU" dirty="0" smtClean="0"/>
+              <a:t> </a:t>
+            </a:r>
+            <a:r>
+              <a:rPr lang="hu-HU" dirty="0" err="1" smtClean="0"/>
+              <a:t>prices</a:t>
+            </a:r>
+            <a:endParaRPr lang="en-US" dirty="0"/>
           </a:p>
         </p:txBody>
       </p:sp>
@@ -3460,38 +3488,218 @@
           </a:p>
         </p:txBody>
       </p:sp>
-      <p:pic>
-        <p:nvPicPr>
-          <p:cNvPr id="5123" name="Picture 3"/>
-          <p:cNvPicPr>
-            <a:picLocks noChangeAspect="1" noChangeArrowheads="1"/>
-          </p:cNvPicPr>
-          <p:nvPr/>
-        </p:nvPicPr>
-        <p:blipFill>
-          <a:blip r:embed="rId2" cstate="print"/>
-          <a:srcRect/>
-          <a:stretch>
-            <a:fillRect/>
-          </a:stretch>
-        </p:blipFill>
-        <p:spPr bwMode="auto">
-          <a:xfrm>
-            <a:off x="457200" y="990600"/>
-            <a:ext cx="8225074" cy="3705225"/>
-          </a:xfrm>
-          <a:prstGeom prst="rect">
-            <a:avLst/>
-          </a:prstGeom>
-          <a:noFill/>
-          <a:ln w="9525">
-            <a:noFill/>
-            <a:miter lim="800000"/>
-            <a:headEnd/>
-            <a:tailEnd/>
-          </a:ln>
-        </p:spPr>
-      </p:pic>
+      <p:sp>
+        <p:nvSpPr>
+          <p:cNvPr id="5" name="Text Placeholder 4"/>
+          <p:cNvSpPr>
+            <a:spLocks noGrp="1"/>
+          </p:cNvSpPr>
+          <p:nvPr>
+            <p:ph type="body" idx="1"/>
+          </p:nvPr>
+        </p:nvSpPr>
+        <p:spPr/>
+        <p:txBody>
+          <a:bodyPr/>
+          <a:lstStyle/>
+          <a:p>
+            <a:pPr marL="342900" lvl="1" indent="-342900">
+              <a:buFont typeface="Arial" pitchFamily="34" charset="0"/>
+              <a:buChar char="•"/>
+            </a:pPr>
+            <a:r>
+              <a:rPr lang="en-US" dirty="0" err="1"/>
+              <a:t>Dynos</a:t>
+            </a:r>
+            <a:r>
+              <a:rPr lang="en-US" dirty="0"/>
+              <a:t> cost $0.05 per hour, prorated per second</a:t>
+            </a:r>
+          </a:p>
+          <a:p>
+            <a:pPr marL="342900" lvl="1" indent="-342900">
+              <a:buFont typeface="Arial" pitchFamily="34" charset="0"/>
+              <a:buChar char="•"/>
+            </a:pPr>
+            <a:r>
+              <a:rPr lang="en-US" dirty="0"/>
+              <a:t>Each application receives 750 free </a:t>
+            </a:r>
+            <a:r>
+              <a:rPr lang="en-US" dirty="0" err="1"/>
+              <a:t>dyno</a:t>
+            </a:r>
+            <a:r>
+              <a:rPr lang="en-US" dirty="0"/>
+              <a:t> hours per </a:t>
+            </a:r>
+            <a:r>
+              <a:rPr lang="en-US" dirty="0" smtClean="0"/>
+              <a:t>month</a:t>
+            </a:r>
+            <a:endParaRPr lang="hu-HU" dirty="0" smtClean="0"/>
+          </a:p>
+          <a:p>
+            <a:pPr marL="342900" lvl="1" indent="-342900">
+              <a:buFont typeface="Arial" pitchFamily="34" charset="0"/>
+              <a:buChar char="•"/>
+            </a:pPr>
+            <a:r>
+              <a:rPr lang="en-US" dirty="0">
+                <a:solidFill>
+                  <a:srgbClr val="000000"/>
+                </a:solidFill>
+                <a:ea typeface="Lucida Sans Unicode" pitchFamily="2"/>
+                <a:cs typeface="Lucida Sans Unicode" pitchFamily="2"/>
+              </a:rPr>
+              <a:t>Apps that have only 1 web </a:t>
+            </a:r>
+            <a:r>
+              <a:rPr lang="en-US" dirty="0" err="1">
+                <a:solidFill>
+                  <a:srgbClr val="000000"/>
+                </a:solidFill>
+                <a:ea typeface="Lucida Sans Unicode" pitchFamily="2"/>
+                <a:cs typeface="Lucida Sans Unicode" pitchFamily="2"/>
+              </a:rPr>
+              <a:t>dyno</a:t>
+            </a:r>
+            <a:r>
+              <a:rPr lang="en-US" dirty="0">
+                <a:solidFill>
+                  <a:srgbClr val="000000"/>
+                </a:solidFill>
+                <a:ea typeface="Lucida Sans Unicode" pitchFamily="2"/>
+                <a:cs typeface="Lucida Sans Unicode" pitchFamily="2"/>
+              </a:rPr>
+              <a:t> will be idled out after 1 hour of </a:t>
+            </a:r>
+            <a:r>
+              <a:rPr lang="en-US" dirty="0" smtClean="0">
+                <a:solidFill>
+                  <a:srgbClr val="000000"/>
+                </a:solidFill>
+                <a:ea typeface="Lucida Sans Unicode" pitchFamily="2"/>
+                <a:cs typeface="Lucida Sans Unicode" pitchFamily="2"/>
+              </a:rPr>
+              <a:t>inactivity</a:t>
+            </a:r>
+            <a:endParaRPr lang="hu-HU" dirty="0" smtClean="0">
+              <a:solidFill>
+                <a:srgbClr val="000000"/>
+              </a:solidFill>
+              <a:ea typeface="Lucida Sans Unicode" pitchFamily="2"/>
+              <a:cs typeface="Lucida Sans Unicode" pitchFamily="2"/>
+            </a:endParaRPr>
+          </a:p>
+          <a:p>
+            <a:pPr marL="342900" lvl="1" indent="-342900">
+              <a:buFont typeface="Arial" pitchFamily="34" charset="0"/>
+              <a:buChar char="•"/>
+            </a:pPr>
+            <a:endParaRPr lang="hu-HU" dirty="0">
+              <a:solidFill>
+                <a:srgbClr val="000000"/>
+              </a:solidFill>
+              <a:ea typeface="Lucida Sans Unicode" pitchFamily="2"/>
+              <a:cs typeface="Lucida Sans Unicode" pitchFamily="2"/>
+            </a:endParaRPr>
+          </a:p>
+          <a:p>
+            <a:pPr marL="342900" lvl="1" indent="-342900">
+              <a:buNone/>
+            </a:pPr>
+            <a:r>
+              <a:rPr lang="hu-HU" dirty="0" smtClean="0">
+                <a:solidFill>
+                  <a:srgbClr val="000000"/>
+                </a:solidFill>
+                <a:latin typeface="Tahoma" pitchFamily="34"/>
+                <a:ea typeface="Lucida Sans Unicode" pitchFamily="2"/>
+                <a:cs typeface="Lucida Sans Unicode" pitchFamily="2"/>
+              </a:rPr>
+              <a:t>	More </a:t>
+            </a:r>
+            <a:r>
+              <a:rPr lang="hu-HU" dirty="0" err="1">
+                <a:solidFill>
+                  <a:srgbClr val="000000"/>
+                </a:solidFill>
+                <a:latin typeface="Tahoma" pitchFamily="34"/>
+                <a:ea typeface="Lucida Sans Unicode" pitchFamily="2"/>
+                <a:cs typeface="Lucida Sans Unicode" pitchFamily="2"/>
+              </a:rPr>
+              <a:t>info</a:t>
+            </a:r>
+            <a:r>
+              <a:rPr lang="hu-HU" dirty="0">
+                <a:solidFill>
+                  <a:srgbClr val="000000"/>
+                </a:solidFill>
+                <a:latin typeface="Tahoma" pitchFamily="34"/>
+                <a:ea typeface="Lucida Sans Unicode" pitchFamily="2"/>
+                <a:cs typeface="Lucida Sans Unicode" pitchFamily="2"/>
+              </a:rPr>
+              <a:t> </a:t>
+            </a:r>
+            <a:r>
+              <a:rPr lang="hu-HU" dirty="0" err="1">
+                <a:solidFill>
+                  <a:srgbClr val="000000"/>
+                </a:solidFill>
+                <a:latin typeface="Tahoma" pitchFamily="34"/>
+                <a:ea typeface="Lucida Sans Unicode" pitchFamily="2"/>
+                <a:cs typeface="Lucida Sans Unicode" pitchFamily="2"/>
+              </a:rPr>
+              <a:t>at</a:t>
+            </a:r>
+            <a:r>
+              <a:rPr lang="hu-HU" dirty="0">
+                <a:solidFill>
+                  <a:srgbClr val="000000"/>
+                </a:solidFill>
+                <a:latin typeface="Tahoma" pitchFamily="34"/>
+                <a:ea typeface="Lucida Sans Unicode" pitchFamily="2"/>
+                <a:cs typeface="Lucida Sans Unicode" pitchFamily="2"/>
+              </a:rPr>
+              <a:t> </a:t>
+            </a:r>
+            <a:r>
+              <a:rPr lang="hu-HU" dirty="0">
+                <a:solidFill>
+                  <a:srgbClr val="000000"/>
+                </a:solidFill>
+                <a:latin typeface="Tahoma" pitchFamily="34"/>
+                <a:ea typeface="Lucida Sans Unicode" pitchFamily="2"/>
+                <a:cs typeface="Lucida Sans Unicode" pitchFamily="2"/>
+                <a:hlinkClick r:id="rId2"/>
+              </a:rPr>
+              <a:t>http://</a:t>
+            </a:r>
+            <a:r>
+              <a:rPr lang="hu-HU" dirty="0" smtClean="0">
+                <a:solidFill>
+                  <a:srgbClr val="000000"/>
+                </a:solidFill>
+                <a:latin typeface="Tahoma" pitchFamily="34"/>
+                <a:ea typeface="Lucida Sans Unicode" pitchFamily="2"/>
+                <a:cs typeface="Lucida Sans Unicode" pitchFamily="2"/>
+                <a:hlinkClick r:id="rId2"/>
+              </a:rPr>
+              <a:t>www.heroku.com/pricing</a:t>
+            </a:r>
+            <a:endParaRPr lang="hu-HU" dirty="0">
+              <a:solidFill>
+                <a:srgbClr val="000000"/>
+              </a:solidFill>
+              <a:latin typeface="Tahoma" pitchFamily="34"/>
+              <a:ea typeface="Lucida Sans Unicode" pitchFamily="2"/>
+              <a:cs typeface="Lucida Sans Unicode" pitchFamily="2"/>
+              <a:hlinkClick r:id="rId2"/>
+            </a:endParaRPr>
+          </a:p>
+        </p:txBody>
+      </p:sp>
     </p:spTree>
   </p:cSld>
   <p:clrMapOvr>
@@ -3540,10 +3748,10 @@
           <a:lstStyle/>
           <a:p>
             <a:r>
-              <a:rPr lang="en-US" smtClean="0"/>
-              <a:t>Java based configuration</a:t>
-            </a:r>
-            <a:endParaRPr lang="en-US"/>
+              <a:rPr lang="hu-HU" dirty="0" err="1" smtClean="0"/>
+              <a:t>Add-ons</a:t>
+            </a:r>
+            <a:endParaRPr lang="en-US" dirty="0"/>
           </a:p>
         </p:txBody>
       </p:sp>
@@ -3604,7 +3812,7 @@
       </p:sp>
       <p:pic>
         <p:nvPicPr>
-          <p:cNvPr id="6146" name="Picture 2"/>
+          <p:cNvPr id="3074" name="Picture 2"/>
           <p:cNvPicPr>
             <a:picLocks noChangeAspect="1" noChangeArrowheads="1"/>
           </p:cNvPicPr>
@@ -3619,8 +3827,8 @@
         </p:blipFill>
         <p:spPr bwMode="auto">
           <a:xfrm>
-            <a:off x="381000" y="914400"/>
-            <a:ext cx="8548475" cy="4195763"/>
+            <a:off x="1600200" y="914400"/>
+            <a:ext cx="6010275" cy="4495800"/>
           </a:xfrm>
           <a:prstGeom prst="rect">
             <a:avLst/>
@@ -3682,10 +3890,10 @@
           <a:lstStyle/>
           <a:p>
             <a:r>
-              <a:rPr lang="en-US" smtClean="0"/>
-              <a:t>JUnit 4.5+ and Spring</a:t>
-            </a:r>
-            <a:endParaRPr lang="en-US"/>
+              <a:rPr lang="hu-HU" dirty="0" err="1" smtClean="0"/>
+              <a:t>Competitors</a:t>
+            </a:r>
+            <a:endParaRPr lang="en-US" dirty="0"/>
           </a:p>
         </p:txBody>
       </p:sp>
@@ -3746,106 +3954,597 @@
       </p:sp>
       <p:sp>
         <p:nvSpPr>
-          <p:cNvPr id="7" name="Text Placeholder 6"/>
-          <p:cNvSpPr>
-            <a:spLocks noGrp="1"/>
-          </p:cNvSpPr>
-          <p:nvPr>
-            <p:ph type="body" idx="1"/>
-          </p:nvPr>
-        </p:nvSpPr>
-        <p:spPr/>
-        <p:txBody>
-          <a:bodyPr/>
-          <a:lstStyle/>
-          <a:p>
-            <a:r>
-              <a:rPr lang="en-US" smtClean="0"/>
-              <a:t>Configure JUnit to use Spring</a:t>
-            </a:r>
-          </a:p>
-          <a:p>
-            <a:endParaRPr lang="en-US" smtClean="0"/>
-          </a:p>
-          <a:p>
-            <a:pPr>
-              <a:buNone/>
-            </a:pPr>
-            <a:endParaRPr lang="en-US" smtClean="0"/>
-          </a:p>
-          <a:p>
-            <a:r>
-              <a:rPr lang="en-US" smtClean="0"/>
-              <a:t>Inject dependencies with @Autowire</a:t>
-            </a:r>
-          </a:p>
-          <a:p>
-            <a:r>
-              <a:rPr lang="en-US" smtClean="0"/>
-              <a:t>Use Spring mock objects</a:t>
-            </a:r>
-          </a:p>
-          <a:p>
-            <a:pPr lvl="1"/>
-            <a:r>
-              <a:rPr lang="en-US" smtClean="0"/>
-              <a:t>JNDI</a:t>
-            </a:r>
-          </a:p>
-          <a:p>
-            <a:pPr lvl="1"/>
-            <a:r>
-              <a:rPr lang="en-US" smtClean="0"/>
-              <a:t>Servlet</a:t>
-            </a:r>
-          </a:p>
-          <a:p>
-            <a:pPr lvl="1"/>
-            <a:r>
-              <a:rPr lang="en-US" smtClean="0"/>
-              <a:t>Portlet</a:t>
-            </a:r>
-          </a:p>
-          <a:p>
-            <a:endParaRPr lang="en-US" smtClean="0"/>
-          </a:p>
-          <a:p>
-            <a:endParaRPr lang="en-US"/>
-          </a:p>
-        </p:txBody>
-      </p:sp>
-      <p:pic>
-        <p:nvPicPr>
-          <p:cNvPr id="7171" name="Picture 3"/>
-          <p:cNvPicPr>
-            <a:picLocks noChangeAspect="1" noChangeArrowheads="1"/>
-          </p:cNvPicPr>
+          <p:cNvPr id="7" name="Tartalom helye 5"/>
+          <p:cNvSpPr txBox="1">
+            <a:spLocks/>
+          </p:cNvSpPr>
           <p:nvPr/>
-        </p:nvPicPr>
-        <p:blipFill>
-          <a:blip r:embed="rId2" cstate="print"/>
-          <a:srcRect/>
-          <a:stretch>
-            <a:fillRect/>
-          </a:stretch>
-        </p:blipFill>
-        <p:spPr bwMode="auto">
+        </p:nvSpPr>
+        <p:spPr>
           <a:xfrm>
-            <a:off x="1219200" y="1143000"/>
-            <a:ext cx="5934075" cy="619125"/>
+            <a:off x="457200" y="762000"/>
+            <a:ext cx="8229600" cy="4953000"/>
           </a:xfrm>
           <a:prstGeom prst="rect">
             <a:avLst/>
           </a:prstGeom>
-          <a:noFill/>
-          <a:ln w="9525">
-            <a:noFill/>
-            <a:miter lim="800000"/>
-            <a:headEnd/>
-            <a:tailEnd/>
-          </a:ln>
         </p:spPr>
-      </p:pic>
+        <p:txBody>
+          <a:bodyPr/>
+          <a:lstStyle/>
+          <a:p>
+            <a:pPr marL="342900" lvl="0" indent="-342900" eaLnBrk="0" hangingPunct="0">
+              <a:spcBef>
+                <a:spcPct val="20000"/>
+              </a:spcBef>
+              <a:buFont typeface="Arial" pitchFamily="34" charset="0"/>
+              <a:buChar char="•"/>
+            </a:pPr>
+            <a:r>
+              <a:rPr lang="hu-HU" dirty="0" smtClean="0">
+                <a:solidFill>
+                  <a:srgbClr val="000000"/>
+                </a:solidFill>
+                <a:latin typeface="Helvetica LT Std"/>
+                <a:ea typeface="Lucida Sans Unicode" pitchFamily="2"/>
+                <a:cs typeface="Lucida Sans Unicode" pitchFamily="2"/>
+              </a:rPr>
+              <a:t>Amazon </a:t>
+            </a:r>
+            <a:r>
+              <a:rPr lang="hu-HU" dirty="0" err="1" smtClean="0">
+                <a:solidFill>
+                  <a:srgbClr val="000000"/>
+                </a:solidFill>
+                <a:latin typeface="Helvetica LT Std"/>
+                <a:ea typeface="Lucida Sans Unicode" pitchFamily="2"/>
+                <a:cs typeface="Lucida Sans Unicode" pitchFamily="2"/>
+              </a:rPr>
+              <a:t>Elastic</a:t>
+            </a:r>
+            <a:r>
+              <a:rPr lang="hu-HU" dirty="0" smtClean="0">
+                <a:solidFill>
+                  <a:srgbClr val="000000"/>
+                </a:solidFill>
+                <a:latin typeface="Helvetica LT Std"/>
+                <a:ea typeface="Lucida Sans Unicode" pitchFamily="2"/>
+                <a:cs typeface="Lucida Sans Unicode" pitchFamily="2"/>
+              </a:rPr>
+              <a:t> </a:t>
+            </a:r>
+            <a:r>
+              <a:rPr lang="hu-HU" dirty="0" err="1" smtClean="0">
+                <a:solidFill>
+                  <a:srgbClr val="000000"/>
+                </a:solidFill>
+                <a:latin typeface="Helvetica LT Std"/>
+                <a:ea typeface="Lucida Sans Unicode" pitchFamily="2"/>
+                <a:cs typeface="Lucida Sans Unicode" pitchFamily="2"/>
+              </a:rPr>
+              <a:t>Beanstalk</a:t>
+            </a:r>
+            <a:r>
+              <a:rPr lang="hu-HU" dirty="0" smtClean="0">
+                <a:solidFill>
+                  <a:srgbClr val="000000"/>
+                </a:solidFill>
+                <a:latin typeface="Helvetica LT Std"/>
+                <a:ea typeface="Lucida Sans Unicode" pitchFamily="2"/>
+                <a:cs typeface="Lucida Sans Unicode" pitchFamily="2"/>
+              </a:rPr>
+              <a:t> (</a:t>
+            </a:r>
+            <a:r>
+              <a:rPr lang="hu-HU" dirty="0" err="1" smtClean="0">
+                <a:solidFill>
+                  <a:srgbClr val="000000"/>
+                </a:solidFill>
+                <a:latin typeface="Helvetica LT Std"/>
+                <a:ea typeface="Lucida Sans Unicode" pitchFamily="2"/>
+                <a:cs typeface="Lucida Sans Unicode" pitchFamily="2"/>
+              </a:rPr>
+              <a:t>beta</a:t>
+            </a:r>
+            <a:r>
+              <a:rPr lang="hu-HU" dirty="0" smtClean="0">
+                <a:solidFill>
+                  <a:srgbClr val="000000"/>
+                </a:solidFill>
+                <a:latin typeface="Helvetica LT Std"/>
+                <a:ea typeface="Lucida Sans Unicode" pitchFamily="2"/>
+                <a:cs typeface="Lucida Sans Unicode" pitchFamily="2"/>
+              </a:rPr>
+              <a:t>)</a:t>
+            </a:r>
+            <a:endParaRPr kumimoji="0" lang="hu-HU" sz="1800" b="0" i="0" u="none" strike="noStrike" kern="1200" cap="none" spc="0" normalizeH="0" baseline="0" noProof="0" dirty="0" smtClean="0">
+              <a:ln>
+                <a:noFill/>
+              </a:ln>
+              <a:solidFill>
+                <a:schemeClr val="tx1"/>
+              </a:solidFill>
+              <a:effectLst/>
+              <a:uLnTx/>
+              <a:uFillTx/>
+              <a:latin typeface="Helvetica LT Std"/>
+            </a:endParaRPr>
+          </a:p>
+          <a:p>
+            <a:pPr marL="342900" lvl="1" indent="-342900" eaLnBrk="0" hangingPunct="0">
+              <a:spcBef>
+                <a:spcPct val="20000"/>
+              </a:spcBef>
+            </a:pPr>
+            <a:r>
+              <a:rPr lang="hu-HU" i="1" dirty="0" smtClean="0">
+                <a:latin typeface="Helvetica LT Std"/>
+              </a:rPr>
+              <a:t>	</a:t>
+            </a:r>
+            <a:r>
+              <a:rPr lang="hu-HU" i="1" dirty="0" smtClean="0">
+                <a:latin typeface="Helvetica LT Std"/>
+                <a:hlinkClick r:id="rId2"/>
+              </a:rPr>
+              <a:t>http</a:t>
+            </a:r>
+            <a:r>
+              <a:rPr lang="hu-HU" i="1" dirty="0" smtClean="0">
+                <a:latin typeface="Helvetica LT Std"/>
+                <a:hlinkClick r:id="rId2"/>
+              </a:rPr>
+              <a:t>://aws.amazon.com/elasticbeanstalk</a:t>
+            </a:r>
+            <a:r>
+              <a:rPr lang="hu-HU" i="1" dirty="0" smtClean="0">
+                <a:latin typeface="Helvetica LT Std"/>
+                <a:hlinkClick r:id="rId2"/>
+              </a:rPr>
+              <a:t>/</a:t>
+            </a:r>
+            <a:endParaRPr lang="hu-HU" i="1" dirty="0" smtClean="0">
+              <a:latin typeface="Helvetica LT Std"/>
+            </a:endParaRPr>
+          </a:p>
+          <a:p>
+            <a:pPr marL="342900" lvl="1" indent="-342900" eaLnBrk="0" hangingPunct="0">
+              <a:spcBef>
+                <a:spcPct val="20000"/>
+              </a:spcBef>
+            </a:pPr>
+            <a:endParaRPr kumimoji="0" lang="hu-HU" sz="1800" b="0" i="1" u="none" strike="noStrike" kern="1200" cap="none" spc="0" normalizeH="0" baseline="0" noProof="0" dirty="0" smtClean="0">
+              <a:ln>
+                <a:noFill/>
+              </a:ln>
+              <a:solidFill>
+                <a:schemeClr val="tx1"/>
+              </a:solidFill>
+              <a:effectLst/>
+              <a:uLnTx/>
+              <a:uFillTx/>
+              <a:latin typeface="Helvetica LT Std"/>
+              <a:ea typeface="+mn-ea"/>
+              <a:cs typeface="+mn-cs"/>
+            </a:endParaRPr>
+          </a:p>
+          <a:p>
+            <a:pPr marL="342900" indent="-342900" eaLnBrk="0" hangingPunct="0">
+              <a:spcBef>
+                <a:spcPct val="20000"/>
+              </a:spcBef>
+              <a:buFont typeface="Arial" pitchFamily="34" charset="0"/>
+              <a:buChar char="•"/>
+            </a:pPr>
+            <a:r>
+              <a:rPr lang="hu-HU" dirty="0" err="1" smtClean="0">
+                <a:latin typeface="Helvetica LT Std"/>
+              </a:rPr>
+              <a:t>Cloud</a:t>
+            </a:r>
+            <a:r>
+              <a:rPr lang="hu-HU" dirty="0" smtClean="0">
+                <a:latin typeface="Helvetica LT Std"/>
+              </a:rPr>
+              <a:t> </a:t>
+            </a:r>
+            <a:r>
+              <a:rPr lang="hu-HU" dirty="0" err="1" smtClean="0">
+                <a:latin typeface="Helvetica LT Std"/>
+              </a:rPr>
+              <a:t>Foundry</a:t>
+            </a:r>
+            <a:r>
+              <a:rPr lang="hu-HU" dirty="0" smtClean="0">
+                <a:latin typeface="Helvetica LT Std"/>
+              </a:rPr>
+              <a:t> (</a:t>
+            </a:r>
+            <a:r>
+              <a:rPr lang="hu-HU" dirty="0" err="1" smtClean="0">
+                <a:latin typeface="Helvetica LT Std"/>
+              </a:rPr>
+              <a:t>beta</a:t>
+            </a:r>
+            <a:r>
+              <a:rPr lang="hu-HU" dirty="0" smtClean="0">
+                <a:latin typeface="Helvetica LT Std"/>
+              </a:rPr>
+              <a:t>)</a:t>
+            </a:r>
+            <a:endParaRPr kumimoji="0" lang="hu-HU" sz="1800" b="0" i="0" u="none" strike="noStrike" kern="1200" cap="none" spc="0" normalizeH="0" baseline="0" noProof="0" dirty="0" smtClean="0">
+              <a:ln>
+                <a:noFill/>
+              </a:ln>
+              <a:solidFill>
+                <a:schemeClr val="tx1"/>
+              </a:solidFill>
+              <a:effectLst/>
+              <a:uLnTx/>
+              <a:uFillTx/>
+              <a:latin typeface="Helvetica LT Std"/>
+              <a:ea typeface="+mn-ea"/>
+              <a:cs typeface="+mn-cs"/>
+            </a:endParaRPr>
+          </a:p>
+          <a:p>
+            <a:pPr marL="342900" lvl="0" indent="-342900" eaLnBrk="0" hangingPunct="0">
+              <a:spcBef>
+                <a:spcPct val="20000"/>
+              </a:spcBef>
+            </a:pPr>
+            <a:r>
+              <a:rPr lang="hu-HU" i="1" dirty="0" smtClean="0">
+                <a:latin typeface="Helvetica LT Std"/>
+              </a:rPr>
+              <a:t>	</a:t>
+            </a:r>
+            <a:r>
+              <a:rPr lang="hu-HU" i="1" dirty="0" smtClean="0">
+                <a:latin typeface="Helvetica LT Std"/>
+                <a:hlinkClick r:id="rId3"/>
+              </a:rPr>
+              <a:t>http</a:t>
+            </a:r>
+            <a:r>
+              <a:rPr lang="hu-HU" i="1" dirty="0" smtClean="0">
+                <a:latin typeface="Helvetica LT Std"/>
+                <a:hlinkClick r:id="rId3"/>
+              </a:rPr>
+              <a:t>://www.cloudfoundry.com</a:t>
+            </a:r>
+            <a:r>
+              <a:rPr lang="hu-HU" i="1" dirty="0" smtClean="0">
+                <a:latin typeface="Helvetica LT Std"/>
+                <a:hlinkClick r:id="rId3"/>
+              </a:rPr>
+              <a:t>/</a:t>
+            </a:r>
+            <a:endParaRPr lang="hu-HU" i="1" dirty="0" smtClean="0">
+              <a:latin typeface="Helvetica LT Std"/>
+            </a:endParaRPr>
+          </a:p>
+          <a:p>
+            <a:pPr marL="342900" lvl="0" indent="-342900" eaLnBrk="0" hangingPunct="0">
+              <a:spcBef>
+                <a:spcPct val="20000"/>
+              </a:spcBef>
+            </a:pPr>
+            <a:endParaRPr kumimoji="0" lang="hu-HU" sz="1800" b="0" i="1" u="none" strike="noStrike" kern="1200" cap="none" spc="0" normalizeH="0" baseline="0" noProof="0" dirty="0" smtClean="0">
+              <a:ln>
+                <a:noFill/>
+              </a:ln>
+              <a:solidFill>
+                <a:schemeClr val="tx1"/>
+              </a:solidFill>
+              <a:effectLst/>
+              <a:uLnTx/>
+              <a:uFillTx/>
+              <a:latin typeface="Helvetica LT Std"/>
+              <a:ea typeface="+mn-ea"/>
+              <a:cs typeface="+mn-cs"/>
+            </a:endParaRPr>
+          </a:p>
+          <a:p>
+            <a:pPr marL="342900" indent="-342900" eaLnBrk="0" hangingPunct="0">
+              <a:spcBef>
+                <a:spcPct val="20000"/>
+              </a:spcBef>
+              <a:buFont typeface="Arial" pitchFamily="34" charset="0"/>
+              <a:buChar char="•"/>
+            </a:pPr>
+            <a:r>
+              <a:rPr lang="hu-HU" dirty="0" err="1" smtClean="0">
+                <a:latin typeface="Helvetica LT Std"/>
+              </a:rPr>
+              <a:t>Google</a:t>
+            </a:r>
+            <a:r>
+              <a:rPr lang="hu-HU" dirty="0" smtClean="0">
+                <a:latin typeface="Helvetica LT Std"/>
+              </a:rPr>
+              <a:t> </a:t>
+            </a:r>
+            <a:r>
+              <a:rPr lang="hu-HU" dirty="0" err="1" smtClean="0">
+                <a:latin typeface="Helvetica LT Std"/>
+              </a:rPr>
+              <a:t>App</a:t>
+            </a:r>
+            <a:r>
+              <a:rPr lang="hu-HU" dirty="0" smtClean="0">
+                <a:latin typeface="Helvetica LT Std"/>
+              </a:rPr>
+              <a:t> </a:t>
+            </a:r>
+            <a:r>
+              <a:rPr lang="hu-HU" dirty="0" err="1" smtClean="0">
+                <a:latin typeface="Helvetica LT Std"/>
+              </a:rPr>
+              <a:t>Engine</a:t>
+            </a:r>
+            <a:endParaRPr lang="hu-HU" dirty="0" smtClean="0">
+              <a:latin typeface="Helvetica LT Std"/>
+            </a:endParaRPr>
+          </a:p>
+          <a:p>
+            <a:pPr marL="342900" indent="-342900" eaLnBrk="0" hangingPunct="0">
+              <a:spcBef>
+                <a:spcPct val="20000"/>
+              </a:spcBef>
+            </a:pPr>
+            <a:r>
+              <a:rPr lang="hu-HU" i="1" dirty="0" smtClean="0">
+                <a:latin typeface="Helvetica LT Std"/>
+              </a:rPr>
+              <a:t>	</a:t>
+            </a:r>
+            <a:r>
+              <a:rPr lang="hu-HU" i="1" dirty="0" smtClean="0">
+                <a:latin typeface="Helvetica LT Std"/>
+                <a:hlinkClick r:id="rId4"/>
+              </a:rPr>
+              <a:t>http</a:t>
+            </a:r>
+            <a:r>
+              <a:rPr lang="hu-HU" i="1" dirty="0" smtClean="0">
+                <a:latin typeface="Helvetica LT Std"/>
+                <a:hlinkClick r:id="rId4"/>
+              </a:rPr>
+              <a:t>://code.google.com/appengine</a:t>
+            </a:r>
+            <a:r>
+              <a:rPr lang="hu-HU" i="1" dirty="0" smtClean="0">
+                <a:latin typeface="Helvetica LT Std"/>
+                <a:hlinkClick r:id="rId4"/>
+              </a:rPr>
+              <a:t>/</a:t>
+            </a:r>
+            <a:endParaRPr lang="hu-HU" i="1" dirty="0" smtClean="0">
+              <a:latin typeface="Helvetica LT Std"/>
+            </a:endParaRPr>
+          </a:p>
+          <a:p>
+            <a:pPr marL="342900" indent="-342900" eaLnBrk="0" hangingPunct="0">
+              <a:spcBef>
+                <a:spcPct val="20000"/>
+              </a:spcBef>
+            </a:pPr>
+            <a:endParaRPr lang="hu-HU" i="1" dirty="0" smtClean="0">
+              <a:latin typeface="Helvetica LT Std"/>
+            </a:endParaRPr>
+          </a:p>
+          <a:p>
+            <a:pPr marL="342900" indent="-342900" eaLnBrk="0" hangingPunct="0">
+              <a:spcBef>
+                <a:spcPct val="20000"/>
+              </a:spcBef>
+              <a:buFont typeface="Arial" pitchFamily="34" charset="0"/>
+              <a:buChar char="•"/>
+            </a:pPr>
+            <a:r>
+              <a:rPr lang="hu-HU" dirty="0" smtClean="0">
+                <a:latin typeface="Helvetica LT Std"/>
+              </a:rPr>
+              <a:t>Microsoft </a:t>
+            </a:r>
+            <a:r>
+              <a:rPr lang="hu-HU" dirty="0" err="1" smtClean="0">
+                <a:latin typeface="Helvetica LT Std"/>
+              </a:rPr>
+              <a:t>Azure</a:t>
+            </a:r>
+            <a:r>
+              <a:rPr lang="hu-HU" dirty="0" smtClean="0">
+                <a:latin typeface="Helvetica LT Std"/>
+              </a:rPr>
+              <a:t> </a:t>
+            </a:r>
+            <a:r>
+              <a:rPr lang="hu-HU" dirty="0" err="1" smtClean="0">
+                <a:latin typeface="Helvetica LT Std"/>
+              </a:rPr>
+              <a:t>Services</a:t>
+            </a:r>
+            <a:r>
+              <a:rPr lang="hu-HU" dirty="0" smtClean="0">
+                <a:latin typeface="Helvetica LT Std"/>
+              </a:rPr>
+              <a:t> </a:t>
+            </a:r>
+            <a:r>
+              <a:rPr lang="hu-HU" dirty="0" smtClean="0">
+                <a:latin typeface="Helvetica LT Std"/>
+              </a:rPr>
+              <a:t>Platform</a:t>
+            </a:r>
+          </a:p>
+          <a:p>
+            <a:pPr marL="342900" indent="-342900" eaLnBrk="0" hangingPunct="0">
+              <a:spcBef>
+                <a:spcPct val="20000"/>
+              </a:spcBef>
+            </a:pPr>
+            <a:r>
+              <a:rPr lang="hu-HU" dirty="0" smtClean="0">
+                <a:latin typeface="Helvetica LT Std"/>
+              </a:rPr>
+              <a:t>	</a:t>
+            </a:r>
+            <a:r>
+              <a:rPr lang="hu-HU" i="1" dirty="0" smtClean="0">
+                <a:latin typeface="Helvetica LT Std"/>
+                <a:hlinkClick r:id="rId5"/>
+              </a:rPr>
+              <a:t>http</a:t>
+            </a:r>
+            <a:r>
+              <a:rPr lang="hu-HU" i="1" dirty="0" smtClean="0">
+                <a:latin typeface="Helvetica LT Std"/>
+                <a:hlinkClick r:id="rId5"/>
+              </a:rPr>
+              <a:t>://www.windowsazure.com</a:t>
+            </a:r>
+            <a:r>
+              <a:rPr lang="hu-HU" i="1" dirty="0" smtClean="0">
+                <a:latin typeface="Helvetica LT Std"/>
+                <a:hlinkClick r:id="rId5"/>
+              </a:rPr>
+              <a:t>/</a:t>
+            </a:r>
+            <a:endParaRPr lang="hu-HU" i="1" dirty="0" smtClean="0">
+              <a:latin typeface="Helvetica LT Std"/>
+            </a:endParaRPr>
+          </a:p>
+          <a:p>
+            <a:pPr marL="342900" indent="-342900" eaLnBrk="0" hangingPunct="0">
+              <a:spcBef>
+                <a:spcPct val="20000"/>
+              </a:spcBef>
+              <a:buFont typeface="Arial" pitchFamily="34" charset="0"/>
+              <a:buChar char="•"/>
+            </a:pPr>
+            <a:endParaRPr lang="hu-HU" dirty="0" smtClean="0">
+              <a:latin typeface="Helvetica LT Std"/>
+            </a:endParaRPr>
+          </a:p>
+          <a:p>
+            <a:pPr marL="342900" indent="-342900" eaLnBrk="0" hangingPunct="0">
+              <a:spcBef>
+                <a:spcPct val="20000"/>
+              </a:spcBef>
+              <a:buFont typeface="Arial" pitchFamily="34" charset="0"/>
+              <a:buChar char="•"/>
+            </a:pPr>
+            <a:r>
+              <a:rPr lang="hu-HU" dirty="0" err="1" smtClean="0">
+                <a:latin typeface="Helvetica LT Std"/>
+              </a:rPr>
+              <a:t>Jelastic</a:t>
+            </a:r>
+            <a:r>
+              <a:rPr lang="hu-HU" dirty="0" smtClean="0">
+                <a:latin typeface="Helvetica LT Std"/>
+              </a:rPr>
+              <a:t> Java </a:t>
+            </a:r>
+            <a:r>
+              <a:rPr lang="hu-HU" dirty="0" err="1" smtClean="0">
+                <a:latin typeface="Helvetica LT Std"/>
+              </a:rPr>
+              <a:t>PaaS</a:t>
+            </a:r>
+            <a:r>
+              <a:rPr lang="hu-HU" dirty="0" smtClean="0">
+                <a:latin typeface="Helvetica LT Std"/>
+              </a:rPr>
+              <a:t> (</a:t>
+            </a:r>
+            <a:r>
+              <a:rPr lang="hu-HU" dirty="0" err="1" smtClean="0">
+                <a:latin typeface="Helvetica LT Std"/>
+              </a:rPr>
+              <a:t>beta</a:t>
+            </a:r>
+            <a:r>
+              <a:rPr lang="hu-HU" dirty="0" smtClean="0">
+                <a:latin typeface="Helvetica LT Std"/>
+              </a:rPr>
+              <a:t>)</a:t>
+            </a:r>
+          </a:p>
+          <a:p>
+            <a:pPr marL="342900" indent="-342900" eaLnBrk="0" hangingPunct="0">
+              <a:spcBef>
+                <a:spcPct val="20000"/>
+              </a:spcBef>
+            </a:pPr>
+            <a:r>
+              <a:rPr lang="hu-HU" i="1" dirty="0" smtClean="0">
+                <a:latin typeface="Helvetica LT Std"/>
+              </a:rPr>
+              <a:t>	</a:t>
+            </a:r>
+            <a:r>
+              <a:rPr lang="hu-HU" i="1" dirty="0" smtClean="0">
+                <a:latin typeface="Helvetica LT Std"/>
+                <a:hlinkClick r:id="rId6"/>
+              </a:rPr>
+              <a:t>http</a:t>
+            </a:r>
+            <a:r>
+              <a:rPr lang="hu-HU" i="1" dirty="0" smtClean="0">
+                <a:latin typeface="Helvetica LT Std"/>
+                <a:hlinkClick r:id="rId6"/>
+              </a:rPr>
+              <a:t>://jelastic.com</a:t>
+            </a:r>
+            <a:r>
+              <a:rPr lang="hu-HU" i="1" dirty="0" smtClean="0">
+                <a:latin typeface="Helvetica LT Std"/>
+                <a:hlinkClick r:id="rId6"/>
+              </a:rPr>
+              <a:t>/</a:t>
+            </a:r>
+            <a:endParaRPr lang="hu-HU" i="1" dirty="0" smtClean="0">
+              <a:latin typeface="Helvetica LT Std"/>
+            </a:endParaRPr>
+          </a:p>
+          <a:p>
+            <a:pPr marL="342900" marR="0" lvl="0" indent="-342900" algn="l" defTabSz="914400" rtl="0" eaLnBrk="0" fontAlgn="base" latinLnBrk="0" hangingPunct="0">
+              <a:lnSpc>
+                <a:spcPct val="100000"/>
+              </a:lnSpc>
+              <a:spcBef>
+                <a:spcPct val="20000"/>
+              </a:spcBef>
+              <a:spcAft>
+                <a:spcPct val="0"/>
+              </a:spcAft>
+              <a:buClrTx/>
+              <a:buSzTx/>
+              <a:buFont typeface="Arial" pitchFamily="34" charset="0"/>
+              <a:buNone/>
+              <a:tabLst/>
+              <a:defRPr/>
+            </a:pPr>
+            <a:endParaRPr kumimoji="0" lang="hu-HU" sz="1800" b="0" i="1" u="none" strike="noStrike" kern="1200" cap="none" spc="0" normalizeH="0" baseline="0" noProof="0" dirty="0" smtClean="0">
+              <a:ln>
+                <a:noFill/>
+              </a:ln>
+              <a:solidFill>
+                <a:schemeClr val="tx1"/>
+              </a:solidFill>
+              <a:effectLst/>
+              <a:uLnTx/>
+              <a:uFillTx/>
+              <a:latin typeface="Helvetica LT Std"/>
+              <a:ea typeface="+mn-ea"/>
+              <a:cs typeface="+mn-cs"/>
+            </a:endParaRPr>
+          </a:p>
+        </p:txBody>
+      </p:sp>
     </p:spTree>
   </p:cSld>
   <p:clrMapOvr>
@@ -3941,8 +4640,8 @@
         </p:nvSpPr>
         <p:spPr>
           <a:xfrm>
-            <a:off x="1371600" y="2667000"/>
-            <a:ext cx="6599884" cy="1015663"/>
+            <a:off x="2362200" y="2514600"/>
+            <a:ext cx="4076757" cy="1015663"/>
           </a:xfrm>
           <a:prstGeom prst="rect">
             <a:avLst/>
@@ -3957,7 +4656,7 @@
           <a:p>
             <a:r>
               <a:rPr lang="en-US" sz="6000" dirty="0" smtClean="0"/>
-              <a:t>Explore the project</a:t>
+              <a:t>Questions?</a:t>
             </a:r>
             <a:endParaRPr lang="en-US" sz="6000" dirty="0"/>
           </a:p>
@@ -4002,371 +4701,6 @@
             <a:spLocks noGrp="1"/>
           </p:cNvSpPr>
           <p:nvPr>
-            <p:ph type="title"/>
-          </p:nvPr>
-        </p:nvSpPr>
-        <p:spPr/>
-        <p:txBody>
-          <a:bodyPr/>
-          <a:lstStyle/>
-          <a:p>
-            <a:r>
-              <a:rPr lang="en-US" smtClean="0"/>
-              <a:t>Documentation</a:t>
-            </a:r>
-            <a:endParaRPr lang="en-US"/>
-          </a:p>
-        </p:txBody>
-      </p:sp>
-      <p:sp>
-        <p:nvSpPr>
-          <p:cNvPr id="3" name="Footer Placeholder 2"/>
-          <p:cNvSpPr>
-            <a:spLocks noGrp="1"/>
-          </p:cNvSpPr>
-          <p:nvPr>
-            <p:ph type="ftr" sz="quarter" idx="10"/>
-          </p:nvPr>
-        </p:nvSpPr>
-        <p:spPr/>
-        <p:txBody>
-          <a:bodyPr/>
-          <a:lstStyle/>
-          <a:p>
-            <a:pPr>
-              <a:defRPr/>
-            </a:pPr>
-            <a:r>
-              <a:rPr lang="en-US" smtClean="0"/>
-              <a:t>2011 © EPAM Systems</a:t>
-            </a:r>
-            <a:endParaRPr lang="en-US"/>
-          </a:p>
-        </p:txBody>
-      </p:sp>
-      <p:sp>
-        <p:nvSpPr>
-          <p:cNvPr id="4" name="Slide Number Placeholder 3"/>
-          <p:cNvSpPr>
-            <a:spLocks noGrp="1"/>
-          </p:cNvSpPr>
-          <p:nvPr>
-            <p:ph type="sldNum" sz="quarter" idx="11"/>
-          </p:nvPr>
-        </p:nvSpPr>
-        <p:spPr/>
-        <p:txBody>
-          <a:bodyPr/>
-          <a:lstStyle/>
-          <a:p>
-            <a:pPr>
-              <a:defRPr/>
-            </a:pPr>
-            <a:fld id="{AA712712-3884-4B09-89F4-3E21D1ECCFA1}" type="slidenum">
-              <a:rPr lang="en-US" smtClean="0"/>
-              <a:pPr>
-                <a:defRPr/>
-              </a:pPr>
-              <a:t>17</a:t>
-            </a:fld>
-            <a:endParaRPr lang="en-US"/>
-          </a:p>
-        </p:txBody>
-      </p:sp>
-      <p:sp>
-        <p:nvSpPr>
-          <p:cNvPr id="6" name="Text Placeholder 5"/>
-          <p:cNvSpPr>
-            <a:spLocks noGrp="1"/>
-          </p:cNvSpPr>
-          <p:nvPr>
-            <p:ph type="body" idx="1"/>
-          </p:nvPr>
-        </p:nvSpPr>
-        <p:spPr/>
-        <p:txBody>
-          <a:bodyPr/>
-          <a:lstStyle/>
-          <a:p>
-            <a:r>
-              <a:rPr lang="en-US" dirty="0">
-                <a:hlinkClick r:id="rId2"/>
-              </a:rPr>
-              <a:t>http://</a:t>
-            </a:r>
-            <a:r>
-              <a:rPr lang="en-US" dirty="0" smtClean="0">
-                <a:hlinkClick r:id="rId2"/>
-              </a:rPr>
-              <a:t>www.springsource.org/documentation</a:t>
-            </a:r>
-            <a:endParaRPr lang="en-US" dirty="0" smtClean="0"/>
-          </a:p>
-          <a:p>
-            <a:pPr lvl="1"/>
-            <a:r>
-              <a:rPr lang="en-US" dirty="0" smtClean="0">
-                <a:hlinkClick r:id="rId3"/>
-              </a:rPr>
-              <a:t>http</a:t>
-            </a:r>
-            <a:r>
-              <a:rPr lang="en-US" dirty="0">
-                <a:hlinkClick r:id="rId3"/>
-              </a:rPr>
-              <a:t>://blog.springsource.com/category/green-beans</a:t>
-            </a:r>
-            <a:r>
-              <a:rPr lang="en-US" dirty="0" smtClean="0">
-                <a:hlinkClick r:id="rId3"/>
-              </a:rPr>
-              <a:t>/</a:t>
-            </a:r>
-            <a:endParaRPr lang="en-US" dirty="0" smtClean="0"/>
-          </a:p>
-          <a:p>
-            <a:pPr lvl="1"/>
-            <a:r>
-              <a:rPr lang="en-US" dirty="0" smtClean="0">
-                <a:hlinkClick r:id="rId4"/>
-              </a:rPr>
-              <a:t>http</a:t>
-            </a:r>
-            <a:r>
-              <a:rPr lang="en-US" dirty="0">
-                <a:hlinkClick r:id="rId4"/>
-              </a:rPr>
-              <a:t>://</a:t>
-            </a:r>
-            <a:r>
-              <a:rPr lang="en-US" dirty="0" smtClean="0">
-                <a:hlinkClick r:id="rId4"/>
-              </a:rPr>
-              <a:t>static.springsource.org/spring/docs/3.0.x/spring-framework-reference/html/beans.html</a:t>
-            </a:r>
-            <a:endParaRPr lang="en-US" dirty="0" smtClean="0"/>
-          </a:p>
-          <a:p>
-            <a:pPr lvl="1"/>
-            <a:r>
-              <a:rPr lang="en-US" dirty="0" smtClean="0">
-                <a:hlinkClick r:id="rId5"/>
-              </a:rPr>
-              <a:t>http</a:t>
-            </a:r>
-            <a:r>
-              <a:rPr lang="en-US" dirty="0">
-                <a:hlinkClick r:id="rId5"/>
-              </a:rPr>
-              <a:t>://</a:t>
-            </a:r>
-            <a:r>
-              <a:rPr lang="en-US" dirty="0" smtClean="0">
-                <a:hlinkClick r:id="rId5"/>
-              </a:rPr>
-              <a:t>static.springsource.org/spring/docs/3.0.x/spring-framework-reference/html/testing.html</a:t>
-            </a:r>
-            <a:endParaRPr lang="en-US" dirty="0" smtClean="0"/>
-          </a:p>
-          <a:p>
-            <a:r>
-              <a:rPr lang="en-US" dirty="0" smtClean="0">
-                <a:hlinkClick r:id="rId6"/>
-              </a:rPr>
-              <a:t>http</a:t>
-            </a:r>
-            <a:r>
-              <a:rPr lang="en-US" dirty="0">
-                <a:hlinkClick r:id="rId6"/>
-              </a:rPr>
-              <a:t>://</a:t>
-            </a:r>
-            <a:r>
-              <a:rPr lang="en-US" dirty="0" smtClean="0">
-                <a:hlinkClick r:id="rId6"/>
-              </a:rPr>
-              <a:t>martinfowler.com/bliki/InversionOfControl.html</a:t>
-            </a:r>
-            <a:endParaRPr lang="en-US" dirty="0" smtClean="0"/>
-          </a:p>
-          <a:p>
-            <a:r>
-              <a:rPr lang="en-US" dirty="0" smtClean="0">
-                <a:hlinkClick r:id="rId7"/>
-              </a:rPr>
-              <a:t>http://docs.codehaus.org/display/PICO/IoC+Types</a:t>
-            </a:r>
-            <a:endParaRPr lang="en-US" dirty="0" smtClean="0"/>
-          </a:p>
-          <a:p>
-            <a:endParaRPr lang="en-US" dirty="0" smtClean="0"/>
-          </a:p>
-          <a:p>
-            <a:endParaRPr lang="en-US" dirty="0"/>
-          </a:p>
-        </p:txBody>
-      </p:sp>
-    </p:spTree>
-    <p:extLst>
-      <p:ext uri="{BB962C8B-B14F-4D97-AF65-F5344CB8AC3E}">
-        <p14:creationId xmlns="" xmlns:p14="http://schemas.microsoft.com/office/powerpoint/2010/main" val="2257004671"/>
-      </p:ext>
-    </p:extLst>
-  </p:cSld>
-  <p:clrMapOvr>
-    <a:masterClrMapping/>
-  </p:clrMapOvr>
-  <p:timing>
-    <p:tnLst>
-      <p:par>
-        <p:cTn id="1" dur="indefinite" restart="never" nodeType="tmRoot"/>
-      </p:par>
-    </p:tnLst>
-  </p:timing>
-</p:sld>
-</file>
-
-<file path=ppt/slides/slide18.xml><?xml version="1.0" encoding="utf-8"?>
-<p:sld xmlns:a="http://schemas.openxmlformats.org/drawingml/2006/main" xmlns:r="http://schemas.openxmlformats.org/officeDocument/2006/relationships" xmlns:p="http://schemas.openxmlformats.org/presentationml/2006/main">
-  <p:cSld>
-    <p:spTree>
-      <p:nvGrpSpPr>
-        <p:cNvPr id="1" name=""/>
-        <p:cNvGrpSpPr/>
-        <p:nvPr/>
-      </p:nvGrpSpPr>
-      <p:grpSpPr>
-        <a:xfrm>
-          <a:off x="0" y="0"/>
-          <a:ext cx="0" cy="0"/>
-          <a:chOff x="0" y="0"/>
-          <a:chExt cx="0" cy="0"/>
-        </a:xfrm>
-      </p:grpSpPr>
-      <p:sp>
-        <p:nvSpPr>
-          <p:cNvPr id="3" name="Footer Placeholder 2"/>
-          <p:cNvSpPr>
-            <a:spLocks noGrp="1"/>
-          </p:cNvSpPr>
-          <p:nvPr>
-            <p:ph type="ftr" sz="quarter" idx="10"/>
-          </p:nvPr>
-        </p:nvSpPr>
-        <p:spPr/>
-        <p:txBody>
-          <a:bodyPr/>
-          <a:lstStyle/>
-          <a:p>
-            <a:pPr>
-              <a:defRPr/>
-            </a:pPr>
-            <a:r>
-              <a:rPr lang="en-US" smtClean="0"/>
-              <a:t>2011 © EPAM Systems</a:t>
-            </a:r>
-            <a:endParaRPr lang="en-US"/>
-          </a:p>
-        </p:txBody>
-      </p:sp>
-      <p:sp>
-        <p:nvSpPr>
-          <p:cNvPr id="4" name="Slide Number Placeholder 3"/>
-          <p:cNvSpPr>
-            <a:spLocks noGrp="1"/>
-          </p:cNvSpPr>
-          <p:nvPr>
-            <p:ph type="sldNum" sz="quarter" idx="11"/>
-          </p:nvPr>
-        </p:nvSpPr>
-        <p:spPr/>
-        <p:txBody>
-          <a:bodyPr/>
-          <a:lstStyle/>
-          <a:p>
-            <a:pPr>
-              <a:defRPr/>
-            </a:pPr>
-            <a:fld id="{AA712712-3884-4B09-89F4-3E21D1ECCFA1}" type="slidenum">
-              <a:rPr lang="en-US" smtClean="0"/>
-              <a:pPr>
-                <a:defRPr/>
-              </a:pPr>
-              <a:t>18</a:t>
-            </a:fld>
-            <a:endParaRPr lang="en-US"/>
-          </a:p>
-        </p:txBody>
-      </p:sp>
-      <p:sp>
-        <p:nvSpPr>
-          <p:cNvPr id="7" name="TextBox 6"/>
-          <p:cNvSpPr txBox="1"/>
-          <p:nvPr/>
-        </p:nvSpPr>
-        <p:spPr>
-          <a:xfrm>
-            <a:off x="2362200" y="2514600"/>
-            <a:ext cx="4076757" cy="1015663"/>
-          </a:xfrm>
-          <a:prstGeom prst="rect">
-            <a:avLst/>
-          </a:prstGeom>
-          <a:noFill/>
-        </p:spPr>
-        <p:txBody>
-          <a:bodyPr wrap="none" rtlCol="0">
-            <a:spAutoFit/>
-          </a:bodyPr>
-          <a:lstStyle/>
-          <a:p>
-            <a:r>
-              <a:rPr lang="en-US" sz="6000" dirty="0" smtClean="0"/>
-              <a:t>Questions?</a:t>
-            </a:r>
-            <a:endParaRPr lang="en-US" sz="6000" dirty="0"/>
-          </a:p>
-        </p:txBody>
-      </p:sp>
-    </p:spTree>
-  </p:cSld>
-  <p:clrMapOvr>
-    <a:masterClrMapping/>
-  </p:clrMapOvr>
-  <p:timing>
-    <p:tnLst>
-      <p:par>
-        <p:cTn id="1" dur="indefinite" restart="never" nodeType="tmRoot"/>
-      </p:par>
-    </p:tnLst>
-  </p:timing>
-</p:sld>
-</file>
-
-<file path=ppt/slides/slide19.xml><?xml version="1.0" encoding="utf-8"?>
-<p:sld xmlns:a="http://schemas.openxmlformats.org/drawingml/2006/main" xmlns:r="http://schemas.openxmlformats.org/officeDocument/2006/relationships" xmlns:p="http://schemas.openxmlformats.org/presentationml/2006/main">
-  <p:cSld>
-    <p:spTree>
-      <p:nvGrpSpPr>
-        <p:cNvPr id="1" name=""/>
-        <p:cNvGrpSpPr/>
-        <p:nvPr/>
-      </p:nvGrpSpPr>
-      <p:grpSpPr>
-        <a:xfrm>
-          <a:off x="0" y="0"/>
-          <a:ext cx="0" cy="0"/>
-          <a:chOff x="0" y="0"/>
-          <a:chExt cx="0" cy="0"/>
-        </a:xfrm>
-      </p:grpSpPr>
-      <p:sp>
-        <p:nvSpPr>
-          <p:cNvPr id="5" name="Title 4"/>
-          <p:cNvSpPr>
-            <a:spLocks noGrp="1"/>
-          </p:cNvSpPr>
-          <p:nvPr>
             <p:ph type="ctrTitle"/>
           </p:nvPr>
         </p:nvSpPr>
@@ -4440,12 +4774,42 @@
               <a:defRPr/>
             </a:pPr>
             <a:r>
-              <a:rPr lang="en-US" sz="1600" smtClean="0">
+              <a:rPr lang="hu-HU" sz="1600" dirty="0" err="1" smtClean="0">
                 <a:latin typeface="Helvetica LT Std" pitchFamily="34" charset="0"/>
               </a:rPr>
-              <a:t>Spring framework — The IoC container</a:t>
-            </a:r>
-            <a:endParaRPr lang="en-US" sz="1600">
+              <a:t>Heroku</a:t>
+            </a:r>
+            <a:r>
+              <a:rPr lang="en-US" sz="1600" dirty="0" smtClean="0">
+                <a:latin typeface="Helvetica LT Std" pitchFamily="34" charset="0"/>
+              </a:rPr>
+              <a:t> </a:t>
+            </a:r>
+            <a:r>
+              <a:rPr lang="hu-HU" sz="1600" dirty="0" err="1" smtClean="0">
+                <a:latin typeface="Helvetica LT Std" pitchFamily="34" charset="0"/>
+              </a:rPr>
+              <a:t>Cloud</a:t>
+            </a:r>
+            <a:r>
+              <a:rPr lang="hu-HU" sz="1600" dirty="0" smtClean="0">
+                <a:latin typeface="Helvetica LT Std" pitchFamily="34" charset="0"/>
+              </a:rPr>
+              <a:t> </a:t>
+            </a:r>
+            <a:r>
+              <a:rPr lang="hu-HU" sz="1600" dirty="0" err="1" smtClean="0">
+                <a:latin typeface="Helvetica LT Std" pitchFamily="34" charset="0"/>
+              </a:rPr>
+              <a:t>Application</a:t>
+            </a:r>
+            <a:r>
+              <a:rPr lang="hu-HU" sz="1600" dirty="0" smtClean="0">
+                <a:latin typeface="Helvetica LT Std" pitchFamily="34" charset="0"/>
+              </a:rPr>
+              <a:t> Platform</a:t>
+            </a:r>
+            <a:endParaRPr lang="en-US" sz="1600" dirty="0">
               <a:latin typeface="Helvetica LT Std" pitchFamily="34" charset="0"/>
             </a:endParaRPr>
           </a:p>
@@ -4480,7 +4844,7 @@
               <a:defRPr/>
             </a:pPr>
             <a:r>
-              <a:rPr lang="en-US" sz="1600" smtClean="0">
+              <a:rPr lang="en-US" sz="1600" dirty="0" smtClean="0">
                 <a:latin typeface="Helvetica LT Std" pitchFamily="34" charset="0"/>
               </a:rPr>
               <a:t>By </a:t>
@@ -4496,11 +4860,26 @@
               <a:defRPr/>
             </a:pPr>
             <a:r>
-              <a:rPr lang="en-US" sz="1600" smtClean="0">
+              <a:rPr lang="hu-HU" sz="1600" dirty="0" err="1" smtClean="0">
                 <a:latin typeface="Helvetica LT Std" pitchFamily="34" charset="0"/>
               </a:rPr>
-              <a:t>Bertalan Kis</a:t>
-            </a:r>
+              <a:t>Zoltan</a:t>
+            </a:r>
+            <a:r>
+              <a:rPr lang="hu-HU" sz="1600" dirty="0" smtClean="0">
+                <a:latin typeface="Helvetica LT Std" pitchFamily="34" charset="0"/>
+              </a:rPr>
+              <a:t> </a:t>
+            </a:r>
+            <a:r>
+              <a:rPr lang="hu-HU" sz="1600" dirty="0" err="1" smtClean="0">
+                <a:latin typeface="Helvetica LT Std" pitchFamily="34" charset="0"/>
+              </a:rPr>
+              <a:t>Gorbe</a:t>
+            </a:r>
+            <a:endParaRPr lang="en-US" sz="1600" dirty="0" smtClean="0">
+              <a:latin typeface="Helvetica LT Std" pitchFamily="34" charset="0"/>
+            </a:endParaRPr>
           </a:p>
           <a:p>
             <a:pPr eaLnBrk="1" fontAlgn="auto" hangingPunct="1">
@@ -4510,12 +4889,12 @@
               <a:defRPr/>
             </a:pPr>
             <a:r>
-              <a:rPr lang="en-US" sz="1600" smtClean="0">
+              <a:rPr lang="en-US" sz="1600" dirty="0" smtClean="0">
                 <a:latin typeface="Helvetica LT Std" pitchFamily="34" charset="0"/>
               </a:rPr>
               <a:t>Software Developer</a:t>
             </a:r>
-            <a:endParaRPr lang="en-US" sz="1600">
+            <a:endParaRPr lang="en-US" sz="1600" dirty="0">
               <a:latin typeface="Helvetica LT Std" pitchFamily="34" charset="0"/>
             </a:endParaRPr>
           </a:p>
@@ -4910,7 +5289,7 @@
     </p:spTree>
     <p:extLst>
       <p:ext uri="{BB962C8B-B14F-4D97-AF65-F5344CB8AC3E}">
-        <p14:creationId xmlns="" xmlns:p14="http://schemas.microsoft.com/office/powerpoint/2010/main" val="3780603295"/>
+        <p14:creationId xmlns:p14="http://schemas.microsoft.com/office/powerpoint/2010/main" xmlns="" val="3780603295"/>
       </p:ext>
     </p:extLst>
   </p:cSld>
@@ -5637,7 +6016,6 @@
               <a:rPr lang="hu-HU" dirty="0" smtClean="0"/>
               <a:t> management</a:t>
             </a:r>
-            <a:endParaRPr lang="hu-HU" dirty="0" smtClean="0"/>
           </a:p>
           <a:p>
             <a:pPr lvl="1"/>
@@ -5954,19 +6332,7 @@
           <a:p>
             <a:r>
               <a:rPr lang="hu-HU" dirty="0" err="1" smtClean="0"/>
-              <a:t>Every</a:t>
-            </a:r>
-            <a:r>
-              <a:rPr lang="hu-HU" dirty="0" smtClean="0"/>
-              <a:t> </a:t>
-            </a:r>
-            <a:r>
-              <a:rPr lang="hu-HU" dirty="0" err="1" smtClean="0"/>
-              <a:t>processe</a:t>
-            </a:r>
-            <a:r>
-              <a:rPr lang="hu-HU" dirty="0" err="1" smtClean="0"/>
-              <a:t>s</a:t>
+              <a:t>Processes</a:t>
             </a:r>
             <a:r>
               <a:rPr lang="hu-HU" dirty="0" smtClean="0"/>
@@ -6536,10 +6902,18 @@
           <a:lstStyle/>
           <a:p>
             <a:r>
-              <a:rPr lang="en-US" smtClean="0"/>
-              <a:t>In a standalone java application</a:t>
-            </a:r>
-            <a:endParaRPr lang="en-US"/>
+              <a:rPr lang="hu-HU" dirty="0" err="1" smtClean="0"/>
+              <a:t>Control</a:t>
+            </a:r>
+            <a:r>
+              <a:rPr lang="hu-HU" dirty="0" smtClean="0"/>
+              <a:t> </a:t>
+            </a:r>
+            <a:r>
+              <a:rPr lang="hu-HU" dirty="0" err="1" smtClean="0"/>
+              <a:t>surfaces</a:t>
+            </a:r>
+            <a:endParaRPr lang="en-US" dirty="0"/>
           </a:p>
         </p:txBody>
       </p:sp>
@@ -6598,40 +6972,163 @@
           </a:p>
         </p:txBody>
       </p:sp>
-      <p:pic>
-        <p:nvPicPr>
-          <p:cNvPr id="3074" name="Picture 2"/>
-          <p:cNvPicPr>
-            <a:picLocks noGrp="1" noChangeAspect="1" noChangeArrowheads="1"/>
-          </p:cNvPicPr>
+      <p:sp>
+        <p:nvSpPr>
+          <p:cNvPr id="6" name="Tartalom helye 5"/>
+          <p:cNvSpPr>
+            <a:spLocks noGrp="1"/>
+          </p:cNvSpPr>
           <p:nvPr>
             <p:ph sz="quarter" idx="13"/>
           </p:nvPr>
-        </p:nvPicPr>
-        <p:blipFill>
-          <a:blip r:embed="rId2" cstate="print"/>
-          <a:srcRect/>
-          <a:stretch>
-            <a:fillRect/>
-          </a:stretch>
-        </p:blipFill>
-        <p:spPr bwMode="auto">
-          <a:xfrm>
-            <a:off x="457200" y="708660"/>
-            <a:ext cx="8153400" cy="5012831"/>
-          </a:xfrm>
-          <a:prstGeom prst="rect">
-            <a:avLst/>
-          </a:prstGeom>
-          <a:noFill/>
-          <a:ln w="9525">
-            <a:noFill/>
-            <a:miter lim="800000"/>
-            <a:headEnd/>
-            <a:tailEnd/>
-          </a:ln>
-        </p:spPr>
-      </p:pic>
+        </p:nvSpPr>
+        <p:spPr/>
+        <p:txBody>
+          <a:bodyPr/>
+          <a:lstStyle/>
+          <a:p>
+            <a:r>
+              <a:rPr lang="hu-HU" dirty="0" err="1" smtClean="0"/>
+              <a:t>Heroku</a:t>
+            </a:r>
+            <a:r>
+              <a:rPr lang="hu-HU" dirty="0" smtClean="0"/>
+              <a:t> </a:t>
+            </a:r>
+            <a:r>
+              <a:rPr lang="hu-HU" dirty="0" err="1" smtClean="0"/>
+              <a:t>toolbelt</a:t>
+            </a:r>
+            <a:r>
+              <a:rPr lang="hu-HU" dirty="0" smtClean="0"/>
+              <a:t>:</a:t>
+            </a:r>
+            <a:endParaRPr lang="hu-HU" dirty="0"/>
+          </a:p>
+          <a:p>
+            <a:pPr marL="342900" lvl="1" indent="-342900">
+              <a:buNone/>
+            </a:pPr>
+            <a:r>
+              <a:rPr lang="hu-HU" i="1" dirty="0"/>
+              <a:t>	</a:t>
+            </a:r>
+            <a:r>
+              <a:rPr lang="hu-HU" i="1" dirty="0">
+                <a:hlinkClick r:id="rId2"/>
+              </a:rPr>
+              <a:t>https://toolbelt.heroku.com</a:t>
+            </a:r>
+            <a:r>
+              <a:rPr lang="hu-HU" i="1" dirty="0" smtClean="0">
+                <a:hlinkClick r:id="rId2"/>
+              </a:rPr>
+              <a:t>/</a:t>
+            </a:r>
+            <a:endParaRPr lang="hu-HU" i="1" dirty="0" smtClean="0"/>
+          </a:p>
+          <a:p>
+            <a:pPr marL="342900" lvl="1" indent="-342900">
+              <a:buNone/>
+            </a:pPr>
+            <a:endParaRPr lang="hu-HU" i="1" dirty="0"/>
+          </a:p>
+          <a:p>
+            <a:r>
+              <a:rPr lang="hu-HU" dirty="0" smtClean="0"/>
+              <a:t>Web </a:t>
+            </a:r>
+            <a:r>
+              <a:rPr lang="hu-HU" dirty="0" err="1" smtClean="0"/>
+              <a:t>console</a:t>
+            </a:r>
+            <a:r>
+              <a:rPr lang="hu-HU" dirty="0" smtClean="0"/>
+              <a:t>:</a:t>
+            </a:r>
+            <a:endParaRPr lang="hu-HU" dirty="0"/>
+          </a:p>
+          <a:p>
+            <a:pPr>
+              <a:buNone/>
+            </a:pPr>
+            <a:r>
+              <a:rPr lang="hu-HU" i="1" dirty="0" smtClean="0"/>
+              <a:t>	</a:t>
+            </a:r>
+            <a:r>
+              <a:rPr lang="hu-HU" i="1" dirty="0" smtClean="0">
+                <a:hlinkClick r:id="rId3"/>
+              </a:rPr>
+              <a:t>https</a:t>
+            </a:r>
+            <a:r>
+              <a:rPr lang="hu-HU" i="1" dirty="0">
+                <a:hlinkClick r:id="rId3"/>
+              </a:rPr>
+              <a:t>://</a:t>
+            </a:r>
+            <a:r>
+              <a:rPr lang="hu-HU" i="1" dirty="0" smtClean="0">
+                <a:hlinkClick r:id="rId3"/>
+              </a:rPr>
+              <a:t>api.heroku.com/login</a:t>
+            </a:r>
+            <a:endParaRPr lang="hu-HU" i="1" dirty="0" smtClean="0"/>
+          </a:p>
+          <a:p>
+            <a:pPr>
+              <a:buNone/>
+            </a:pPr>
+            <a:endParaRPr lang="hu-HU" i="1" dirty="0"/>
+          </a:p>
+          <a:p>
+            <a:r>
+              <a:rPr lang="hu-HU" dirty="0" err="1" smtClean="0"/>
+              <a:t>Heroku</a:t>
+            </a:r>
+            <a:r>
+              <a:rPr lang="hu-HU" dirty="0" smtClean="0"/>
+              <a:t> REST API:</a:t>
+            </a:r>
+            <a:endParaRPr lang="hu-HU" dirty="0"/>
+          </a:p>
+          <a:p>
+            <a:pPr>
+              <a:buNone/>
+            </a:pPr>
+            <a:r>
+              <a:rPr lang="hu-HU" i="1" dirty="0" smtClean="0"/>
+              <a:t>	</a:t>
+            </a:r>
+            <a:r>
+              <a:rPr lang="hu-HU" i="1" dirty="0" smtClean="0">
+                <a:hlinkClick r:id="rId4"/>
+              </a:rPr>
+              <a:t>https</a:t>
+            </a:r>
+            <a:r>
+              <a:rPr lang="hu-HU" i="1" dirty="0">
+                <a:hlinkClick r:id="rId4"/>
+              </a:rPr>
+              <a:t>://api-docs.heroku.com</a:t>
+            </a:r>
+            <a:r>
+              <a:rPr lang="hu-HU" i="1" dirty="0" smtClean="0">
+                <a:hlinkClick r:id="rId4"/>
+              </a:rPr>
+              <a:t>/</a:t>
+            </a:r>
+            <a:endParaRPr lang="hu-HU" i="1" dirty="0" smtClean="0"/>
+          </a:p>
+          <a:p>
+            <a:pPr>
+              <a:buNone/>
+            </a:pPr>
+            <a:endParaRPr lang="hu-HU" i="1" dirty="0"/>
+          </a:p>
+        </p:txBody>
+      </p:sp>
     </p:spTree>
   </p:cSld>
   <p:clrMapOvr>
@@ -6680,8 +7177,20 @@
           <a:lstStyle/>
           <a:p>
             <a:r>
-              <a:rPr lang="en-US" dirty="0" smtClean="0"/>
-              <a:t>Dependency injection revisited</a:t>
+              <a:rPr lang="hu-HU" dirty="0" err="1" smtClean="0"/>
+              <a:t>Heroku</a:t>
+            </a:r>
+            <a:r>
+              <a:rPr lang="hu-HU" dirty="0" smtClean="0"/>
+              <a:t> </a:t>
+            </a:r>
+            <a:r>
+              <a:rPr lang="hu-HU" dirty="0" err="1" smtClean="0"/>
+              <a:t>for</a:t>
+            </a:r>
+            <a:r>
+              <a:rPr lang="hu-HU" dirty="0" smtClean="0"/>
+              <a:t> Java 1.</a:t>
             </a:r>
             <a:endParaRPr lang="en-US" dirty="0"/>
           </a:p>
@@ -6758,147 +7267,56 @@
           <a:lstStyle/>
           <a:p>
             <a:r>
+              <a:rPr lang="hu-HU" dirty="0" err="1" smtClean="0"/>
+              <a:t>OpenJDK</a:t>
+            </a:r>
+            <a:r>
+              <a:rPr lang="hu-HU" dirty="0" smtClean="0"/>
+              <a:t> 6</a:t>
+            </a:r>
+          </a:p>
+          <a:p>
+            <a:r>
+              <a:rPr lang="hu-HU" dirty="0" err="1" smtClean="0"/>
+              <a:t>Maven</a:t>
+            </a:r>
+            <a:r>
+              <a:rPr lang="hu-HU" dirty="0" smtClean="0"/>
+              <a:t> 3.0.3</a:t>
+            </a:r>
+          </a:p>
+          <a:p>
+            <a:r>
+              <a:rPr lang="en-US" dirty="0"/>
+              <a:t>Java applications do not run in any Java container at </a:t>
+            </a:r>
+            <a:r>
               <a:rPr lang="en-US" dirty="0" smtClean="0"/>
-              <a:t>Setter injection</a:t>
-            </a:r>
-          </a:p>
-          <a:p>
-            <a:pPr lvl="1"/>
-            <a:r>
-              <a:rPr lang="en-US" dirty="0" smtClean="0"/>
-              <a:t>&lt;</a:t>
-            </a:r>
+              <a:t>all</a:t>
+            </a:r>
+            <a:endParaRPr lang="hu-HU" dirty="0" smtClean="0"/>
+          </a:p>
+          <a:p>
             <a:r>
               <a:rPr lang="en-US" dirty="0"/>
-              <a:t>property name=</a:t>
-            </a:r>
-            <a:r>
-              <a:rPr lang="en-US" i="1" dirty="0"/>
-              <a:t>"</a:t>
-            </a:r>
-            <a:r>
-              <a:rPr lang="en-US" i="1" dirty="0" err="1" smtClean="0"/>
-              <a:t>propertyName</a:t>
-            </a:r>
-            <a:r>
-              <a:rPr lang="en-US" i="1" dirty="0" smtClean="0"/>
-              <a:t>" </a:t>
-            </a:r>
-            <a:r>
-              <a:rPr lang="en-US" i="1" dirty="0"/>
-              <a:t>ref</a:t>
-            </a:r>
-            <a:r>
-              <a:rPr lang="en-US" i="1" dirty="0" smtClean="0"/>
-              <a:t>=„</a:t>
-            </a:r>
-            <a:r>
-              <a:rPr lang="en-US" i="1" dirty="0" err="1" smtClean="0"/>
-              <a:t>beanName</a:t>
-            </a:r>
-            <a:r>
-              <a:rPr lang="en-US" i="1" dirty="0" smtClean="0"/>
-              <a:t>"/&gt;</a:t>
-            </a:r>
-            <a:endParaRPr lang="en-US" i="1" dirty="0"/>
-          </a:p>
-          <a:p>
-            <a:pPr lvl="1"/>
+              <a:t>Any application server can be used, that can be embedded and defined with a Maven dependency (Jetty, Tomcat, Glassfish and Resin)</a:t>
+            </a:r>
+          </a:p>
+          <a:p>
             <a:r>
               <a:rPr lang="en-US" dirty="0"/>
-              <a:t>p:propertyName=</a:t>
-            </a:r>
-            <a:r>
-              <a:rPr lang="en-US" i="1" dirty="0"/>
-              <a:t>"value</a:t>
-            </a:r>
-            <a:r>
-              <a:rPr lang="en-US" i="1" dirty="0" smtClean="0"/>
-              <a:t>"</a:t>
-            </a:r>
-          </a:p>
-          <a:p>
-            <a:pPr lvl="1"/>
-            <a:r>
-              <a:rPr lang="en-US" dirty="0" smtClean="0"/>
-              <a:t>p:propertyName-ref</a:t>
-            </a:r>
-            <a:r>
-              <a:rPr lang="en-US" dirty="0"/>
-              <a:t>=</a:t>
-            </a:r>
-            <a:r>
-              <a:rPr lang="en-US" i="1" dirty="0"/>
-              <a:t>"</a:t>
-            </a:r>
-            <a:r>
-              <a:rPr lang="en-US" i="1" dirty="0" err="1"/>
-              <a:t>beanName</a:t>
-            </a:r>
-            <a:r>
-              <a:rPr lang="en-US" i="1" dirty="0" smtClean="0"/>
-              <a:t>"</a:t>
-            </a:r>
-            <a:endParaRPr lang="en-US" dirty="0" smtClean="0"/>
-          </a:p>
-          <a:p>
-            <a:r>
-              <a:rPr lang="en-US" dirty="0" smtClean="0"/>
-              <a:t>Constructor injection</a:t>
-            </a:r>
-          </a:p>
-          <a:p>
-            <a:pPr lvl="1"/>
-            <a:r>
-              <a:rPr lang="en-US" dirty="0" smtClean="0"/>
-              <a:t>&lt;</a:t>
-            </a:r>
-            <a:r>
-              <a:rPr lang="en-US" dirty="0"/>
-              <a:t>constructor-</a:t>
-            </a:r>
-            <a:r>
-              <a:rPr lang="en-US" dirty="0" err="1"/>
-              <a:t>arg</a:t>
-            </a:r>
-            <a:r>
-              <a:rPr lang="en-US" dirty="0"/>
-              <a:t> index=</a:t>
-            </a:r>
-            <a:r>
-              <a:rPr lang="en-US" i="1" dirty="0"/>
-              <a:t>"0" ref="something"/&gt;</a:t>
-            </a:r>
-          </a:p>
-          <a:p>
-            <a:pPr lvl="1"/>
-            <a:r>
-              <a:rPr lang="en-US" dirty="0"/>
-              <a:t>&lt;constructor-</a:t>
-            </a:r>
-            <a:r>
-              <a:rPr lang="en-US" dirty="0" err="1"/>
-              <a:t>arg</a:t>
-            </a:r>
-            <a:r>
-              <a:rPr lang="en-US" dirty="0"/>
-              <a:t> index=</a:t>
-            </a:r>
-            <a:r>
-              <a:rPr lang="en-US" i="1" dirty="0"/>
-              <a:t>"1" ref="</a:t>
-            </a:r>
-            <a:r>
-              <a:rPr lang="en-US" i="1" dirty="0" err="1"/>
-              <a:t>somethingElse</a:t>
-            </a:r>
-            <a:r>
-              <a:rPr lang="en-US" i="1" dirty="0" smtClean="0"/>
-              <a:t>"/&gt;</a:t>
-            </a:r>
-            <a:endParaRPr lang="en-US" dirty="0" smtClean="0"/>
-          </a:p>
-          <a:p>
+              <a:t>Embedded Tomcat (version 7.0.x) and embedded Jetty (version 7.4.x) have been tested with </a:t>
+            </a:r>
+            <a:r>
+              <a:rPr lang="en-US" dirty="0" err="1" smtClean="0"/>
+              <a:t>Heroku</a:t>
+            </a:r>
+            <a:endParaRPr lang="en-US" dirty="0"/>
+          </a:p>
+          <a:p>
+            <a:pPr>
+              <a:buNone/>
+            </a:pPr>
             <a:endParaRPr lang="en-US" dirty="0"/>
           </a:p>
         </p:txBody>
@@ -7485,21 +7903,6 @@
 </file>
 
 <file path=customXml/item1.xml><?xml version="1.0" encoding="utf-8"?>
-<p:properties xmlns:p="http://schemas.microsoft.com/office/2006/metadata/properties" xmlns:xsi="http://www.w3.org/2001/XMLSchema-instance" xmlns:pc="http://schemas.microsoft.com/office/infopath/2007/PartnerControls">
-  <documentManagement/>
-</p:properties>
-</file>
-
-<file path=customXml/item2.xml><?xml version="1.0" encoding="utf-8"?>
-<?mso-contentType ?>
-<FormTemplates xmlns="http://schemas.microsoft.com/sharepoint/v3/contenttype/forms">
-  <Display>DocumentLibraryForm</Display>
-  <Edit>DocumentLibraryForm</Edit>
-  <New>DocumentLibraryForm</New>
-</FormTemplates>
-</file>
-
-<file path=customXml/item3.xml><?xml version="1.0" encoding="utf-8"?>
 <ct:contentTypeSchema xmlns:ct="http://schemas.microsoft.com/office/2006/metadata/contentType" xmlns:ma="http://schemas.microsoft.com/office/2006/metadata/properties/metaAttributes" ct:_="" ma:_="" ma:contentTypeName="Document" ma:contentTypeID="0x010100175146E524073F468C4FC57E5B2789C1" ma:contentTypeVersion="0" ma:contentTypeDescription="Create a new document." ma:contentTypeScope="" ma:versionID="2cd562bb1c5679eea0696edea0d34439">
   <xsd:schema xmlns:xsd="http://www.w3.org/2001/XMLSchema" xmlns:p="http://schemas.microsoft.com/office/2006/metadata/properties" targetNamespace="http://schemas.microsoft.com/office/2006/metadata/properties" ma:root="true" ma:fieldsID="4aeb20c0e3442673af7ee10786458764">
     <xsd:element name="properties">
@@ -7548,17 +7951,32 @@
 </ct:contentTypeSchema>
 </file>
 
+<file path=customXml/item2.xml><?xml version="1.0" encoding="utf-8"?>
+<?mso-contentType ?>
+<FormTemplates xmlns="http://schemas.microsoft.com/sharepoint/v3/contenttype/forms">
+  <Display>DocumentLibraryForm</Display>
+  <Edit>DocumentLibraryForm</Edit>
+  <New>DocumentLibraryForm</New>
+</FormTemplates>
+</file>
+
+<file path=customXml/item3.xml><?xml version="1.0" encoding="utf-8"?>
+<p:properties xmlns:p="http://schemas.microsoft.com/office/2006/metadata/properties" xmlns:xsi="http://www.w3.org/2001/XMLSchema-instance" xmlns:pc="http://schemas.microsoft.com/office/infopath/2007/PartnerControls">
+  <documentManagement/>
+</p:properties>
+</file>
+
 <file path=customXml/itemProps1.xml><?xml version="1.0" encoding="utf-8"?>
-<ds:datastoreItem xmlns:ds="http://schemas.openxmlformats.org/officeDocument/2006/customXml" ds:itemID="{201233C3-0E5A-4BE4-AC6A-44DA18E39D2E}">
+<ds:datastoreItem xmlns:ds="http://schemas.openxmlformats.org/officeDocument/2006/customXml" ds:itemID="{034CAA0A-5047-4F67-A62F-383038D28FEC}">
   <ds:schemaRefs>
-    <ds:schemaRef ds:uri="http://purl.org/dc/dcmitype/"/>
-    <ds:schemaRef ds:uri="http://www.w3.org/XML/1998/namespace"/>
-    <ds:schemaRef ds:uri="http://schemas.microsoft.com/office/2006/documentManagement/types"/>
+    <ds:schemaRef ds:uri="http://schemas.microsoft.com/office/2006/metadata/contentType"/>
+    <ds:schemaRef ds:uri="http://schemas.microsoft.com/office/2006/metadata/properties/metaAttributes"/>
+    <ds:schemaRef ds:uri="http://www.w3.org/2001/XMLSchema"/>
+    <ds:schemaRef ds:uri="http://schemas.microsoft.com/office/2006/metadata/properties"/>
     <ds:schemaRef ds:uri="http://schemas.openxmlformats.org/package/2006/metadata/core-properties"/>
-    <ds:schemaRef ds:uri="http://schemas.microsoft.com/office/2006/metadata/properties"/>
     <ds:schemaRef ds:uri="http://purl.org/dc/elements/1.1/"/>
     <ds:schemaRef ds:uri="http://purl.org/dc/terms/"/>
-    <ds:schemaRef ds:uri="http://schemas.microsoft.com/office/infopath/2007/PartnerControls"/>
+    <ds:schemaRef ds:uri="http://schemas.microsoft.com/office/internal/2005/internalDocumentation"/>
   </ds:schemaRefs>
 </ds:datastoreItem>
 </file>
@@ -7572,16 +7990,16 @@
 </file>
 
 <file path=customXml/itemProps3.xml><?xml version="1.0" encoding="utf-8"?>
-<ds:datastoreItem xmlns:ds="http://schemas.openxmlformats.org/officeDocument/2006/customXml" ds:itemID="{034CAA0A-5047-4F67-A62F-383038D28FEC}">
+<ds:datastoreItem xmlns:ds="http://schemas.openxmlformats.org/officeDocument/2006/customXml" ds:itemID="{201233C3-0E5A-4BE4-AC6A-44DA18E39D2E}">
   <ds:schemaRefs>
-    <ds:schemaRef ds:uri="http://schemas.microsoft.com/office/2006/metadata/contentType"/>
-    <ds:schemaRef ds:uri="http://schemas.microsoft.com/office/2006/metadata/properties/metaAttributes"/>
-    <ds:schemaRef ds:uri="http://www.w3.org/2001/XMLSchema"/>
+    <ds:schemaRef ds:uri="http://purl.org/dc/dcmitype/"/>
+    <ds:schemaRef ds:uri="http://www.w3.org/XML/1998/namespace"/>
+    <ds:schemaRef ds:uri="http://schemas.microsoft.com/office/2006/documentManagement/types"/>
+    <ds:schemaRef ds:uri="http://schemas.openxmlformats.org/package/2006/metadata/core-properties"/>
     <ds:schemaRef ds:uri="http://schemas.microsoft.com/office/2006/metadata/properties"/>
-    <ds:schemaRef ds:uri="http://schemas.openxmlformats.org/package/2006/metadata/core-properties"/>
     <ds:schemaRef ds:uri="http://purl.org/dc/elements/1.1/"/>
     <ds:schemaRef ds:uri="http://purl.org/dc/terms/"/>
-    <ds:schemaRef ds:uri="http://schemas.microsoft.com/office/internal/2005/internalDocumentation"/>
+    <ds:schemaRef ds:uri="http://schemas.microsoft.com/office/infopath/2007/PartnerControls"/>
   </ds:schemaRefs>
 </ds:datastoreItem>
 </file>
--- a/Heroku - meetup.pptx
+++ b/Heroku - meetup.pptx
@@ -5,26 +5,25 @@
     <p:sldMasterId id="2147483648" r:id="rId4"/>
   </p:sldMasterIdLst>
   <p:notesMasterIdLst>
-    <p:notesMasterId r:id="rId22"/>
+    <p:notesMasterId r:id="rId21"/>
   </p:notesMasterIdLst>
   <p:sldIdLst>
     <p:sldId id="309" r:id="rId5"/>
     <p:sldId id="313" r:id="rId6"/>
-    <p:sldId id="318" r:id="rId7"/>
-    <p:sldId id="320" r:id="rId8"/>
-    <p:sldId id="321" r:id="rId9"/>
-    <p:sldId id="322" r:id="rId10"/>
-    <p:sldId id="323" r:id="rId11"/>
-    <p:sldId id="324" r:id="rId12"/>
-    <p:sldId id="325" r:id="rId13"/>
-    <p:sldId id="326" r:id="rId14"/>
-    <p:sldId id="332" r:id="rId15"/>
-    <p:sldId id="333" r:id="rId16"/>
-    <p:sldId id="327" r:id="rId17"/>
-    <p:sldId id="328" r:id="rId18"/>
-    <p:sldId id="329" r:id="rId19"/>
-    <p:sldId id="319" r:id="rId20"/>
-    <p:sldId id="312" r:id="rId21"/>
+    <p:sldId id="320" r:id="rId7"/>
+    <p:sldId id="321" r:id="rId8"/>
+    <p:sldId id="322" r:id="rId9"/>
+    <p:sldId id="323" r:id="rId10"/>
+    <p:sldId id="324" r:id="rId11"/>
+    <p:sldId id="325" r:id="rId12"/>
+    <p:sldId id="326" r:id="rId13"/>
+    <p:sldId id="336" r:id="rId14"/>
+    <p:sldId id="335" r:id="rId15"/>
+    <p:sldId id="332" r:id="rId16"/>
+    <p:sldId id="333" r:id="rId17"/>
+    <p:sldId id="334" r:id="rId18"/>
+    <p:sldId id="319" r:id="rId19"/>
+    <p:sldId id="312" r:id="rId20"/>
   </p:sldIdLst>
   <p:sldSz cx="9144000" cy="6858000" type="screen4x3"/>
   <p:notesSz cx="6858000" cy="9144000"/>
@@ -459,7 +458,7 @@
     </p:spTree>
     <p:extLst>
       <p:ext uri="{BB962C8B-B14F-4D97-AF65-F5344CB8AC3E}">
-        <p14:creationId xmlns:p14="http://schemas.microsoft.com/office/powerpoint/2010/main" xmlns="" val="2221934676"/>
+        <p14:creationId xmlns="" xmlns:p14="http://schemas.microsoft.com/office/powerpoint/2010/main" val="2221934676"/>
       </p:ext>
     </p:extLst>
   </p:cSld>
@@ -699,7 +698,7 @@
     </p:spTree>
     <p:extLst>
       <p:ext uri="{BB962C8B-B14F-4D97-AF65-F5344CB8AC3E}">
-        <p14:creationId xmlns:p14="http://schemas.microsoft.com/office/powerpoint/2010/main" xmlns="" val="4292641058"/>
+        <p14:creationId xmlns="" xmlns:p14="http://schemas.microsoft.com/office/powerpoint/2010/main" val="4292641058"/>
       </p:ext>
     </p:extLst>
   </p:cSld>
@@ -833,14 +832,14 @@
           </a:ln>
           <a:extLst>
             <a:ext uri="{909E8E84-426E-40DD-AFC4-6F175D3DCCD1}">
-              <a14:hiddenFill xmlns:a14="http://schemas.microsoft.com/office/drawing/2010/main" xmlns="">
+              <a14:hiddenFill xmlns="" xmlns:a14="http://schemas.microsoft.com/office/drawing/2010/main">
                 <a:solidFill>
                   <a:srgbClr val="FFFFFF"/>
                 </a:solidFill>
               </a14:hiddenFill>
             </a:ext>
             <a:ext uri="{91240B29-F687-4F45-9708-019B960494DF}">
-              <a14:hiddenLine xmlns:a14="http://schemas.microsoft.com/office/drawing/2010/main" xmlns="" w="9525">
+              <a14:hiddenLine xmlns="" xmlns:a14="http://schemas.microsoft.com/office/drawing/2010/main" w="9525">
                 <a:solidFill>
                   <a:srgbClr val="000000"/>
                 </a:solidFill>
@@ -898,7 +897,7 @@
     </p:spTree>
     <p:extLst>
       <p:ext uri="{BB962C8B-B14F-4D97-AF65-F5344CB8AC3E}">
-        <p14:creationId xmlns:p14="http://schemas.microsoft.com/office/powerpoint/2010/main" xmlns="" val="3459609761"/>
+        <p14:creationId xmlns="" xmlns:p14="http://schemas.microsoft.com/office/powerpoint/2010/main" val="3459609761"/>
       </p:ext>
     </p:extLst>
   </p:cSld>
@@ -1127,7 +1126,7 @@
     </p:spTree>
     <p:extLst>
       <p:ext uri="{BB962C8B-B14F-4D97-AF65-F5344CB8AC3E}">
-        <p14:creationId xmlns:p14="http://schemas.microsoft.com/office/powerpoint/2010/main" xmlns="" val="431821661"/>
+        <p14:creationId xmlns="" xmlns:p14="http://schemas.microsoft.com/office/powerpoint/2010/main" val="431821661"/>
       </p:ext>
     </p:extLst>
   </p:cSld>
@@ -1349,7 +1348,7 @@
     </p:spTree>
     <p:extLst>
       <p:ext uri="{BB962C8B-B14F-4D97-AF65-F5344CB8AC3E}">
-        <p14:creationId xmlns:p14="http://schemas.microsoft.com/office/powerpoint/2010/main" xmlns="" val="235949648"/>
+        <p14:creationId xmlns="" xmlns:p14="http://schemas.microsoft.com/office/powerpoint/2010/main" val="235949648"/>
       </p:ext>
     </p:extLst>
   </p:cSld>
@@ -1457,7 +1456,7 @@
     </p:spTree>
     <p:extLst>
       <p:ext uri="{BB962C8B-B14F-4D97-AF65-F5344CB8AC3E}">
-        <p14:creationId xmlns:p14="http://schemas.microsoft.com/office/powerpoint/2010/main" xmlns="" val="540130751"/>
+        <p14:creationId xmlns="" xmlns:p14="http://schemas.microsoft.com/office/powerpoint/2010/main" val="540130751"/>
       </p:ext>
     </p:extLst>
   </p:cSld>
@@ -1746,7 +1745,7 @@
     </p:spTree>
     <p:extLst>
       <p:ext uri="{BB962C8B-B14F-4D97-AF65-F5344CB8AC3E}">
-        <p14:creationId xmlns:p14="http://schemas.microsoft.com/office/powerpoint/2010/main" xmlns="" val="3180319776"/>
+        <p14:creationId xmlns="" xmlns:p14="http://schemas.microsoft.com/office/powerpoint/2010/main" val="3180319776"/>
       </p:ext>
     </p:extLst>
   </p:cSld>
@@ -1802,14 +1801,14 @@
           </a:ln>
           <a:extLst>
             <a:ext uri="{909E8E84-426E-40DD-AFC4-6F175D3DCCD1}">
-              <a14:hiddenFill xmlns:a14="http://schemas.microsoft.com/office/drawing/2010/main" xmlns="">
+              <a14:hiddenFill xmlns="" xmlns:a14="http://schemas.microsoft.com/office/drawing/2010/main">
                 <a:solidFill>
                   <a:srgbClr val="FFFFFF"/>
                 </a:solidFill>
               </a14:hiddenFill>
             </a:ext>
             <a:ext uri="{91240B29-F687-4F45-9708-019B960494DF}">
-              <a14:hiddenLine xmlns:a14="http://schemas.microsoft.com/office/drawing/2010/main" xmlns="" w="9525">
+              <a14:hiddenLine xmlns="" xmlns:a14="http://schemas.microsoft.com/office/drawing/2010/main" w="9525">
                 <a:solidFill>
                   <a:srgbClr val="000000"/>
                 </a:solidFill>
@@ -1860,14 +1859,14 @@
           </a:ln>
           <a:extLst>
             <a:ext uri="{909E8E84-426E-40DD-AFC4-6F175D3DCCD1}">
-              <a14:hiddenFill xmlns:a14="http://schemas.microsoft.com/office/drawing/2010/main" xmlns="">
+              <a14:hiddenFill xmlns="" xmlns:a14="http://schemas.microsoft.com/office/drawing/2010/main">
                 <a:solidFill>
                   <a:srgbClr val="FFFFFF"/>
                 </a:solidFill>
               </a14:hiddenFill>
             </a:ext>
             <a:ext uri="{91240B29-F687-4F45-9708-019B960494DF}">
-              <a14:hiddenLine xmlns:a14="http://schemas.microsoft.com/office/drawing/2010/main" xmlns="" w="9525">
+              <a14:hiddenLine xmlns="" xmlns:a14="http://schemas.microsoft.com/office/drawing/2010/main" w="9525">
                 <a:solidFill>
                   <a:srgbClr val="000000"/>
                 </a:solidFill>
@@ -2036,7 +2035,7 @@
           <a:blip r:embed="rId8" cstate="print">
             <a:extLst>
               <a:ext uri="{28A0092B-C50C-407E-A947-70E740481C1C}">
-                <a14:useLocalDpi xmlns:a14="http://schemas.microsoft.com/office/drawing/2010/main" xmlns="" val="0"/>
+                <a14:useLocalDpi xmlns="" xmlns:a14="http://schemas.microsoft.com/office/drawing/2010/main" val="0"/>
               </a:ext>
             </a:extLst>
           </a:blip>
@@ -2059,14 +2058,14 @@
           </a:ln>
           <a:extLst>
             <a:ext uri="{909E8E84-426E-40DD-AFC4-6F175D3DCCD1}">
-              <a14:hiddenFill xmlns:a14="http://schemas.microsoft.com/office/drawing/2010/main" xmlns="">
+              <a14:hiddenFill xmlns="" xmlns:a14="http://schemas.microsoft.com/office/drawing/2010/main">
                 <a:solidFill>
                   <a:srgbClr val="FFFFFF"/>
                 </a:solidFill>
               </a14:hiddenFill>
             </a:ext>
             <a:ext uri="{91240B29-F687-4F45-9708-019B960494DF}">
-              <a14:hiddenLine xmlns:a14="http://schemas.microsoft.com/office/drawing/2010/main" xmlns="" w="9525">
+              <a14:hiddenLine xmlns="" xmlns:a14="http://schemas.microsoft.com/office/drawing/2010/main" w="9525">
                 <a:solidFill>
                   <a:srgbClr val="000000"/>
                 </a:solidFill>
@@ -2632,7 +2631,7 @@
       </p:grpSpPr>
       <p:sp>
         <p:nvSpPr>
-          <p:cNvPr id="2" name="Title 1"/>
+          <p:cNvPr id="2" name="Cím 1"/>
           <p:cNvSpPr>
             <a:spLocks noGrp="1"/>
           </p:cNvSpPr>
@@ -2646,32 +2645,44 @@
           <a:lstStyle/>
           <a:p>
             <a:r>
-              <a:rPr lang="hu-HU" dirty="0" err="1"/>
-              <a:t>Heroku</a:t>
+              <a:rPr lang="hu-HU" dirty="0" err="1" smtClean="0"/>
+              <a:t>Environment</a:t>
             </a:r>
             <a:r>
               <a:rPr lang="hu-HU" dirty="0"/>
-              <a:t> </a:t>
-            </a:r>
-            <a:r>
-              <a:rPr lang="hu-HU" dirty="0" err="1"/>
-              <a:t>for</a:t>
-            </a:r>
-            <a:r>
-              <a:rPr lang="hu-HU" dirty="0"/>
-              <a:t> Java </a:t>
-            </a:r>
-            <a:r>
-              <a:rPr lang="hu-HU" dirty="0" smtClean="0"/>
-              <a:t>2.</a:t>
-            </a:r>
-            <a:endParaRPr lang="en-US" dirty="0"/>
-          </a:p>
-        </p:txBody>
-      </p:sp>
-      <p:sp>
-        <p:nvSpPr>
-          <p:cNvPr id="3" name="Footer Placeholder 2"/>
+              <a:t>  </a:t>
+            </a:r>
+            <a:r>
+              <a:rPr lang="hu-HU" dirty="0" err="1" smtClean="0"/>
+              <a:t>variables</a:t>
+            </a:r>
+            <a:r>
+              <a:rPr lang="hu-HU" dirty="0" smtClean="0"/>
+              <a:t> – ‘</a:t>
+            </a:r>
+            <a:r>
+              <a:rPr lang="hu-HU" dirty="0" err="1" smtClean="0"/>
+              <a:t>heroku</a:t>
+            </a:r>
+            <a:r>
+              <a:rPr lang="hu-HU" dirty="0" smtClean="0"/>
+              <a:t> </a:t>
+            </a:r>
+            <a:r>
+              <a:rPr lang="hu-HU" dirty="0" err="1" smtClean="0"/>
+              <a:t>config</a:t>
+            </a:r>
+            <a:r>
+              <a:rPr lang="hu-HU" dirty="0" smtClean="0"/>
+              <a:t>’</a:t>
+            </a:r>
+            <a:endParaRPr lang="hu-HU" dirty="0"/>
+          </a:p>
+        </p:txBody>
+      </p:sp>
+      <p:sp>
+        <p:nvSpPr>
+          <p:cNvPr id="3" name="Élőláb helye 2"/>
           <p:cNvSpPr>
             <a:spLocks noGrp="1"/>
           </p:cNvSpPr>
@@ -2697,7 +2708,7 @@
       </p:sp>
       <p:sp>
         <p:nvSpPr>
-          <p:cNvPr id="4" name="Slide Number Placeholder 3"/>
+          <p:cNvPr id="4" name="Dia számának helye 3"/>
           <p:cNvSpPr>
             <a:spLocks noGrp="1"/>
           </p:cNvSpPr>
@@ -2720,13 +2731,398 @@
               </a:pPr>
               <a:t>10</a:t>
             </a:fld>
+            <a:endParaRPr lang="en-US" dirty="0"/>
+          </a:p>
+        </p:txBody>
+      </p:sp>
+      <p:sp>
+        <p:nvSpPr>
+          <p:cNvPr id="5" name="Szöveg helye 4"/>
+          <p:cNvSpPr>
+            <a:spLocks noGrp="1"/>
+          </p:cNvSpPr>
+          <p:nvPr>
+            <p:ph type="body" idx="1"/>
+          </p:nvPr>
+        </p:nvSpPr>
+        <p:spPr/>
+        <p:txBody>
+          <a:bodyPr/>
+          <a:lstStyle/>
+          <a:p>
+            <a:r>
+              <a:rPr lang="hu-HU" b="1" dirty="0" smtClean="0"/>
+              <a:t>DATABASE_URL</a:t>
+            </a:r>
+            <a:r>
+              <a:rPr lang="hu-HU" dirty="0" smtClean="0"/>
+              <a:t> =&gt; </a:t>
+            </a:r>
+            <a:r>
+              <a:rPr lang="hu-HU" dirty="0" err="1"/>
+              <a:t>postgres</a:t>
+            </a:r>
+            <a:r>
+              <a:rPr lang="hu-HU" dirty="0" smtClean="0"/>
+              <a:t>://</a:t>
+            </a:r>
+            <a:r>
+              <a:rPr lang="hu-HU" dirty="0" err="1" smtClean="0"/>
+              <a:t>xxxxx</a:t>
+            </a:r>
+            <a:r>
+              <a:rPr lang="hu-HU" dirty="0" smtClean="0"/>
+              <a:t>:</a:t>
+            </a:r>
+            <a:r>
+              <a:rPr lang="hu-HU" dirty="0" err="1" smtClean="0"/>
+              <a:t>xxxxxx</a:t>
+            </a:r>
+            <a:r>
+              <a:rPr lang="hu-HU" dirty="0" smtClean="0"/>
+              <a:t>@ec2-75-101-128-168.compute-1.amazonaws.com/</a:t>
+            </a:r>
+            <a:r>
+              <a:rPr lang="hu-HU" dirty="0" err="1"/>
+              <a:t>xxxxx</a:t>
+            </a:r>
+            <a:endParaRPr lang="hu-HU" dirty="0"/>
+          </a:p>
+          <a:p>
+            <a:r>
+              <a:rPr lang="hu-HU" b="1" dirty="0" smtClean="0"/>
+              <a:t>JAVA_OPTS</a:t>
+            </a:r>
+            <a:r>
+              <a:rPr lang="hu-HU" dirty="0" smtClean="0"/>
+              <a:t> =&gt; </a:t>
+            </a:r>
+            <a:r>
+              <a:rPr lang="hu-HU" dirty="0"/>
+              <a:t>-Xmx384m -Xss512k -XX:+</a:t>
+            </a:r>
+            <a:r>
+              <a:rPr lang="hu-HU" dirty="0" err="1"/>
+              <a:t>UseCompressedOops</a:t>
+            </a:r>
+            <a:endParaRPr lang="hu-HU" dirty="0"/>
+          </a:p>
+          <a:p>
+            <a:r>
+              <a:rPr lang="hu-HU" b="1" dirty="0"/>
+              <a:t>MAVEN_OPTS</a:t>
+            </a:r>
+            <a:r>
+              <a:rPr lang="hu-HU" dirty="0"/>
+              <a:t> </a:t>
+            </a:r>
+            <a:r>
+              <a:rPr lang="hu-HU" dirty="0" smtClean="0"/>
+              <a:t>=&gt; </a:t>
+            </a:r>
+            <a:r>
+              <a:rPr lang="hu-HU" dirty="0"/>
+              <a:t>-Xmx384m -Xss512k -XX:+</a:t>
+            </a:r>
+            <a:r>
+              <a:rPr lang="hu-HU" dirty="0" err="1"/>
+              <a:t>UseCompressedOops</a:t>
+            </a:r>
+            <a:endParaRPr lang="hu-HU" dirty="0"/>
+          </a:p>
+          <a:p>
+            <a:r>
+              <a:rPr lang="hu-HU" b="1" dirty="0"/>
+              <a:t>MONGOLAB_URI</a:t>
+            </a:r>
+            <a:r>
+              <a:rPr lang="hu-HU" dirty="0"/>
+              <a:t> </a:t>
+            </a:r>
+            <a:r>
+              <a:rPr lang="hu-HU" dirty="0" smtClean="0"/>
+              <a:t>=&gt; </a:t>
+            </a:r>
+            <a:r>
+              <a:rPr lang="hu-HU" dirty="0" err="1"/>
+              <a:t>mongodb</a:t>
+            </a:r>
+            <a:r>
+              <a:rPr lang="hu-HU" dirty="0"/>
+              <a:t>://</a:t>
+            </a:r>
+            <a:r>
+              <a:rPr lang="hu-HU" dirty="0" err="1" smtClean="0"/>
+              <a:t>heroku</a:t>
+            </a:r>
+            <a:r>
+              <a:rPr lang="hu-HU" dirty="0" smtClean="0"/>
+              <a:t>_app2802008: </a:t>
+            </a:r>
+            <a:r>
+              <a:rPr lang="hu-HU" dirty="0" err="1" smtClean="0"/>
+              <a:t>xxxxx</a:t>
+            </a:r>
+            <a:r>
+              <a:rPr lang="hu-HU" dirty="0" smtClean="0"/>
+              <a:t>@ds029817.mongolab.com:29817/</a:t>
+            </a:r>
+            <a:r>
+              <a:rPr lang="hu-HU" dirty="0" err="1" smtClean="0"/>
+              <a:t>heroku</a:t>
+            </a:r>
+            <a:r>
+              <a:rPr lang="hu-HU" dirty="0" smtClean="0"/>
+              <a:t>_app2802008</a:t>
+            </a:r>
+            <a:endParaRPr lang="hu-HU" dirty="0"/>
+          </a:p>
+          <a:p>
+            <a:r>
+              <a:rPr lang="hu-HU" b="1" dirty="0"/>
+              <a:t>PATH</a:t>
+            </a:r>
+            <a:r>
+              <a:rPr lang="hu-HU" dirty="0"/>
+              <a:t> </a:t>
+            </a:r>
+            <a:r>
+              <a:rPr lang="hu-HU" dirty="0" smtClean="0"/>
+              <a:t>=&gt; </a:t>
+            </a:r>
+            <a:r>
+              <a:rPr lang="hu-HU" dirty="0"/>
+              <a:t>/</a:t>
+            </a:r>
+            <a:r>
+              <a:rPr lang="hu-HU" dirty="0" err="1"/>
+              <a:t>usr</a:t>
+            </a:r>
+            <a:r>
+              <a:rPr lang="hu-HU" dirty="0"/>
+              <a:t>/local/bin:/</a:t>
+            </a:r>
+            <a:r>
+              <a:rPr lang="hu-HU" dirty="0" err="1"/>
+              <a:t>usr</a:t>
+            </a:r>
+            <a:r>
+              <a:rPr lang="hu-HU" dirty="0"/>
+              <a:t>/</a:t>
+            </a:r>
+            <a:r>
+              <a:rPr lang="hu-HU" dirty="0" err="1"/>
+              <a:t>bin</a:t>
+            </a:r>
+            <a:r>
+              <a:rPr lang="hu-HU" dirty="0"/>
+              <a:t>:/</a:t>
+            </a:r>
+            <a:r>
+              <a:rPr lang="hu-HU" dirty="0" err="1" smtClean="0"/>
+              <a:t>bin</a:t>
+            </a:r>
+            <a:endParaRPr lang="hu-HU" dirty="0" smtClean="0"/>
+          </a:p>
+          <a:p>
+            <a:r>
+              <a:rPr lang="hu-HU" b="1" dirty="0" smtClean="0"/>
+              <a:t>SENDGRID_USERNAME</a:t>
+            </a:r>
+            <a:r>
+              <a:rPr lang="hu-HU" dirty="0" smtClean="0"/>
+              <a:t> =&gt; app2802008@</a:t>
+            </a:r>
+            <a:r>
+              <a:rPr lang="hu-HU" dirty="0" err="1" smtClean="0"/>
+              <a:t>heroku.co</a:t>
+            </a:r>
+            <a:r>
+              <a:rPr lang="hu-HU" dirty="0" err="1"/>
+              <a:t>m</a:t>
+            </a:r>
+            <a:endParaRPr lang="hu-HU" dirty="0"/>
+          </a:p>
+          <a:p>
+            <a:r>
+              <a:rPr lang="hu-HU" b="1" dirty="0"/>
+              <a:t>SENDGRID_PASSWORD</a:t>
+            </a:r>
+            <a:r>
+              <a:rPr lang="hu-HU" dirty="0"/>
+              <a:t> </a:t>
+            </a:r>
+            <a:r>
+              <a:rPr lang="hu-HU" dirty="0" smtClean="0"/>
+              <a:t>=&gt; </a:t>
+            </a:r>
+            <a:r>
+              <a:rPr lang="hu-HU" dirty="0" err="1" smtClean="0"/>
+              <a:t>xxxxxxx</a:t>
+            </a:r>
+            <a:endParaRPr lang="hu-HU" dirty="0"/>
+          </a:p>
+          <a:p>
+            <a:r>
+              <a:rPr lang="hu-HU" b="1" dirty="0" smtClean="0"/>
+              <a:t>TZ</a:t>
+            </a:r>
+            <a:r>
+              <a:rPr lang="hu-HU" dirty="0" smtClean="0"/>
+              <a:t> =&gt; </a:t>
+            </a:r>
+            <a:r>
+              <a:rPr lang="hu-HU" dirty="0"/>
+              <a:t>Europe/Budapest</a:t>
+            </a:r>
+          </a:p>
+        </p:txBody>
+      </p:sp>
+    </p:spTree>
+  </p:cSld>
+  <p:clrMapOvr>
+    <a:masterClrMapping/>
+  </p:clrMapOvr>
+  <p:timing>
+    <p:tnLst>
+      <p:par>
+        <p:cTn id="1" dur="indefinite" restart="never" nodeType="tmRoot"/>
+      </p:par>
+    </p:tnLst>
+  </p:timing>
+</p:sld>
+</file>
+
+<file path=ppt/slides/slide11.xml><?xml version="1.0" encoding="utf-8"?>
+<p:sld xmlns:a="http://schemas.openxmlformats.org/drawingml/2006/main" xmlns:r="http://schemas.openxmlformats.org/officeDocument/2006/relationships" xmlns:p="http://schemas.openxmlformats.org/presentationml/2006/main">
+  <p:cSld>
+    <p:spTree>
+      <p:nvGrpSpPr>
+        <p:cNvPr id="1" name=""/>
+        <p:cNvGrpSpPr/>
+        <p:nvPr/>
+      </p:nvGrpSpPr>
+      <p:grpSpPr>
+        <a:xfrm>
+          <a:off x="0" y="0"/>
+          <a:ext cx="0" cy="0"/>
+          <a:chOff x="0" y="0"/>
+          <a:chExt cx="0" cy="0"/>
+        </a:xfrm>
+      </p:grpSpPr>
+      <p:sp>
+        <p:nvSpPr>
+          <p:cNvPr id="2" name="Title 1"/>
+          <p:cNvSpPr>
+            <a:spLocks noGrp="1"/>
+          </p:cNvSpPr>
+          <p:nvPr>
+            <p:ph type="title"/>
+          </p:nvPr>
+        </p:nvSpPr>
+        <p:spPr/>
+        <p:txBody>
+          <a:bodyPr/>
+          <a:lstStyle/>
+          <a:p>
+            <a:r>
+              <a:rPr lang="hu-HU" dirty="0" err="1" smtClean="0"/>
+              <a:t>Extending</a:t>
+            </a:r>
+            <a:r>
+              <a:rPr lang="hu-HU" dirty="0" smtClean="0"/>
+              <a:t> </a:t>
+            </a:r>
+            <a:r>
+              <a:rPr lang="hu-HU" dirty="0" err="1" smtClean="0"/>
+              <a:t>your</a:t>
+            </a:r>
+            <a:r>
+              <a:rPr lang="hu-HU" dirty="0" smtClean="0"/>
+              <a:t> </a:t>
+            </a:r>
+            <a:r>
+              <a:rPr lang="hu-HU" dirty="0" err="1" smtClean="0"/>
+              <a:t>app</a:t>
+            </a:r>
+            <a:r>
+              <a:rPr lang="hu-HU" dirty="0" smtClean="0"/>
+              <a:t> </a:t>
+            </a:r>
+            <a:r>
+              <a:rPr lang="hu-HU" dirty="0" err="1" smtClean="0"/>
+              <a:t>with</a:t>
+            </a:r>
+            <a:r>
+              <a:rPr lang="hu-HU" dirty="0" smtClean="0"/>
+              <a:t> </a:t>
+            </a:r>
+            <a:r>
+              <a:rPr lang="hu-HU" dirty="0" err="1" smtClean="0"/>
+              <a:t>Add-ons</a:t>
+            </a:r>
+            <a:endParaRPr lang="en-US" dirty="0"/>
+          </a:p>
+        </p:txBody>
+      </p:sp>
+      <p:sp>
+        <p:nvSpPr>
+          <p:cNvPr id="3" name="Footer Placeholder 2"/>
+          <p:cNvSpPr>
+            <a:spLocks noGrp="1"/>
+          </p:cNvSpPr>
+          <p:nvPr>
+            <p:ph type="ftr" sz="quarter" idx="10"/>
+          </p:nvPr>
+        </p:nvSpPr>
+        <p:spPr/>
+        <p:txBody>
+          <a:bodyPr/>
+          <a:lstStyle/>
+          <a:p>
+            <a:pPr>
+              <a:defRPr/>
+            </a:pPr>
+            <a:r>
+              <a:rPr lang="en-US" smtClean="0"/>
+              <a:t>2011 © EPAM Systems</a:t>
+            </a:r>
+            <a:endParaRPr lang="en-US"/>
+          </a:p>
+        </p:txBody>
+      </p:sp>
+      <p:sp>
+        <p:nvSpPr>
+          <p:cNvPr id="4" name="Slide Number Placeholder 3"/>
+          <p:cNvSpPr>
+            <a:spLocks noGrp="1"/>
+          </p:cNvSpPr>
+          <p:nvPr>
+            <p:ph type="sldNum" sz="quarter" idx="11"/>
+          </p:nvPr>
+        </p:nvSpPr>
+        <p:spPr/>
+        <p:txBody>
+          <a:bodyPr/>
+          <a:lstStyle/>
+          <a:p>
+            <a:pPr>
+              <a:defRPr/>
+            </a:pPr>
+            <a:fld id="{AA712712-3884-4B09-89F4-3E21D1ECCFA1}" type="slidenum">
+              <a:rPr lang="en-US" smtClean="0"/>
+              <a:pPr>
+                <a:defRPr/>
+              </a:pPr>
+              <a:t>11</a:t>
+            </a:fld>
             <a:endParaRPr lang="en-US"/>
           </a:p>
         </p:txBody>
       </p:sp>
       <p:pic>
         <p:nvPicPr>
-          <p:cNvPr id="1028" name="Picture 4"/>
+          <p:cNvPr id="3074" name="Picture 2"/>
           <p:cNvPicPr>
             <a:picLocks noChangeAspect="1" noChangeArrowheads="1"/>
           </p:cNvPicPr>
@@ -2771,454 +3167,6 @@
 </p:sld>
 </file>
 
-<file path=ppt/slides/slide11.xml><?xml version="1.0" encoding="utf-8"?>
-<p:sld xmlns:a="http://schemas.openxmlformats.org/drawingml/2006/main" xmlns:r="http://schemas.openxmlformats.org/officeDocument/2006/relationships" xmlns:p="http://schemas.openxmlformats.org/presentationml/2006/main">
-  <p:cSld>
-    <p:spTree>
-      <p:nvGrpSpPr>
-        <p:cNvPr id="1" name=""/>
-        <p:cNvGrpSpPr/>
-        <p:nvPr/>
-      </p:nvGrpSpPr>
-      <p:grpSpPr>
-        <a:xfrm>
-          <a:off x="0" y="0"/>
-          <a:ext cx="0" cy="0"/>
-          <a:chOff x="0" y="0"/>
-          <a:chExt cx="0" cy="0"/>
-        </a:xfrm>
-      </p:grpSpPr>
-      <p:sp>
-        <p:nvSpPr>
-          <p:cNvPr id="2" name="Title 1"/>
-          <p:cNvSpPr>
-            <a:spLocks noGrp="1"/>
-          </p:cNvSpPr>
-          <p:nvPr>
-            <p:ph type="title"/>
-          </p:nvPr>
-        </p:nvSpPr>
-        <p:spPr/>
-        <p:txBody>
-          <a:bodyPr/>
-          <a:lstStyle/>
-          <a:p>
-            <a:r>
-              <a:rPr lang="hu-HU" dirty="0" err="1" smtClean="0"/>
-              <a:t>Scaling</a:t>
-            </a:r>
-            <a:r>
-              <a:rPr lang="hu-HU" dirty="0" smtClean="0"/>
-              <a:t> </a:t>
-            </a:r>
-            <a:r>
-              <a:rPr lang="hu-HU" dirty="0" err="1" smtClean="0"/>
-              <a:t>with</a:t>
-            </a:r>
-            <a:r>
-              <a:rPr lang="hu-HU" dirty="0" smtClean="0"/>
-              <a:t> instant </a:t>
-            </a:r>
-            <a:r>
-              <a:rPr lang="hu-HU" dirty="0" err="1" smtClean="0"/>
-              <a:t>spin-up</a:t>
-            </a:r>
-            <a:r>
-              <a:rPr lang="hu-HU" dirty="0" smtClean="0"/>
-              <a:t> 1.</a:t>
-            </a:r>
-            <a:endParaRPr lang="en-US" dirty="0"/>
-          </a:p>
-        </p:txBody>
-      </p:sp>
-      <p:sp>
-        <p:nvSpPr>
-          <p:cNvPr id="3" name="Footer Placeholder 2"/>
-          <p:cNvSpPr>
-            <a:spLocks noGrp="1"/>
-          </p:cNvSpPr>
-          <p:nvPr>
-            <p:ph type="ftr" sz="quarter" idx="10"/>
-          </p:nvPr>
-        </p:nvSpPr>
-        <p:spPr/>
-        <p:txBody>
-          <a:bodyPr/>
-          <a:lstStyle/>
-          <a:p>
-            <a:pPr>
-              <a:defRPr/>
-            </a:pPr>
-            <a:r>
-              <a:rPr lang="en-US" smtClean="0"/>
-              <a:t>2011 © EPAM Systems</a:t>
-            </a:r>
-            <a:endParaRPr lang="en-US"/>
-          </a:p>
-        </p:txBody>
-      </p:sp>
-      <p:sp>
-        <p:nvSpPr>
-          <p:cNvPr id="4" name="Slide Number Placeholder 3"/>
-          <p:cNvSpPr>
-            <a:spLocks noGrp="1"/>
-          </p:cNvSpPr>
-          <p:nvPr>
-            <p:ph type="sldNum" sz="quarter" idx="11"/>
-          </p:nvPr>
-        </p:nvSpPr>
-        <p:spPr/>
-        <p:txBody>
-          <a:bodyPr/>
-          <a:lstStyle/>
-          <a:p>
-            <a:pPr>
-              <a:defRPr/>
-            </a:pPr>
-            <a:fld id="{AA712712-3884-4B09-89F4-3E21D1ECCFA1}" type="slidenum">
-              <a:rPr lang="en-US" smtClean="0"/>
-              <a:pPr>
-                <a:defRPr/>
-              </a:pPr>
-              <a:t>11</a:t>
-            </a:fld>
-            <a:endParaRPr lang="en-US" dirty="0"/>
-          </a:p>
-        </p:txBody>
-      </p:sp>
-      <p:sp>
-        <p:nvSpPr>
-          <p:cNvPr id="5" name="Text Placeholder 4"/>
-          <p:cNvSpPr>
-            <a:spLocks noGrp="1"/>
-          </p:cNvSpPr>
-          <p:nvPr>
-            <p:ph type="body" idx="1"/>
-          </p:nvPr>
-        </p:nvSpPr>
-        <p:spPr/>
-        <p:txBody>
-          <a:bodyPr/>
-          <a:lstStyle/>
-          <a:p>
-            <a:r>
-              <a:rPr lang="hu-HU" dirty="0" err="1" smtClean="0"/>
-              <a:t>Easily</a:t>
-            </a:r>
-            <a:r>
-              <a:rPr lang="hu-HU" dirty="0" smtClean="0"/>
-              <a:t> and </a:t>
-            </a:r>
-            <a:r>
-              <a:rPr lang="hu-HU" dirty="0" err="1" smtClean="0"/>
-              <a:t>quickly</a:t>
-            </a:r>
-            <a:r>
-              <a:rPr lang="hu-HU" dirty="0" smtClean="0"/>
-              <a:t> </a:t>
-            </a:r>
-            <a:r>
-              <a:rPr lang="hu-HU" dirty="0" err="1" smtClean="0"/>
-              <a:t>with</a:t>
-            </a:r>
-            <a:r>
-              <a:rPr lang="hu-HU" dirty="0" smtClean="0"/>
-              <a:t> ‘</a:t>
-            </a:r>
-            <a:r>
-              <a:rPr lang="hu-HU" dirty="0" err="1" smtClean="0"/>
-              <a:t>heroku</a:t>
-            </a:r>
-            <a:r>
-              <a:rPr lang="hu-HU" dirty="0" smtClean="0"/>
-              <a:t>’ </a:t>
-            </a:r>
-            <a:r>
-              <a:rPr lang="hu-HU" dirty="0" err="1" smtClean="0"/>
-              <a:t>command</a:t>
-            </a:r>
-            <a:r>
-              <a:rPr lang="hu-HU" dirty="0" smtClean="0"/>
-              <a:t> line </a:t>
-            </a:r>
-            <a:r>
-              <a:rPr lang="hu-HU" dirty="0" err="1" smtClean="0"/>
-              <a:t>tool</a:t>
-            </a:r>
-            <a:r>
-              <a:rPr lang="hu-HU" dirty="0" smtClean="0"/>
-              <a:t>:</a:t>
-            </a:r>
-          </a:p>
-          <a:p>
-            <a:pPr>
-              <a:buNone/>
-            </a:pPr>
-            <a:r>
-              <a:rPr lang="hu-HU" dirty="0" smtClean="0"/>
-              <a:t>	</a:t>
-            </a:r>
-            <a:r>
-              <a:rPr lang="hu-HU" i="1" dirty="0" err="1" smtClean="0"/>
-              <a:t>heroku</a:t>
-            </a:r>
-            <a:r>
-              <a:rPr lang="hu-HU" i="1" dirty="0" smtClean="0"/>
-              <a:t> </a:t>
-            </a:r>
-            <a:r>
-              <a:rPr lang="hu-HU" i="1" dirty="0" err="1"/>
-              <a:t>scale</a:t>
-            </a:r>
-            <a:r>
-              <a:rPr lang="hu-HU" i="1" dirty="0"/>
-              <a:t> web=6 </a:t>
-            </a:r>
-            <a:r>
-              <a:rPr lang="hu-HU" i="1" dirty="0" err="1"/>
-              <a:t>worker</a:t>
-            </a:r>
-            <a:r>
-              <a:rPr lang="hu-HU" i="1" dirty="0"/>
-              <a:t>=2</a:t>
-            </a:r>
-          </a:p>
-          <a:p>
-            <a:r>
-              <a:rPr lang="hu-HU" dirty="0" err="1" smtClean="0"/>
-              <a:t>Nezumi</a:t>
-            </a:r>
-            <a:r>
-              <a:rPr lang="hu-HU" dirty="0" smtClean="0"/>
-              <a:t>:</a:t>
-            </a:r>
-          </a:p>
-          <a:p>
-            <a:pPr>
-              <a:buNone/>
-            </a:pPr>
-            <a:r>
-              <a:rPr lang="hu-HU" i="1" dirty="0" smtClean="0"/>
-              <a:t>	</a:t>
-            </a:r>
-            <a:r>
-              <a:rPr lang="hu-HU" i="1" dirty="0" smtClean="0">
-                <a:hlinkClick r:id="rId2"/>
-              </a:rPr>
-              <a:t>http</a:t>
-            </a:r>
-            <a:r>
-              <a:rPr lang="hu-HU" i="1" dirty="0">
-                <a:hlinkClick r:id="rId2"/>
-              </a:rPr>
-              <a:t>://nezumiapp.com</a:t>
-            </a:r>
-            <a:r>
-              <a:rPr lang="hu-HU" i="1" dirty="0" smtClean="0">
-                <a:hlinkClick r:id="rId2"/>
-              </a:rPr>
-              <a:t>/</a:t>
-            </a:r>
-            <a:endParaRPr lang="hu-HU" i="1" dirty="0" smtClean="0"/>
-          </a:p>
-          <a:p>
-            <a:r>
-              <a:rPr lang="hu-HU" dirty="0" err="1" smtClean="0"/>
-              <a:t>Autoscaling</a:t>
-            </a:r>
-            <a:r>
-              <a:rPr lang="hu-HU" dirty="0" smtClean="0"/>
-              <a:t> is </a:t>
-            </a:r>
-            <a:r>
-              <a:rPr lang="hu-HU" dirty="0" err="1" smtClean="0"/>
-              <a:t>not</a:t>
-            </a:r>
-            <a:r>
-              <a:rPr lang="hu-HU" dirty="0" smtClean="0"/>
-              <a:t> </a:t>
-            </a:r>
-            <a:r>
-              <a:rPr lang="hu-HU" dirty="0" err="1" smtClean="0"/>
-              <a:t>addressed</a:t>
-            </a:r>
-            <a:r>
-              <a:rPr lang="hu-HU" dirty="0" smtClean="0"/>
-              <a:t> </a:t>
-            </a:r>
-            <a:r>
-              <a:rPr lang="hu-HU" dirty="0" err="1" smtClean="0"/>
-              <a:t>by</a:t>
-            </a:r>
-            <a:r>
-              <a:rPr lang="hu-HU" dirty="0" smtClean="0"/>
-              <a:t> </a:t>
-            </a:r>
-            <a:r>
-              <a:rPr lang="hu-HU" dirty="0" err="1" smtClean="0"/>
-              <a:t>Heroku</a:t>
-            </a:r>
-            <a:endParaRPr lang="hu-HU" dirty="0" smtClean="0"/>
-          </a:p>
-          <a:p>
-            <a:r>
-              <a:rPr lang="hu-HU" dirty="0" err="1" smtClean="0"/>
-              <a:t>Implement</a:t>
-            </a:r>
-            <a:r>
-              <a:rPr lang="hu-HU" dirty="0" smtClean="0"/>
-              <a:t> </a:t>
-            </a:r>
-            <a:r>
-              <a:rPr lang="hu-HU" dirty="0" err="1" smtClean="0"/>
-              <a:t>your</a:t>
-            </a:r>
-            <a:r>
-              <a:rPr lang="hu-HU" dirty="0" smtClean="0"/>
-              <a:t> </a:t>
-            </a:r>
-            <a:r>
-              <a:rPr lang="hu-HU" dirty="0" err="1" smtClean="0"/>
-              <a:t>own</a:t>
-            </a:r>
-            <a:r>
-              <a:rPr lang="hu-HU" dirty="0" smtClean="0"/>
-              <a:t> </a:t>
-            </a:r>
-            <a:r>
-              <a:rPr lang="hu-HU" dirty="0" err="1" smtClean="0"/>
-              <a:t>autoscaling</a:t>
-            </a:r>
-            <a:r>
-              <a:rPr lang="hu-HU" dirty="0" smtClean="0"/>
-              <a:t>, </a:t>
-            </a:r>
-            <a:r>
-              <a:rPr lang="hu-HU" dirty="0" err="1" smtClean="0"/>
-              <a:t>or</a:t>
-            </a:r>
-            <a:r>
-              <a:rPr lang="hu-HU" dirty="0" smtClean="0"/>
-              <a:t> </a:t>
-            </a:r>
-            <a:r>
-              <a:rPr lang="hu-HU" dirty="0" err="1" smtClean="0"/>
-              <a:t>use</a:t>
-            </a:r>
-            <a:r>
-              <a:rPr lang="hu-HU" dirty="0" smtClean="0"/>
-              <a:t> </a:t>
-            </a:r>
-            <a:r>
-              <a:rPr lang="hu-HU" dirty="0" err="1" smtClean="0"/>
-              <a:t>third</a:t>
-            </a:r>
-            <a:r>
-              <a:rPr lang="hu-HU" dirty="0" smtClean="0"/>
-              <a:t> </a:t>
-            </a:r>
-            <a:r>
-              <a:rPr lang="hu-HU" dirty="0" err="1" smtClean="0"/>
-              <a:t>parties</a:t>
-            </a:r>
-            <a:r>
-              <a:rPr lang="hu-HU" dirty="0" smtClean="0"/>
-              <a:t> </a:t>
-            </a:r>
-            <a:r>
-              <a:rPr lang="hu-HU" dirty="0" err="1" smtClean="0"/>
-              <a:t>like</a:t>
-            </a:r>
-            <a:r>
-              <a:rPr lang="hu-HU" dirty="0" smtClean="0"/>
-              <a:t>:</a:t>
-            </a:r>
-          </a:p>
-          <a:p>
-            <a:pPr>
-              <a:buNone/>
-            </a:pPr>
-            <a:r>
-              <a:rPr lang="hu-HU" dirty="0" smtClean="0"/>
-              <a:t>	</a:t>
-            </a:r>
-            <a:r>
-              <a:rPr lang="hu-HU" i="1" dirty="0" smtClean="0">
-                <a:hlinkClick r:id="rId3"/>
-              </a:rPr>
-              <a:t>http</a:t>
-            </a:r>
-            <a:r>
-              <a:rPr lang="hu-HU" i="1" dirty="0">
-                <a:hlinkClick r:id="rId3"/>
-              </a:rPr>
-              <a:t>://hirefireapp.com</a:t>
-            </a:r>
-            <a:r>
-              <a:rPr lang="hu-HU" i="1" dirty="0" smtClean="0">
-                <a:hlinkClick r:id="rId3"/>
-              </a:rPr>
-              <a:t>/</a:t>
-            </a:r>
-            <a:endParaRPr lang="hu-HU" i="1" dirty="0" smtClean="0"/>
-          </a:p>
-          <a:p>
-            <a:pPr>
-              <a:buNone/>
-            </a:pPr>
-            <a:r>
-              <a:rPr lang="hu-HU" i="1" dirty="0" smtClean="0"/>
-              <a:t>	</a:t>
-            </a:r>
-            <a:r>
-              <a:rPr lang="hu-HU" i="1" dirty="0" smtClean="0">
-                <a:hlinkClick r:id="rId4"/>
-              </a:rPr>
-              <a:t>http</a:t>
-            </a:r>
-            <a:r>
-              <a:rPr lang="hu-HU" i="1" dirty="0">
-                <a:hlinkClick r:id="rId4"/>
-              </a:rPr>
-              <a:t>://www.heroscale.com</a:t>
-            </a:r>
-            <a:r>
-              <a:rPr lang="hu-HU" i="1" dirty="0" smtClean="0">
-                <a:hlinkClick r:id="rId4"/>
-              </a:rPr>
-              <a:t>/</a:t>
-            </a:r>
-            <a:endParaRPr lang="hu-HU" i="1" dirty="0" smtClean="0"/>
-          </a:p>
-          <a:p>
-            <a:pPr>
-              <a:buNone/>
-            </a:pPr>
-            <a:endParaRPr lang="hu-HU" i="1" dirty="0"/>
-          </a:p>
-          <a:p>
-            <a:pPr>
-              <a:buNone/>
-            </a:pPr>
-            <a:endParaRPr lang="hu-HU" dirty="0" smtClean="0"/>
-          </a:p>
-        </p:txBody>
-      </p:sp>
-    </p:spTree>
-  </p:cSld>
-  <p:clrMapOvr>
-    <a:masterClrMapping/>
-  </p:clrMapOvr>
-  <p:timing>
-    <p:tnLst>
-      <p:par>
-        <p:cTn id="1" dur="indefinite" restart="never" nodeType="tmRoot"/>
-      </p:par>
-    </p:tnLst>
-  </p:timing>
-</p:sld>
-</file>
-
 <file path=ppt/slides/slide12.xml><?xml version="1.0" encoding="utf-8"?>
 <p:sld xmlns:a="http://schemas.openxmlformats.org/drawingml/2006/main" xmlns:r="http://schemas.openxmlformats.org/officeDocument/2006/relationships" xmlns:p="http://schemas.openxmlformats.org/presentationml/2006/main">
   <p:cSld>
@@ -3238,7 +3186,7 @@
       </p:grpSpPr>
       <p:sp>
         <p:nvSpPr>
-          <p:cNvPr id="2" name="Cím 1"/>
+          <p:cNvPr id="2" name="Title 1"/>
           <p:cNvSpPr>
             <a:spLocks noGrp="1"/>
           </p:cNvSpPr>
@@ -3252,40 +3200,32 @@
           <a:lstStyle/>
           <a:p>
             <a:r>
-              <a:rPr lang="hu-HU" dirty="0" err="1"/>
+              <a:rPr lang="hu-HU" dirty="0" err="1" smtClean="0"/>
               <a:t>Scaling</a:t>
             </a:r>
             <a:r>
-              <a:rPr lang="hu-HU" dirty="0"/>
-              <a:t> </a:t>
-            </a:r>
-            <a:r>
-              <a:rPr lang="hu-HU" dirty="0" err="1"/>
+              <a:rPr lang="hu-HU" dirty="0" smtClean="0"/>
+              <a:t> </a:t>
+            </a:r>
+            <a:r>
+              <a:rPr lang="hu-HU" dirty="0" err="1" smtClean="0"/>
               <a:t>with</a:t>
             </a:r>
             <a:r>
-              <a:rPr lang="hu-HU" dirty="0"/>
+              <a:rPr lang="hu-HU" dirty="0" smtClean="0"/>
               <a:t> instant </a:t>
             </a:r>
             <a:r>
-              <a:rPr lang="hu-HU" dirty="0" err="1"/>
+              <a:rPr lang="hu-HU" dirty="0" err="1" smtClean="0"/>
               <a:t>spin-up</a:t>
             </a:r>
-            <a:r>
-              <a:rPr lang="hu-HU" dirty="0"/>
-              <a:t> </a:t>
-            </a:r>
-            <a:r>
-              <a:rPr lang="hu-HU" dirty="0" smtClean="0"/>
-              <a:t>2.</a:t>
-            </a:r>
-            <a:endParaRPr lang="hu-HU" dirty="0"/>
-          </a:p>
-        </p:txBody>
-      </p:sp>
-      <p:sp>
-        <p:nvSpPr>
-          <p:cNvPr id="3" name="Élőláb helye 2"/>
+            <a:endParaRPr lang="en-US" dirty="0"/>
+          </a:p>
+        </p:txBody>
+      </p:sp>
+      <p:sp>
+        <p:nvSpPr>
+          <p:cNvPr id="3" name="Footer Placeholder 2"/>
           <p:cNvSpPr>
             <a:spLocks noGrp="1"/>
           </p:cNvSpPr>
@@ -3311,7 +3251,7 @@
       </p:sp>
       <p:sp>
         <p:nvSpPr>
-          <p:cNvPr id="4" name="Dia számának helye 3"/>
+          <p:cNvPr id="4" name="Slide Number Placeholder 3"/>
           <p:cNvSpPr>
             <a:spLocks noGrp="1"/>
           </p:cNvSpPr>
@@ -3333,6 +3273,569 @@
                 <a:defRPr/>
               </a:pPr>
               <a:t>12</a:t>
+            </a:fld>
+            <a:endParaRPr lang="en-US" dirty="0"/>
+          </a:p>
+        </p:txBody>
+      </p:sp>
+      <p:sp>
+        <p:nvSpPr>
+          <p:cNvPr id="5" name="Text Placeholder 4"/>
+          <p:cNvSpPr>
+            <a:spLocks noGrp="1"/>
+          </p:cNvSpPr>
+          <p:nvPr>
+            <p:ph type="body" idx="1"/>
+          </p:nvPr>
+        </p:nvSpPr>
+        <p:spPr/>
+        <p:txBody>
+          <a:bodyPr/>
+          <a:lstStyle/>
+          <a:p>
+            <a:r>
+              <a:rPr lang="hu-HU" dirty="0" err="1" smtClean="0"/>
+              <a:t>Scale</a:t>
+            </a:r>
+            <a:r>
+              <a:rPr lang="hu-HU" dirty="0" smtClean="0"/>
+              <a:t> </a:t>
+            </a:r>
+            <a:r>
+              <a:rPr lang="hu-HU" dirty="0" err="1" smtClean="0"/>
+              <a:t>easily</a:t>
+            </a:r>
+            <a:r>
+              <a:rPr lang="hu-HU" dirty="0" smtClean="0"/>
+              <a:t> and </a:t>
+            </a:r>
+            <a:r>
+              <a:rPr lang="hu-HU" dirty="0" err="1" smtClean="0"/>
+              <a:t>instantly</a:t>
+            </a:r>
+            <a:r>
+              <a:rPr lang="hu-HU" dirty="0" smtClean="0"/>
+              <a:t> </a:t>
+            </a:r>
+            <a:r>
+              <a:rPr lang="hu-HU" dirty="0" err="1" smtClean="0"/>
+              <a:t>with</a:t>
+            </a:r>
+            <a:r>
+              <a:rPr lang="hu-HU" dirty="0" smtClean="0"/>
+              <a:t> </a:t>
+            </a:r>
+            <a:r>
+              <a:rPr lang="hu-HU" dirty="0" smtClean="0"/>
+              <a:t>‘</a:t>
+            </a:r>
+            <a:r>
+              <a:rPr lang="hu-HU" dirty="0" err="1" smtClean="0"/>
+              <a:t>heroku</a:t>
+            </a:r>
+            <a:r>
+              <a:rPr lang="hu-HU" dirty="0" smtClean="0"/>
+              <a:t>’ </a:t>
+            </a:r>
+            <a:r>
+              <a:rPr lang="hu-HU" dirty="0" err="1" smtClean="0"/>
+              <a:t>command</a:t>
+            </a:r>
+            <a:r>
+              <a:rPr lang="hu-HU" dirty="0" smtClean="0"/>
+              <a:t> line </a:t>
+            </a:r>
+            <a:r>
+              <a:rPr lang="hu-HU" dirty="0" err="1" smtClean="0"/>
+              <a:t>tool</a:t>
+            </a:r>
+            <a:r>
+              <a:rPr lang="hu-HU" dirty="0" smtClean="0"/>
+              <a:t>:</a:t>
+            </a:r>
+          </a:p>
+          <a:p>
+            <a:pPr>
+              <a:buNone/>
+            </a:pPr>
+            <a:r>
+              <a:rPr lang="hu-HU" i="1" dirty="0" smtClean="0"/>
+              <a:t>	</a:t>
+            </a:r>
+            <a:r>
+              <a:rPr lang="hu-HU" i="1" dirty="0" err="1" smtClean="0"/>
+              <a:t>heroku</a:t>
+            </a:r>
+            <a:r>
+              <a:rPr lang="hu-HU" i="1" dirty="0" smtClean="0"/>
+              <a:t> </a:t>
+            </a:r>
+            <a:r>
+              <a:rPr lang="hu-HU" i="1" dirty="0" err="1"/>
+              <a:t>scale</a:t>
+            </a:r>
+            <a:r>
+              <a:rPr lang="hu-HU" i="1" dirty="0"/>
+              <a:t> </a:t>
+            </a:r>
+            <a:r>
+              <a:rPr lang="hu-HU" i="1" dirty="0" smtClean="0"/>
+              <a:t>web=5</a:t>
+            </a:r>
+          </a:p>
+          <a:p>
+            <a:pPr lvl="0"/>
+            <a:r>
+              <a:rPr lang="hu-HU" dirty="0" err="1" smtClean="0">
+                <a:solidFill>
+                  <a:prstClr val="black"/>
+                </a:solidFill>
+              </a:rPr>
+              <a:t>Scaling</a:t>
+            </a:r>
+            <a:r>
+              <a:rPr lang="hu-HU" dirty="0" smtClean="0">
+                <a:solidFill>
+                  <a:prstClr val="black"/>
+                </a:solidFill>
+              </a:rPr>
+              <a:t> web and </a:t>
+            </a:r>
+            <a:r>
+              <a:rPr lang="hu-HU" dirty="0" err="1" smtClean="0">
+                <a:solidFill>
+                  <a:prstClr val="black"/>
+                </a:solidFill>
+              </a:rPr>
+              <a:t>worker</a:t>
+            </a:r>
+            <a:r>
+              <a:rPr lang="hu-HU" dirty="0" smtClean="0">
+                <a:solidFill>
+                  <a:prstClr val="black"/>
+                </a:solidFill>
+              </a:rPr>
+              <a:t> </a:t>
+            </a:r>
+            <a:r>
+              <a:rPr lang="hu-HU" dirty="0" err="1" smtClean="0">
+                <a:solidFill>
+                  <a:prstClr val="black"/>
+                </a:solidFill>
+              </a:rPr>
+              <a:t>dynos</a:t>
+            </a:r>
+            <a:r>
+              <a:rPr lang="hu-HU" dirty="0" smtClean="0">
+                <a:solidFill>
+                  <a:prstClr val="black"/>
+                </a:solidFill>
+              </a:rPr>
+              <a:t>:</a:t>
+            </a:r>
+            <a:endParaRPr lang="hu-HU" dirty="0">
+              <a:solidFill>
+                <a:prstClr val="black"/>
+              </a:solidFill>
+            </a:endParaRPr>
+          </a:p>
+          <a:p>
+            <a:pPr>
+              <a:buNone/>
+            </a:pPr>
+            <a:r>
+              <a:rPr lang="hu-HU" i="1" dirty="0"/>
+              <a:t>	</a:t>
+            </a:r>
+            <a:r>
+              <a:rPr lang="hu-HU" i="1" dirty="0" err="1"/>
+              <a:t>heroku</a:t>
+            </a:r>
+            <a:r>
+              <a:rPr lang="hu-HU" i="1" dirty="0"/>
+              <a:t> </a:t>
+            </a:r>
+            <a:r>
+              <a:rPr lang="hu-HU" i="1" dirty="0" err="1"/>
+              <a:t>scale</a:t>
+            </a:r>
+            <a:r>
+              <a:rPr lang="hu-HU" i="1" dirty="0"/>
+              <a:t> </a:t>
+            </a:r>
+            <a:r>
+              <a:rPr lang="hu-HU" i="1" dirty="0" smtClean="0"/>
+              <a:t>web=6 </a:t>
+            </a:r>
+            <a:r>
+              <a:rPr lang="hu-HU" i="1" dirty="0" err="1" smtClean="0"/>
+              <a:t>worker</a:t>
+            </a:r>
+            <a:r>
+              <a:rPr lang="hu-HU" i="1" smtClean="0"/>
+              <a:t>=2</a:t>
+            </a:r>
+            <a:endParaRPr lang="hu-HU" i="1" dirty="0" smtClean="0"/>
+          </a:p>
+          <a:p>
+            <a:r>
+              <a:rPr lang="hu-HU" dirty="0" err="1" smtClean="0"/>
+              <a:t>Nezumi</a:t>
+            </a:r>
+            <a:r>
+              <a:rPr lang="hu-HU" dirty="0" smtClean="0"/>
+              <a:t> </a:t>
+            </a:r>
+            <a:r>
+              <a:rPr lang="hu-HU" dirty="0" err="1" smtClean="0"/>
+              <a:t>for</a:t>
+            </a:r>
+            <a:r>
+              <a:rPr lang="hu-HU" dirty="0" smtClean="0"/>
+              <a:t> </a:t>
+            </a:r>
+            <a:r>
+              <a:rPr lang="hu-HU" dirty="0" err="1" smtClean="0"/>
+              <a:t>iPhone</a:t>
+            </a:r>
+            <a:r>
+              <a:rPr lang="hu-HU" dirty="0" smtClean="0"/>
+              <a:t>:</a:t>
+            </a:r>
+            <a:endParaRPr lang="hu-HU" dirty="0" smtClean="0"/>
+          </a:p>
+          <a:p>
+            <a:pPr>
+              <a:buNone/>
+            </a:pPr>
+            <a:r>
+              <a:rPr lang="hu-HU" i="1" dirty="0" smtClean="0"/>
+              <a:t>	</a:t>
+            </a:r>
+            <a:r>
+              <a:rPr lang="hu-HU" i="1" dirty="0" smtClean="0">
+                <a:hlinkClick r:id="rId2"/>
+              </a:rPr>
+              <a:t>http</a:t>
+            </a:r>
+            <a:r>
+              <a:rPr lang="hu-HU" i="1" dirty="0">
+                <a:hlinkClick r:id="rId2"/>
+              </a:rPr>
+              <a:t>://nezumiapp.com</a:t>
+            </a:r>
+            <a:r>
+              <a:rPr lang="hu-HU" i="1" dirty="0" smtClean="0">
+                <a:hlinkClick r:id="rId2"/>
+              </a:rPr>
+              <a:t>/</a:t>
+            </a:r>
+            <a:endParaRPr lang="hu-HU" i="1" dirty="0" smtClean="0"/>
+          </a:p>
+          <a:p>
+            <a:r>
+              <a:rPr lang="hu-HU" dirty="0" err="1" smtClean="0"/>
+              <a:t>Autoscaling</a:t>
+            </a:r>
+            <a:r>
+              <a:rPr lang="hu-HU" dirty="0" smtClean="0"/>
+              <a:t> is </a:t>
+            </a:r>
+            <a:r>
+              <a:rPr lang="hu-HU" dirty="0" err="1" smtClean="0"/>
+              <a:t>not</a:t>
+            </a:r>
+            <a:r>
+              <a:rPr lang="hu-HU" dirty="0" smtClean="0"/>
+              <a:t> </a:t>
+            </a:r>
+            <a:r>
+              <a:rPr lang="hu-HU" dirty="0" err="1" smtClean="0"/>
+              <a:t>addressed</a:t>
+            </a:r>
+            <a:r>
+              <a:rPr lang="hu-HU" dirty="0" smtClean="0"/>
+              <a:t> </a:t>
+            </a:r>
+            <a:r>
+              <a:rPr lang="hu-HU" dirty="0" err="1" smtClean="0"/>
+              <a:t>by</a:t>
+            </a:r>
+            <a:r>
+              <a:rPr lang="hu-HU" dirty="0" smtClean="0"/>
+              <a:t> </a:t>
+            </a:r>
+            <a:r>
+              <a:rPr lang="hu-HU" dirty="0" err="1" smtClean="0"/>
+              <a:t>Heroku</a:t>
+            </a:r>
+            <a:endParaRPr lang="hu-HU" dirty="0" smtClean="0"/>
+          </a:p>
+          <a:p>
+            <a:r>
+              <a:rPr lang="hu-HU" dirty="0" err="1" smtClean="0"/>
+              <a:t>Implement</a:t>
+            </a:r>
+            <a:r>
+              <a:rPr lang="hu-HU" dirty="0" smtClean="0"/>
+              <a:t> </a:t>
+            </a:r>
+            <a:r>
+              <a:rPr lang="hu-HU" dirty="0" err="1" smtClean="0"/>
+              <a:t>your</a:t>
+            </a:r>
+            <a:r>
+              <a:rPr lang="hu-HU" dirty="0" smtClean="0"/>
+              <a:t> </a:t>
+            </a:r>
+            <a:r>
+              <a:rPr lang="hu-HU" dirty="0" err="1" smtClean="0"/>
+              <a:t>own</a:t>
+            </a:r>
+            <a:r>
+              <a:rPr lang="hu-HU" dirty="0" smtClean="0"/>
+              <a:t> </a:t>
+            </a:r>
+            <a:r>
+              <a:rPr lang="hu-HU" dirty="0" err="1" smtClean="0"/>
+              <a:t>autoscaling</a:t>
+            </a:r>
+            <a:r>
+              <a:rPr lang="hu-HU" dirty="0" smtClean="0"/>
+              <a:t>, </a:t>
+            </a:r>
+            <a:r>
+              <a:rPr lang="hu-HU" dirty="0" err="1" smtClean="0"/>
+              <a:t>or</a:t>
+            </a:r>
+            <a:r>
+              <a:rPr lang="hu-HU" dirty="0" smtClean="0"/>
+              <a:t> </a:t>
+            </a:r>
+            <a:r>
+              <a:rPr lang="hu-HU" dirty="0" err="1" smtClean="0"/>
+              <a:t>use</a:t>
+            </a:r>
+            <a:r>
+              <a:rPr lang="hu-HU" dirty="0" smtClean="0"/>
+              <a:t> </a:t>
+            </a:r>
+            <a:r>
+              <a:rPr lang="hu-HU" dirty="0" err="1" smtClean="0"/>
+              <a:t>third</a:t>
+            </a:r>
+            <a:r>
+              <a:rPr lang="hu-HU" dirty="0" smtClean="0"/>
+              <a:t> </a:t>
+            </a:r>
+            <a:r>
+              <a:rPr lang="hu-HU" dirty="0" err="1" smtClean="0"/>
+              <a:t>parties</a:t>
+            </a:r>
+            <a:r>
+              <a:rPr lang="hu-HU" dirty="0" smtClean="0"/>
+              <a:t> </a:t>
+            </a:r>
+            <a:r>
+              <a:rPr lang="hu-HU" dirty="0" err="1" smtClean="0"/>
+              <a:t>like</a:t>
+            </a:r>
+            <a:r>
+              <a:rPr lang="hu-HU" dirty="0" smtClean="0"/>
+              <a:t>:</a:t>
+            </a:r>
+          </a:p>
+          <a:p>
+            <a:pPr>
+              <a:buNone/>
+            </a:pPr>
+            <a:r>
+              <a:rPr lang="hu-HU" dirty="0" smtClean="0"/>
+              <a:t>	</a:t>
+            </a:r>
+            <a:r>
+              <a:rPr lang="hu-HU" i="1" dirty="0" smtClean="0">
+                <a:hlinkClick r:id="rId3"/>
+              </a:rPr>
+              <a:t>http</a:t>
+            </a:r>
+            <a:r>
+              <a:rPr lang="hu-HU" i="1" dirty="0">
+                <a:hlinkClick r:id="rId3"/>
+              </a:rPr>
+              <a:t>://hirefireapp.com</a:t>
+            </a:r>
+            <a:r>
+              <a:rPr lang="hu-HU" i="1" dirty="0" smtClean="0">
+                <a:hlinkClick r:id="rId3"/>
+              </a:rPr>
+              <a:t>/</a:t>
+            </a:r>
+            <a:endParaRPr lang="hu-HU" i="1" dirty="0" smtClean="0"/>
+          </a:p>
+          <a:p>
+            <a:pPr>
+              <a:buNone/>
+            </a:pPr>
+            <a:r>
+              <a:rPr lang="hu-HU" i="1" dirty="0" smtClean="0"/>
+              <a:t>	</a:t>
+            </a:r>
+            <a:r>
+              <a:rPr lang="hu-HU" i="1" dirty="0" smtClean="0">
+                <a:hlinkClick r:id="rId4"/>
+              </a:rPr>
+              <a:t>http</a:t>
+            </a:r>
+            <a:r>
+              <a:rPr lang="hu-HU" i="1" dirty="0">
+                <a:hlinkClick r:id="rId4"/>
+              </a:rPr>
+              <a:t>://www.heroscale.com</a:t>
+            </a:r>
+            <a:r>
+              <a:rPr lang="hu-HU" i="1" dirty="0" smtClean="0">
+                <a:hlinkClick r:id="rId4"/>
+              </a:rPr>
+              <a:t>/</a:t>
+            </a:r>
+            <a:endParaRPr lang="hu-HU" i="1" dirty="0" smtClean="0"/>
+          </a:p>
+          <a:p>
+            <a:pPr>
+              <a:buNone/>
+            </a:pPr>
+            <a:endParaRPr lang="hu-HU" i="1" dirty="0"/>
+          </a:p>
+          <a:p>
+            <a:pPr>
+              <a:buNone/>
+            </a:pPr>
+            <a:endParaRPr lang="hu-HU" dirty="0" smtClean="0"/>
+          </a:p>
+        </p:txBody>
+      </p:sp>
+    </p:spTree>
+  </p:cSld>
+  <p:clrMapOvr>
+    <a:masterClrMapping/>
+  </p:clrMapOvr>
+  <p:timing>
+    <p:tnLst>
+      <p:par>
+        <p:cTn id="1" dur="indefinite" restart="never" nodeType="tmRoot"/>
+      </p:par>
+    </p:tnLst>
+  </p:timing>
+</p:sld>
+</file>
+
+<file path=ppt/slides/slide13.xml><?xml version="1.0" encoding="utf-8"?>
+<p:sld xmlns:a="http://schemas.openxmlformats.org/drawingml/2006/main" xmlns:r="http://schemas.openxmlformats.org/officeDocument/2006/relationships" xmlns:p="http://schemas.openxmlformats.org/presentationml/2006/main">
+  <p:cSld>
+    <p:spTree>
+      <p:nvGrpSpPr>
+        <p:cNvPr id="1" name=""/>
+        <p:cNvGrpSpPr/>
+        <p:nvPr/>
+      </p:nvGrpSpPr>
+      <p:grpSpPr>
+        <a:xfrm>
+          <a:off x="0" y="0"/>
+          <a:ext cx="0" cy="0"/>
+          <a:chOff x="0" y="0"/>
+          <a:chExt cx="0" cy="0"/>
+        </a:xfrm>
+      </p:grpSpPr>
+      <p:sp>
+        <p:nvSpPr>
+          <p:cNvPr id="2" name="Cím 1"/>
+          <p:cNvSpPr>
+            <a:spLocks noGrp="1"/>
+          </p:cNvSpPr>
+          <p:nvPr>
+            <p:ph type="title"/>
+          </p:nvPr>
+        </p:nvSpPr>
+        <p:spPr/>
+        <p:txBody>
+          <a:bodyPr/>
+          <a:lstStyle/>
+          <a:p>
+            <a:r>
+              <a:rPr lang="hu-HU" dirty="0" err="1"/>
+              <a:t>Scaling</a:t>
+            </a:r>
+            <a:r>
+              <a:rPr lang="hu-HU" dirty="0"/>
+              <a:t> </a:t>
+            </a:r>
+            <a:r>
+              <a:rPr lang="hu-HU" dirty="0" err="1"/>
+              <a:t>with</a:t>
+            </a:r>
+            <a:r>
+              <a:rPr lang="hu-HU" dirty="0"/>
+              <a:t> instant </a:t>
+            </a:r>
+            <a:r>
+              <a:rPr lang="hu-HU" dirty="0" err="1" smtClean="0"/>
+              <a:t>spin-up</a:t>
+            </a:r>
+            <a:endParaRPr lang="hu-HU" dirty="0"/>
+          </a:p>
+        </p:txBody>
+      </p:sp>
+      <p:sp>
+        <p:nvSpPr>
+          <p:cNvPr id="3" name="Élőláb helye 2"/>
+          <p:cNvSpPr>
+            <a:spLocks noGrp="1"/>
+          </p:cNvSpPr>
+          <p:nvPr>
+            <p:ph type="ftr" sz="quarter" idx="10"/>
+          </p:nvPr>
+        </p:nvSpPr>
+        <p:spPr/>
+        <p:txBody>
+          <a:bodyPr/>
+          <a:lstStyle/>
+          <a:p>
+            <a:pPr>
+              <a:defRPr/>
+            </a:pPr>
+            <a:r>
+              <a:rPr lang="en-US" smtClean="0"/>
+              <a:t>2011 © EPAM Systems</a:t>
+            </a:r>
+            <a:endParaRPr lang="en-US"/>
+          </a:p>
+        </p:txBody>
+      </p:sp>
+      <p:sp>
+        <p:nvSpPr>
+          <p:cNvPr id="4" name="Dia számának helye 3"/>
+          <p:cNvSpPr>
+            <a:spLocks noGrp="1"/>
+          </p:cNvSpPr>
+          <p:nvPr>
+            <p:ph type="sldNum" sz="quarter" idx="11"/>
+          </p:nvPr>
+        </p:nvSpPr>
+        <p:spPr/>
+        <p:txBody>
+          <a:bodyPr/>
+          <a:lstStyle/>
+          <a:p>
+            <a:pPr>
+              <a:defRPr/>
+            </a:pPr>
+            <a:fld id="{AA712712-3884-4B09-89F4-3E21D1ECCFA1}" type="slidenum">
+              <a:rPr lang="en-US" smtClean="0"/>
+              <a:pPr>
+                <a:defRPr/>
+              </a:pPr>
+              <a:t>13</a:t>
             </a:fld>
             <a:endParaRPr lang="en-US" dirty="0"/>
           </a:p>
@@ -3385,336 +3888,6 @@
 </p:sld>
 </file>
 
-<file path=ppt/slides/slide13.xml><?xml version="1.0" encoding="utf-8"?>
-<p:sld xmlns:a="http://schemas.openxmlformats.org/drawingml/2006/main" xmlns:r="http://schemas.openxmlformats.org/officeDocument/2006/relationships" xmlns:p="http://schemas.openxmlformats.org/presentationml/2006/main">
-  <p:cSld>
-    <p:spTree>
-      <p:nvGrpSpPr>
-        <p:cNvPr id="1" name=""/>
-        <p:cNvGrpSpPr/>
-        <p:nvPr/>
-      </p:nvGrpSpPr>
-      <p:grpSpPr>
-        <a:xfrm>
-          <a:off x="0" y="0"/>
-          <a:ext cx="0" cy="0"/>
-          <a:chOff x="0" y="0"/>
-          <a:chExt cx="0" cy="0"/>
-        </a:xfrm>
-      </p:grpSpPr>
-      <p:sp>
-        <p:nvSpPr>
-          <p:cNvPr id="2" name="Title 1"/>
-          <p:cNvSpPr>
-            <a:spLocks noGrp="1"/>
-          </p:cNvSpPr>
-          <p:nvPr>
-            <p:ph type="title"/>
-          </p:nvPr>
-        </p:nvSpPr>
-        <p:spPr/>
-        <p:txBody>
-          <a:bodyPr/>
-          <a:lstStyle/>
-          <a:p>
-            <a:r>
-              <a:rPr lang="hu-HU" dirty="0" err="1" smtClean="0"/>
-              <a:t>Dyno</a:t>
-            </a:r>
-            <a:r>
-              <a:rPr lang="hu-HU" dirty="0" smtClean="0"/>
-              <a:t> </a:t>
-            </a:r>
-            <a:r>
-              <a:rPr lang="hu-HU" dirty="0" err="1" smtClean="0"/>
-              <a:t>prices</a:t>
-            </a:r>
-            <a:endParaRPr lang="en-US" dirty="0"/>
-          </a:p>
-        </p:txBody>
-      </p:sp>
-      <p:sp>
-        <p:nvSpPr>
-          <p:cNvPr id="3" name="Footer Placeholder 2"/>
-          <p:cNvSpPr>
-            <a:spLocks noGrp="1"/>
-          </p:cNvSpPr>
-          <p:nvPr>
-            <p:ph type="ftr" sz="quarter" idx="10"/>
-          </p:nvPr>
-        </p:nvSpPr>
-        <p:spPr/>
-        <p:txBody>
-          <a:bodyPr/>
-          <a:lstStyle/>
-          <a:p>
-            <a:pPr>
-              <a:defRPr/>
-            </a:pPr>
-            <a:r>
-              <a:rPr lang="en-US" smtClean="0"/>
-              <a:t>2011 © EPAM Systems</a:t>
-            </a:r>
-            <a:endParaRPr lang="en-US"/>
-          </a:p>
-        </p:txBody>
-      </p:sp>
-      <p:sp>
-        <p:nvSpPr>
-          <p:cNvPr id="4" name="Slide Number Placeholder 3"/>
-          <p:cNvSpPr>
-            <a:spLocks noGrp="1"/>
-          </p:cNvSpPr>
-          <p:nvPr>
-            <p:ph type="sldNum" sz="quarter" idx="11"/>
-          </p:nvPr>
-        </p:nvSpPr>
-        <p:spPr/>
-        <p:txBody>
-          <a:bodyPr/>
-          <a:lstStyle/>
-          <a:p>
-            <a:pPr>
-              <a:defRPr/>
-            </a:pPr>
-            <a:fld id="{AA712712-3884-4B09-89F4-3E21D1ECCFA1}" type="slidenum">
-              <a:rPr lang="en-US" smtClean="0"/>
-              <a:pPr>
-                <a:defRPr/>
-              </a:pPr>
-              <a:t>13</a:t>
-            </a:fld>
-            <a:endParaRPr lang="en-US"/>
-          </a:p>
-        </p:txBody>
-      </p:sp>
-      <p:sp>
-        <p:nvSpPr>
-          <p:cNvPr id="5" name="Text Placeholder 4"/>
-          <p:cNvSpPr>
-            <a:spLocks noGrp="1"/>
-          </p:cNvSpPr>
-          <p:nvPr>
-            <p:ph type="body" idx="1"/>
-          </p:nvPr>
-        </p:nvSpPr>
-        <p:spPr/>
-        <p:txBody>
-          <a:bodyPr/>
-          <a:lstStyle/>
-          <a:p>
-            <a:pPr marL="342900" lvl="1" indent="-342900">
-              <a:buFont typeface="Arial" pitchFamily="34" charset="0"/>
-              <a:buChar char="•"/>
-            </a:pPr>
-            <a:r>
-              <a:rPr lang="en-US" dirty="0" err="1"/>
-              <a:t>Dynos</a:t>
-            </a:r>
-            <a:r>
-              <a:rPr lang="en-US" dirty="0"/>
-              <a:t> cost $0.05 per hour, prorated per second</a:t>
-            </a:r>
-          </a:p>
-          <a:p>
-            <a:pPr marL="342900" lvl="1" indent="-342900">
-              <a:buFont typeface="Arial" pitchFamily="34" charset="0"/>
-              <a:buChar char="•"/>
-            </a:pPr>
-            <a:r>
-              <a:rPr lang="en-US" dirty="0"/>
-              <a:t>Each application receives 750 free </a:t>
-            </a:r>
-            <a:r>
-              <a:rPr lang="en-US" dirty="0" err="1"/>
-              <a:t>dyno</a:t>
-            </a:r>
-            <a:r>
-              <a:rPr lang="en-US" dirty="0"/>
-              <a:t> hours per </a:t>
-            </a:r>
-            <a:r>
-              <a:rPr lang="en-US" dirty="0" smtClean="0"/>
-              <a:t>month</a:t>
-            </a:r>
-            <a:endParaRPr lang="hu-HU" dirty="0" smtClean="0"/>
-          </a:p>
-          <a:p>
-            <a:pPr marL="342900" lvl="1" indent="-342900">
-              <a:buFont typeface="Arial" pitchFamily="34" charset="0"/>
-              <a:buChar char="•"/>
-            </a:pPr>
-            <a:r>
-              <a:rPr lang="en-US" dirty="0">
-                <a:solidFill>
-                  <a:srgbClr val="000000"/>
-                </a:solidFill>
-                <a:ea typeface="Lucida Sans Unicode" pitchFamily="2"/>
-                <a:cs typeface="Lucida Sans Unicode" pitchFamily="2"/>
-              </a:rPr>
-              <a:t>Apps that have only 1 web </a:t>
-            </a:r>
-            <a:r>
-              <a:rPr lang="en-US" dirty="0" err="1">
-                <a:solidFill>
-                  <a:srgbClr val="000000"/>
-                </a:solidFill>
-                <a:ea typeface="Lucida Sans Unicode" pitchFamily="2"/>
-                <a:cs typeface="Lucida Sans Unicode" pitchFamily="2"/>
-              </a:rPr>
-              <a:t>dyno</a:t>
-            </a:r>
-            <a:r>
-              <a:rPr lang="en-US" dirty="0">
-                <a:solidFill>
-                  <a:srgbClr val="000000"/>
-                </a:solidFill>
-                <a:ea typeface="Lucida Sans Unicode" pitchFamily="2"/>
-                <a:cs typeface="Lucida Sans Unicode" pitchFamily="2"/>
-              </a:rPr>
-              <a:t> will be idled out after 1 hour of </a:t>
-            </a:r>
-            <a:r>
-              <a:rPr lang="en-US" dirty="0" smtClean="0">
-                <a:solidFill>
-                  <a:srgbClr val="000000"/>
-                </a:solidFill>
-                <a:ea typeface="Lucida Sans Unicode" pitchFamily="2"/>
-                <a:cs typeface="Lucida Sans Unicode" pitchFamily="2"/>
-              </a:rPr>
-              <a:t>inactivity</a:t>
-            </a:r>
-            <a:endParaRPr lang="hu-HU" dirty="0" smtClean="0">
-              <a:solidFill>
-                <a:srgbClr val="000000"/>
-              </a:solidFill>
-              <a:ea typeface="Lucida Sans Unicode" pitchFamily="2"/>
-              <a:cs typeface="Lucida Sans Unicode" pitchFamily="2"/>
-            </a:endParaRPr>
-          </a:p>
-          <a:p>
-            <a:pPr marL="342900" lvl="1" indent="-342900">
-              <a:buFont typeface="Arial" pitchFamily="34" charset="0"/>
-              <a:buChar char="•"/>
-            </a:pPr>
-            <a:endParaRPr lang="hu-HU" dirty="0">
-              <a:solidFill>
-                <a:srgbClr val="000000"/>
-              </a:solidFill>
-              <a:ea typeface="Lucida Sans Unicode" pitchFamily="2"/>
-              <a:cs typeface="Lucida Sans Unicode" pitchFamily="2"/>
-            </a:endParaRPr>
-          </a:p>
-          <a:p>
-            <a:pPr marL="342900" lvl="1" indent="-342900">
-              <a:buNone/>
-            </a:pPr>
-            <a:r>
-              <a:rPr lang="hu-HU" dirty="0" smtClean="0">
-                <a:solidFill>
-                  <a:srgbClr val="000000"/>
-                </a:solidFill>
-                <a:latin typeface="Tahoma" pitchFamily="34"/>
-                <a:ea typeface="Lucida Sans Unicode" pitchFamily="2"/>
-                <a:cs typeface="Lucida Sans Unicode" pitchFamily="2"/>
-              </a:rPr>
-              <a:t>	More </a:t>
-            </a:r>
-            <a:r>
-              <a:rPr lang="hu-HU" dirty="0" err="1">
-                <a:solidFill>
-                  <a:srgbClr val="000000"/>
-                </a:solidFill>
-                <a:latin typeface="Tahoma" pitchFamily="34"/>
-                <a:ea typeface="Lucida Sans Unicode" pitchFamily="2"/>
-                <a:cs typeface="Lucida Sans Unicode" pitchFamily="2"/>
-              </a:rPr>
-              <a:t>info</a:t>
-            </a:r>
-            <a:r>
-              <a:rPr lang="hu-HU" dirty="0">
-                <a:solidFill>
-                  <a:srgbClr val="000000"/>
-                </a:solidFill>
-                <a:latin typeface="Tahoma" pitchFamily="34"/>
-                <a:ea typeface="Lucida Sans Unicode" pitchFamily="2"/>
-                <a:cs typeface="Lucida Sans Unicode" pitchFamily="2"/>
-              </a:rPr>
-              <a:t> </a:t>
-            </a:r>
-            <a:r>
-              <a:rPr lang="hu-HU" dirty="0" err="1">
-                <a:solidFill>
-                  <a:srgbClr val="000000"/>
-                </a:solidFill>
-                <a:latin typeface="Tahoma" pitchFamily="34"/>
-                <a:ea typeface="Lucida Sans Unicode" pitchFamily="2"/>
-                <a:cs typeface="Lucida Sans Unicode" pitchFamily="2"/>
-              </a:rPr>
-              <a:t>at</a:t>
-            </a:r>
-            <a:r>
-              <a:rPr lang="hu-HU" dirty="0">
-                <a:solidFill>
-                  <a:srgbClr val="000000"/>
-                </a:solidFill>
-                <a:latin typeface="Tahoma" pitchFamily="34"/>
-                <a:ea typeface="Lucida Sans Unicode" pitchFamily="2"/>
-                <a:cs typeface="Lucida Sans Unicode" pitchFamily="2"/>
-              </a:rPr>
-              <a:t> </a:t>
-            </a:r>
-            <a:r>
-              <a:rPr lang="hu-HU" dirty="0">
-                <a:solidFill>
-                  <a:srgbClr val="000000"/>
-                </a:solidFill>
-                <a:latin typeface="Tahoma" pitchFamily="34"/>
-                <a:ea typeface="Lucida Sans Unicode" pitchFamily="2"/>
-                <a:cs typeface="Lucida Sans Unicode" pitchFamily="2"/>
-                <a:hlinkClick r:id="rId2"/>
-              </a:rPr>
-              <a:t>http://</a:t>
-            </a:r>
-            <a:r>
-              <a:rPr lang="hu-HU" dirty="0" smtClean="0">
-                <a:solidFill>
-                  <a:srgbClr val="000000"/>
-                </a:solidFill>
-                <a:latin typeface="Tahoma" pitchFamily="34"/>
-                <a:ea typeface="Lucida Sans Unicode" pitchFamily="2"/>
-                <a:cs typeface="Lucida Sans Unicode" pitchFamily="2"/>
-                <a:hlinkClick r:id="rId2"/>
-              </a:rPr>
-              <a:t>www.heroku.com/pricing</a:t>
-            </a:r>
-            <a:endParaRPr lang="hu-HU" dirty="0">
-              <a:solidFill>
-                <a:srgbClr val="000000"/>
-              </a:solidFill>
-              <a:latin typeface="Tahoma" pitchFamily="34"/>
-              <a:ea typeface="Lucida Sans Unicode" pitchFamily="2"/>
-              <a:cs typeface="Lucida Sans Unicode" pitchFamily="2"/>
-              <a:hlinkClick r:id="rId2"/>
-            </a:endParaRPr>
-          </a:p>
-        </p:txBody>
-      </p:sp>
-    </p:spTree>
-  </p:cSld>
-  <p:clrMapOvr>
-    <a:masterClrMapping/>
-  </p:clrMapOvr>
-  <p:timing>
-    <p:tnLst>
-      <p:par>
-        <p:cTn id="1" dur="indefinite" restart="never" nodeType="tmRoot"/>
-      </p:par>
-    </p:tnLst>
-  </p:timing>
-</p:sld>
-</file>
-
 <file path=ppt/slides/slide14.xml><?xml version="1.0" encoding="utf-8"?>
 <p:sld xmlns:a="http://schemas.openxmlformats.org/drawingml/2006/main" xmlns:r="http://schemas.openxmlformats.org/officeDocument/2006/relationships" xmlns:p="http://schemas.openxmlformats.org/presentationml/2006/main">
   <p:cSld>
@@ -3749,7 +3922,7 @@
           <a:p>
             <a:r>
               <a:rPr lang="hu-HU" dirty="0" err="1" smtClean="0"/>
-              <a:t>Add-ons</a:t>
+              <a:t>Resources</a:t>
             </a:r>
             <a:endParaRPr lang="en-US" dirty="0"/>
           </a:p>
@@ -3810,38 +3983,390 @@
           </a:p>
         </p:txBody>
       </p:sp>
-      <p:pic>
-        <p:nvPicPr>
-          <p:cNvPr id="3074" name="Picture 2"/>
-          <p:cNvPicPr>
-            <a:picLocks noChangeAspect="1" noChangeArrowheads="1"/>
-          </p:cNvPicPr>
+      <p:sp>
+        <p:nvSpPr>
+          <p:cNvPr id="7" name="Tartalom helye 5"/>
+          <p:cNvSpPr txBox="1">
+            <a:spLocks/>
+          </p:cNvSpPr>
           <p:nvPr/>
-        </p:nvPicPr>
-        <p:blipFill>
-          <a:blip r:embed="rId2" cstate="print"/>
-          <a:srcRect/>
-          <a:stretch>
-            <a:fillRect/>
-          </a:stretch>
-        </p:blipFill>
-        <p:spPr bwMode="auto">
+        </p:nvSpPr>
+        <p:spPr>
           <a:xfrm>
-            <a:off x="1600200" y="914400"/>
-            <a:ext cx="6010275" cy="4495800"/>
+            <a:off x="457200" y="762000"/>
+            <a:ext cx="8229600" cy="4953000"/>
           </a:xfrm>
           <a:prstGeom prst="rect">
             <a:avLst/>
           </a:prstGeom>
-          <a:noFill/>
-          <a:ln w="9525">
-            <a:noFill/>
-            <a:miter lim="800000"/>
-            <a:headEnd/>
-            <a:tailEnd/>
-          </a:ln>
         </p:spPr>
-      </p:pic>
+        <p:txBody>
+          <a:bodyPr/>
+          <a:lstStyle/>
+          <a:p>
+            <a:pPr marL="342900" lvl="0" indent="-342900" eaLnBrk="0" hangingPunct="0">
+              <a:spcBef>
+                <a:spcPct val="20000"/>
+              </a:spcBef>
+              <a:buFont typeface="Arial" pitchFamily="34" charset="0"/>
+              <a:buChar char="•"/>
+            </a:pPr>
+            <a:r>
+              <a:rPr lang="hu-HU" dirty="0" err="1" smtClean="0">
+                <a:solidFill>
+                  <a:srgbClr val="000000"/>
+                </a:solidFill>
+                <a:latin typeface="Helvetica LT Std"/>
+                <a:ea typeface="Lucida Sans Unicode" pitchFamily="2"/>
+                <a:cs typeface="Lucida Sans Unicode" pitchFamily="2"/>
+              </a:rPr>
+              <a:t>Sample</a:t>
+            </a:r>
+            <a:r>
+              <a:rPr lang="hu-HU" dirty="0" smtClean="0">
+                <a:solidFill>
+                  <a:srgbClr val="000000"/>
+                </a:solidFill>
+                <a:latin typeface="Helvetica LT Std"/>
+                <a:ea typeface="Lucida Sans Unicode" pitchFamily="2"/>
+                <a:cs typeface="Lucida Sans Unicode" pitchFamily="2"/>
+              </a:rPr>
+              <a:t> Java </a:t>
+            </a:r>
+            <a:r>
+              <a:rPr lang="hu-HU" dirty="0" err="1" smtClean="0">
+                <a:solidFill>
+                  <a:srgbClr val="000000"/>
+                </a:solidFill>
+                <a:latin typeface="Helvetica LT Std"/>
+                <a:ea typeface="Lucida Sans Unicode" pitchFamily="2"/>
+                <a:cs typeface="Lucida Sans Unicode" pitchFamily="2"/>
+              </a:rPr>
+              <a:t>projects</a:t>
+            </a:r>
+            <a:endParaRPr kumimoji="0" lang="hu-HU" sz="1800" b="0" i="0" u="none" strike="noStrike" kern="1200" cap="none" spc="0" normalizeH="0" baseline="0" noProof="0" dirty="0" smtClean="0">
+              <a:ln>
+                <a:noFill/>
+              </a:ln>
+              <a:solidFill>
+                <a:schemeClr val="tx1"/>
+              </a:solidFill>
+              <a:effectLst/>
+              <a:uLnTx/>
+              <a:uFillTx/>
+              <a:latin typeface="Helvetica LT Std"/>
+            </a:endParaRPr>
+          </a:p>
+          <a:p>
+            <a:pPr marL="342900" lvl="1" indent="-342900" eaLnBrk="0" hangingPunct="0">
+              <a:spcBef>
+                <a:spcPct val="20000"/>
+              </a:spcBef>
+            </a:pPr>
+            <a:r>
+              <a:rPr lang="hu-HU" i="1" dirty="0" smtClean="0">
+                <a:latin typeface="Helvetica LT Std"/>
+              </a:rPr>
+              <a:t>	</a:t>
+            </a:r>
+            <a:r>
+              <a:rPr lang="hu-HU" i="1" dirty="0" smtClean="0">
+                <a:latin typeface="Helvetica LT Std"/>
+              </a:rPr>
+              <a:t> </a:t>
+            </a:r>
+            <a:r>
+              <a:rPr lang="hu-HU" i="1" dirty="0" smtClean="0">
+                <a:latin typeface="Helvetica LT Std"/>
+                <a:hlinkClick r:id="rId2"/>
+              </a:rPr>
+              <a:t>http://java.herokuapp.com</a:t>
+            </a:r>
+            <a:r>
+              <a:rPr lang="hu-HU" i="1" dirty="0" smtClean="0">
+                <a:latin typeface="Helvetica LT Std"/>
+                <a:hlinkClick r:id="rId2"/>
+              </a:rPr>
+              <a:t>/</a:t>
+            </a:r>
+            <a:endParaRPr lang="hu-HU" i="1" dirty="0" smtClean="0">
+              <a:latin typeface="Helvetica LT Std"/>
+            </a:endParaRPr>
+          </a:p>
+          <a:p>
+            <a:pPr marL="342900" lvl="1" indent="-342900" eaLnBrk="0" hangingPunct="0">
+              <a:spcBef>
+                <a:spcPct val="20000"/>
+              </a:spcBef>
+            </a:pPr>
+            <a:endParaRPr kumimoji="0" lang="hu-HU" sz="1800" b="0" i="1" u="none" strike="noStrike" kern="1200" cap="none" spc="0" normalizeH="0" baseline="0" noProof="0" dirty="0" smtClean="0">
+              <a:ln>
+                <a:noFill/>
+              </a:ln>
+              <a:solidFill>
+                <a:schemeClr val="tx1"/>
+              </a:solidFill>
+              <a:effectLst/>
+              <a:uLnTx/>
+              <a:uFillTx/>
+              <a:latin typeface="Helvetica LT Std"/>
+              <a:ea typeface="+mn-ea"/>
+              <a:cs typeface="+mn-cs"/>
+            </a:endParaRPr>
+          </a:p>
+          <a:p>
+            <a:pPr marL="342900" indent="-342900" eaLnBrk="0" hangingPunct="0">
+              <a:spcBef>
+                <a:spcPct val="20000"/>
+              </a:spcBef>
+              <a:buFont typeface="Arial" pitchFamily="34" charset="0"/>
+              <a:buChar char="•"/>
+            </a:pPr>
+            <a:r>
+              <a:rPr lang="hu-HU" dirty="0" err="1" smtClean="0">
+                <a:latin typeface="Helvetica LT Std"/>
+              </a:rPr>
+              <a:t>Heroku</a:t>
+            </a:r>
+            <a:r>
+              <a:rPr lang="hu-HU" dirty="0" smtClean="0">
+                <a:latin typeface="Helvetica LT Std"/>
+              </a:rPr>
+              <a:t> </a:t>
+            </a:r>
+            <a:r>
+              <a:rPr lang="hu-HU" dirty="0" err="1" smtClean="0">
+                <a:latin typeface="Helvetica LT Std"/>
+              </a:rPr>
+              <a:t>Devcenter</a:t>
+            </a:r>
+            <a:endParaRPr kumimoji="0" lang="hu-HU" sz="1800" b="0" i="0" u="none" strike="noStrike" kern="1200" cap="none" spc="0" normalizeH="0" baseline="0" noProof="0" dirty="0" smtClean="0">
+              <a:ln>
+                <a:noFill/>
+              </a:ln>
+              <a:solidFill>
+                <a:schemeClr val="tx1"/>
+              </a:solidFill>
+              <a:effectLst/>
+              <a:uLnTx/>
+              <a:uFillTx/>
+              <a:latin typeface="Helvetica LT Std"/>
+              <a:ea typeface="+mn-ea"/>
+              <a:cs typeface="+mn-cs"/>
+            </a:endParaRPr>
+          </a:p>
+          <a:p>
+            <a:pPr marL="342900" lvl="0" indent="-342900" eaLnBrk="0" hangingPunct="0">
+              <a:spcBef>
+                <a:spcPct val="20000"/>
+              </a:spcBef>
+            </a:pPr>
+            <a:r>
+              <a:rPr lang="hu-HU" i="1" dirty="0" smtClean="0">
+                <a:latin typeface="Helvetica LT Std"/>
+              </a:rPr>
+              <a:t>	</a:t>
+            </a:r>
+            <a:r>
+              <a:rPr lang="hu-HU" i="1" dirty="0" smtClean="0">
+                <a:latin typeface="Helvetica LT Std"/>
+                <a:hlinkClick r:id="rId3"/>
+              </a:rPr>
+              <a:t>http</a:t>
+            </a:r>
+            <a:r>
+              <a:rPr lang="hu-HU" i="1" dirty="0" smtClean="0">
+                <a:latin typeface="Helvetica LT Std"/>
+                <a:hlinkClick r:id="rId3"/>
+              </a:rPr>
+              <a:t>://devcenter.heroku.com</a:t>
+            </a:r>
+            <a:r>
+              <a:rPr lang="hu-HU" i="1" dirty="0" smtClean="0">
+                <a:latin typeface="Helvetica LT Std"/>
+                <a:hlinkClick r:id="rId3"/>
+              </a:rPr>
+              <a:t>/</a:t>
+            </a:r>
+            <a:endParaRPr lang="hu-HU" i="1" dirty="0" smtClean="0">
+              <a:latin typeface="Helvetica LT Std"/>
+            </a:endParaRPr>
+          </a:p>
+          <a:p>
+            <a:pPr marL="342900" lvl="0" indent="-342900" eaLnBrk="0" hangingPunct="0">
+              <a:spcBef>
+                <a:spcPct val="20000"/>
+              </a:spcBef>
+            </a:pPr>
+            <a:endParaRPr kumimoji="0" lang="hu-HU" sz="1800" b="0" i="1" u="none" strike="noStrike" kern="1200" cap="none" spc="0" normalizeH="0" baseline="0" noProof="0" dirty="0" smtClean="0">
+              <a:ln>
+                <a:noFill/>
+              </a:ln>
+              <a:solidFill>
+                <a:schemeClr val="tx1"/>
+              </a:solidFill>
+              <a:effectLst/>
+              <a:uLnTx/>
+              <a:uFillTx/>
+              <a:latin typeface="Helvetica LT Std"/>
+              <a:ea typeface="+mn-ea"/>
+              <a:cs typeface="+mn-cs"/>
+            </a:endParaRPr>
+          </a:p>
+          <a:p>
+            <a:pPr marL="342900" indent="-342900" eaLnBrk="0" hangingPunct="0">
+              <a:spcBef>
+                <a:spcPct val="20000"/>
+              </a:spcBef>
+              <a:buFont typeface="Arial" pitchFamily="34" charset="0"/>
+              <a:buChar char="•"/>
+            </a:pPr>
+            <a:r>
+              <a:rPr lang="hu-HU" dirty="0" err="1" smtClean="0">
+                <a:latin typeface="Helvetica LT Std"/>
+              </a:rPr>
+              <a:t>Add-ons</a:t>
+            </a:r>
+            <a:endParaRPr lang="hu-HU" dirty="0" smtClean="0">
+              <a:latin typeface="Helvetica LT Std"/>
+            </a:endParaRPr>
+          </a:p>
+          <a:p>
+            <a:pPr marL="342900" indent="-342900" eaLnBrk="0" hangingPunct="0">
+              <a:spcBef>
+                <a:spcPct val="20000"/>
+              </a:spcBef>
+            </a:pPr>
+            <a:r>
+              <a:rPr lang="hu-HU" i="1" dirty="0" smtClean="0">
+                <a:latin typeface="Helvetica LT Std"/>
+              </a:rPr>
+              <a:t>	</a:t>
+            </a:r>
+            <a:r>
+              <a:rPr lang="hu-HU" i="1" dirty="0" smtClean="0">
+                <a:latin typeface="Helvetica LT Std"/>
+                <a:hlinkClick r:id="rId4"/>
+              </a:rPr>
+              <a:t>http</a:t>
+            </a:r>
+            <a:r>
+              <a:rPr lang="hu-HU" i="1" dirty="0" smtClean="0">
+                <a:latin typeface="Helvetica LT Std"/>
+                <a:hlinkClick r:id="rId4"/>
+              </a:rPr>
+              <a:t>://addons.heroku.com</a:t>
+            </a:r>
+            <a:r>
+              <a:rPr lang="hu-HU" i="1" dirty="0" smtClean="0">
+                <a:latin typeface="Helvetica LT Std"/>
+                <a:hlinkClick r:id="rId4"/>
+              </a:rPr>
+              <a:t>/</a:t>
+            </a:r>
+            <a:endParaRPr lang="hu-HU" i="1" dirty="0" smtClean="0">
+              <a:latin typeface="Helvetica LT Std"/>
+            </a:endParaRPr>
+          </a:p>
+          <a:p>
+            <a:pPr marL="342900" indent="-342900" eaLnBrk="0" hangingPunct="0">
+              <a:spcBef>
+                <a:spcPct val="20000"/>
+              </a:spcBef>
+            </a:pPr>
+            <a:endParaRPr lang="hu-HU" i="1" dirty="0" smtClean="0">
+              <a:latin typeface="Helvetica LT Std"/>
+            </a:endParaRPr>
+          </a:p>
+          <a:p>
+            <a:pPr marL="342900" indent="-342900" eaLnBrk="0" hangingPunct="0">
+              <a:spcBef>
+                <a:spcPct val="20000"/>
+              </a:spcBef>
+              <a:buFont typeface="Arial" pitchFamily="34" charset="0"/>
+              <a:buChar char="•"/>
+            </a:pPr>
+            <a:r>
+              <a:rPr lang="hu-HU" dirty="0" err="1" smtClean="0">
+                <a:latin typeface="Helvetica LT Std"/>
+              </a:rPr>
+              <a:t>Git</a:t>
+            </a:r>
+            <a:endParaRPr lang="hu-HU" dirty="0" smtClean="0">
+              <a:latin typeface="Helvetica LT Std"/>
+            </a:endParaRPr>
+          </a:p>
+          <a:p>
+            <a:pPr marL="342900" indent="-342900" eaLnBrk="0" hangingPunct="0">
+              <a:spcBef>
+                <a:spcPct val="20000"/>
+              </a:spcBef>
+            </a:pPr>
+            <a:r>
+              <a:rPr lang="hu-HU" dirty="0" smtClean="0">
+                <a:latin typeface="Helvetica LT Std"/>
+              </a:rPr>
+              <a:t>	</a:t>
+            </a:r>
+            <a:r>
+              <a:rPr lang="hu-HU" i="1" dirty="0" smtClean="0">
+                <a:latin typeface="Helvetica LT Std"/>
+              </a:rPr>
+              <a:t> </a:t>
+            </a:r>
+            <a:r>
+              <a:rPr lang="hu-HU" i="1" dirty="0" smtClean="0">
+                <a:latin typeface="Helvetica LT Std"/>
+                <a:hlinkClick r:id="rId5"/>
+              </a:rPr>
+              <a:t>http://help.github.com</a:t>
+            </a:r>
+            <a:r>
+              <a:rPr lang="hu-HU" i="1" dirty="0" smtClean="0">
+                <a:latin typeface="Helvetica LT Std"/>
+                <a:hlinkClick r:id="rId5"/>
+              </a:rPr>
+              <a:t>/</a:t>
+            </a:r>
+            <a:endParaRPr lang="hu-HU" i="1" dirty="0" smtClean="0">
+              <a:latin typeface="Helvetica LT Std"/>
+            </a:endParaRPr>
+          </a:p>
+          <a:p>
+            <a:pPr marL="342900" marR="0" lvl="0" indent="-342900" algn="l" defTabSz="914400" rtl="0" eaLnBrk="0" fontAlgn="base" latinLnBrk="0" hangingPunct="0">
+              <a:lnSpc>
+                <a:spcPct val="100000"/>
+              </a:lnSpc>
+              <a:spcBef>
+                <a:spcPct val="20000"/>
+              </a:spcBef>
+              <a:spcAft>
+                <a:spcPct val="0"/>
+              </a:spcAft>
+              <a:buClrTx/>
+              <a:buSzTx/>
+              <a:buFont typeface="Arial" pitchFamily="34" charset="0"/>
+              <a:buNone/>
+              <a:tabLst/>
+              <a:defRPr/>
+            </a:pPr>
+            <a:endParaRPr kumimoji="0" lang="hu-HU" sz="1800" b="0" i="1" u="none" strike="noStrike" kern="1200" cap="none" spc="0" normalizeH="0" baseline="0" noProof="0" dirty="0" smtClean="0">
+              <a:ln>
+                <a:noFill/>
+              </a:ln>
+              <a:solidFill>
+                <a:schemeClr val="tx1"/>
+              </a:solidFill>
+              <a:effectLst/>
+              <a:uLnTx/>
+              <a:uFillTx/>
+              <a:latin typeface="Helvetica LT Std"/>
+              <a:ea typeface="+mn-ea"/>
+              <a:cs typeface="+mn-cs"/>
+            </a:endParaRPr>
+          </a:p>
+        </p:txBody>
+      </p:sp>
     </p:spTree>
   </p:cSld>
   <p:clrMapOvr>
@@ -3876,29 +4401,6 @@
       </p:grpSpPr>
       <p:sp>
         <p:nvSpPr>
-          <p:cNvPr id="2" name="Title 1"/>
-          <p:cNvSpPr>
-            <a:spLocks noGrp="1"/>
-          </p:cNvSpPr>
-          <p:nvPr>
-            <p:ph type="title"/>
-          </p:nvPr>
-        </p:nvSpPr>
-        <p:spPr/>
-        <p:txBody>
-          <a:bodyPr/>
-          <a:lstStyle/>
-          <a:p>
-            <a:r>
-              <a:rPr lang="hu-HU" dirty="0" err="1" smtClean="0"/>
-              <a:t>Competitors</a:t>
-            </a:r>
-            <a:endParaRPr lang="en-US" dirty="0"/>
-          </a:p>
-        </p:txBody>
-      </p:sp>
-      <p:sp>
-        <p:nvSpPr>
           <p:cNvPr id="3" name="Footer Placeholder 2"/>
           <p:cNvSpPr>
             <a:spLocks noGrp="1"/>
@@ -3954,594 +4456,31 @@
       </p:sp>
       <p:sp>
         <p:nvSpPr>
-          <p:cNvPr id="7" name="Tartalom helye 5"/>
-          <p:cNvSpPr txBox="1">
-            <a:spLocks/>
-          </p:cNvSpPr>
+          <p:cNvPr id="7" name="TextBox 6"/>
+          <p:cNvSpPr txBox="1"/>
           <p:nvPr/>
         </p:nvSpPr>
         <p:spPr>
           <a:xfrm>
-            <a:off x="457200" y="762000"/>
-            <a:ext cx="8229600" cy="4953000"/>
+            <a:off x="2362200" y="2514600"/>
+            <a:ext cx="4076757" cy="1015663"/>
           </a:xfrm>
           <a:prstGeom prst="rect">
             <a:avLst/>
           </a:prstGeom>
+          <a:noFill/>
         </p:spPr>
         <p:txBody>
-          <a:bodyPr/>
+          <a:bodyPr wrap="none" rtlCol="0">
+            <a:spAutoFit/>
+          </a:bodyPr>
           <a:lstStyle/>
           <a:p>
-            <a:pPr marL="342900" lvl="0" indent="-342900" eaLnBrk="0" hangingPunct="0">
-              <a:spcBef>
-                <a:spcPct val="20000"/>
-              </a:spcBef>
-              <a:buFont typeface="Arial" pitchFamily="34" charset="0"/>
-              <a:buChar char="•"/>
-            </a:pPr>
-            <a:r>
-              <a:rPr lang="hu-HU" dirty="0" smtClean="0">
-                <a:solidFill>
-                  <a:srgbClr val="000000"/>
-                </a:solidFill>
-                <a:latin typeface="Helvetica LT Std"/>
-                <a:ea typeface="Lucida Sans Unicode" pitchFamily="2"/>
-                <a:cs typeface="Lucida Sans Unicode" pitchFamily="2"/>
-              </a:rPr>
-              <a:t>Amazon </a:t>
-            </a:r>
-            <a:r>
-              <a:rPr lang="hu-HU" dirty="0" err="1" smtClean="0">
-                <a:solidFill>
-                  <a:srgbClr val="000000"/>
-                </a:solidFill>
-                <a:latin typeface="Helvetica LT Std"/>
-                <a:ea typeface="Lucida Sans Unicode" pitchFamily="2"/>
-                <a:cs typeface="Lucida Sans Unicode" pitchFamily="2"/>
-              </a:rPr>
-              <a:t>Elastic</a:t>
-            </a:r>
-            <a:r>
-              <a:rPr lang="hu-HU" dirty="0" smtClean="0">
-                <a:solidFill>
-                  <a:srgbClr val="000000"/>
-                </a:solidFill>
-                <a:latin typeface="Helvetica LT Std"/>
-                <a:ea typeface="Lucida Sans Unicode" pitchFamily="2"/>
-                <a:cs typeface="Lucida Sans Unicode" pitchFamily="2"/>
-              </a:rPr>
-              <a:t> </a:t>
-            </a:r>
-            <a:r>
-              <a:rPr lang="hu-HU" dirty="0" err="1" smtClean="0">
-                <a:solidFill>
-                  <a:srgbClr val="000000"/>
-                </a:solidFill>
-                <a:latin typeface="Helvetica LT Std"/>
-                <a:ea typeface="Lucida Sans Unicode" pitchFamily="2"/>
-                <a:cs typeface="Lucida Sans Unicode" pitchFamily="2"/>
-              </a:rPr>
-              <a:t>Beanstalk</a:t>
-            </a:r>
-            <a:r>
-              <a:rPr lang="hu-HU" dirty="0" smtClean="0">
-                <a:solidFill>
-                  <a:srgbClr val="000000"/>
-                </a:solidFill>
-                <a:latin typeface="Helvetica LT Std"/>
-                <a:ea typeface="Lucida Sans Unicode" pitchFamily="2"/>
-                <a:cs typeface="Lucida Sans Unicode" pitchFamily="2"/>
-              </a:rPr>
-              <a:t> (</a:t>
-            </a:r>
-            <a:r>
-              <a:rPr lang="hu-HU" dirty="0" err="1" smtClean="0">
-                <a:solidFill>
-                  <a:srgbClr val="000000"/>
-                </a:solidFill>
-                <a:latin typeface="Helvetica LT Std"/>
-                <a:ea typeface="Lucida Sans Unicode" pitchFamily="2"/>
-                <a:cs typeface="Lucida Sans Unicode" pitchFamily="2"/>
-              </a:rPr>
-              <a:t>beta</a:t>
-            </a:r>
-            <a:r>
-              <a:rPr lang="hu-HU" dirty="0" smtClean="0">
-                <a:solidFill>
-                  <a:srgbClr val="000000"/>
-                </a:solidFill>
-                <a:latin typeface="Helvetica LT Std"/>
-                <a:ea typeface="Lucida Sans Unicode" pitchFamily="2"/>
-                <a:cs typeface="Lucida Sans Unicode" pitchFamily="2"/>
-              </a:rPr>
-              <a:t>)</a:t>
-            </a:r>
-            <a:endParaRPr kumimoji="0" lang="hu-HU" sz="1800" b="0" i="0" u="none" strike="noStrike" kern="1200" cap="none" spc="0" normalizeH="0" baseline="0" noProof="0" dirty="0" smtClean="0">
-              <a:ln>
-                <a:noFill/>
-              </a:ln>
-              <a:solidFill>
-                <a:schemeClr val="tx1"/>
-              </a:solidFill>
-              <a:effectLst/>
-              <a:uLnTx/>
-              <a:uFillTx/>
-              <a:latin typeface="Helvetica LT Std"/>
-            </a:endParaRPr>
-          </a:p>
-          <a:p>
-            <a:pPr marL="342900" lvl="1" indent="-342900" eaLnBrk="0" hangingPunct="0">
-              <a:spcBef>
-                <a:spcPct val="20000"/>
-              </a:spcBef>
-            </a:pPr>
-            <a:r>
-              <a:rPr lang="hu-HU" i="1" dirty="0" smtClean="0">
-                <a:latin typeface="Helvetica LT Std"/>
-              </a:rPr>
-              <a:t>	</a:t>
-            </a:r>
-            <a:r>
-              <a:rPr lang="hu-HU" i="1" dirty="0" smtClean="0">
-                <a:latin typeface="Helvetica LT Std"/>
-                <a:hlinkClick r:id="rId2"/>
-              </a:rPr>
-              <a:t>http</a:t>
-            </a:r>
-            <a:r>
-              <a:rPr lang="hu-HU" i="1" dirty="0" smtClean="0">
-                <a:latin typeface="Helvetica LT Std"/>
-                <a:hlinkClick r:id="rId2"/>
-              </a:rPr>
-              <a:t>://aws.amazon.com/elasticbeanstalk</a:t>
-            </a:r>
-            <a:r>
-              <a:rPr lang="hu-HU" i="1" dirty="0" smtClean="0">
-                <a:latin typeface="Helvetica LT Std"/>
-                <a:hlinkClick r:id="rId2"/>
-              </a:rPr>
-              <a:t>/</a:t>
-            </a:r>
-            <a:endParaRPr lang="hu-HU" i="1" dirty="0" smtClean="0">
-              <a:latin typeface="Helvetica LT Std"/>
-            </a:endParaRPr>
-          </a:p>
-          <a:p>
-            <a:pPr marL="342900" lvl="1" indent="-342900" eaLnBrk="0" hangingPunct="0">
-              <a:spcBef>
-                <a:spcPct val="20000"/>
-              </a:spcBef>
-            </a:pPr>
-            <a:endParaRPr kumimoji="0" lang="hu-HU" sz="1800" b="0" i="1" u="none" strike="noStrike" kern="1200" cap="none" spc="0" normalizeH="0" baseline="0" noProof="0" dirty="0" smtClean="0">
-              <a:ln>
-                <a:noFill/>
-              </a:ln>
-              <a:solidFill>
-                <a:schemeClr val="tx1"/>
-              </a:solidFill>
-              <a:effectLst/>
-              <a:uLnTx/>
-              <a:uFillTx/>
-              <a:latin typeface="Helvetica LT Std"/>
-              <a:ea typeface="+mn-ea"/>
-              <a:cs typeface="+mn-cs"/>
-            </a:endParaRPr>
-          </a:p>
-          <a:p>
-            <a:pPr marL="342900" indent="-342900" eaLnBrk="0" hangingPunct="0">
-              <a:spcBef>
-                <a:spcPct val="20000"/>
-              </a:spcBef>
-              <a:buFont typeface="Arial" pitchFamily="34" charset="0"/>
-              <a:buChar char="•"/>
-            </a:pPr>
-            <a:r>
-              <a:rPr lang="hu-HU" dirty="0" err="1" smtClean="0">
-                <a:latin typeface="Helvetica LT Std"/>
-              </a:rPr>
-              <a:t>Cloud</a:t>
-            </a:r>
-            <a:r>
-              <a:rPr lang="hu-HU" dirty="0" smtClean="0">
-                <a:latin typeface="Helvetica LT Std"/>
-              </a:rPr>
-              <a:t> </a:t>
-            </a:r>
-            <a:r>
-              <a:rPr lang="hu-HU" dirty="0" err="1" smtClean="0">
-                <a:latin typeface="Helvetica LT Std"/>
-              </a:rPr>
-              <a:t>Foundry</a:t>
-            </a:r>
-            <a:r>
-              <a:rPr lang="hu-HU" dirty="0" smtClean="0">
-                <a:latin typeface="Helvetica LT Std"/>
-              </a:rPr>
-              <a:t> (</a:t>
-            </a:r>
-            <a:r>
-              <a:rPr lang="hu-HU" dirty="0" err="1" smtClean="0">
-                <a:latin typeface="Helvetica LT Std"/>
-              </a:rPr>
-              <a:t>beta</a:t>
-            </a:r>
-            <a:r>
-              <a:rPr lang="hu-HU" dirty="0" smtClean="0">
-                <a:latin typeface="Helvetica LT Std"/>
-              </a:rPr>
-              <a:t>)</a:t>
-            </a:r>
-            <a:endParaRPr kumimoji="0" lang="hu-HU" sz="1800" b="0" i="0" u="none" strike="noStrike" kern="1200" cap="none" spc="0" normalizeH="0" baseline="0" noProof="0" dirty="0" smtClean="0">
-              <a:ln>
-                <a:noFill/>
-              </a:ln>
-              <a:solidFill>
-                <a:schemeClr val="tx1"/>
-              </a:solidFill>
-              <a:effectLst/>
-              <a:uLnTx/>
-              <a:uFillTx/>
-              <a:latin typeface="Helvetica LT Std"/>
-              <a:ea typeface="+mn-ea"/>
-              <a:cs typeface="+mn-cs"/>
-            </a:endParaRPr>
-          </a:p>
-          <a:p>
-            <a:pPr marL="342900" lvl="0" indent="-342900" eaLnBrk="0" hangingPunct="0">
-              <a:spcBef>
-                <a:spcPct val="20000"/>
-              </a:spcBef>
-            </a:pPr>
-            <a:r>
-              <a:rPr lang="hu-HU" i="1" dirty="0" smtClean="0">
-                <a:latin typeface="Helvetica LT Std"/>
-              </a:rPr>
-              <a:t>	</a:t>
-            </a:r>
-            <a:r>
-              <a:rPr lang="hu-HU" i="1" dirty="0" smtClean="0">
-                <a:latin typeface="Helvetica LT Std"/>
-                <a:hlinkClick r:id="rId3"/>
-              </a:rPr>
-              <a:t>http</a:t>
-            </a:r>
-            <a:r>
-              <a:rPr lang="hu-HU" i="1" dirty="0" smtClean="0">
-                <a:latin typeface="Helvetica LT Std"/>
-                <a:hlinkClick r:id="rId3"/>
-              </a:rPr>
-              <a:t>://www.cloudfoundry.com</a:t>
-            </a:r>
-            <a:r>
-              <a:rPr lang="hu-HU" i="1" dirty="0" smtClean="0">
-                <a:latin typeface="Helvetica LT Std"/>
-                <a:hlinkClick r:id="rId3"/>
-              </a:rPr>
-              <a:t>/</a:t>
-            </a:r>
-            <a:endParaRPr lang="hu-HU" i="1" dirty="0" smtClean="0">
-              <a:latin typeface="Helvetica LT Std"/>
-            </a:endParaRPr>
-          </a:p>
-          <a:p>
-            <a:pPr marL="342900" lvl="0" indent="-342900" eaLnBrk="0" hangingPunct="0">
-              <a:spcBef>
-                <a:spcPct val="20000"/>
-              </a:spcBef>
-            </a:pPr>
-            <a:endParaRPr kumimoji="0" lang="hu-HU" sz="1800" b="0" i="1" u="none" strike="noStrike" kern="1200" cap="none" spc="0" normalizeH="0" baseline="0" noProof="0" dirty="0" smtClean="0">
-              <a:ln>
-                <a:noFill/>
-              </a:ln>
-              <a:solidFill>
-                <a:schemeClr val="tx1"/>
-              </a:solidFill>
-              <a:effectLst/>
-              <a:uLnTx/>
-              <a:uFillTx/>
-              <a:latin typeface="Helvetica LT Std"/>
-              <a:ea typeface="+mn-ea"/>
-              <a:cs typeface="+mn-cs"/>
-            </a:endParaRPr>
-          </a:p>
-          <a:p>
-            <a:pPr marL="342900" indent="-342900" eaLnBrk="0" hangingPunct="0">
-              <a:spcBef>
-                <a:spcPct val="20000"/>
-              </a:spcBef>
-              <a:buFont typeface="Arial" pitchFamily="34" charset="0"/>
-              <a:buChar char="•"/>
-            </a:pPr>
-            <a:r>
-              <a:rPr lang="hu-HU" dirty="0" err="1" smtClean="0">
-                <a:latin typeface="Helvetica LT Std"/>
-              </a:rPr>
-              <a:t>Google</a:t>
-            </a:r>
-            <a:r>
-              <a:rPr lang="hu-HU" dirty="0" smtClean="0">
-                <a:latin typeface="Helvetica LT Std"/>
-              </a:rPr>
-              <a:t> </a:t>
-            </a:r>
-            <a:r>
-              <a:rPr lang="hu-HU" dirty="0" err="1" smtClean="0">
-                <a:latin typeface="Helvetica LT Std"/>
-              </a:rPr>
-              <a:t>App</a:t>
-            </a:r>
-            <a:r>
-              <a:rPr lang="hu-HU" dirty="0" smtClean="0">
-                <a:latin typeface="Helvetica LT Std"/>
-              </a:rPr>
-              <a:t> </a:t>
-            </a:r>
-            <a:r>
-              <a:rPr lang="hu-HU" dirty="0" err="1" smtClean="0">
-                <a:latin typeface="Helvetica LT Std"/>
-              </a:rPr>
-              <a:t>Engine</a:t>
-            </a:r>
-            <a:endParaRPr lang="hu-HU" dirty="0" smtClean="0">
-              <a:latin typeface="Helvetica LT Std"/>
-            </a:endParaRPr>
-          </a:p>
-          <a:p>
-            <a:pPr marL="342900" indent="-342900" eaLnBrk="0" hangingPunct="0">
-              <a:spcBef>
-                <a:spcPct val="20000"/>
-              </a:spcBef>
-            </a:pPr>
-            <a:r>
-              <a:rPr lang="hu-HU" i="1" dirty="0" smtClean="0">
-                <a:latin typeface="Helvetica LT Std"/>
-              </a:rPr>
-              <a:t>	</a:t>
-            </a:r>
-            <a:r>
-              <a:rPr lang="hu-HU" i="1" dirty="0" smtClean="0">
-                <a:latin typeface="Helvetica LT Std"/>
-                <a:hlinkClick r:id="rId4"/>
-              </a:rPr>
-              <a:t>http</a:t>
-            </a:r>
-            <a:r>
-              <a:rPr lang="hu-HU" i="1" dirty="0" smtClean="0">
-                <a:latin typeface="Helvetica LT Std"/>
-                <a:hlinkClick r:id="rId4"/>
-              </a:rPr>
-              <a:t>://code.google.com/appengine</a:t>
-            </a:r>
-            <a:r>
-              <a:rPr lang="hu-HU" i="1" dirty="0" smtClean="0">
-                <a:latin typeface="Helvetica LT Std"/>
-                <a:hlinkClick r:id="rId4"/>
-              </a:rPr>
-              <a:t>/</a:t>
-            </a:r>
-            <a:endParaRPr lang="hu-HU" i="1" dirty="0" smtClean="0">
-              <a:latin typeface="Helvetica LT Std"/>
-            </a:endParaRPr>
-          </a:p>
-          <a:p>
-            <a:pPr marL="342900" indent="-342900" eaLnBrk="0" hangingPunct="0">
-              <a:spcBef>
-                <a:spcPct val="20000"/>
-              </a:spcBef>
-            </a:pPr>
-            <a:endParaRPr lang="hu-HU" i="1" dirty="0" smtClean="0">
-              <a:latin typeface="Helvetica LT Std"/>
-            </a:endParaRPr>
-          </a:p>
-          <a:p>
-            <a:pPr marL="342900" indent="-342900" eaLnBrk="0" hangingPunct="0">
-              <a:spcBef>
-                <a:spcPct val="20000"/>
-              </a:spcBef>
-              <a:buFont typeface="Arial" pitchFamily="34" charset="0"/>
-              <a:buChar char="•"/>
-            </a:pPr>
-            <a:r>
-              <a:rPr lang="hu-HU" dirty="0" smtClean="0">
-                <a:latin typeface="Helvetica LT Std"/>
-              </a:rPr>
-              <a:t>Microsoft </a:t>
-            </a:r>
-            <a:r>
-              <a:rPr lang="hu-HU" dirty="0" err="1" smtClean="0">
-                <a:latin typeface="Helvetica LT Std"/>
-              </a:rPr>
-              <a:t>Azure</a:t>
-            </a:r>
-            <a:r>
-              <a:rPr lang="hu-HU" dirty="0" smtClean="0">
-                <a:latin typeface="Helvetica LT Std"/>
-              </a:rPr>
-              <a:t> </a:t>
-            </a:r>
-            <a:r>
-              <a:rPr lang="hu-HU" dirty="0" err="1" smtClean="0">
-                <a:latin typeface="Helvetica LT Std"/>
-              </a:rPr>
-              <a:t>Services</a:t>
-            </a:r>
-            <a:r>
-              <a:rPr lang="hu-HU" dirty="0" smtClean="0">
-                <a:latin typeface="Helvetica LT Std"/>
-              </a:rPr>
-              <a:t> </a:t>
-            </a:r>
-            <a:r>
-              <a:rPr lang="hu-HU" dirty="0" smtClean="0">
-                <a:latin typeface="Helvetica LT Std"/>
-              </a:rPr>
-              <a:t>Platform</a:t>
-            </a:r>
-          </a:p>
-          <a:p>
-            <a:pPr marL="342900" indent="-342900" eaLnBrk="0" hangingPunct="0">
-              <a:spcBef>
-                <a:spcPct val="20000"/>
-              </a:spcBef>
-            </a:pPr>
-            <a:r>
-              <a:rPr lang="hu-HU" dirty="0" smtClean="0">
-                <a:latin typeface="Helvetica LT Std"/>
-              </a:rPr>
-              <a:t>	</a:t>
-            </a:r>
-            <a:r>
-              <a:rPr lang="hu-HU" i="1" dirty="0" smtClean="0">
-                <a:latin typeface="Helvetica LT Std"/>
-                <a:hlinkClick r:id="rId5"/>
-              </a:rPr>
-              <a:t>http</a:t>
-            </a:r>
-            <a:r>
-              <a:rPr lang="hu-HU" i="1" dirty="0" smtClean="0">
-                <a:latin typeface="Helvetica LT Std"/>
-                <a:hlinkClick r:id="rId5"/>
-              </a:rPr>
-              <a:t>://www.windowsazure.com</a:t>
-            </a:r>
-            <a:r>
-              <a:rPr lang="hu-HU" i="1" dirty="0" smtClean="0">
-                <a:latin typeface="Helvetica LT Std"/>
-                <a:hlinkClick r:id="rId5"/>
-              </a:rPr>
-              <a:t>/</a:t>
-            </a:r>
-            <a:endParaRPr lang="hu-HU" i="1" dirty="0" smtClean="0">
-              <a:latin typeface="Helvetica LT Std"/>
-            </a:endParaRPr>
-          </a:p>
-          <a:p>
-            <a:pPr marL="342900" indent="-342900" eaLnBrk="0" hangingPunct="0">
-              <a:spcBef>
-                <a:spcPct val="20000"/>
-              </a:spcBef>
-              <a:buFont typeface="Arial" pitchFamily="34" charset="0"/>
-              <a:buChar char="•"/>
-            </a:pPr>
-            <a:endParaRPr lang="hu-HU" dirty="0" smtClean="0">
-              <a:latin typeface="Helvetica LT Std"/>
-            </a:endParaRPr>
-          </a:p>
-          <a:p>
-            <a:pPr marL="342900" indent="-342900" eaLnBrk="0" hangingPunct="0">
-              <a:spcBef>
-                <a:spcPct val="20000"/>
-              </a:spcBef>
-              <a:buFont typeface="Arial" pitchFamily="34" charset="0"/>
-              <a:buChar char="•"/>
-            </a:pPr>
-            <a:r>
-              <a:rPr lang="hu-HU" dirty="0" err="1" smtClean="0">
-                <a:latin typeface="Helvetica LT Std"/>
-              </a:rPr>
-              <a:t>Jelastic</a:t>
-            </a:r>
-            <a:r>
-              <a:rPr lang="hu-HU" dirty="0" smtClean="0">
-                <a:latin typeface="Helvetica LT Std"/>
-              </a:rPr>
-              <a:t> Java </a:t>
-            </a:r>
-            <a:r>
-              <a:rPr lang="hu-HU" dirty="0" err="1" smtClean="0">
-                <a:latin typeface="Helvetica LT Std"/>
-              </a:rPr>
-              <a:t>PaaS</a:t>
-            </a:r>
-            <a:r>
-              <a:rPr lang="hu-HU" dirty="0" smtClean="0">
-                <a:latin typeface="Helvetica LT Std"/>
-              </a:rPr>
-              <a:t> (</a:t>
-            </a:r>
-            <a:r>
-              <a:rPr lang="hu-HU" dirty="0" err="1" smtClean="0">
-                <a:latin typeface="Helvetica LT Std"/>
-              </a:rPr>
-              <a:t>beta</a:t>
-            </a:r>
-            <a:r>
-              <a:rPr lang="hu-HU" dirty="0" smtClean="0">
-                <a:latin typeface="Helvetica LT Std"/>
-              </a:rPr>
-              <a:t>)</a:t>
-            </a:r>
-          </a:p>
-          <a:p>
-            <a:pPr marL="342900" indent="-342900" eaLnBrk="0" hangingPunct="0">
-              <a:spcBef>
-                <a:spcPct val="20000"/>
-              </a:spcBef>
-            </a:pPr>
-            <a:r>
-              <a:rPr lang="hu-HU" i="1" dirty="0" smtClean="0">
-                <a:latin typeface="Helvetica LT Std"/>
-              </a:rPr>
-              <a:t>	</a:t>
-            </a:r>
-            <a:r>
-              <a:rPr lang="hu-HU" i="1" dirty="0" smtClean="0">
-                <a:latin typeface="Helvetica LT Std"/>
-                <a:hlinkClick r:id="rId6"/>
-              </a:rPr>
-              <a:t>http</a:t>
-            </a:r>
-            <a:r>
-              <a:rPr lang="hu-HU" i="1" dirty="0" smtClean="0">
-                <a:latin typeface="Helvetica LT Std"/>
-                <a:hlinkClick r:id="rId6"/>
-              </a:rPr>
-              <a:t>://jelastic.com</a:t>
-            </a:r>
-            <a:r>
-              <a:rPr lang="hu-HU" i="1" dirty="0" smtClean="0">
-                <a:latin typeface="Helvetica LT Std"/>
-                <a:hlinkClick r:id="rId6"/>
-              </a:rPr>
-              <a:t>/</a:t>
-            </a:r>
-            <a:endParaRPr lang="hu-HU" i="1" dirty="0" smtClean="0">
-              <a:latin typeface="Helvetica LT Std"/>
-            </a:endParaRPr>
-          </a:p>
-          <a:p>
-            <a:pPr marL="342900" marR="0" lvl="0" indent="-342900" algn="l" defTabSz="914400" rtl="0" eaLnBrk="0" fontAlgn="base" latinLnBrk="0" hangingPunct="0">
-              <a:lnSpc>
-                <a:spcPct val="100000"/>
-              </a:lnSpc>
-              <a:spcBef>
-                <a:spcPct val="20000"/>
-              </a:spcBef>
-              <a:spcAft>
-                <a:spcPct val="0"/>
-              </a:spcAft>
-              <a:buClrTx/>
-              <a:buSzTx/>
-              <a:buFont typeface="Arial" pitchFamily="34" charset="0"/>
-              <a:buNone/>
-              <a:tabLst/>
-              <a:defRPr/>
-            </a:pPr>
-            <a:endParaRPr kumimoji="0" lang="hu-HU" sz="1800" b="0" i="1" u="none" strike="noStrike" kern="1200" cap="none" spc="0" normalizeH="0" baseline="0" noProof="0" dirty="0" smtClean="0">
-              <a:ln>
-                <a:noFill/>
-              </a:ln>
-              <a:solidFill>
-                <a:schemeClr val="tx1"/>
-              </a:solidFill>
-              <a:effectLst/>
-              <a:uLnTx/>
-              <a:uFillTx/>
-              <a:latin typeface="Helvetica LT Std"/>
-              <a:ea typeface="+mn-ea"/>
-              <a:cs typeface="+mn-cs"/>
-            </a:endParaRPr>
+            <a:r>
+              <a:rPr lang="en-US" sz="6000" dirty="0" smtClean="0"/>
+              <a:t>Questions?</a:t>
+            </a:r>
+            <a:endParaRPr lang="en-US" sz="6000" dirty="0"/>
           </a:p>
         </p:txBody>
       </p:sp>
@@ -4579,123 +4518,6 @@
       </p:grpSpPr>
       <p:sp>
         <p:nvSpPr>
-          <p:cNvPr id="3" name="Footer Placeholder 2"/>
-          <p:cNvSpPr>
-            <a:spLocks noGrp="1"/>
-          </p:cNvSpPr>
-          <p:nvPr>
-            <p:ph type="ftr" sz="quarter" idx="10"/>
-          </p:nvPr>
-        </p:nvSpPr>
-        <p:spPr/>
-        <p:txBody>
-          <a:bodyPr/>
-          <a:lstStyle/>
-          <a:p>
-            <a:pPr>
-              <a:defRPr/>
-            </a:pPr>
-            <a:r>
-              <a:rPr lang="en-US" smtClean="0"/>
-              <a:t>2011 © EPAM Systems</a:t>
-            </a:r>
-            <a:endParaRPr lang="en-US"/>
-          </a:p>
-        </p:txBody>
-      </p:sp>
-      <p:sp>
-        <p:nvSpPr>
-          <p:cNvPr id="4" name="Slide Number Placeholder 3"/>
-          <p:cNvSpPr>
-            <a:spLocks noGrp="1"/>
-          </p:cNvSpPr>
-          <p:nvPr>
-            <p:ph type="sldNum" sz="quarter" idx="11"/>
-          </p:nvPr>
-        </p:nvSpPr>
-        <p:spPr/>
-        <p:txBody>
-          <a:bodyPr/>
-          <a:lstStyle/>
-          <a:p>
-            <a:pPr>
-              <a:defRPr/>
-            </a:pPr>
-            <a:fld id="{AA712712-3884-4B09-89F4-3E21D1ECCFA1}" type="slidenum">
-              <a:rPr lang="en-US" smtClean="0"/>
-              <a:pPr>
-                <a:defRPr/>
-              </a:pPr>
-              <a:t>16</a:t>
-            </a:fld>
-            <a:endParaRPr lang="en-US"/>
-          </a:p>
-        </p:txBody>
-      </p:sp>
-      <p:sp>
-        <p:nvSpPr>
-          <p:cNvPr id="7" name="TextBox 6"/>
-          <p:cNvSpPr txBox="1"/>
-          <p:nvPr/>
-        </p:nvSpPr>
-        <p:spPr>
-          <a:xfrm>
-            <a:off x="2362200" y="2514600"/>
-            <a:ext cx="4076757" cy="1015663"/>
-          </a:xfrm>
-          <a:prstGeom prst="rect">
-            <a:avLst/>
-          </a:prstGeom>
-          <a:noFill/>
-        </p:spPr>
-        <p:txBody>
-          <a:bodyPr wrap="none" rtlCol="0">
-            <a:spAutoFit/>
-          </a:bodyPr>
-          <a:lstStyle/>
-          <a:p>
-            <a:r>
-              <a:rPr lang="en-US" sz="6000" dirty="0" smtClean="0"/>
-              <a:t>Questions?</a:t>
-            </a:r>
-            <a:endParaRPr lang="en-US" sz="6000" dirty="0"/>
-          </a:p>
-        </p:txBody>
-      </p:sp>
-    </p:spTree>
-  </p:cSld>
-  <p:clrMapOvr>
-    <a:masterClrMapping/>
-  </p:clrMapOvr>
-  <p:timing>
-    <p:tnLst>
-      <p:par>
-        <p:cTn id="1" dur="indefinite" restart="never" nodeType="tmRoot"/>
-      </p:par>
-    </p:tnLst>
-  </p:timing>
-</p:sld>
-</file>
-
-<file path=ppt/slides/slide17.xml><?xml version="1.0" encoding="utf-8"?>
-<p:sld xmlns:a="http://schemas.openxmlformats.org/drawingml/2006/main" xmlns:r="http://schemas.openxmlformats.org/officeDocument/2006/relationships" xmlns:p="http://schemas.openxmlformats.org/presentationml/2006/main">
-  <p:cSld>
-    <p:spTree>
-      <p:nvGrpSpPr>
-        <p:cNvPr id="1" name=""/>
-        <p:cNvGrpSpPr/>
-        <p:nvPr/>
-      </p:nvGrpSpPr>
-      <p:grpSpPr>
-        <a:xfrm>
-          <a:off x="0" y="0"/>
-          <a:ext cx="0" cy="0"/>
-          <a:chOff x="0" y="0"/>
-          <a:chExt cx="0" cy="0"/>
-        </a:xfrm>
-      </p:grpSpPr>
-      <p:sp>
-        <p:nvSpPr>
           <p:cNvPr id="5" name="Title 4"/>
           <p:cNvSpPr>
             <a:spLocks noGrp="1"/>
@@ -5289,7 +5111,7 @@
     </p:spTree>
     <p:extLst>
       <p:ext uri="{BB962C8B-B14F-4D97-AF65-F5344CB8AC3E}">
-        <p14:creationId xmlns:p14="http://schemas.microsoft.com/office/powerpoint/2010/main" xmlns="" val="3780603295"/>
+        <p14:creationId xmlns="" xmlns:p14="http://schemas.microsoft.com/office/powerpoint/2010/main" val="3780603295"/>
       </p:ext>
     </p:extLst>
   </p:cSld>
@@ -5340,15 +5162,7 @@
           <a:p>
             <a:r>
               <a:rPr lang="hu-HU" dirty="0" err="1" smtClean="0"/>
-              <a:t>History</a:t>
-            </a:r>
-            <a:r>
-              <a:rPr lang="hu-HU" dirty="0" smtClean="0"/>
-              <a:t> of </a:t>
-            </a:r>
-            <a:r>
-              <a:rPr lang="hu-HU" dirty="0" err="1" smtClean="0"/>
-              <a:t>Heroku</a:t>
+              <a:t>Stacks</a:t>
             </a:r>
             <a:endParaRPr lang="en-US" dirty="0"/>
           </a:p>
@@ -5411,305 +5225,6 @@
       </p:sp>
       <p:sp>
         <p:nvSpPr>
-          <p:cNvPr id="5" name="Text Placeholder 4"/>
-          <p:cNvSpPr>
-            <a:spLocks noGrp="1"/>
-          </p:cNvSpPr>
-          <p:nvPr>
-            <p:ph type="body" idx="1"/>
-          </p:nvPr>
-        </p:nvSpPr>
-        <p:spPr/>
-        <p:txBody>
-          <a:bodyPr/>
-          <a:lstStyle/>
-          <a:p>
-            <a:r>
-              <a:rPr lang="hu-HU" dirty="0" err="1" smtClean="0"/>
-              <a:t>Developed</a:t>
-            </a:r>
-            <a:r>
-              <a:rPr lang="hu-HU" dirty="0" smtClean="0"/>
-              <a:t> </a:t>
-            </a:r>
-            <a:r>
-              <a:rPr lang="hu-HU" dirty="0" err="1" smtClean="0"/>
-              <a:t>since</a:t>
-            </a:r>
-            <a:r>
-              <a:rPr lang="hu-HU" dirty="0" smtClean="0"/>
-              <a:t> </a:t>
-            </a:r>
-            <a:r>
-              <a:rPr lang="hu-HU" dirty="0" err="1" smtClean="0"/>
-              <a:t>June</a:t>
-            </a:r>
-            <a:r>
-              <a:rPr lang="hu-HU" dirty="0" smtClean="0"/>
-              <a:t>, 2007</a:t>
-            </a:r>
-          </a:p>
-          <a:p>
-            <a:r>
-              <a:rPr lang="hu-HU" dirty="0" err="1" smtClean="0"/>
-              <a:t>Salesforce.com</a:t>
-            </a:r>
-            <a:r>
-              <a:rPr lang="hu-HU" dirty="0" smtClean="0"/>
-              <a:t> </a:t>
-            </a:r>
-            <a:r>
-              <a:rPr lang="hu-HU" dirty="0" err="1" smtClean="0"/>
-              <a:t>completes</a:t>
-            </a:r>
-            <a:r>
-              <a:rPr lang="hu-HU" dirty="0" smtClean="0"/>
-              <a:t> </a:t>
-            </a:r>
-            <a:r>
-              <a:rPr lang="hu-HU" dirty="0" err="1" smtClean="0"/>
-              <a:t>acquisition</a:t>
-            </a:r>
-            <a:r>
-              <a:rPr lang="hu-HU" dirty="0" smtClean="0"/>
-              <a:t> of </a:t>
-            </a:r>
-            <a:r>
-              <a:rPr lang="hu-HU" dirty="0" err="1" smtClean="0"/>
-              <a:t>Heroku</a:t>
-            </a:r>
-            <a:r>
-              <a:rPr lang="hu-HU" dirty="0" smtClean="0"/>
-              <a:t> – </a:t>
-            </a:r>
-            <a:r>
-              <a:rPr lang="hu-HU" dirty="0" err="1" smtClean="0"/>
-              <a:t>January</a:t>
-            </a:r>
-            <a:r>
-              <a:rPr lang="hu-HU" dirty="0" smtClean="0"/>
-              <a:t>, 2011</a:t>
-            </a:r>
-          </a:p>
-          <a:p>
-            <a:r>
-              <a:rPr lang="hu-HU" dirty="0" err="1" smtClean="0"/>
-              <a:t>Cedar</a:t>
-            </a:r>
-            <a:r>
-              <a:rPr lang="hu-HU" dirty="0" smtClean="0"/>
-              <a:t> </a:t>
-            </a:r>
-            <a:r>
-              <a:rPr lang="hu-HU" dirty="0" err="1" smtClean="0"/>
-              <a:t>Stack</a:t>
-            </a:r>
-            <a:r>
-              <a:rPr lang="hu-HU" dirty="0" smtClean="0"/>
-              <a:t> </a:t>
-            </a:r>
-            <a:r>
-              <a:rPr lang="hu-HU" dirty="0" err="1" smtClean="0"/>
-              <a:t>in</a:t>
-            </a:r>
-            <a:r>
-              <a:rPr lang="hu-HU" dirty="0" smtClean="0"/>
-              <a:t> </a:t>
-            </a:r>
-            <a:r>
-              <a:rPr lang="hu-HU" dirty="0" err="1" smtClean="0"/>
-              <a:t>public</a:t>
-            </a:r>
-            <a:r>
-              <a:rPr lang="hu-HU" dirty="0" smtClean="0"/>
-              <a:t> </a:t>
-            </a:r>
-            <a:r>
-              <a:rPr lang="hu-HU" dirty="0" err="1" smtClean="0"/>
-              <a:t>beta</a:t>
-            </a:r>
-            <a:r>
-              <a:rPr lang="hu-HU" dirty="0" smtClean="0"/>
-              <a:t> – May, 2011</a:t>
-            </a:r>
-          </a:p>
-          <a:p>
-            <a:r>
-              <a:rPr lang="en-US" dirty="0" err="1"/>
-              <a:t>Matz</a:t>
-            </a:r>
-            <a:r>
-              <a:rPr lang="en-US" dirty="0"/>
-              <a:t> joins </a:t>
-            </a:r>
-            <a:r>
-              <a:rPr lang="en-US" dirty="0" err="1"/>
-              <a:t>Heroku</a:t>
-            </a:r>
-            <a:r>
-              <a:rPr lang="en-US" dirty="0"/>
-              <a:t> </a:t>
-            </a:r>
-            <a:r>
-              <a:rPr lang="hu-HU" dirty="0" smtClean="0"/>
-              <a:t>– </a:t>
-            </a:r>
-            <a:r>
-              <a:rPr lang="hu-HU" dirty="0" err="1" smtClean="0"/>
-              <a:t>July</a:t>
-            </a:r>
-            <a:r>
-              <a:rPr lang="hu-HU" dirty="0" smtClean="0"/>
-              <a:t>, 2011</a:t>
-            </a:r>
-          </a:p>
-          <a:p>
-            <a:r>
-              <a:rPr lang="hu-HU" dirty="0" err="1" smtClean="0"/>
-              <a:t>Facebook</a:t>
-            </a:r>
-            <a:r>
-              <a:rPr lang="hu-HU" dirty="0" smtClean="0"/>
-              <a:t> and </a:t>
-            </a:r>
-            <a:r>
-              <a:rPr lang="hu-HU" dirty="0" err="1" smtClean="0"/>
-              <a:t>Heroku</a:t>
-            </a:r>
-            <a:r>
-              <a:rPr lang="hu-HU" dirty="0" smtClean="0"/>
-              <a:t> – </a:t>
-            </a:r>
-            <a:r>
-              <a:rPr lang="hu-HU" dirty="0" err="1" smtClean="0"/>
-              <a:t>September</a:t>
-            </a:r>
-            <a:r>
-              <a:rPr lang="hu-HU" dirty="0" smtClean="0"/>
-              <a:t>, 2011</a:t>
-            </a:r>
-            <a:endParaRPr lang="en-US" dirty="0"/>
-          </a:p>
-          <a:p>
-            <a:pPr>
-              <a:buNone/>
-            </a:pPr>
-            <a:endParaRPr lang="en-US" dirty="0" smtClean="0"/>
-          </a:p>
-        </p:txBody>
-      </p:sp>
-    </p:spTree>
-  </p:cSld>
-  <p:clrMapOvr>
-    <a:masterClrMapping/>
-  </p:clrMapOvr>
-  <p:timing>
-    <p:tnLst>
-      <p:par>
-        <p:cTn id="1" dur="indefinite" restart="never" nodeType="tmRoot"/>
-      </p:par>
-    </p:tnLst>
-  </p:timing>
-</p:sld>
-</file>
-
-<file path=ppt/slides/slide4.xml><?xml version="1.0" encoding="utf-8"?>
-<p:sld xmlns:a="http://schemas.openxmlformats.org/drawingml/2006/main" xmlns:r="http://schemas.openxmlformats.org/officeDocument/2006/relationships" xmlns:p="http://schemas.openxmlformats.org/presentationml/2006/main">
-  <p:cSld>
-    <p:spTree>
-      <p:nvGrpSpPr>
-        <p:cNvPr id="1" name=""/>
-        <p:cNvGrpSpPr/>
-        <p:nvPr/>
-      </p:nvGrpSpPr>
-      <p:grpSpPr>
-        <a:xfrm>
-          <a:off x="0" y="0"/>
-          <a:ext cx="0" cy="0"/>
-          <a:chOff x="0" y="0"/>
-          <a:chExt cx="0" cy="0"/>
-        </a:xfrm>
-      </p:grpSpPr>
-      <p:sp>
-        <p:nvSpPr>
-          <p:cNvPr id="2" name="Title 1"/>
-          <p:cNvSpPr>
-            <a:spLocks noGrp="1"/>
-          </p:cNvSpPr>
-          <p:nvPr>
-            <p:ph type="title"/>
-          </p:nvPr>
-        </p:nvSpPr>
-        <p:spPr/>
-        <p:txBody>
-          <a:bodyPr/>
-          <a:lstStyle/>
-          <a:p>
-            <a:r>
-              <a:rPr lang="hu-HU" dirty="0" err="1" smtClean="0"/>
-              <a:t>Stacks</a:t>
-            </a:r>
-            <a:endParaRPr lang="en-US" dirty="0"/>
-          </a:p>
-        </p:txBody>
-      </p:sp>
-      <p:sp>
-        <p:nvSpPr>
-          <p:cNvPr id="3" name="Footer Placeholder 2"/>
-          <p:cNvSpPr>
-            <a:spLocks noGrp="1"/>
-          </p:cNvSpPr>
-          <p:nvPr>
-            <p:ph type="ftr" sz="quarter" idx="10"/>
-          </p:nvPr>
-        </p:nvSpPr>
-        <p:spPr/>
-        <p:txBody>
-          <a:bodyPr/>
-          <a:lstStyle/>
-          <a:p>
-            <a:pPr>
-              <a:defRPr/>
-            </a:pPr>
-            <a:r>
-              <a:rPr lang="en-US" smtClean="0"/>
-              <a:t>2011 © EPAM Systems</a:t>
-            </a:r>
-            <a:endParaRPr lang="en-US"/>
-          </a:p>
-        </p:txBody>
-      </p:sp>
-      <p:sp>
-        <p:nvSpPr>
-          <p:cNvPr id="4" name="Slide Number Placeholder 3"/>
-          <p:cNvSpPr>
-            <a:spLocks noGrp="1"/>
-          </p:cNvSpPr>
-          <p:nvPr>
-            <p:ph type="sldNum" sz="quarter" idx="11"/>
-          </p:nvPr>
-        </p:nvSpPr>
-        <p:spPr/>
-        <p:txBody>
-          <a:bodyPr/>
-          <a:lstStyle/>
-          <a:p>
-            <a:pPr>
-              <a:defRPr/>
-            </a:pPr>
-            <a:fld id="{AA712712-3884-4B09-89F4-3E21D1ECCFA1}" type="slidenum">
-              <a:rPr lang="en-US" smtClean="0"/>
-              <a:pPr>
-                <a:defRPr/>
-              </a:pPr>
-              <a:t>4</a:t>
-            </a:fld>
-            <a:endParaRPr lang="en-US"/>
-          </a:p>
-        </p:txBody>
-      </p:sp>
-      <p:sp>
-        <p:nvSpPr>
           <p:cNvPr id="21" name="Text Placeholder 4"/>
           <p:cNvSpPr>
             <a:spLocks noGrp="1"/>
@@ -5742,6 +5257,18 @@
             </a:r>
             <a:r>
               <a:rPr lang="hu-HU" dirty="0" smtClean="0"/>
+              <a:t> </a:t>
+            </a:r>
+            <a:r>
+              <a:rPr lang="hu-HU" dirty="0" smtClean="0"/>
+              <a:t> </a:t>
+            </a:r>
+            <a:r>
+              <a:rPr lang="hu-HU" dirty="0" err="1" smtClean="0"/>
+              <a:t>complete</a:t>
+            </a:r>
+            <a:r>
+              <a:rPr lang="hu-HU" dirty="0" smtClean="0"/>
               <a:t> d</a:t>
             </a:r>
             <a:r>
@@ -5761,8 +5288,44 @@
               <a:t> </a:t>
             </a:r>
             <a:r>
+              <a:rPr lang="en-US" dirty="0" smtClean="0"/>
+              <a:t>including</a:t>
+            </a:r>
+            <a:r>
+              <a:rPr lang="hu-HU" dirty="0" smtClean="0"/>
+              <a:t> </a:t>
+            </a:r>
+            <a:r>
+              <a:rPr lang="hu-HU" dirty="0" err="1" smtClean="0"/>
+              <a:t>the</a:t>
+            </a:r>
+            <a:r>
+              <a:rPr lang="hu-HU" dirty="0" smtClean="0"/>
+              <a:t> </a:t>
+            </a:r>
+            <a:r>
+              <a:rPr lang="hu-HU" dirty="0" err="1" smtClean="0"/>
+              <a:t>base</a:t>
+            </a:r>
+            <a:r>
+              <a:rPr lang="hu-HU" dirty="0" smtClean="0"/>
+              <a:t> </a:t>
+            </a:r>
+            <a:r>
+              <a:rPr lang="en-US" dirty="0" smtClean="0"/>
+              <a:t>operating </a:t>
+            </a:r>
+            <a:r>
               <a:rPr lang="en-US" dirty="0"/>
-              <a:t>including operating system, language runtime and </a:t>
+              <a:t>system, language runtime and </a:t>
+            </a:r>
+            <a:r>
+              <a:rPr lang="hu-HU" dirty="0" err="1" smtClean="0"/>
+              <a:t>associated</a:t>
+            </a:r>
+            <a:r>
+              <a:rPr lang="hu-HU" dirty="0" smtClean="0"/>
+              <a:t> </a:t>
             </a:r>
             <a:r>
               <a:rPr lang="en-US" dirty="0" smtClean="0"/>
@@ -5819,6 +5382,273 @@
 </p:sld>
 </file>
 
+<file path=ppt/slides/slide4.xml><?xml version="1.0" encoding="utf-8"?>
+<p:sld xmlns:a="http://schemas.openxmlformats.org/drawingml/2006/main" xmlns:r="http://schemas.openxmlformats.org/officeDocument/2006/relationships" xmlns:p="http://schemas.openxmlformats.org/presentationml/2006/main">
+  <p:cSld>
+    <p:spTree>
+      <p:nvGrpSpPr>
+        <p:cNvPr id="1" name=""/>
+        <p:cNvGrpSpPr/>
+        <p:nvPr/>
+      </p:nvGrpSpPr>
+      <p:grpSpPr>
+        <a:xfrm>
+          <a:off x="0" y="0"/>
+          <a:ext cx="0" cy="0"/>
+          <a:chOff x="0" y="0"/>
+          <a:chExt cx="0" cy="0"/>
+        </a:xfrm>
+      </p:grpSpPr>
+      <p:sp>
+        <p:nvSpPr>
+          <p:cNvPr id="2" name="Title 1"/>
+          <p:cNvSpPr>
+            <a:spLocks noGrp="1"/>
+          </p:cNvSpPr>
+          <p:nvPr>
+            <p:ph type="title"/>
+          </p:nvPr>
+        </p:nvSpPr>
+        <p:spPr/>
+        <p:txBody>
+          <a:bodyPr/>
+          <a:lstStyle/>
+          <a:p>
+            <a:r>
+              <a:rPr lang="hu-HU" dirty="0" err="1" smtClean="0"/>
+              <a:t>Forget</a:t>
+            </a:r>
+            <a:r>
+              <a:rPr lang="hu-HU" dirty="0" smtClean="0"/>
+              <a:t> servers</a:t>
+            </a:r>
+            <a:endParaRPr lang="en-US" dirty="0"/>
+          </a:p>
+        </p:txBody>
+      </p:sp>
+      <p:sp>
+        <p:nvSpPr>
+          <p:cNvPr id="3" name="Footer Placeholder 2"/>
+          <p:cNvSpPr>
+            <a:spLocks noGrp="1"/>
+          </p:cNvSpPr>
+          <p:nvPr>
+            <p:ph type="ftr" sz="quarter" idx="10"/>
+          </p:nvPr>
+        </p:nvSpPr>
+        <p:spPr/>
+        <p:txBody>
+          <a:bodyPr/>
+          <a:lstStyle/>
+          <a:p>
+            <a:pPr>
+              <a:defRPr/>
+            </a:pPr>
+            <a:r>
+              <a:rPr lang="en-US" smtClean="0"/>
+              <a:t>2011 © EPAM Systems</a:t>
+            </a:r>
+            <a:endParaRPr lang="en-US"/>
+          </a:p>
+        </p:txBody>
+      </p:sp>
+      <p:sp>
+        <p:nvSpPr>
+          <p:cNvPr id="4" name="Slide Number Placeholder 3"/>
+          <p:cNvSpPr>
+            <a:spLocks noGrp="1"/>
+          </p:cNvSpPr>
+          <p:nvPr>
+            <p:ph type="sldNum" sz="quarter" idx="11"/>
+          </p:nvPr>
+        </p:nvSpPr>
+        <p:spPr/>
+        <p:txBody>
+          <a:bodyPr/>
+          <a:lstStyle/>
+          <a:p>
+            <a:pPr>
+              <a:defRPr/>
+            </a:pPr>
+            <a:fld id="{AA712712-3884-4B09-89F4-3E21D1ECCFA1}" type="slidenum">
+              <a:rPr lang="en-US" smtClean="0"/>
+              <a:pPr>
+                <a:defRPr/>
+              </a:pPr>
+              <a:t>4</a:t>
+            </a:fld>
+            <a:endParaRPr lang="en-US"/>
+          </a:p>
+        </p:txBody>
+      </p:sp>
+      <p:sp>
+        <p:nvSpPr>
+          <p:cNvPr id="14" name="Text Placeholder 4"/>
+          <p:cNvSpPr>
+            <a:spLocks noGrp="1"/>
+          </p:cNvSpPr>
+          <p:nvPr>
+            <p:ph type="body" idx="1"/>
+          </p:nvPr>
+        </p:nvSpPr>
+        <p:spPr>
+          <a:xfrm>
+            <a:off x="457200" y="762000"/>
+            <a:ext cx="8229600" cy="5014913"/>
+          </a:xfrm>
+        </p:spPr>
+        <p:txBody>
+          <a:bodyPr/>
+          <a:lstStyle/>
+          <a:p>
+            <a:r>
+              <a:rPr lang="hu-HU" dirty="0" err="1" smtClean="0"/>
+              <a:t>Dynos</a:t>
+            </a:r>
+            <a:r>
+              <a:rPr lang="hu-HU" dirty="0" smtClean="0"/>
+              <a:t>:</a:t>
+            </a:r>
+          </a:p>
+          <a:p>
+            <a:pPr lvl="1"/>
+            <a:r>
+              <a:rPr lang="hu-HU" dirty="0" err="1" smtClean="0"/>
+              <a:t>Fully-isolated</a:t>
+            </a:r>
+            <a:r>
+              <a:rPr lang="hu-HU" dirty="0" smtClean="0"/>
+              <a:t> </a:t>
+            </a:r>
+            <a:r>
+              <a:rPr lang="hu-HU" dirty="0" err="1" smtClean="0"/>
+              <a:t>execution</a:t>
+            </a:r>
+            <a:r>
+              <a:rPr lang="hu-HU" dirty="0" smtClean="0"/>
+              <a:t> </a:t>
+            </a:r>
+            <a:r>
+              <a:rPr lang="hu-HU" dirty="0" err="1" smtClean="0"/>
+              <a:t>environments</a:t>
+            </a:r>
+            <a:r>
+              <a:rPr lang="hu-HU" dirty="0" smtClean="0"/>
+              <a:t> (</a:t>
+            </a:r>
+            <a:r>
+              <a:rPr lang="en-US" dirty="0">
+                <a:solidFill>
+                  <a:srgbClr val="000000"/>
+                </a:solidFill>
+              </a:rPr>
+              <a:t>using LXC OS-level </a:t>
+            </a:r>
+            <a:r>
+              <a:rPr lang="en-US" dirty="0" smtClean="0">
+                <a:solidFill>
+                  <a:srgbClr val="000000"/>
+                </a:solidFill>
+              </a:rPr>
+              <a:t>virtualization</a:t>
+            </a:r>
+            <a:r>
+              <a:rPr lang="hu-HU" dirty="0" smtClean="0">
+                <a:solidFill>
+                  <a:srgbClr val="000000"/>
+                </a:solidFill>
+              </a:rPr>
+              <a:t>)</a:t>
+            </a:r>
+            <a:endParaRPr lang="en-US" dirty="0"/>
+          </a:p>
+          <a:p>
+            <a:r>
+              <a:rPr lang="hu-HU" dirty="0" err="1" smtClean="0"/>
+              <a:t>Features</a:t>
+            </a:r>
+            <a:r>
+              <a:rPr lang="hu-HU" dirty="0" smtClean="0"/>
+              <a:t>:</a:t>
+            </a:r>
+            <a:endParaRPr lang="en-US" dirty="0" smtClean="0"/>
+          </a:p>
+          <a:p>
+            <a:pPr lvl="1"/>
+            <a:r>
+              <a:rPr lang="hu-HU" dirty="0" err="1" smtClean="0"/>
+              <a:t>Elasticity</a:t>
+            </a:r>
+            <a:endParaRPr lang="en-US" dirty="0" smtClean="0"/>
+          </a:p>
+          <a:p>
+            <a:pPr lvl="1"/>
+            <a:r>
+              <a:rPr lang="hu-HU" dirty="0" err="1" smtClean="0"/>
+              <a:t>Intelligent</a:t>
+            </a:r>
+            <a:r>
+              <a:rPr lang="hu-HU" dirty="0" smtClean="0"/>
+              <a:t> </a:t>
+            </a:r>
+            <a:r>
+              <a:rPr lang="hu-HU" dirty="0" err="1" smtClean="0"/>
+              <a:t>routing</a:t>
+            </a:r>
+            <a:endParaRPr lang="hu-HU" dirty="0" smtClean="0"/>
+          </a:p>
+          <a:p>
+            <a:pPr lvl="1"/>
+            <a:r>
+              <a:rPr lang="hu-HU" dirty="0" err="1" smtClean="0"/>
+              <a:t>Process</a:t>
+            </a:r>
+            <a:r>
+              <a:rPr lang="hu-HU" dirty="0" smtClean="0"/>
+              <a:t> management</a:t>
+            </a:r>
+          </a:p>
+          <a:p>
+            <a:pPr lvl="1"/>
+            <a:r>
+              <a:rPr lang="hu-HU" dirty="0" err="1" smtClean="0"/>
+              <a:t>Distribution</a:t>
+            </a:r>
+            <a:r>
+              <a:rPr lang="hu-HU" dirty="0" smtClean="0"/>
+              <a:t> and </a:t>
+            </a:r>
+            <a:r>
+              <a:rPr lang="hu-HU" dirty="0" err="1" smtClean="0"/>
+              <a:t>redundancy</a:t>
+            </a:r>
+            <a:endParaRPr lang="hu-HU" dirty="0"/>
+          </a:p>
+          <a:p>
+            <a:pPr lvl="1"/>
+            <a:r>
+              <a:rPr lang="hu-HU" dirty="0" err="1" smtClean="0"/>
+              <a:t>Isolation</a:t>
+            </a:r>
+            <a:endParaRPr lang="hu-HU" dirty="0" smtClean="0"/>
+          </a:p>
+        </p:txBody>
+      </p:sp>
+    </p:spTree>
+  </p:cSld>
+  <p:clrMapOvr>
+    <a:masterClrMapping/>
+  </p:clrMapOvr>
+  <p:timing>
+    <p:tnLst>
+      <p:par>
+        <p:cTn id="1" dur="indefinite" restart="never" nodeType="tmRoot"/>
+      </p:par>
+    </p:tnLst>
+  </p:timing>
+</p:sld>
+</file>
+
 <file path=ppt/slides/slide5.xml><?xml version="1.0" encoding="utf-8"?>
 <p:sld xmlns:a="http://schemas.openxmlformats.org/drawingml/2006/main" xmlns:r="http://schemas.openxmlformats.org/officeDocument/2006/relationships" xmlns:p="http://schemas.openxmlformats.org/presentationml/2006/main">
   <p:cSld>
@@ -5838,7 +5668,7 @@
       </p:grpSpPr>
       <p:sp>
         <p:nvSpPr>
-          <p:cNvPr id="2" name="Title 1"/>
+          <p:cNvPr id="6" name="Title 5"/>
           <p:cNvSpPr>
             <a:spLocks noGrp="1"/>
           </p:cNvSpPr>
@@ -5852,12 +5682,20 @@
           <a:lstStyle/>
           <a:p>
             <a:r>
-              <a:rPr lang="hu-HU" dirty="0" err="1" smtClean="0"/>
-              <a:t>Forget</a:t>
-            </a:r>
-            <a:r>
-              <a:rPr lang="hu-HU" dirty="0" smtClean="0"/>
-              <a:t> servers</a:t>
+              <a:rPr lang="hu-HU" dirty="0" smtClean="0"/>
+              <a:t>The </a:t>
+            </a:r>
+            <a:r>
+              <a:rPr lang="hu-HU" dirty="0" err="1" smtClean="0"/>
+              <a:t>Process</a:t>
+            </a:r>
+            <a:r>
+              <a:rPr lang="hu-HU" dirty="0" smtClean="0"/>
+              <a:t> </a:t>
+            </a:r>
+            <a:r>
+              <a:rPr lang="hu-HU" dirty="0" err="1" smtClean="0"/>
+              <a:t>Model</a:t>
             </a:r>
             <a:endParaRPr lang="en-US" dirty="0"/>
           </a:p>
@@ -5920,12 +5758,12 @@
       </p:sp>
       <p:sp>
         <p:nvSpPr>
-          <p:cNvPr id="14" name="Text Placeholder 4"/>
-          <p:cNvSpPr>
-            <a:spLocks noGrp="1"/>
-          </p:cNvSpPr>
-          <p:nvPr>
-            <p:ph type="body" idx="1"/>
+          <p:cNvPr id="9" name="Text Placeholder 4"/>
+          <p:cNvSpPr>
+            <a:spLocks noGrp="1"/>
+          </p:cNvSpPr>
+          <p:nvPr>
+            <p:ph type="body" idx="4294967295"/>
           </p:nvPr>
         </p:nvSpPr>
         <p:spPr>
@@ -5933,6 +5771,9 @@
             <a:off x="457200" y="762000"/>
             <a:ext cx="8229600" cy="5014913"/>
           </a:xfrm>
+          <a:prstGeom prst="rect">
+            <a:avLst/>
+          </a:prstGeom>
         </p:spPr>
         <p:txBody>
           <a:bodyPr/>
@@ -5940,105 +5781,252 @@
           <a:p>
             <a:r>
               <a:rPr lang="hu-HU" dirty="0" err="1" smtClean="0"/>
-              <a:t>Dynos</a:t>
+              <a:t>Process</a:t>
+            </a:r>
+            <a:r>
+              <a:rPr lang="hu-HU" dirty="0" smtClean="0"/>
+              <a:t> </a:t>
+            </a:r>
+            <a:r>
+              <a:rPr lang="hu-HU" dirty="0" err="1" smtClean="0"/>
+              <a:t>types</a:t>
             </a:r>
             <a:r>
               <a:rPr lang="hu-HU" dirty="0" smtClean="0"/>
               <a:t>:</a:t>
             </a:r>
+            <a:endParaRPr lang="en-US" dirty="0" smtClean="0"/>
           </a:p>
           <a:p>
             <a:pPr lvl="1"/>
             <a:r>
-              <a:rPr lang="hu-HU" dirty="0" err="1" smtClean="0"/>
-              <a:t>Fully-isolated</a:t>
-            </a:r>
-            <a:r>
-              <a:rPr lang="hu-HU" dirty="0" smtClean="0"/>
-              <a:t> </a:t>
-            </a:r>
-            <a:r>
-              <a:rPr lang="hu-HU" dirty="0" err="1" smtClean="0"/>
-              <a:t>execution</a:t>
-            </a:r>
-            <a:r>
-              <a:rPr lang="hu-HU" dirty="0" smtClean="0"/>
-              <a:t> </a:t>
-            </a:r>
-            <a:r>
-              <a:rPr lang="hu-HU" dirty="0" err="1" smtClean="0"/>
-              <a:t>environments</a:t>
+              <a:rPr lang="hu-HU" dirty="0" smtClean="0"/>
+              <a:t>Web </a:t>
+            </a:r>
+            <a:r>
+              <a:rPr lang="hu-HU" dirty="0" err="1" smtClean="0"/>
+              <a:t>processes</a:t>
+            </a:r>
+            <a:endParaRPr lang="en-US" dirty="0" smtClean="0"/>
+          </a:p>
+          <a:p>
+            <a:pPr lvl="1"/>
+            <a:r>
+              <a:rPr lang="hu-HU" dirty="0" err="1" smtClean="0"/>
+              <a:t>Workers</a:t>
+            </a:r>
+            <a:endParaRPr lang="hu-HU" dirty="0" smtClean="0"/>
+          </a:p>
+          <a:p>
+            <a:pPr lvl="1"/>
+            <a:r>
+              <a:rPr lang="hu-HU" dirty="0" err="1" smtClean="0"/>
+              <a:t>One-off</a:t>
+            </a:r>
+            <a:r>
+              <a:rPr lang="hu-HU" dirty="0" smtClean="0"/>
+              <a:t> </a:t>
+            </a:r>
+            <a:r>
+              <a:rPr lang="hu-HU" dirty="0" err="1" smtClean="0"/>
+              <a:t>admin</a:t>
+            </a:r>
+            <a:r>
+              <a:rPr lang="hu-HU" dirty="0" smtClean="0"/>
+              <a:t> </a:t>
+            </a:r>
+            <a:r>
+              <a:rPr lang="hu-HU" dirty="0" err="1" smtClean="0"/>
+              <a:t>processes</a:t>
+            </a:r>
+            <a:endParaRPr lang="hu-HU" dirty="0" smtClean="0"/>
+          </a:p>
+          <a:p>
+            <a:pPr lvl="1">
+              <a:buNone/>
+            </a:pPr>
+            <a:endParaRPr lang="hu-HU" dirty="0" smtClean="0"/>
+          </a:p>
+          <a:p>
+            <a:r>
+              <a:rPr lang="hu-HU" dirty="0" err="1" smtClean="0"/>
+              <a:t>Processes</a:t>
+            </a:r>
+            <a:r>
+              <a:rPr lang="hu-HU" dirty="0" smtClean="0"/>
+              <a:t> </a:t>
+            </a:r>
+            <a:r>
+              <a:rPr lang="hu-HU" dirty="0" err="1" smtClean="0"/>
+              <a:t>are</a:t>
+            </a:r>
+            <a:r>
+              <a:rPr lang="hu-HU" dirty="0" smtClean="0"/>
+              <a:t> </a:t>
+            </a:r>
+            <a:r>
+              <a:rPr lang="hu-HU" dirty="0" err="1" smtClean="0"/>
+              <a:t>defined</a:t>
+            </a:r>
+            <a:r>
+              <a:rPr lang="hu-HU" dirty="0" smtClean="0"/>
+              <a:t> </a:t>
+            </a:r>
+            <a:r>
+              <a:rPr lang="hu-HU" dirty="0" err="1" smtClean="0"/>
+              <a:t>for</a:t>
+            </a:r>
+            <a:r>
+              <a:rPr lang="hu-HU" dirty="0" smtClean="0"/>
+              <a:t> </a:t>
+            </a:r>
+            <a:r>
+              <a:rPr lang="hu-HU" dirty="0" err="1" smtClean="0"/>
+              <a:t>each</a:t>
+            </a:r>
+            <a:r>
+              <a:rPr lang="hu-HU" dirty="0" smtClean="0"/>
+              <a:t> </a:t>
+            </a:r>
+            <a:r>
+              <a:rPr lang="hu-HU" dirty="0" err="1" smtClean="0"/>
+              <a:t>application</a:t>
+            </a:r>
+            <a:r>
+              <a:rPr lang="hu-HU" dirty="0" smtClean="0"/>
+              <a:t> </a:t>
+            </a:r>
+            <a:r>
+              <a:rPr lang="hu-HU" dirty="0" err="1" smtClean="0"/>
+              <a:t>in</a:t>
+            </a:r>
+            <a:r>
+              <a:rPr lang="hu-HU" dirty="0" smtClean="0"/>
+              <a:t> a </a:t>
+            </a:r>
+            <a:r>
+              <a:rPr lang="hu-HU" dirty="0" err="1" smtClean="0"/>
+              <a:t>special</a:t>
+            </a:r>
+            <a:r>
+              <a:rPr lang="hu-HU" dirty="0" smtClean="0"/>
+              <a:t> file </a:t>
+            </a:r>
+            <a:r>
+              <a:rPr lang="hu-HU" dirty="0" err="1" smtClean="0"/>
+              <a:t>called</a:t>
+            </a:r>
+            <a:r>
+              <a:rPr lang="hu-HU" dirty="0" smtClean="0"/>
+              <a:t> </a:t>
+            </a:r>
+            <a:r>
+              <a:rPr lang="hu-HU" dirty="0" err="1" smtClean="0"/>
+              <a:t>Procfile</a:t>
+            </a:r>
+            <a:endParaRPr lang="hu-HU" dirty="0" smtClean="0"/>
+          </a:p>
+          <a:p>
+            <a:pPr>
+              <a:buNone/>
+            </a:pPr>
+            <a:endParaRPr lang="hu-HU" dirty="0" smtClean="0"/>
+          </a:p>
+          <a:p>
+            <a:r>
+              <a:rPr lang="hu-HU" dirty="0" err="1" smtClean="0"/>
+              <a:t>Processes</a:t>
+            </a:r>
+            <a:r>
+              <a:rPr lang="hu-HU" dirty="0" smtClean="0"/>
+              <a:t> </a:t>
+            </a:r>
+            <a:r>
+              <a:rPr lang="hu-HU" dirty="0" err="1" smtClean="0"/>
+              <a:t>are</a:t>
+            </a:r>
+            <a:r>
+              <a:rPr lang="hu-HU" dirty="0" smtClean="0"/>
+              <a:t> </a:t>
+            </a:r>
+            <a:r>
+              <a:rPr lang="hu-HU" dirty="0" err="1" smtClean="0"/>
+              <a:t>executed</a:t>
+            </a:r>
+            <a:r>
+              <a:rPr lang="hu-HU" dirty="0" smtClean="0"/>
+              <a:t> </a:t>
+            </a:r>
+            <a:r>
+              <a:rPr lang="hu-HU" dirty="0" err="1" smtClean="0"/>
+              <a:t>on</a:t>
+            </a:r>
+            <a:r>
+              <a:rPr lang="hu-HU" dirty="0" smtClean="0"/>
+              <a:t> </a:t>
+            </a:r>
+            <a:r>
+              <a:rPr lang="hu-HU" dirty="0" err="1" smtClean="0"/>
+              <a:t>dynos</a:t>
+            </a:r>
+            <a:r>
+              <a:rPr lang="hu-HU" dirty="0" smtClean="0"/>
+              <a:t>:</a:t>
+            </a:r>
+          </a:p>
+          <a:p>
+            <a:pPr lvl="1"/>
+            <a:r>
+              <a:rPr lang="hu-HU" dirty="0"/>
+              <a:t>Web </a:t>
+            </a:r>
+            <a:r>
+              <a:rPr lang="hu-HU" dirty="0" err="1" smtClean="0"/>
+              <a:t>dynos</a:t>
             </a:r>
             <a:endParaRPr lang="en-US" dirty="0"/>
           </a:p>
           <a:p>
-            <a:r>
-              <a:rPr lang="hu-HU" dirty="0" err="1" smtClean="0"/>
-              <a:t>Features</a:t>
-            </a:r>
-            <a:r>
-              <a:rPr lang="hu-HU" dirty="0" smtClean="0"/>
-              <a:t>:</a:t>
-            </a:r>
-            <a:endParaRPr lang="en-US" dirty="0" smtClean="0"/>
-          </a:p>
-          <a:p>
             <a:pPr lvl="1"/>
             <a:r>
               <a:rPr lang="hu-HU" dirty="0" err="1" smtClean="0"/>
-              <a:t>Elasticity</a:t>
-            </a:r>
-            <a:endParaRPr lang="en-US" dirty="0" smtClean="0"/>
+              <a:t>Worker</a:t>
+            </a:r>
+            <a:r>
+              <a:rPr lang="hu-HU" dirty="0" smtClean="0"/>
+              <a:t> </a:t>
+            </a:r>
+            <a:r>
+              <a:rPr lang="hu-HU" dirty="0" err="1" smtClean="0"/>
+              <a:t>dynos</a:t>
+            </a:r>
+            <a:endParaRPr lang="hu-HU" dirty="0"/>
           </a:p>
           <a:p>
             <a:pPr lvl="1"/>
             <a:r>
-              <a:rPr lang="hu-HU" dirty="0" err="1" smtClean="0"/>
-              <a:t>Intelligent</a:t>
-            </a:r>
-            <a:r>
-              <a:rPr lang="hu-HU" dirty="0" smtClean="0"/>
-              <a:t> </a:t>
-            </a:r>
-            <a:r>
-              <a:rPr lang="hu-HU" dirty="0" err="1" smtClean="0"/>
-              <a:t>routing</a:t>
-            </a:r>
-            <a:endParaRPr lang="hu-HU" dirty="0" smtClean="0"/>
-          </a:p>
-          <a:p>
-            <a:pPr lvl="1"/>
-            <a:r>
-              <a:rPr lang="hu-HU" dirty="0" err="1" smtClean="0"/>
-              <a:t>Process</a:t>
-            </a:r>
-            <a:r>
-              <a:rPr lang="hu-HU" dirty="0" smtClean="0"/>
-              <a:t> management</a:t>
-            </a:r>
-          </a:p>
-          <a:p>
-            <a:pPr lvl="1"/>
-            <a:r>
-              <a:rPr lang="hu-HU" dirty="0" err="1" smtClean="0"/>
-              <a:t>Distribution</a:t>
-            </a:r>
-            <a:r>
-              <a:rPr lang="hu-HU" dirty="0" smtClean="0"/>
-              <a:t> and </a:t>
-            </a:r>
-            <a:r>
-              <a:rPr lang="hu-HU" dirty="0" err="1" smtClean="0"/>
-              <a:t>redundancy</a:t>
+              <a:rPr lang="hu-HU" dirty="0" err="1"/>
+              <a:t>One-off</a:t>
+            </a:r>
+            <a:r>
+              <a:rPr lang="hu-HU" dirty="0"/>
+              <a:t> </a:t>
+            </a:r>
+            <a:r>
+              <a:rPr lang="hu-HU" dirty="0" err="1"/>
+              <a:t>admin</a:t>
+            </a:r>
+            <a:r>
+              <a:rPr lang="hu-HU" dirty="0"/>
+              <a:t> </a:t>
+            </a:r>
+            <a:r>
+              <a:rPr lang="hu-HU" dirty="0" err="1" smtClean="0"/>
+              <a:t>dynos</a:t>
             </a:r>
             <a:endParaRPr lang="hu-HU" dirty="0"/>
           </a:p>
           <a:p>
-            <a:pPr lvl="1"/>
-            <a:r>
-              <a:rPr lang="hu-HU" dirty="0" err="1" smtClean="0"/>
-              <a:t>Isolation</a:t>
-            </a:r>
             <a:endParaRPr lang="hu-HU" dirty="0" smtClean="0"/>
           </a:p>
         </p:txBody>
@@ -6077,7 +6065,7 @@
       </p:grpSpPr>
       <p:sp>
         <p:nvSpPr>
-          <p:cNvPr id="6" name="Title 5"/>
+          <p:cNvPr id="7" name="Title 6"/>
           <p:cNvSpPr>
             <a:spLocks noGrp="1"/>
           </p:cNvSpPr>
@@ -6091,20 +6079,32 @@
           <a:lstStyle/>
           <a:p>
             <a:r>
-              <a:rPr lang="hu-HU" dirty="0" smtClean="0"/>
-              <a:t>The </a:t>
-            </a:r>
-            <a:r>
-              <a:rPr lang="hu-HU" dirty="0" err="1" smtClean="0"/>
-              <a:t>Process</a:t>
-            </a:r>
-            <a:r>
-              <a:rPr lang="hu-HU" dirty="0" smtClean="0"/>
-              <a:t> </a:t>
-            </a:r>
-            <a:r>
-              <a:rPr lang="hu-HU" dirty="0" err="1" smtClean="0"/>
-              <a:t>Model</a:t>
+              <a:rPr lang="hu-HU" dirty="0" err="1" smtClean="0"/>
+              <a:t>Easy</a:t>
+            </a:r>
+            <a:r>
+              <a:rPr lang="hu-HU" dirty="0" smtClean="0"/>
+              <a:t> </a:t>
+            </a:r>
+            <a:r>
+              <a:rPr lang="hu-HU" dirty="0" err="1" smtClean="0"/>
+              <a:t>deployment</a:t>
+            </a:r>
+            <a:r>
+              <a:rPr lang="hu-HU" dirty="0" smtClean="0"/>
+              <a:t> </a:t>
+            </a:r>
+            <a:r>
+              <a:rPr lang="hu-HU" dirty="0" err="1" smtClean="0"/>
+              <a:t>with</a:t>
+            </a:r>
+            <a:r>
+              <a:rPr lang="hu-HU" dirty="0" smtClean="0"/>
+              <a:t> </a:t>
+            </a:r>
+            <a:r>
+              <a:rPr lang="hu-HU" dirty="0" err="1" smtClean="0"/>
+              <a:t>Git</a:t>
             </a:r>
             <a:endParaRPr lang="en-US" dirty="0"/>
           </a:p>
@@ -6167,206 +6167,374 @@
       </p:sp>
       <p:sp>
         <p:nvSpPr>
-          <p:cNvPr id="9" name="Text Placeholder 4"/>
-          <p:cNvSpPr>
-            <a:spLocks noGrp="1"/>
-          </p:cNvSpPr>
-          <p:nvPr>
-            <p:ph type="body" idx="4294967295"/>
-          </p:nvPr>
-        </p:nvSpPr>
-        <p:spPr>
-          <a:xfrm>
-            <a:off x="457200" y="762000"/>
-            <a:ext cx="8229600" cy="5014913"/>
-          </a:xfrm>
-          <a:prstGeom prst="rect">
-            <a:avLst/>
-          </a:prstGeom>
-        </p:spPr>
+          <p:cNvPr id="6" name="Tartalom helye 5"/>
+          <p:cNvSpPr>
+            <a:spLocks noGrp="1"/>
+          </p:cNvSpPr>
+          <p:nvPr>
+            <p:ph sz="quarter" idx="13"/>
+          </p:nvPr>
+        </p:nvSpPr>
+        <p:spPr/>
         <p:txBody>
           <a:bodyPr/>
           <a:lstStyle/>
           <a:p>
             <a:r>
-              <a:rPr lang="hu-HU" dirty="0" err="1" smtClean="0"/>
-              <a:t>Process</a:t>
-            </a:r>
-            <a:r>
-              <a:rPr lang="hu-HU" dirty="0" smtClean="0"/>
-              <a:t> </a:t>
-            </a:r>
-            <a:r>
-              <a:rPr lang="hu-HU" dirty="0" err="1" smtClean="0"/>
-              <a:t>types</a:t>
-            </a:r>
-            <a:r>
-              <a:rPr lang="hu-HU" dirty="0" smtClean="0"/>
+              <a:rPr lang="hu-HU" dirty="0" err="1"/>
+              <a:t>Create</a:t>
+            </a:r>
+            <a:r>
+              <a:rPr lang="hu-HU" dirty="0"/>
+              <a:t> </a:t>
+            </a:r>
+            <a:r>
+              <a:rPr lang="hu-HU" dirty="0" err="1"/>
+              <a:t>your</a:t>
+            </a:r>
+            <a:r>
+              <a:rPr lang="hu-HU" dirty="0"/>
+              <a:t> </a:t>
+            </a:r>
+            <a:r>
+              <a:rPr lang="hu-HU" dirty="0" err="1"/>
+              <a:t>application</a:t>
+            </a:r>
+            <a:r>
+              <a:rPr lang="hu-HU" dirty="0"/>
+              <a:t> </a:t>
+            </a:r>
+            <a:r>
+              <a:rPr lang="hu-HU" dirty="0" err="1"/>
+              <a:t>on</a:t>
+            </a:r>
+            <a:r>
+              <a:rPr lang="hu-HU" dirty="0"/>
+              <a:t> </a:t>
+            </a:r>
+            <a:r>
+              <a:rPr lang="hu-HU" dirty="0" err="1"/>
+              <a:t>Heroku</a:t>
+            </a:r>
+            <a:r>
+              <a:rPr lang="hu-HU" dirty="0"/>
               <a:t>:</a:t>
             </a:r>
-            <a:endParaRPr lang="en-US" dirty="0" smtClean="0"/>
-          </a:p>
-          <a:p>
-            <a:pPr lvl="1"/>
-            <a:r>
-              <a:rPr lang="hu-HU" dirty="0" smtClean="0"/>
-              <a:t>Web </a:t>
-            </a:r>
-            <a:r>
-              <a:rPr lang="hu-HU" dirty="0" err="1" smtClean="0"/>
-              <a:t>processes</a:t>
-            </a:r>
-            <a:endParaRPr lang="en-US" dirty="0" smtClean="0"/>
-          </a:p>
-          <a:p>
-            <a:pPr lvl="1"/>
-            <a:r>
-              <a:rPr lang="hu-HU" dirty="0" err="1" smtClean="0"/>
-              <a:t>Workers</a:t>
-            </a:r>
+          </a:p>
+          <a:p>
+            <a:pPr>
+              <a:buNone/>
+            </a:pPr>
+            <a:r>
+              <a:rPr lang="hu-HU" i="1" dirty="0"/>
+              <a:t>	</a:t>
+            </a:r>
+            <a:r>
+              <a:rPr lang="hu-HU" i="1" dirty="0" err="1"/>
+              <a:t>heroku</a:t>
+            </a:r>
+            <a:r>
+              <a:rPr lang="hu-HU" i="1" dirty="0"/>
+              <a:t> </a:t>
+            </a:r>
+            <a:r>
+              <a:rPr lang="hu-HU" i="1" dirty="0" err="1"/>
+              <a:t>create</a:t>
+            </a:r>
+            <a:r>
+              <a:rPr lang="hu-HU" i="1" dirty="0"/>
+              <a:t> </a:t>
+            </a:r>
+            <a:r>
+              <a:rPr lang="hu-HU" i="1" dirty="0" err="1"/>
+              <a:t>myapp</a:t>
+            </a:r>
+            <a:r>
+              <a:rPr lang="hu-HU" i="1" dirty="0"/>
+              <a:t> </a:t>
+            </a:r>
+            <a:r>
+              <a:rPr lang="hu-HU" i="1" dirty="0" err="1"/>
+              <a:t>--stack</a:t>
+            </a:r>
+            <a:r>
+              <a:rPr lang="hu-HU" i="1" dirty="0"/>
+              <a:t> </a:t>
+            </a:r>
+            <a:r>
+              <a:rPr lang="hu-HU" i="1" dirty="0" err="1"/>
+              <a:t>cedar</a:t>
+            </a:r>
+            <a:endParaRPr lang="hu-HU" i="1" dirty="0"/>
+          </a:p>
+          <a:p>
+            <a:pPr>
+              <a:buNone/>
+            </a:pPr>
             <a:endParaRPr lang="hu-HU" dirty="0" smtClean="0"/>
           </a:p>
           <a:p>
-            <a:pPr lvl="1"/>
-            <a:r>
-              <a:rPr lang="hu-HU" dirty="0" err="1" smtClean="0"/>
-              <a:t>One-off</a:t>
-            </a:r>
-            <a:r>
-              <a:rPr lang="hu-HU" dirty="0" smtClean="0"/>
-              <a:t> </a:t>
-            </a:r>
-            <a:r>
-              <a:rPr lang="hu-HU" dirty="0" err="1" smtClean="0"/>
-              <a:t>admin</a:t>
-            </a:r>
-            <a:r>
-              <a:rPr lang="hu-HU" dirty="0" smtClean="0"/>
-              <a:t> </a:t>
-            </a:r>
-            <a:r>
-              <a:rPr lang="hu-HU" dirty="0" err="1" smtClean="0"/>
-              <a:t>processes</a:t>
+            <a:r>
+              <a:rPr lang="hu-HU" dirty="0" err="1" smtClean="0"/>
+              <a:t>Init</a:t>
+            </a:r>
+            <a:r>
+              <a:rPr lang="hu-HU" dirty="0" smtClean="0"/>
+              <a:t> </a:t>
+            </a:r>
+            <a:r>
+              <a:rPr lang="hu-HU" dirty="0" err="1" smtClean="0"/>
+              <a:t>Git</a:t>
+            </a:r>
+            <a:r>
+              <a:rPr lang="hu-HU" dirty="0" smtClean="0"/>
+              <a:t> </a:t>
+            </a:r>
+            <a:r>
+              <a:rPr lang="hu-HU" dirty="0" err="1" smtClean="0"/>
+              <a:t>repository</a:t>
+            </a:r>
+            <a:r>
+              <a:rPr lang="hu-HU" dirty="0" smtClean="0"/>
+              <a:t>:</a:t>
+            </a:r>
+          </a:p>
+          <a:p>
+            <a:pPr>
+              <a:buNone/>
+            </a:pPr>
+            <a:r>
+              <a:rPr lang="hu-HU" i="1" dirty="0"/>
+              <a:t>	</a:t>
+            </a:r>
+            <a:r>
+              <a:rPr lang="hu-HU" i="1" dirty="0" err="1" smtClean="0"/>
+              <a:t>git</a:t>
+            </a:r>
+            <a:r>
+              <a:rPr lang="hu-HU" i="1" dirty="0" smtClean="0"/>
+              <a:t> </a:t>
+            </a:r>
+            <a:r>
+              <a:rPr lang="hu-HU" i="1" dirty="0" err="1" smtClean="0"/>
+              <a:t>init</a:t>
+            </a:r>
+            <a:endParaRPr lang="hu-HU" i="1" dirty="0" smtClean="0"/>
+          </a:p>
+          <a:p>
+            <a:r>
+              <a:rPr lang="hu-HU" dirty="0" err="1" smtClean="0"/>
+              <a:t>Adding</a:t>
+            </a:r>
+            <a:r>
+              <a:rPr lang="hu-HU" dirty="0" smtClean="0"/>
+              <a:t> </a:t>
+            </a:r>
+            <a:r>
+              <a:rPr lang="hu-HU" dirty="0" err="1" smtClean="0"/>
+              <a:t>changes</a:t>
+            </a:r>
+            <a:r>
+              <a:rPr lang="hu-HU" dirty="0" smtClean="0"/>
+              <a:t> </a:t>
+            </a:r>
+            <a:r>
+              <a:rPr lang="hu-HU" dirty="0" err="1" smtClean="0"/>
+              <a:t>to</a:t>
+            </a:r>
+            <a:r>
+              <a:rPr lang="hu-HU" dirty="0" smtClean="0"/>
+              <a:t> </a:t>
+            </a:r>
+            <a:r>
+              <a:rPr lang="hu-HU" dirty="0" err="1" smtClean="0"/>
+              <a:t>the</a:t>
+            </a:r>
+            <a:r>
+              <a:rPr lang="hu-HU" dirty="0" smtClean="0"/>
+              <a:t> index:</a:t>
+            </a:r>
+          </a:p>
+          <a:p>
+            <a:pPr>
+              <a:buNone/>
+            </a:pPr>
+            <a:r>
+              <a:rPr lang="hu-HU" i="1" dirty="0" smtClean="0"/>
+              <a:t>	</a:t>
+            </a:r>
+            <a:r>
+              <a:rPr lang="hu-HU" i="1" dirty="0" err="1" smtClean="0"/>
+              <a:t>git</a:t>
+            </a:r>
+            <a:r>
+              <a:rPr lang="hu-HU" i="1" dirty="0" smtClean="0"/>
+              <a:t> add .</a:t>
+            </a:r>
+          </a:p>
+          <a:p>
+            <a:r>
+              <a:rPr lang="hu-HU" dirty="0" err="1" smtClean="0"/>
+              <a:t>Commit</a:t>
+            </a:r>
+            <a:r>
+              <a:rPr lang="hu-HU" dirty="0" smtClean="0"/>
+              <a:t> </a:t>
+            </a:r>
+            <a:r>
+              <a:rPr lang="hu-HU" dirty="0" err="1" smtClean="0"/>
+              <a:t>to</a:t>
+            </a:r>
+            <a:r>
+              <a:rPr lang="hu-HU" dirty="0" smtClean="0"/>
+              <a:t> local </a:t>
+            </a:r>
+            <a:r>
+              <a:rPr lang="hu-HU" dirty="0" err="1" smtClean="0"/>
+              <a:t>repo</a:t>
+            </a:r>
+            <a:r>
+              <a:rPr lang="hu-HU" dirty="0" smtClean="0"/>
+              <a:t>:</a:t>
+            </a:r>
+          </a:p>
+          <a:p>
+            <a:pPr>
+              <a:buNone/>
+            </a:pPr>
+            <a:r>
+              <a:rPr lang="hu-HU" i="1" dirty="0"/>
+              <a:t>	</a:t>
+            </a:r>
+            <a:r>
+              <a:rPr lang="hu-HU" i="1" dirty="0" err="1" smtClean="0"/>
+              <a:t>git</a:t>
+            </a:r>
+            <a:r>
+              <a:rPr lang="hu-HU" i="1" dirty="0" smtClean="0"/>
+              <a:t> </a:t>
+            </a:r>
+            <a:r>
+              <a:rPr lang="hu-HU" i="1" dirty="0" err="1" smtClean="0"/>
+              <a:t>commit</a:t>
+            </a:r>
+            <a:r>
+              <a:rPr lang="hu-HU" i="1" dirty="0" smtClean="0"/>
+              <a:t> –m ”</a:t>
+            </a:r>
+            <a:r>
+              <a:rPr lang="hu-HU" i="1" dirty="0" err="1" smtClean="0"/>
+              <a:t>commit</a:t>
+            </a:r>
+            <a:r>
+              <a:rPr lang="hu-HU" i="1" dirty="0" smtClean="0"/>
+              <a:t> </a:t>
+            </a:r>
+            <a:r>
+              <a:rPr lang="hu-HU" i="1" dirty="0" err="1" smtClean="0"/>
+              <a:t>message</a:t>
+            </a:r>
+            <a:r>
+              <a:rPr lang="hu-HU" i="1" dirty="0" smtClean="0"/>
+              <a:t>”</a:t>
+            </a:r>
+          </a:p>
+          <a:p>
+            <a:r>
+              <a:rPr lang="hu-HU" dirty="0" err="1" smtClean="0"/>
+              <a:t>Deploy</a:t>
+            </a:r>
+            <a:r>
+              <a:rPr lang="hu-HU" dirty="0" smtClean="0"/>
+              <a:t> </a:t>
+            </a:r>
+            <a:r>
+              <a:rPr lang="hu-HU" dirty="0" err="1" smtClean="0"/>
+              <a:t>to</a:t>
+            </a:r>
+            <a:r>
+              <a:rPr lang="hu-HU" dirty="0" smtClean="0"/>
+              <a:t> </a:t>
+            </a:r>
+            <a:r>
+              <a:rPr lang="hu-HU" dirty="0" err="1" smtClean="0"/>
+              <a:t>Heroku</a:t>
+            </a:r>
+            <a:r>
+              <a:rPr lang="hu-HU" dirty="0" smtClean="0"/>
+              <a:t> is a </a:t>
+            </a:r>
+            <a:r>
+              <a:rPr lang="hu-HU" dirty="0" err="1" smtClean="0"/>
+              <a:t>git</a:t>
+            </a:r>
+            <a:r>
+              <a:rPr lang="hu-HU" dirty="0" smtClean="0"/>
+              <a:t> </a:t>
+            </a:r>
+            <a:r>
+              <a:rPr lang="hu-HU" dirty="0" err="1" smtClean="0"/>
+              <a:t>push</a:t>
+            </a:r>
+            <a:r>
+              <a:rPr lang="hu-HU" dirty="0" smtClean="0"/>
+              <a:t> </a:t>
+            </a:r>
+            <a:r>
+              <a:rPr lang="hu-HU" dirty="0" err="1" smtClean="0"/>
+              <a:t>to</a:t>
+            </a:r>
+            <a:r>
+              <a:rPr lang="hu-HU" dirty="0" smtClean="0"/>
+              <a:t> </a:t>
+            </a:r>
+            <a:r>
+              <a:rPr lang="hu-HU" dirty="0" err="1" smtClean="0"/>
+              <a:t>remote</a:t>
+            </a:r>
+            <a:r>
+              <a:rPr lang="hu-HU" dirty="0" smtClean="0"/>
+              <a:t>:</a:t>
             </a:r>
             <a:endParaRPr lang="hu-HU" dirty="0" smtClean="0"/>
           </a:p>
           <a:p>
-            <a:r>
-              <a:rPr lang="hu-HU" dirty="0" err="1" smtClean="0"/>
-              <a:t>Processes</a:t>
-            </a:r>
-            <a:r>
-              <a:rPr lang="hu-HU" dirty="0" smtClean="0"/>
-              <a:t> </a:t>
-            </a:r>
-            <a:r>
-              <a:rPr lang="hu-HU" dirty="0" err="1" smtClean="0"/>
-              <a:t>are</a:t>
-            </a:r>
-            <a:r>
-              <a:rPr lang="hu-HU" dirty="0" smtClean="0"/>
-              <a:t> </a:t>
-            </a:r>
-            <a:r>
-              <a:rPr lang="hu-HU" dirty="0" err="1" smtClean="0"/>
-              <a:t>defined</a:t>
-            </a:r>
-            <a:r>
-              <a:rPr lang="hu-HU" dirty="0" smtClean="0"/>
-              <a:t> </a:t>
-            </a:r>
-            <a:r>
-              <a:rPr lang="hu-HU" dirty="0" err="1" smtClean="0"/>
-              <a:t>for</a:t>
-            </a:r>
-            <a:r>
-              <a:rPr lang="hu-HU" dirty="0" smtClean="0"/>
-              <a:t> </a:t>
-            </a:r>
-            <a:r>
-              <a:rPr lang="hu-HU" dirty="0" err="1" smtClean="0"/>
-              <a:t>each</a:t>
-            </a:r>
-            <a:r>
-              <a:rPr lang="hu-HU" dirty="0" smtClean="0"/>
-              <a:t> </a:t>
-            </a:r>
-            <a:r>
-              <a:rPr lang="hu-HU" dirty="0" err="1" smtClean="0"/>
-              <a:t>application</a:t>
-            </a:r>
-            <a:r>
-              <a:rPr lang="hu-HU" dirty="0" smtClean="0"/>
-              <a:t> </a:t>
-            </a:r>
-            <a:r>
-              <a:rPr lang="hu-HU" dirty="0" err="1" smtClean="0"/>
-              <a:t>in</a:t>
-            </a:r>
-            <a:r>
-              <a:rPr lang="hu-HU" dirty="0" smtClean="0"/>
-              <a:t> a </a:t>
-            </a:r>
-            <a:r>
-              <a:rPr lang="hu-HU" dirty="0" err="1" smtClean="0"/>
-              <a:t>special</a:t>
-            </a:r>
-            <a:r>
-              <a:rPr lang="hu-HU" dirty="0" smtClean="0"/>
-              <a:t> file </a:t>
-            </a:r>
-            <a:r>
-              <a:rPr lang="hu-HU" dirty="0" err="1" smtClean="0"/>
-              <a:t>called</a:t>
-            </a:r>
-            <a:r>
-              <a:rPr lang="hu-HU" dirty="0" smtClean="0"/>
-              <a:t> </a:t>
-            </a:r>
-            <a:r>
-              <a:rPr lang="hu-HU" dirty="0" err="1" smtClean="0"/>
-              <a:t>Procfile</a:t>
-            </a:r>
-            <a:endParaRPr lang="hu-HU" dirty="0" smtClean="0"/>
-          </a:p>
-          <a:p>
-            <a:r>
-              <a:rPr lang="hu-HU" dirty="0" err="1" smtClean="0"/>
-              <a:t>Processes</a:t>
-            </a:r>
-            <a:r>
-              <a:rPr lang="hu-HU" dirty="0" smtClean="0"/>
-              <a:t> </a:t>
-            </a:r>
-            <a:r>
-              <a:rPr lang="hu-HU" dirty="0" err="1" smtClean="0"/>
-              <a:t>are</a:t>
-            </a:r>
-            <a:r>
-              <a:rPr lang="hu-HU" dirty="0" smtClean="0"/>
-              <a:t> </a:t>
-            </a:r>
-            <a:r>
-              <a:rPr lang="hu-HU" dirty="0" err="1" smtClean="0"/>
-              <a:t>executed</a:t>
-            </a:r>
-            <a:r>
-              <a:rPr lang="hu-HU" dirty="0" smtClean="0"/>
-              <a:t> </a:t>
-            </a:r>
-            <a:r>
-              <a:rPr lang="hu-HU" dirty="0" err="1" smtClean="0"/>
-              <a:t>on</a:t>
-            </a:r>
-            <a:r>
-              <a:rPr lang="hu-HU" dirty="0" smtClean="0"/>
-              <a:t> </a:t>
-            </a:r>
-            <a:r>
-              <a:rPr lang="hu-HU" dirty="0" err="1" smtClean="0"/>
-              <a:t>dynos</a:t>
-            </a:r>
-            <a:endParaRPr lang="hu-HU" dirty="0" smtClean="0"/>
+            <a:pPr>
+              <a:buNone/>
+            </a:pPr>
+            <a:r>
+              <a:rPr lang="hu-HU" i="1" dirty="0"/>
+              <a:t>	</a:t>
+            </a:r>
+            <a:r>
+              <a:rPr lang="hu-HU" i="1" dirty="0" err="1" smtClean="0"/>
+              <a:t>git</a:t>
+            </a:r>
+            <a:r>
+              <a:rPr lang="hu-HU" i="1" dirty="0" smtClean="0"/>
+              <a:t> </a:t>
+            </a:r>
+            <a:r>
+              <a:rPr lang="hu-HU" i="1" dirty="0" err="1" smtClean="0"/>
+              <a:t>push</a:t>
+            </a:r>
+            <a:r>
+              <a:rPr lang="hu-HU" i="1" dirty="0" smtClean="0"/>
+              <a:t> </a:t>
+            </a:r>
+            <a:r>
+              <a:rPr lang="hu-HU" i="1" dirty="0" err="1" smtClean="0"/>
+              <a:t>heroku</a:t>
+            </a:r>
+            <a:r>
+              <a:rPr lang="hu-HU" i="1" dirty="0" smtClean="0"/>
+              <a:t> </a:t>
+            </a:r>
+            <a:r>
+              <a:rPr lang="hu-HU" i="1" dirty="0" err="1" smtClean="0"/>
+              <a:t>master</a:t>
+            </a:r>
+            <a:endParaRPr lang="hu-HU" i="1" dirty="0"/>
           </a:p>
         </p:txBody>
       </p:sp>
@@ -6404,7 +6572,7 @@
       </p:grpSpPr>
       <p:sp>
         <p:nvSpPr>
-          <p:cNvPr id="7" name="Title 6"/>
+          <p:cNvPr id="2" name="Title 1"/>
           <p:cNvSpPr>
             <a:spLocks noGrp="1"/>
           </p:cNvSpPr>
@@ -6412,38 +6580,59 @@
             <p:ph type="title"/>
           </p:nvPr>
         </p:nvSpPr>
-        <p:spPr/>
+        <p:spPr>
+          <a:xfrm>
+            <a:off x="457200" y="152400"/>
+            <a:ext cx="5410200" cy="487362"/>
+          </a:xfrm>
+        </p:spPr>
         <p:txBody>
           <a:bodyPr/>
           <a:lstStyle/>
           <a:p>
             <a:r>
               <a:rPr lang="hu-HU" dirty="0" err="1" smtClean="0"/>
-              <a:t>Easy</a:t>
-            </a:r>
-            <a:r>
-              <a:rPr lang="hu-HU" dirty="0" smtClean="0"/>
-              <a:t> </a:t>
-            </a:r>
-            <a:r>
-              <a:rPr lang="hu-HU" dirty="0" err="1" smtClean="0"/>
-              <a:t>deployment</a:t>
-            </a:r>
-            <a:r>
-              <a:rPr lang="hu-HU" dirty="0" smtClean="0"/>
-              <a:t> </a:t>
-            </a:r>
-            <a:r>
-              <a:rPr lang="hu-HU" dirty="0" err="1" smtClean="0"/>
-              <a:t>with</a:t>
-            </a:r>
-            <a:r>
-              <a:rPr lang="hu-HU" dirty="0" smtClean="0"/>
-              <a:t> </a:t>
-            </a:r>
-            <a:r>
-              <a:rPr lang="hu-HU" dirty="0" err="1" smtClean="0"/>
-              <a:t>Git</a:t>
+              <a:t>Control</a:t>
+            </a:r>
+            <a:r>
+              <a:rPr lang="hu-HU" dirty="0" smtClean="0"/>
+              <a:t> </a:t>
+            </a:r>
+            <a:r>
+              <a:rPr lang="hu-HU" dirty="0" err="1" smtClean="0"/>
+              <a:t>surfaces</a:t>
+            </a:r>
+            <a:r>
+              <a:rPr lang="hu-HU" dirty="0" smtClean="0"/>
+              <a:t> </a:t>
+            </a:r>
+            <a:r>
+              <a:rPr lang="hu-HU" dirty="0" err="1" smtClean="0"/>
+              <a:t>for</a:t>
+            </a:r>
+            <a:r>
+              <a:rPr lang="hu-HU" dirty="0" smtClean="0"/>
+              <a:t> </a:t>
+            </a:r>
+            <a:r>
+              <a:rPr lang="hu-HU" dirty="0" err="1" smtClean="0"/>
+              <a:t>managing</a:t>
+            </a:r>
+            <a:r>
+              <a:rPr lang="hu-HU" dirty="0" smtClean="0"/>
+              <a:t> </a:t>
+            </a:r>
+            <a:r>
+              <a:rPr lang="hu-HU" dirty="0" err="1" smtClean="0"/>
+              <a:t>your</a:t>
+            </a:r>
+            <a:r>
+              <a:rPr lang="hu-HU" dirty="0" smtClean="0"/>
+              <a:t> </a:t>
+            </a:r>
+            <a:r>
+              <a:rPr lang="hu-HU" dirty="0" err="1" smtClean="0"/>
+              <a:t>app</a:t>
             </a:r>
             <a:endParaRPr lang="en-US" dirty="0"/>
           </a:p>
@@ -6521,335 +6710,142 @@
           <a:p>
             <a:r>
               <a:rPr lang="hu-HU" dirty="0" err="1" smtClean="0"/>
-              <a:t>Init</a:t>
-            </a:r>
-            <a:r>
-              <a:rPr lang="hu-HU" dirty="0" smtClean="0"/>
-              <a:t> </a:t>
-            </a:r>
-            <a:r>
-              <a:rPr lang="hu-HU" dirty="0" err="1" smtClean="0"/>
-              <a:t>Git</a:t>
-            </a:r>
-            <a:r>
-              <a:rPr lang="hu-HU" dirty="0" smtClean="0"/>
-              <a:t> </a:t>
-            </a:r>
-            <a:r>
-              <a:rPr lang="hu-HU" dirty="0" err="1" smtClean="0"/>
-              <a:t>repository</a:t>
+              <a:t>Heroku</a:t>
+            </a:r>
+            <a:r>
+              <a:rPr lang="hu-HU" dirty="0" smtClean="0"/>
+              <a:t> </a:t>
+            </a:r>
+            <a:r>
+              <a:rPr lang="hu-HU" dirty="0" err="1" smtClean="0"/>
+              <a:t>toolbelt</a:t>
             </a:r>
             <a:r>
               <a:rPr lang="hu-HU" dirty="0" smtClean="0"/>
               <a:t>:</a:t>
             </a:r>
+            <a:endParaRPr lang="hu-HU" dirty="0"/>
+          </a:p>
+          <a:p>
+            <a:pPr marL="342900" lvl="1" indent="-342900">
+              <a:buNone/>
+            </a:pPr>
+            <a:r>
+              <a:rPr lang="hu-HU" i="1" dirty="0"/>
+              <a:t>	</a:t>
+            </a:r>
+            <a:r>
+              <a:rPr lang="hu-HU" i="1" dirty="0">
+                <a:hlinkClick r:id="rId2"/>
+              </a:rPr>
+              <a:t>https://toolbelt.heroku.com</a:t>
+            </a:r>
+            <a:r>
+              <a:rPr lang="hu-HU" i="1" dirty="0" smtClean="0">
+                <a:hlinkClick r:id="rId2"/>
+              </a:rPr>
+              <a:t>/</a:t>
+            </a:r>
+            <a:endParaRPr lang="hu-HU" i="1" dirty="0" smtClean="0"/>
+          </a:p>
+          <a:p>
+            <a:pPr marL="342900" lvl="1" indent="-342900">
+              <a:buNone/>
+            </a:pPr>
+            <a:endParaRPr lang="hu-HU" i="1" dirty="0"/>
+          </a:p>
+          <a:p>
+            <a:r>
+              <a:rPr lang="hu-HU" dirty="0" smtClean="0"/>
+              <a:t>Web </a:t>
+            </a:r>
+            <a:r>
+              <a:rPr lang="hu-HU" dirty="0" err="1" smtClean="0"/>
+              <a:t>console</a:t>
+            </a:r>
+            <a:r>
+              <a:rPr lang="hu-HU" dirty="0" smtClean="0"/>
+              <a:t>:</a:t>
+            </a:r>
+            <a:endParaRPr lang="hu-HU" dirty="0"/>
           </a:p>
           <a:p>
             <a:pPr>
               <a:buNone/>
             </a:pPr>
             <a:r>
-              <a:rPr lang="hu-HU" i="1" dirty="0"/>
+              <a:rPr lang="hu-HU" i="1" dirty="0" smtClean="0"/>
               <a:t>	</a:t>
             </a:r>
             <a:r>
-              <a:rPr lang="hu-HU" i="1" dirty="0" err="1" smtClean="0"/>
-              <a:t>git</a:t>
-            </a:r>
-            <a:r>
-              <a:rPr lang="hu-HU" i="1" dirty="0" smtClean="0"/>
-              <a:t> </a:t>
-            </a:r>
-            <a:r>
-              <a:rPr lang="hu-HU" i="1" dirty="0" err="1" smtClean="0"/>
-              <a:t>init</a:t>
+              <a:rPr lang="hu-HU" i="1" dirty="0" smtClean="0">
+                <a:hlinkClick r:id="rId3"/>
+              </a:rPr>
+              <a:t>https</a:t>
+            </a:r>
+            <a:r>
+              <a:rPr lang="hu-HU" i="1" dirty="0">
+                <a:hlinkClick r:id="rId3"/>
+              </a:rPr>
+              <a:t>://</a:t>
+            </a:r>
+            <a:r>
+              <a:rPr lang="hu-HU" i="1" dirty="0" smtClean="0">
+                <a:hlinkClick r:id="rId3"/>
+              </a:rPr>
+              <a:t>api.heroku.com/login</a:t>
             </a:r>
             <a:endParaRPr lang="hu-HU" i="1" dirty="0" smtClean="0"/>
-          </a:p>
-          <a:p>
-            <a:r>
-              <a:rPr lang="hu-HU" dirty="0" err="1" smtClean="0"/>
-              <a:t>Adding</a:t>
-            </a:r>
-            <a:r>
-              <a:rPr lang="hu-HU" dirty="0" smtClean="0"/>
-              <a:t> </a:t>
-            </a:r>
-            <a:r>
-              <a:rPr lang="hu-HU" dirty="0" err="1" smtClean="0"/>
-              <a:t>changes</a:t>
-            </a:r>
-            <a:r>
-              <a:rPr lang="hu-HU" dirty="0" smtClean="0"/>
-              <a:t> </a:t>
-            </a:r>
-            <a:r>
-              <a:rPr lang="hu-HU" dirty="0" err="1" smtClean="0"/>
-              <a:t>to</a:t>
-            </a:r>
-            <a:r>
-              <a:rPr lang="hu-HU" dirty="0" smtClean="0"/>
-              <a:t> </a:t>
-            </a:r>
-            <a:r>
-              <a:rPr lang="hu-HU" dirty="0" err="1" smtClean="0"/>
-              <a:t>the</a:t>
-            </a:r>
-            <a:r>
-              <a:rPr lang="hu-HU" dirty="0" smtClean="0"/>
-              <a:t> index:</a:t>
-            </a:r>
           </a:p>
           <a:p>
             <a:pPr>
               <a:buNone/>
             </a:pPr>
+            <a:endParaRPr lang="hu-HU" i="1" dirty="0"/>
+          </a:p>
+          <a:p>
+            <a:r>
+              <a:rPr lang="hu-HU" dirty="0" err="1" smtClean="0"/>
+              <a:t>Heroku</a:t>
+            </a:r>
+            <a:r>
+              <a:rPr lang="hu-HU" dirty="0" smtClean="0"/>
+              <a:t> REST API:</a:t>
+            </a:r>
+            <a:endParaRPr lang="hu-HU" dirty="0"/>
+          </a:p>
+          <a:p>
+            <a:pPr>
+              <a:buNone/>
+            </a:pPr>
             <a:r>
               <a:rPr lang="hu-HU" i="1" dirty="0" smtClean="0"/>
               <a:t>	</a:t>
             </a:r>
             <a:r>
-              <a:rPr lang="hu-HU" i="1" dirty="0" err="1" smtClean="0"/>
-              <a:t>git</a:t>
-            </a:r>
-            <a:r>
-              <a:rPr lang="hu-HU" i="1" dirty="0" smtClean="0"/>
-              <a:t> add .</a:t>
-            </a:r>
-          </a:p>
-          <a:p>
-            <a:r>
-              <a:rPr lang="hu-HU" dirty="0" err="1" smtClean="0"/>
-              <a:t>Commit</a:t>
-            </a:r>
-            <a:r>
-              <a:rPr lang="hu-HU" dirty="0" smtClean="0"/>
-              <a:t> </a:t>
-            </a:r>
-            <a:r>
-              <a:rPr lang="hu-HU" dirty="0" err="1" smtClean="0"/>
-              <a:t>to</a:t>
-            </a:r>
-            <a:r>
-              <a:rPr lang="hu-HU" dirty="0" smtClean="0"/>
-              <a:t> local </a:t>
-            </a:r>
-            <a:r>
-              <a:rPr lang="hu-HU" dirty="0" err="1" smtClean="0"/>
-              <a:t>repo</a:t>
-            </a:r>
-            <a:r>
-              <a:rPr lang="hu-HU" dirty="0" smtClean="0"/>
-              <a:t>:</a:t>
-            </a:r>
+              <a:rPr lang="hu-HU" i="1" dirty="0" smtClean="0">
+                <a:hlinkClick r:id="rId4"/>
+              </a:rPr>
+              <a:t>https</a:t>
+            </a:r>
+            <a:r>
+              <a:rPr lang="hu-HU" i="1" dirty="0">
+                <a:hlinkClick r:id="rId4"/>
+              </a:rPr>
+              <a:t>://api-docs.heroku.com</a:t>
+            </a:r>
+            <a:r>
+              <a:rPr lang="hu-HU" i="1" dirty="0" smtClean="0">
+                <a:hlinkClick r:id="rId4"/>
+              </a:rPr>
+              <a:t>/</a:t>
+            </a:r>
+            <a:endParaRPr lang="hu-HU" i="1" dirty="0" smtClean="0"/>
           </a:p>
           <a:p>
             <a:pPr>
               <a:buNone/>
             </a:pPr>
-            <a:r>
-              <a:rPr lang="hu-HU" i="1" dirty="0"/>
-              <a:t>	</a:t>
-            </a:r>
-            <a:r>
-              <a:rPr lang="hu-HU" i="1" dirty="0" err="1" smtClean="0"/>
-              <a:t>git</a:t>
-            </a:r>
-            <a:r>
-              <a:rPr lang="hu-HU" i="1" dirty="0" smtClean="0"/>
-              <a:t> </a:t>
-            </a:r>
-            <a:r>
-              <a:rPr lang="hu-HU" i="1" dirty="0" err="1" smtClean="0"/>
-              <a:t>commit</a:t>
-            </a:r>
-            <a:r>
-              <a:rPr lang="hu-HU" i="1" dirty="0" smtClean="0"/>
-              <a:t> –m ”</a:t>
-            </a:r>
-            <a:r>
-              <a:rPr lang="hu-HU" i="1" dirty="0" err="1" smtClean="0"/>
-              <a:t>commit</a:t>
-            </a:r>
-            <a:r>
-              <a:rPr lang="hu-HU" i="1" dirty="0" smtClean="0"/>
-              <a:t> </a:t>
-            </a:r>
-            <a:r>
-              <a:rPr lang="hu-HU" i="1" dirty="0" err="1" smtClean="0"/>
-              <a:t>message</a:t>
-            </a:r>
-            <a:r>
-              <a:rPr lang="hu-HU" i="1" dirty="0" smtClean="0"/>
-              <a:t>”</a:t>
-            </a:r>
-          </a:p>
-          <a:p>
-            <a:r>
-              <a:rPr lang="hu-HU" dirty="0" err="1" smtClean="0"/>
-              <a:t>Create</a:t>
-            </a:r>
-            <a:r>
-              <a:rPr lang="hu-HU" dirty="0" smtClean="0"/>
-              <a:t> </a:t>
-            </a:r>
-            <a:r>
-              <a:rPr lang="hu-HU" dirty="0" err="1" smtClean="0"/>
-              <a:t>your</a:t>
-            </a:r>
-            <a:r>
-              <a:rPr lang="hu-HU" dirty="0" smtClean="0"/>
-              <a:t> </a:t>
-            </a:r>
-            <a:r>
-              <a:rPr lang="hu-HU" dirty="0" err="1" smtClean="0"/>
-              <a:t>application</a:t>
-            </a:r>
-            <a:r>
-              <a:rPr lang="hu-HU" dirty="0" smtClean="0"/>
-              <a:t> </a:t>
-            </a:r>
-            <a:r>
-              <a:rPr lang="hu-HU" dirty="0" err="1" smtClean="0"/>
-              <a:t>on</a:t>
-            </a:r>
-            <a:r>
-              <a:rPr lang="hu-HU" dirty="0" smtClean="0"/>
-              <a:t> </a:t>
-            </a:r>
-            <a:r>
-              <a:rPr lang="hu-HU" dirty="0" err="1" smtClean="0"/>
-              <a:t>Heroku</a:t>
-            </a:r>
-            <a:r>
-              <a:rPr lang="hu-HU" dirty="0" smtClean="0"/>
-              <a:t>:</a:t>
-            </a:r>
-          </a:p>
-          <a:p>
-            <a:pPr>
-              <a:buNone/>
-            </a:pPr>
-            <a:r>
-              <a:rPr lang="hu-HU" i="1" dirty="0"/>
-              <a:t>	</a:t>
-            </a:r>
-            <a:r>
-              <a:rPr lang="hu-HU" i="1" dirty="0" err="1" smtClean="0"/>
-              <a:t>heroku</a:t>
-            </a:r>
-            <a:r>
-              <a:rPr lang="hu-HU" i="1" dirty="0" smtClean="0"/>
-              <a:t> </a:t>
-            </a:r>
-            <a:r>
-              <a:rPr lang="hu-HU" i="1" dirty="0" err="1" smtClean="0"/>
-              <a:t>create</a:t>
-            </a:r>
-            <a:r>
-              <a:rPr lang="hu-HU" i="1" dirty="0" smtClean="0"/>
-              <a:t> </a:t>
-            </a:r>
-            <a:r>
-              <a:rPr lang="hu-HU" i="1" dirty="0" err="1" smtClean="0"/>
-              <a:t>myapp</a:t>
-            </a:r>
-            <a:r>
-              <a:rPr lang="hu-HU" i="1" dirty="0" smtClean="0"/>
-              <a:t> </a:t>
-            </a:r>
-            <a:r>
-              <a:rPr lang="hu-HU" i="1" dirty="0" err="1" smtClean="0"/>
-              <a:t>--stack</a:t>
-            </a:r>
-            <a:r>
-              <a:rPr lang="hu-HU" i="1" dirty="0" smtClean="0"/>
-              <a:t> </a:t>
-            </a:r>
-            <a:r>
-              <a:rPr lang="hu-HU" i="1" dirty="0" err="1" smtClean="0"/>
-              <a:t>cedar</a:t>
-            </a:r>
-            <a:endParaRPr lang="hu-HU" i="1" dirty="0" smtClean="0"/>
-          </a:p>
-          <a:p>
-            <a:r>
-              <a:rPr lang="hu-HU" dirty="0" err="1" smtClean="0"/>
-              <a:t>Commit</a:t>
-            </a:r>
-            <a:r>
-              <a:rPr lang="hu-HU" dirty="0" smtClean="0"/>
-              <a:t> </a:t>
-            </a:r>
-            <a:r>
-              <a:rPr lang="hu-HU" dirty="0" err="1" smtClean="0"/>
-              <a:t>to</a:t>
-            </a:r>
-            <a:r>
-              <a:rPr lang="hu-HU" dirty="0" smtClean="0"/>
-              <a:t> </a:t>
-            </a:r>
-            <a:r>
-              <a:rPr lang="hu-HU" dirty="0" err="1" smtClean="0"/>
-              <a:t>Heroku’s</a:t>
-            </a:r>
-            <a:r>
-              <a:rPr lang="hu-HU" dirty="0" smtClean="0"/>
-              <a:t> </a:t>
-            </a:r>
-            <a:r>
-              <a:rPr lang="hu-HU" dirty="0" err="1" smtClean="0"/>
-              <a:t>remote</a:t>
-            </a:r>
-            <a:r>
-              <a:rPr lang="hu-HU" dirty="0" smtClean="0"/>
-              <a:t> </a:t>
-            </a:r>
-            <a:r>
-              <a:rPr lang="hu-HU" dirty="0" err="1" smtClean="0"/>
-              <a:t>repo</a:t>
-            </a:r>
-            <a:r>
-              <a:rPr lang="hu-HU" dirty="0" smtClean="0"/>
-              <a:t>:</a:t>
-            </a:r>
-          </a:p>
-          <a:p>
-            <a:pPr>
-              <a:buNone/>
-            </a:pPr>
-            <a:r>
-              <a:rPr lang="hu-HU" i="1" dirty="0"/>
-              <a:t>	</a:t>
-            </a:r>
-            <a:r>
-              <a:rPr lang="hu-HU" i="1" dirty="0" err="1" smtClean="0"/>
-              <a:t>git</a:t>
-            </a:r>
-            <a:r>
-              <a:rPr lang="hu-HU" i="1" dirty="0" smtClean="0"/>
-              <a:t> </a:t>
-            </a:r>
-            <a:r>
-              <a:rPr lang="hu-HU" i="1" dirty="0" err="1" smtClean="0"/>
-              <a:t>push</a:t>
-            </a:r>
-            <a:r>
-              <a:rPr lang="hu-HU" i="1" dirty="0" smtClean="0"/>
-              <a:t> </a:t>
-            </a:r>
-            <a:r>
-              <a:rPr lang="hu-HU" i="1" dirty="0" err="1" smtClean="0"/>
-              <a:t>heroku</a:t>
-            </a:r>
-            <a:r>
-              <a:rPr lang="hu-HU" i="1" dirty="0" smtClean="0"/>
-              <a:t> </a:t>
-            </a:r>
-            <a:r>
-              <a:rPr lang="hu-HU" i="1" dirty="0" err="1" smtClean="0"/>
-              <a:t>master</a:t>
-            </a:r>
             <a:endParaRPr lang="hu-HU" i="1" dirty="0"/>
           </a:p>
         </p:txBody>
@@ -6888,7 +6884,7 @@
       </p:grpSpPr>
       <p:sp>
         <p:nvSpPr>
-          <p:cNvPr id="2" name="Title 1"/>
+          <p:cNvPr id="7" name="Title 6"/>
           <p:cNvSpPr>
             <a:spLocks noGrp="1"/>
           </p:cNvSpPr>
@@ -6903,15 +6899,23 @@
           <a:p>
             <a:r>
               <a:rPr lang="hu-HU" dirty="0" err="1" smtClean="0"/>
-              <a:t>Control</a:t>
-            </a:r>
-            <a:r>
-              <a:rPr lang="hu-HU" dirty="0" smtClean="0"/>
-              <a:t> </a:t>
-            </a:r>
-            <a:r>
-              <a:rPr lang="hu-HU" dirty="0" err="1" smtClean="0"/>
-              <a:t>surfaces</a:t>
+              <a:t>Heroku</a:t>
+            </a:r>
+            <a:r>
+              <a:rPr lang="hu-HU" dirty="0" smtClean="0"/>
+              <a:t> </a:t>
+            </a:r>
+            <a:r>
+              <a:rPr lang="hu-HU" dirty="0" err="1" smtClean="0"/>
+              <a:t>for</a:t>
+            </a:r>
+            <a:r>
+              <a:rPr lang="hu-HU" dirty="0" smtClean="0"/>
+              <a:t> </a:t>
+            </a:r>
+            <a:r>
+              <a:rPr lang="hu-HU" dirty="0" smtClean="0"/>
+              <a:t>Java</a:t>
             </a:r>
             <a:endParaRPr lang="en-US" dirty="0"/>
           </a:p>
@@ -6974,12 +6978,12 @@
       </p:sp>
       <p:sp>
         <p:nvSpPr>
-          <p:cNvPr id="6" name="Tartalom helye 5"/>
-          <p:cNvSpPr>
-            <a:spLocks noGrp="1"/>
-          </p:cNvSpPr>
-          <p:nvPr>
-            <p:ph sz="quarter" idx="13"/>
+          <p:cNvPr id="8" name="Text Placeholder 7"/>
+          <p:cNvSpPr>
+            <a:spLocks noGrp="1"/>
+          </p:cNvSpPr>
+          <p:nvPr>
+            <p:ph type="body" idx="1"/>
           </p:nvPr>
         </p:nvSpPr>
         <p:spPr/>
@@ -6989,143 +6993,56 @@
           <a:p>
             <a:r>
               <a:rPr lang="hu-HU" dirty="0" err="1" smtClean="0"/>
+              <a:t>OpenJDK</a:t>
+            </a:r>
+            <a:r>
+              <a:rPr lang="hu-HU" dirty="0" smtClean="0"/>
+              <a:t> 6</a:t>
+            </a:r>
+          </a:p>
+          <a:p>
+            <a:r>
+              <a:rPr lang="hu-HU" dirty="0" err="1" smtClean="0"/>
+              <a:t>Maven</a:t>
+            </a:r>
+            <a:r>
+              <a:rPr lang="hu-HU" dirty="0" smtClean="0"/>
+              <a:t> 3.0.3</a:t>
+            </a:r>
+          </a:p>
+          <a:p>
+            <a:r>
+              <a:rPr lang="en-US" dirty="0"/>
+              <a:t>Java applications do not run in any Java container at </a:t>
+            </a:r>
+            <a:r>
+              <a:rPr lang="en-US" dirty="0" smtClean="0"/>
+              <a:t>all</a:t>
+            </a:r>
+            <a:endParaRPr lang="hu-HU" dirty="0" smtClean="0"/>
+          </a:p>
+          <a:p>
+            <a:r>
+              <a:rPr lang="en-US" dirty="0"/>
+              <a:t>Any application server can be used, that can be embedded and defined with a Maven dependency (Jetty, Tomcat, Glassfish and Resin)</a:t>
+            </a:r>
+          </a:p>
+          <a:p>
+            <a:r>
+              <a:rPr lang="en-US" dirty="0"/>
+              <a:t>Embedded Tomcat (version 7.0.x) and embedded Jetty (version 7.4.x) have been tested with </a:t>
+            </a:r>
+            <a:r>
+              <a:rPr lang="en-US" dirty="0" err="1" smtClean="0"/>
               <a:t>Heroku</a:t>
             </a:r>
-            <a:r>
-              <a:rPr lang="hu-HU" dirty="0" smtClean="0"/>
-              <a:t> </a:t>
-            </a:r>
-            <a:r>
-              <a:rPr lang="hu-HU" dirty="0" err="1" smtClean="0"/>
-              <a:t>toolbelt</a:t>
-            </a:r>
-            <a:r>
-              <a:rPr lang="hu-HU" dirty="0" smtClean="0"/>
-              <a:t>:</a:t>
-            </a:r>
-            <a:endParaRPr lang="hu-HU" dirty="0"/>
-          </a:p>
-          <a:p>
-            <a:pPr marL="342900" lvl="1" indent="-342900">
-              <a:buNone/>
-            </a:pPr>
-            <a:r>
-              <a:rPr lang="hu-HU" i="1" dirty="0"/>
-              <a:t>	</a:t>
-            </a:r>
-            <a:r>
-              <a:rPr lang="hu-HU" i="1" dirty="0">
-                <a:hlinkClick r:id="rId2"/>
-              </a:rPr>
-              <a:t>https://toolbelt.heroku.com</a:t>
-            </a:r>
-            <a:r>
-              <a:rPr lang="hu-HU" i="1" dirty="0" smtClean="0">
-                <a:hlinkClick r:id="rId2"/>
-              </a:rPr>
-              <a:t>/</a:t>
-            </a:r>
-            <a:endParaRPr lang="hu-HU" i="1" dirty="0" smtClean="0"/>
-          </a:p>
-          <a:p>
-            <a:pPr marL="342900" lvl="1" indent="-342900">
-              <a:buNone/>
-            </a:pPr>
-            <a:endParaRPr lang="hu-HU" i="1" dirty="0"/>
-          </a:p>
-          <a:p>
-            <a:r>
-              <a:rPr lang="hu-HU" dirty="0" smtClean="0"/>
-              <a:t>Web </a:t>
-            </a:r>
-            <a:r>
-              <a:rPr lang="hu-HU" dirty="0" err="1" smtClean="0"/>
-              <a:t>console</a:t>
-            </a:r>
-            <a:r>
-              <a:rPr lang="hu-HU" dirty="0" smtClean="0"/>
-              <a:t>:</a:t>
-            </a:r>
-            <a:endParaRPr lang="hu-HU" dirty="0"/>
+            <a:endParaRPr lang="en-US" dirty="0"/>
           </a:p>
           <a:p>
             <a:pPr>
               <a:buNone/>
             </a:pPr>
-            <a:r>
-              <a:rPr lang="hu-HU" i="1" dirty="0" smtClean="0"/>
-              <a:t>	</a:t>
-            </a:r>
-            <a:r>
-              <a:rPr lang="hu-HU" i="1" dirty="0" smtClean="0">
-                <a:hlinkClick r:id="rId3"/>
-              </a:rPr>
-              <a:t>https</a:t>
-            </a:r>
-            <a:r>
-              <a:rPr lang="hu-HU" i="1" dirty="0">
-                <a:hlinkClick r:id="rId3"/>
-              </a:rPr>
-              <a:t>://</a:t>
-            </a:r>
-            <a:r>
-              <a:rPr lang="hu-HU" i="1" dirty="0" smtClean="0">
-                <a:hlinkClick r:id="rId3"/>
-              </a:rPr>
-              <a:t>api.heroku.com/login</a:t>
-            </a:r>
-            <a:endParaRPr lang="hu-HU" i="1" dirty="0" smtClean="0"/>
-          </a:p>
-          <a:p>
-            <a:pPr>
-              <a:buNone/>
-            </a:pPr>
-            <a:endParaRPr lang="hu-HU" i="1" dirty="0"/>
-          </a:p>
-          <a:p>
-            <a:r>
-              <a:rPr lang="hu-HU" dirty="0" err="1" smtClean="0"/>
-              <a:t>Heroku</a:t>
-            </a:r>
-            <a:r>
-              <a:rPr lang="hu-HU" dirty="0" smtClean="0"/>
-              <a:t> REST API:</a:t>
-            </a:r>
-            <a:endParaRPr lang="hu-HU" dirty="0"/>
-          </a:p>
-          <a:p>
-            <a:pPr>
-              <a:buNone/>
-            </a:pPr>
-            <a:r>
-              <a:rPr lang="hu-HU" i="1" dirty="0" smtClean="0"/>
-              <a:t>	</a:t>
-            </a:r>
-            <a:r>
-              <a:rPr lang="hu-HU" i="1" dirty="0" smtClean="0">
-                <a:hlinkClick r:id="rId4"/>
-              </a:rPr>
-              <a:t>https</a:t>
-            </a:r>
-            <a:r>
-              <a:rPr lang="hu-HU" i="1" dirty="0">
-                <a:hlinkClick r:id="rId4"/>
-              </a:rPr>
-              <a:t>://api-docs.heroku.com</a:t>
-            </a:r>
-            <a:r>
-              <a:rPr lang="hu-HU" i="1" dirty="0" smtClean="0">
-                <a:hlinkClick r:id="rId4"/>
-              </a:rPr>
-              <a:t>/</a:t>
-            </a:r>
-            <a:endParaRPr lang="hu-HU" i="1" dirty="0" smtClean="0"/>
-          </a:p>
-          <a:p>
-            <a:pPr>
-              <a:buNone/>
-            </a:pPr>
-            <a:endParaRPr lang="hu-HU" i="1" dirty="0"/>
+            <a:endParaRPr lang="en-US" dirty="0"/>
           </a:p>
         </p:txBody>
       </p:sp>
@@ -7163,7 +7080,7 @@
       </p:grpSpPr>
       <p:sp>
         <p:nvSpPr>
-          <p:cNvPr id="7" name="Title 6"/>
+          <p:cNvPr id="2" name="Title 1"/>
           <p:cNvSpPr>
             <a:spLocks noGrp="1"/>
           </p:cNvSpPr>
@@ -7177,20 +7094,24 @@
           <a:lstStyle/>
           <a:p>
             <a:r>
-              <a:rPr lang="hu-HU" dirty="0" err="1" smtClean="0"/>
+              <a:rPr lang="hu-HU" dirty="0" err="1"/>
               <a:t>Heroku</a:t>
             </a:r>
             <a:r>
-              <a:rPr lang="hu-HU" dirty="0" smtClean="0"/>
-              <a:t> </a:t>
-            </a:r>
-            <a:r>
-              <a:rPr lang="hu-HU" dirty="0" err="1" smtClean="0"/>
+              <a:rPr lang="hu-HU" dirty="0"/>
+              <a:t> </a:t>
+            </a:r>
+            <a:r>
+              <a:rPr lang="hu-HU" dirty="0" err="1"/>
               <a:t>for</a:t>
             </a:r>
             <a:r>
-              <a:rPr lang="hu-HU" dirty="0" smtClean="0"/>
-              <a:t> Java 1.</a:t>
+              <a:rPr lang="hu-HU" dirty="0"/>
+              <a:t> </a:t>
+            </a:r>
+            <a:r>
+              <a:rPr lang="hu-HU" dirty="0" smtClean="0"/>
+              <a:t>Java</a:t>
             </a:r>
             <a:endParaRPr lang="en-US" dirty="0"/>
           </a:p>
@@ -7251,76 +7172,38 @@
           </a:p>
         </p:txBody>
       </p:sp>
-      <p:sp>
-        <p:nvSpPr>
-          <p:cNvPr id="8" name="Text Placeholder 7"/>
-          <p:cNvSpPr>
-            <a:spLocks noGrp="1"/>
-          </p:cNvSpPr>
-          <p:nvPr>
-            <p:ph type="body" idx="1"/>
-          </p:nvPr>
-        </p:nvSpPr>
-        <p:spPr/>
-        <p:txBody>
-          <a:bodyPr/>
-          <a:lstStyle/>
-          <a:p>
-            <a:r>
-              <a:rPr lang="hu-HU" dirty="0" err="1" smtClean="0"/>
-              <a:t>OpenJDK</a:t>
-            </a:r>
-            <a:r>
-              <a:rPr lang="hu-HU" dirty="0" smtClean="0"/>
-              <a:t> 6</a:t>
-            </a:r>
-          </a:p>
-          <a:p>
-            <a:r>
-              <a:rPr lang="hu-HU" dirty="0" err="1" smtClean="0"/>
-              <a:t>Maven</a:t>
-            </a:r>
-            <a:r>
-              <a:rPr lang="hu-HU" dirty="0" smtClean="0"/>
-              <a:t> 3.0.3</a:t>
-            </a:r>
-          </a:p>
-          <a:p>
-            <a:r>
-              <a:rPr lang="en-US" dirty="0"/>
-              <a:t>Java applications do not run in any Java container at </a:t>
-            </a:r>
-            <a:r>
-              <a:rPr lang="en-US" dirty="0" smtClean="0"/>
-              <a:t>all</a:t>
-            </a:r>
-            <a:endParaRPr lang="hu-HU" dirty="0" smtClean="0"/>
-          </a:p>
-          <a:p>
-            <a:r>
-              <a:rPr lang="en-US" dirty="0"/>
-              <a:t>Any application server can be used, that can be embedded and defined with a Maven dependency (Jetty, Tomcat, Glassfish and Resin)</a:t>
-            </a:r>
-          </a:p>
-          <a:p>
-            <a:r>
-              <a:rPr lang="en-US" dirty="0"/>
-              <a:t>Embedded Tomcat (version 7.0.x) and embedded Jetty (version 7.4.x) have been tested with </a:t>
-            </a:r>
-            <a:r>
-              <a:rPr lang="en-US" dirty="0" err="1" smtClean="0"/>
-              <a:t>Heroku</a:t>
-            </a:r>
-            <a:endParaRPr lang="en-US" dirty="0"/>
-          </a:p>
-          <a:p>
-            <a:pPr>
-              <a:buNone/>
-            </a:pPr>
-            <a:endParaRPr lang="en-US" dirty="0"/>
-          </a:p>
-        </p:txBody>
-      </p:sp>
+      <p:pic>
+        <p:nvPicPr>
+          <p:cNvPr id="1028" name="Picture 4"/>
+          <p:cNvPicPr>
+            <a:picLocks noChangeAspect="1" noChangeArrowheads="1"/>
+          </p:cNvPicPr>
+          <p:nvPr/>
+        </p:nvPicPr>
+        <p:blipFill>
+          <a:blip r:embed="rId2" cstate="print"/>
+          <a:srcRect/>
+          <a:stretch>
+            <a:fillRect/>
+          </a:stretch>
+        </p:blipFill>
+        <p:spPr bwMode="auto">
+          <a:xfrm>
+            <a:off x="1600200" y="914400"/>
+            <a:ext cx="6010275" cy="4495800"/>
+          </a:xfrm>
+          <a:prstGeom prst="rect">
+            <a:avLst/>
+          </a:prstGeom>
+          <a:noFill/>
+          <a:ln w="9525">
+            <a:noFill/>
+            <a:miter lim="800000"/>
+            <a:headEnd/>
+            <a:tailEnd/>
+          </a:ln>
+        </p:spPr>
+      </p:pic>
     </p:spTree>
   </p:cSld>
   <p:clrMapOvr>
@@ -7903,6 +7786,21 @@
 </file>
 
 <file path=customXml/item1.xml><?xml version="1.0" encoding="utf-8"?>
+<p:properties xmlns:p="http://schemas.microsoft.com/office/2006/metadata/properties" xmlns:xsi="http://www.w3.org/2001/XMLSchema-instance" xmlns:pc="http://schemas.microsoft.com/office/infopath/2007/PartnerControls">
+  <documentManagement/>
+</p:properties>
+</file>
+
+<file path=customXml/item2.xml><?xml version="1.0" encoding="utf-8"?>
+<?mso-contentType ?>
+<FormTemplates xmlns="http://schemas.microsoft.com/sharepoint/v3/contenttype/forms">
+  <Display>DocumentLibraryForm</Display>
+  <Edit>DocumentLibraryForm</Edit>
+  <New>DocumentLibraryForm</New>
+</FormTemplates>
+</file>
+
+<file path=customXml/item3.xml><?xml version="1.0" encoding="utf-8"?>
 <ct:contentTypeSchema xmlns:ct="http://schemas.microsoft.com/office/2006/metadata/contentType" xmlns:ma="http://schemas.microsoft.com/office/2006/metadata/properties/metaAttributes" ct:_="" ma:_="" ma:contentTypeName="Document" ma:contentTypeID="0x010100175146E524073F468C4FC57E5B2789C1" ma:contentTypeVersion="0" ma:contentTypeDescription="Create a new document." ma:contentTypeScope="" ma:versionID="2cd562bb1c5679eea0696edea0d34439">
   <xsd:schema xmlns:xsd="http://www.w3.org/2001/XMLSchema" xmlns:p="http://schemas.microsoft.com/office/2006/metadata/properties" targetNamespace="http://schemas.microsoft.com/office/2006/metadata/properties" ma:root="true" ma:fieldsID="4aeb20c0e3442673af7ee10786458764">
     <xsd:element name="properties">
@@ -7951,32 +7849,17 @@
 </ct:contentTypeSchema>
 </file>
 
-<file path=customXml/item2.xml><?xml version="1.0" encoding="utf-8"?>
-<?mso-contentType ?>
-<FormTemplates xmlns="http://schemas.microsoft.com/sharepoint/v3/contenttype/forms">
-  <Display>DocumentLibraryForm</Display>
-  <Edit>DocumentLibraryForm</Edit>
-  <New>DocumentLibraryForm</New>
-</FormTemplates>
-</file>
-
-<file path=customXml/item3.xml><?xml version="1.0" encoding="utf-8"?>
-<p:properties xmlns:p="http://schemas.microsoft.com/office/2006/metadata/properties" xmlns:xsi="http://www.w3.org/2001/XMLSchema-instance" xmlns:pc="http://schemas.microsoft.com/office/infopath/2007/PartnerControls">
-  <documentManagement/>
-</p:properties>
-</file>
-
 <file path=customXml/itemProps1.xml><?xml version="1.0" encoding="utf-8"?>
-<ds:datastoreItem xmlns:ds="http://schemas.openxmlformats.org/officeDocument/2006/customXml" ds:itemID="{034CAA0A-5047-4F67-A62F-383038D28FEC}">
+<ds:datastoreItem xmlns:ds="http://schemas.openxmlformats.org/officeDocument/2006/customXml" ds:itemID="{201233C3-0E5A-4BE4-AC6A-44DA18E39D2E}">
   <ds:schemaRefs>
-    <ds:schemaRef ds:uri="http://schemas.microsoft.com/office/2006/metadata/contentType"/>
-    <ds:schemaRef ds:uri="http://schemas.microsoft.com/office/2006/metadata/properties/metaAttributes"/>
-    <ds:schemaRef ds:uri="http://www.w3.org/2001/XMLSchema"/>
+    <ds:schemaRef ds:uri="http://purl.org/dc/dcmitype/"/>
+    <ds:schemaRef ds:uri="http://www.w3.org/XML/1998/namespace"/>
+    <ds:schemaRef ds:uri="http://schemas.microsoft.com/office/2006/documentManagement/types"/>
+    <ds:schemaRef ds:uri="http://schemas.openxmlformats.org/package/2006/metadata/core-properties"/>
     <ds:schemaRef ds:uri="http://schemas.microsoft.com/office/2006/metadata/properties"/>
-    <ds:schemaRef ds:uri="http://schemas.openxmlformats.org/package/2006/metadata/core-properties"/>
     <ds:schemaRef ds:uri="http://purl.org/dc/elements/1.1/"/>
     <ds:schemaRef ds:uri="http://purl.org/dc/terms/"/>
-    <ds:schemaRef ds:uri="http://schemas.microsoft.com/office/internal/2005/internalDocumentation"/>
+    <ds:schemaRef ds:uri="http://schemas.microsoft.com/office/infopath/2007/PartnerControls"/>
   </ds:schemaRefs>
 </ds:datastoreItem>
 </file>
@@ -7990,16 +7873,16 @@
 </file>
 
 <file path=customXml/itemProps3.xml><?xml version="1.0" encoding="utf-8"?>
-<ds:datastoreItem xmlns:ds="http://schemas.openxmlformats.org/officeDocument/2006/customXml" ds:itemID="{201233C3-0E5A-4BE4-AC6A-44DA18E39D2E}">
+<ds:datastoreItem xmlns:ds="http://schemas.openxmlformats.org/officeDocument/2006/customXml" ds:itemID="{034CAA0A-5047-4F67-A62F-383038D28FEC}">
   <ds:schemaRefs>
-    <ds:schemaRef ds:uri="http://purl.org/dc/dcmitype/"/>
-    <ds:schemaRef ds:uri="http://www.w3.org/XML/1998/namespace"/>
-    <ds:schemaRef ds:uri="http://schemas.microsoft.com/office/2006/documentManagement/types"/>
+    <ds:schemaRef ds:uri="http://schemas.microsoft.com/office/2006/metadata/contentType"/>
+    <ds:schemaRef ds:uri="http://schemas.microsoft.com/office/2006/metadata/properties/metaAttributes"/>
+    <ds:schemaRef ds:uri="http://www.w3.org/2001/XMLSchema"/>
+    <ds:schemaRef ds:uri="http://schemas.microsoft.com/office/2006/metadata/properties"/>
     <ds:schemaRef ds:uri="http://schemas.openxmlformats.org/package/2006/metadata/core-properties"/>
-    <ds:schemaRef ds:uri="http://schemas.microsoft.com/office/2006/metadata/properties"/>
     <ds:schemaRef ds:uri="http://purl.org/dc/elements/1.1/"/>
     <ds:schemaRef ds:uri="http://purl.org/dc/terms/"/>
-    <ds:schemaRef ds:uri="http://schemas.microsoft.com/office/infopath/2007/PartnerControls"/>
+    <ds:schemaRef ds:uri="http://schemas.microsoft.com/office/internal/2005/internalDocumentation"/>
   </ds:schemaRefs>
 </ds:datastoreItem>
 </file>
--- a/Heroku - meetup.pptx
+++ b/Heroku - meetup.pptx
@@ -458,7 +458,7 @@
     </p:spTree>
     <p:extLst>
       <p:ext uri="{BB962C8B-B14F-4D97-AF65-F5344CB8AC3E}">
-        <p14:creationId xmlns="" xmlns:p14="http://schemas.microsoft.com/office/powerpoint/2010/main" val="2221934676"/>
+        <p14:creationId xmlns:p14="http://schemas.microsoft.com/office/powerpoint/2010/main" xmlns="" val="2221934676"/>
       </p:ext>
     </p:extLst>
   </p:cSld>
@@ -698,7 +698,7 @@
     </p:spTree>
     <p:extLst>
       <p:ext uri="{BB962C8B-B14F-4D97-AF65-F5344CB8AC3E}">
-        <p14:creationId xmlns="" xmlns:p14="http://schemas.microsoft.com/office/powerpoint/2010/main" val="4292641058"/>
+        <p14:creationId xmlns:p14="http://schemas.microsoft.com/office/powerpoint/2010/main" xmlns="" val="4292641058"/>
       </p:ext>
     </p:extLst>
   </p:cSld>
@@ -832,14 +832,14 @@
           </a:ln>
           <a:extLst>
             <a:ext uri="{909E8E84-426E-40DD-AFC4-6F175D3DCCD1}">
-              <a14:hiddenFill xmlns="" xmlns:a14="http://schemas.microsoft.com/office/drawing/2010/main">
+              <a14:hiddenFill xmlns:a14="http://schemas.microsoft.com/office/drawing/2010/main" xmlns="">
                 <a:solidFill>
                   <a:srgbClr val="FFFFFF"/>
                 </a:solidFill>
               </a14:hiddenFill>
             </a:ext>
             <a:ext uri="{91240B29-F687-4F45-9708-019B960494DF}">
-              <a14:hiddenLine xmlns="" xmlns:a14="http://schemas.microsoft.com/office/drawing/2010/main" w="9525">
+              <a14:hiddenLine xmlns:a14="http://schemas.microsoft.com/office/drawing/2010/main" xmlns="" w="9525">
                 <a:solidFill>
                   <a:srgbClr val="000000"/>
                 </a:solidFill>
@@ -897,7 +897,7 @@
     </p:spTree>
     <p:extLst>
       <p:ext uri="{BB962C8B-B14F-4D97-AF65-F5344CB8AC3E}">
-        <p14:creationId xmlns="" xmlns:p14="http://schemas.microsoft.com/office/powerpoint/2010/main" val="3459609761"/>
+        <p14:creationId xmlns:p14="http://schemas.microsoft.com/office/powerpoint/2010/main" xmlns="" val="3459609761"/>
       </p:ext>
     </p:extLst>
   </p:cSld>
@@ -1126,7 +1126,7 @@
     </p:spTree>
     <p:extLst>
       <p:ext uri="{BB962C8B-B14F-4D97-AF65-F5344CB8AC3E}">
-        <p14:creationId xmlns="" xmlns:p14="http://schemas.microsoft.com/office/powerpoint/2010/main" val="431821661"/>
+        <p14:creationId xmlns:p14="http://schemas.microsoft.com/office/powerpoint/2010/main" xmlns="" val="431821661"/>
       </p:ext>
     </p:extLst>
   </p:cSld>
@@ -1348,7 +1348,7 @@
     </p:spTree>
     <p:extLst>
       <p:ext uri="{BB962C8B-B14F-4D97-AF65-F5344CB8AC3E}">
-        <p14:creationId xmlns="" xmlns:p14="http://schemas.microsoft.com/office/powerpoint/2010/main" val="235949648"/>
+        <p14:creationId xmlns:p14="http://schemas.microsoft.com/office/powerpoint/2010/main" xmlns="" val="235949648"/>
       </p:ext>
     </p:extLst>
   </p:cSld>
@@ -1456,7 +1456,7 @@
     </p:spTree>
     <p:extLst>
       <p:ext uri="{BB962C8B-B14F-4D97-AF65-F5344CB8AC3E}">
-        <p14:creationId xmlns="" xmlns:p14="http://schemas.microsoft.com/office/powerpoint/2010/main" val="540130751"/>
+        <p14:creationId xmlns:p14="http://schemas.microsoft.com/office/powerpoint/2010/main" xmlns="" val="540130751"/>
       </p:ext>
     </p:extLst>
   </p:cSld>
@@ -1745,7 +1745,7 @@
     </p:spTree>
     <p:extLst>
       <p:ext uri="{BB962C8B-B14F-4D97-AF65-F5344CB8AC3E}">
-        <p14:creationId xmlns="" xmlns:p14="http://schemas.microsoft.com/office/powerpoint/2010/main" val="3180319776"/>
+        <p14:creationId xmlns:p14="http://schemas.microsoft.com/office/powerpoint/2010/main" xmlns="" val="3180319776"/>
       </p:ext>
     </p:extLst>
   </p:cSld>
@@ -1801,14 +1801,14 @@
           </a:ln>
           <a:extLst>
             <a:ext uri="{909E8E84-426E-40DD-AFC4-6F175D3DCCD1}">
-              <a14:hiddenFill xmlns="" xmlns:a14="http://schemas.microsoft.com/office/drawing/2010/main">
+              <a14:hiddenFill xmlns:a14="http://schemas.microsoft.com/office/drawing/2010/main" xmlns="">
                 <a:solidFill>
                   <a:srgbClr val="FFFFFF"/>
                 </a:solidFill>
               </a14:hiddenFill>
             </a:ext>
             <a:ext uri="{91240B29-F687-4F45-9708-019B960494DF}">
-              <a14:hiddenLine xmlns="" xmlns:a14="http://schemas.microsoft.com/office/drawing/2010/main" w="9525">
+              <a14:hiddenLine xmlns:a14="http://schemas.microsoft.com/office/drawing/2010/main" xmlns="" w="9525">
                 <a:solidFill>
                   <a:srgbClr val="000000"/>
                 </a:solidFill>
@@ -1859,14 +1859,14 @@
           </a:ln>
           <a:extLst>
             <a:ext uri="{909E8E84-426E-40DD-AFC4-6F175D3DCCD1}">
-              <a14:hiddenFill xmlns="" xmlns:a14="http://schemas.microsoft.com/office/drawing/2010/main">
+              <a14:hiddenFill xmlns:a14="http://schemas.microsoft.com/office/drawing/2010/main" xmlns="">
                 <a:solidFill>
                   <a:srgbClr val="FFFFFF"/>
                 </a:solidFill>
               </a14:hiddenFill>
             </a:ext>
             <a:ext uri="{91240B29-F687-4F45-9708-019B960494DF}">
-              <a14:hiddenLine xmlns="" xmlns:a14="http://schemas.microsoft.com/office/drawing/2010/main" w="9525">
+              <a14:hiddenLine xmlns:a14="http://schemas.microsoft.com/office/drawing/2010/main" xmlns="" w="9525">
                 <a:solidFill>
                   <a:srgbClr val="000000"/>
                 </a:solidFill>
@@ -2035,7 +2035,7 @@
           <a:blip r:embed="rId8" cstate="print">
             <a:extLst>
               <a:ext uri="{28A0092B-C50C-407E-A947-70E740481C1C}">
-                <a14:useLocalDpi xmlns="" xmlns:a14="http://schemas.microsoft.com/office/drawing/2010/main" val="0"/>
+                <a14:useLocalDpi xmlns:a14="http://schemas.microsoft.com/office/drawing/2010/main" xmlns="" val="0"/>
               </a:ext>
             </a:extLst>
           </a:blip>
@@ -2058,14 +2058,14 @@
           </a:ln>
           <a:extLst>
             <a:ext uri="{909E8E84-426E-40DD-AFC4-6F175D3DCCD1}">
-              <a14:hiddenFill xmlns="" xmlns:a14="http://schemas.microsoft.com/office/drawing/2010/main">
+              <a14:hiddenFill xmlns:a14="http://schemas.microsoft.com/office/drawing/2010/main" xmlns="">
                 <a:solidFill>
                   <a:srgbClr val="FFFFFF"/>
                 </a:solidFill>
               </a14:hiddenFill>
             </a:ext>
             <a:ext uri="{91240B29-F687-4F45-9708-019B960494DF}">
-              <a14:hiddenLine xmlns="" xmlns:a14="http://schemas.microsoft.com/office/drawing/2010/main" w="9525">
+              <a14:hiddenLine xmlns:a14="http://schemas.microsoft.com/office/drawing/2010/main" xmlns="" w="9525">
                 <a:solidFill>
                   <a:srgbClr val="000000"/>
                 </a:solidFill>
@@ -3323,11 +3323,7 @@
             </a:r>
             <a:r>
               <a:rPr lang="hu-HU" dirty="0" smtClean="0"/>
-              <a:t> </a:t>
-            </a:r>
-            <a:r>
-              <a:rPr lang="hu-HU" dirty="0" smtClean="0"/>
-              <a:t>‘</a:t>
+              <a:t> ‘</a:t>
             </a:r>
             <a:r>
               <a:rPr lang="hu-HU" dirty="0" err="1" smtClean="0"/>
@@ -3502,7 +3498,6 @@
               <a:rPr lang="hu-HU" dirty="0" smtClean="0"/>
               <a:t>:</a:t>
             </a:r>
-            <a:endParaRPr lang="hu-HU" dirty="0" smtClean="0"/>
           </a:p>
           <a:p>
             <a:pPr>
@@ -4067,27 +4062,14 @@
               <a:rPr lang="hu-HU" i="1" dirty="0" smtClean="0">
                 <a:latin typeface="Helvetica LT Std"/>
               </a:rPr>
-              <a:t>	</a:t>
-            </a:r>
-            <a:r>
-              <a:rPr lang="hu-HU" i="1" dirty="0" smtClean="0">
-                <a:latin typeface="Helvetica LT Std"/>
-              </a:rPr>
-              <a:t> </a:t>
+              <a:t>	 </a:t>
             </a:r>
             <a:r>
               <a:rPr lang="hu-HU" i="1" dirty="0" smtClean="0">
                 <a:latin typeface="Helvetica LT Std"/>
                 <a:hlinkClick r:id="rId2"/>
               </a:rPr>
-              <a:t>http://java.herokuapp.com</a:t>
-            </a:r>
-            <a:r>
-              <a:rPr lang="hu-HU" i="1" dirty="0" smtClean="0">
-                <a:latin typeface="Helvetica LT Std"/>
-                <a:hlinkClick r:id="rId2"/>
-              </a:rPr>
-              <a:t>/</a:t>
+              <a:t>http://java.herokuapp.com/</a:t>
             </a:r>
             <a:endParaRPr lang="hu-HU" i="1" dirty="0" smtClean="0">
               <a:latin typeface="Helvetica LT Std"/>
@@ -4172,21 +4154,7 @@
                 <a:latin typeface="Helvetica LT Std"/>
                 <a:hlinkClick r:id="rId3"/>
               </a:rPr>
-              <a:t>http</a:t>
-            </a:r>
-            <a:r>
-              <a:rPr lang="hu-HU" i="1" dirty="0" smtClean="0">
-                <a:latin typeface="Helvetica LT Std"/>
-                <a:hlinkClick r:id="rId3"/>
-              </a:rPr>
-              <a:t>://devcenter.heroku.com</a:t>
-            </a:r>
-            <a:r>
-              <a:rPr lang="hu-HU" i="1" dirty="0" smtClean="0">
-                <a:latin typeface="Helvetica LT Std"/>
-                <a:hlinkClick r:id="rId3"/>
-              </a:rPr>
-              <a:t>/</a:t>
+              <a:t>http://devcenter.heroku.com/</a:t>
             </a:r>
             <a:endParaRPr lang="hu-HU" i="1" dirty="0" smtClean="0">
               <a:latin typeface="Helvetica LT Std"/>
@@ -4248,21 +4216,7 @@
                 <a:latin typeface="Helvetica LT Std"/>
                 <a:hlinkClick r:id="rId4"/>
               </a:rPr>
-              <a:t>http</a:t>
-            </a:r>
-            <a:r>
-              <a:rPr lang="hu-HU" i="1" dirty="0" smtClean="0">
-                <a:latin typeface="Helvetica LT Std"/>
-                <a:hlinkClick r:id="rId4"/>
-              </a:rPr>
-              <a:t>://addons.heroku.com</a:t>
-            </a:r>
-            <a:r>
-              <a:rPr lang="hu-HU" i="1" dirty="0" smtClean="0">
-                <a:latin typeface="Helvetica LT Std"/>
-                <a:hlinkClick r:id="rId4"/>
-              </a:rPr>
-              <a:t>/</a:t>
+              <a:t>http://addons.heroku.com/</a:t>
             </a:r>
             <a:endParaRPr lang="hu-HU" i="1" dirty="0" smtClean="0">
               <a:latin typeface="Helvetica LT Std"/>
@@ -4319,14 +4273,7 @@
                 <a:latin typeface="Helvetica LT Std"/>
                 <a:hlinkClick r:id="rId5"/>
               </a:rPr>
-              <a:t>http://help.github.com</a:t>
-            </a:r>
-            <a:r>
-              <a:rPr lang="hu-HU" i="1" dirty="0" smtClean="0">
-                <a:latin typeface="Helvetica LT Std"/>
-                <a:hlinkClick r:id="rId5"/>
-              </a:rPr>
-              <a:t>/</a:t>
+              <a:t>http://help.github.com/</a:t>
             </a:r>
             <a:endParaRPr lang="hu-HU" i="1" dirty="0" smtClean="0">
               <a:latin typeface="Helvetica LT Std"/>
@@ -5111,7 +5058,7 @@
     </p:spTree>
     <p:extLst>
       <p:ext uri="{BB962C8B-B14F-4D97-AF65-F5344CB8AC3E}">
-        <p14:creationId xmlns="" xmlns:p14="http://schemas.microsoft.com/office/powerpoint/2010/main" val="3780603295"/>
+        <p14:creationId xmlns:p14="http://schemas.microsoft.com/office/powerpoint/2010/main" xmlns="" val="3780603295"/>
       </p:ext>
     </p:extLst>
   </p:cSld>
@@ -5256,20 +5203,20 @@
               <a:t>are</a:t>
             </a:r>
             <a:r>
-              <a:rPr lang="hu-HU" dirty="0" smtClean="0"/>
-              <a:t> </a:t>
-            </a:r>
-            <a:r>
-              <a:rPr lang="hu-HU" dirty="0" smtClean="0"/>
-              <a:t> </a:t>
-            </a:r>
-            <a:r>
-              <a:rPr lang="hu-HU" dirty="0" err="1" smtClean="0"/>
+              <a:rPr lang="hu-HU" smtClean="0"/>
+              <a:t> </a:t>
+            </a:r>
+            <a:r>
+              <a:rPr lang="hu-HU" smtClean="0"/>
               <a:t>complete</a:t>
             </a:r>
             <a:r>
               <a:rPr lang="hu-HU" dirty="0" smtClean="0"/>
-              <a:t> d</a:t>
+              <a:t> </a:t>
+            </a:r>
+            <a:r>
+              <a:rPr lang="hu-HU" dirty="0" smtClean="0"/>
+              <a:t>d</a:t>
             </a:r>
             <a:r>
               <a:rPr lang="en-US" dirty="0" err="1" smtClean="0"/>
@@ -5285,11 +5232,7 @@
             </a:r>
             <a:r>
               <a:rPr lang="en-US" dirty="0" smtClean="0"/>
-              <a:t> </a:t>
-            </a:r>
-            <a:r>
-              <a:rPr lang="en-US" dirty="0" smtClean="0"/>
-              <a:t>including</a:t>
+              <a:t> including</a:t>
             </a:r>
             <a:r>
               <a:rPr lang="hu-HU" dirty="0" smtClean="0"/>
@@ -6496,7 +6439,6 @@
               <a:rPr lang="hu-HU" dirty="0" smtClean="0"/>
               <a:t>:</a:t>
             </a:r>
-            <a:endParaRPr lang="hu-HU" dirty="0" smtClean="0"/>
           </a:p>
           <a:p>
             <a:pPr>
@@ -6911,11 +6853,7 @@
             </a:r>
             <a:r>
               <a:rPr lang="hu-HU" dirty="0" smtClean="0"/>
-              <a:t> </a:t>
-            </a:r>
-            <a:r>
-              <a:rPr lang="hu-HU" dirty="0" smtClean="0"/>
-              <a:t>Java</a:t>
+              <a:t> Java</a:t>
             </a:r>
             <a:endParaRPr lang="en-US" dirty="0"/>
           </a:p>
@@ -7786,21 +7724,6 @@
 </file>
 
 <file path=customXml/item1.xml><?xml version="1.0" encoding="utf-8"?>
-<p:properties xmlns:p="http://schemas.microsoft.com/office/2006/metadata/properties" xmlns:xsi="http://www.w3.org/2001/XMLSchema-instance" xmlns:pc="http://schemas.microsoft.com/office/infopath/2007/PartnerControls">
-  <documentManagement/>
-</p:properties>
-</file>
-
-<file path=customXml/item2.xml><?xml version="1.0" encoding="utf-8"?>
-<?mso-contentType ?>
-<FormTemplates xmlns="http://schemas.microsoft.com/sharepoint/v3/contenttype/forms">
-  <Display>DocumentLibraryForm</Display>
-  <Edit>DocumentLibraryForm</Edit>
-  <New>DocumentLibraryForm</New>
-</FormTemplates>
-</file>
-
-<file path=customXml/item3.xml><?xml version="1.0" encoding="utf-8"?>
 <ct:contentTypeSchema xmlns:ct="http://schemas.microsoft.com/office/2006/metadata/contentType" xmlns:ma="http://schemas.microsoft.com/office/2006/metadata/properties/metaAttributes" ct:_="" ma:_="" ma:contentTypeName="Document" ma:contentTypeID="0x010100175146E524073F468C4FC57E5B2789C1" ma:contentTypeVersion="0" ma:contentTypeDescription="Create a new document." ma:contentTypeScope="" ma:versionID="2cd562bb1c5679eea0696edea0d34439">
   <xsd:schema xmlns:xsd="http://www.w3.org/2001/XMLSchema" xmlns:p="http://schemas.microsoft.com/office/2006/metadata/properties" targetNamespace="http://schemas.microsoft.com/office/2006/metadata/properties" ma:root="true" ma:fieldsID="4aeb20c0e3442673af7ee10786458764">
     <xsd:element name="properties">
@@ -7849,17 +7772,32 @@
 </ct:contentTypeSchema>
 </file>
 
+<file path=customXml/item2.xml><?xml version="1.0" encoding="utf-8"?>
+<?mso-contentType ?>
+<FormTemplates xmlns="http://schemas.microsoft.com/sharepoint/v3/contenttype/forms">
+  <Display>DocumentLibraryForm</Display>
+  <Edit>DocumentLibraryForm</Edit>
+  <New>DocumentLibraryForm</New>
+</FormTemplates>
+</file>
+
+<file path=customXml/item3.xml><?xml version="1.0" encoding="utf-8"?>
+<p:properties xmlns:p="http://schemas.microsoft.com/office/2006/metadata/properties" xmlns:xsi="http://www.w3.org/2001/XMLSchema-instance" xmlns:pc="http://schemas.microsoft.com/office/infopath/2007/PartnerControls">
+  <documentManagement/>
+</p:properties>
+</file>
+
 <file path=customXml/itemProps1.xml><?xml version="1.0" encoding="utf-8"?>
-<ds:datastoreItem xmlns:ds="http://schemas.openxmlformats.org/officeDocument/2006/customXml" ds:itemID="{201233C3-0E5A-4BE4-AC6A-44DA18E39D2E}">
+<ds:datastoreItem xmlns:ds="http://schemas.openxmlformats.org/officeDocument/2006/customXml" ds:itemID="{034CAA0A-5047-4F67-A62F-383038D28FEC}">
   <ds:schemaRefs>
-    <ds:schemaRef ds:uri="http://purl.org/dc/dcmitype/"/>
-    <ds:schemaRef ds:uri="http://www.w3.org/XML/1998/namespace"/>
-    <ds:schemaRef ds:uri="http://schemas.microsoft.com/office/2006/documentManagement/types"/>
+    <ds:schemaRef ds:uri="http://schemas.microsoft.com/office/2006/metadata/contentType"/>
+    <ds:schemaRef ds:uri="http://schemas.microsoft.com/office/2006/metadata/properties/metaAttributes"/>
+    <ds:schemaRef ds:uri="http://www.w3.org/2001/XMLSchema"/>
+    <ds:schemaRef ds:uri="http://schemas.microsoft.com/office/2006/metadata/properties"/>
     <ds:schemaRef ds:uri="http://schemas.openxmlformats.org/package/2006/metadata/core-properties"/>
-    <ds:schemaRef ds:uri="http://schemas.microsoft.com/office/2006/metadata/properties"/>
     <ds:schemaRef ds:uri="http://purl.org/dc/elements/1.1/"/>
     <ds:schemaRef ds:uri="http://purl.org/dc/terms/"/>
-    <ds:schemaRef ds:uri="http://schemas.microsoft.com/office/infopath/2007/PartnerControls"/>
+    <ds:schemaRef ds:uri="http://schemas.microsoft.com/office/internal/2005/internalDocumentation"/>
   </ds:schemaRefs>
 </ds:datastoreItem>
 </file>
@@ -7873,16 +7811,16 @@
 </file>
 
 <file path=customXml/itemProps3.xml><?xml version="1.0" encoding="utf-8"?>
-<ds:datastoreItem xmlns:ds="http://schemas.openxmlformats.org/officeDocument/2006/customXml" ds:itemID="{034CAA0A-5047-4F67-A62F-383038D28FEC}">
+<ds:datastoreItem xmlns:ds="http://schemas.openxmlformats.org/officeDocument/2006/customXml" ds:itemID="{201233C3-0E5A-4BE4-AC6A-44DA18E39D2E}">
   <ds:schemaRefs>
-    <ds:schemaRef ds:uri="http://schemas.microsoft.com/office/2006/metadata/contentType"/>
-    <ds:schemaRef ds:uri="http://schemas.microsoft.com/office/2006/metadata/properties/metaAttributes"/>
-    <ds:schemaRef ds:uri="http://www.w3.org/2001/XMLSchema"/>
+    <ds:schemaRef ds:uri="http://purl.org/dc/dcmitype/"/>
+    <ds:schemaRef ds:uri="http://www.w3.org/XML/1998/namespace"/>
+    <ds:schemaRef ds:uri="http://schemas.microsoft.com/office/2006/documentManagement/types"/>
+    <ds:schemaRef ds:uri="http://schemas.openxmlformats.org/package/2006/metadata/core-properties"/>
     <ds:schemaRef ds:uri="http://schemas.microsoft.com/office/2006/metadata/properties"/>
-    <ds:schemaRef ds:uri="http://schemas.openxmlformats.org/package/2006/metadata/core-properties"/>
     <ds:schemaRef ds:uri="http://purl.org/dc/elements/1.1/"/>
     <ds:schemaRef ds:uri="http://purl.org/dc/terms/"/>
-    <ds:schemaRef ds:uri="http://schemas.microsoft.com/office/internal/2005/internalDocumentation"/>
+    <ds:schemaRef ds:uri="http://schemas.microsoft.com/office/infopath/2007/PartnerControls"/>
   </ds:schemaRefs>
 </ds:datastoreItem>
 </file>
--- a/Heroku - meetup.pptx
+++ b/Heroku - meetup.pptx
@@ -5,7 +5,7 @@
     <p:sldMasterId id="2147483648" r:id="rId4"/>
   </p:sldMasterIdLst>
   <p:notesMasterIdLst>
-    <p:notesMasterId r:id="rId21"/>
+    <p:notesMasterId r:id="rId20"/>
   </p:notesMasterIdLst>
   <p:sldIdLst>
     <p:sldId id="309" r:id="rId5"/>
@@ -20,10 +20,9 @@
     <p:sldId id="336" r:id="rId14"/>
     <p:sldId id="335" r:id="rId15"/>
     <p:sldId id="332" r:id="rId16"/>
-    <p:sldId id="333" r:id="rId17"/>
-    <p:sldId id="334" r:id="rId18"/>
-    <p:sldId id="319" r:id="rId19"/>
-    <p:sldId id="312" r:id="rId20"/>
+    <p:sldId id="334" r:id="rId17"/>
+    <p:sldId id="319" r:id="rId18"/>
+    <p:sldId id="312" r:id="rId19"/>
   </p:sldIdLst>
   <p:sldSz cx="9144000" cy="6858000" type="screen4x3"/>
   <p:notesSz cx="6858000" cy="9144000"/>
@@ -262,7 +261,7 @@
               <a:pPr>
                 <a:defRPr/>
               </a:pPr>
-              <a:t>3/18/2012</a:t>
+              <a:t>3/20/2012</a:t>
             </a:fld>
             <a:endParaRPr lang="en-US"/>
           </a:p>
@@ -458,7 +457,7 @@
     </p:spTree>
     <p:extLst>
       <p:ext uri="{BB962C8B-B14F-4D97-AF65-F5344CB8AC3E}">
-        <p14:creationId xmlns:p14="http://schemas.microsoft.com/office/powerpoint/2010/main" xmlns="" val="2221934676"/>
+        <p14:creationId xmlns="" xmlns:p14="http://schemas.microsoft.com/office/powerpoint/2010/main" val="2221934676"/>
       </p:ext>
     </p:extLst>
   </p:cSld>
@@ -698,7 +697,7 @@
     </p:spTree>
     <p:extLst>
       <p:ext uri="{BB962C8B-B14F-4D97-AF65-F5344CB8AC3E}">
-        <p14:creationId xmlns:p14="http://schemas.microsoft.com/office/powerpoint/2010/main" xmlns="" val="4292641058"/>
+        <p14:creationId xmlns="" xmlns:p14="http://schemas.microsoft.com/office/powerpoint/2010/main" val="4292641058"/>
       </p:ext>
     </p:extLst>
   </p:cSld>
@@ -832,14 +831,14 @@
           </a:ln>
           <a:extLst>
             <a:ext uri="{909E8E84-426E-40DD-AFC4-6F175D3DCCD1}">
-              <a14:hiddenFill xmlns:a14="http://schemas.microsoft.com/office/drawing/2010/main" xmlns="">
+              <a14:hiddenFill xmlns="" xmlns:a14="http://schemas.microsoft.com/office/drawing/2010/main">
                 <a:solidFill>
                   <a:srgbClr val="FFFFFF"/>
                 </a:solidFill>
               </a14:hiddenFill>
             </a:ext>
             <a:ext uri="{91240B29-F687-4F45-9708-019B960494DF}">
-              <a14:hiddenLine xmlns:a14="http://schemas.microsoft.com/office/drawing/2010/main" xmlns="" w="9525">
+              <a14:hiddenLine xmlns="" xmlns:a14="http://schemas.microsoft.com/office/drawing/2010/main" w="9525">
                 <a:solidFill>
                   <a:srgbClr val="000000"/>
                 </a:solidFill>
@@ -897,7 +896,7 @@
     </p:spTree>
     <p:extLst>
       <p:ext uri="{BB962C8B-B14F-4D97-AF65-F5344CB8AC3E}">
-        <p14:creationId xmlns:p14="http://schemas.microsoft.com/office/powerpoint/2010/main" xmlns="" val="3459609761"/>
+        <p14:creationId xmlns="" xmlns:p14="http://schemas.microsoft.com/office/powerpoint/2010/main" val="3459609761"/>
       </p:ext>
     </p:extLst>
   </p:cSld>
@@ -1126,7 +1125,7 @@
     </p:spTree>
     <p:extLst>
       <p:ext uri="{BB962C8B-B14F-4D97-AF65-F5344CB8AC3E}">
-        <p14:creationId xmlns:p14="http://schemas.microsoft.com/office/powerpoint/2010/main" xmlns="" val="431821661"/>
+        <p14:creationId xmlns="" xmlns:p14="http://schemas.microsoft.com/office/powerpoint/2010/main" val="431821661"/>
       </p:ext>
     </p:extLst>
   </p:cSld>
@@ -1348,7 +1347,7 @@
     </p:spTree>
     <p:extLst>
       <p:ext uri="{BB962C8B-B14F-4D97-AF65-F5344CB8AC3E}">
-        <p14:creationId xmlns:p14="http://schemas.microsoft.com/office/powerpoint/2010/main" xmlns="" val="235949648"/>
+        <p14:creationId xmlns="" xmlns:p14="http://schemas.microsoft.com/office/powerpoint/2010/main" val="235949648"/>
       </p:ext>
     </p:extLst>
   </p:cSld>
@@ -1456,7 +1455,7 @@
     </p:spTree>
     <p:extLst>
       <p:ext uri="{BB962C8B-B14F-4D97-AF65-F5344CB8AC3E}">
-        <p14:creationId xmlns:p14="http://schemas.microsoft.com/office/powerpoint/2010/main" xmlns="" val="540130751"/>
+        <p14:creationId xmlns="" xmlns:p14="http://schemas.microsoft.com/office/powerpoint/2010/main" val="540130751"/>
       </p:ext>
     </p:extLst>
   </p:cSld>
@@ -1745,7 +1744,7 @@
     </p:spTree>
     <p:extLst>
       <p:ext uri="{BB962C8B-B14F-4D97-AF65-F5344CB8AC3E}">
-        <p14:creationId xmlns:p14="http://schemas.microsoft.com/office/powerpoint/2010/main" xmlns="" val="3180319776"/>
+        <p14:creationId xmlns="" xmlns:p14="http://schemas.microsoft.com/office/powerpoint/2010/main" val="3180319776"/>
       </p:ext>
     </p:extLst>
   </p:cSld>
@@ -1801,14 +1800,14 @@
           </a:ln>
           <a:extLst>
             <a:ext uri="{909E8E84-426E-40DD-AFC4-6F175D3DCCD1}">
-              <a14:hiddenFill xmlns:a14="http://schemas.microsoft.com/office/drawing/2010/main" xmlns="">
+              <a14:hiddenFill xmlns="" xmlns:a14="http://schemas.microsoft.com/office/drawing/2010/main">
                 <a:solidFill>
                   <a:srgbClr val="FFFFFF"/>
                 </a:solidFill>
               </a14:hiddenFill>
             </a:ext>
             <a:ext uri="{91240B29-F687-4F45-9708-019B960494DF}">
-              <a14:hiddenLine xmlns:a14="http://schemas.microsoft.com/office/drawing/2010/main" xmlns="" w="9525">
+              <a14:hiddenLine xmlns="" xmlns:a14="http://schemas.microsoft.com/office/drawing/2010/main" w="9525">
                 <a:solidFill>
                   <a:srgbClr val="000000"/>
                 </a:solidFill>
@@ -1859,14 +1858,14 @@
           </a:ln>
           <a:extLst>
             <a:ext uri="{909E8E84-426E-40DD-AFC4-6F175D3DCCD1}">
-              <a14:hiddenFill xmlns:a14="http://schemas.microsoft.com/office/drawing/2010/main" xmlns="">
+              <a14:hiddenFill xmlns="" xmlns:a14="http://schemas.microsoft.com/office/drawing/2010/main">
                 <a:solidFill>
                   <a:srgbClr val="FFFFFF"/>
                 </a:solidFill>
               </a14:hiddenFill>
             </a:ext>
             <a:ext uri="{91240B29-F687-4F45-9708-019B960494DF}">
-              <a14:hiddenLine xmlns:a14="http://schemas.microsoft.com/office/drawing/2010/main" xmlns="" w="9525">
+              <a14:hiddenLine xmlns="" xmlns:a14="http://schemas.microsoft.com/office/drawing/2010/main" w="9525">
                 <a:solidFill>
                   <a:srgbClr val="000000"/>
                 </a:solidFill>
@@ -2035,7 +2034,7 @@
           <a:blip r:embed="rId8" cstate="print">
             <a:extLst>
               <a:ext uri="{28A0092B-C50C-407E-A947-70E740481C1C}">
-                <a14:useLocalDpi xmlns:a14="http://schemas.microsoft.com/office/drawing/2010/main" xmlns="" val="0"/>
+                <a14:useLocalDpi xmlns="" xmlns:a14="http://schemas.microsoft.com/office/drawing/2010/main" val="0"/>
               </a:ext>
             </a:extLst>
           </a:blip>
@@ -2058,14 +2057,14 @@
           </a:ln>
           <a:extLst>
             <a:ext uri="{909E8E84-426E-40DD-AFC4-6F175D3DCCD1}">
-              <a14:hiddenFill xmlns:a14="http://schemas.microsoft.com/office/drawing/2010/main" xmlns="">
+              <a14:hiddenFill xmlns="" xmlns:a14="http://schemas.microsoft.com/office/drawing/2010/main">
                 <a:solidFill>
                   <a:srgbClr val="FFFFFF"/>
                 </a:solidFill>
               </a14:hiddenFill>
             </a:ext>
             <a:ext uri="{91240B29-F687-4F45-9708-019B960494DF}">
-              <a14:hiddenLine xmlns:a14="http://schemas.microsoft.com/office/drawing/2010/main" xmlns="" w="9525">
+              <a14:hiddenLine xmlns="" xmlns:a14="http://schemas.microsoft.com/office/drawing/2010/main" w="9525">
                 <a:solidFill>
                   <a:srgbClr val="000000"/>
                 </a:solidFill>
@@ -2751,24 +2750,28 @@
           <a:lstStyle/>
           <a:p>
             <a:r>
-              <a:rPr lang="hu-HU" b="1" dirty="0" smtClean="0"/>
+              <a:rPr lang="hu-HU" b="1" dirty="0"/>
               <a:t>DATABASE_URL</a:t>
             </a:r>
             <a:r>
-              <a:rPr lang="hu-HU" dirty="0" smtClean="0"/>
-              <a:t> =&gt; </a:t>
+              <a:rPr lang="hu-HU" dirty="0"/>
+              <a:t> </a:t>
+            </a:r>
+            <a:r>
+              <a:rPr lang="hu-HU" dirty="0" smtClean="0"/>
+              <a:t>=&gt; </a:t>
             </a:r>
             <a:r>
               <a:rPr lang="hu-HU" dirty="0" err="1"/>
               <a:t>postgres</a:t>
             </a:r>
             <a:r>
-              <a:rPr lang="hu-HU" dirty="0" smtClean="0"/>
+              <a:rPr lang="hu-HU" dirty="0"/>
               <a:t>://</a:t>
             </a:r>
             <a:r>
               <a:rPr lang="hu-HU" dirty="0" err="1" smtClean="0"/>
-              <a:t>xxxxx</a:t>
+              <a:t>pxpcxaijkf</a:t>
             </a:r>
             <a:r>
               <a:rPr lang="hu-HU" dirty="0" smtClean="0"/>
@@ -2776,26 +2779,30 @@
             </a:r>
             <a:r>
               <a:rPr lang="hu-HU" dirty="0" err="1" smtClean="0"/>
-              <a:t>xxxxxx</a:t>
+              <a:t>xxxxxxxxxxx</a:t>
             </a:r>
             <a:r>
               <a:rPr lang="hu-HU" dirty="0" smtClean="0"/>
               <a:t>@ec2-75-101-128-168.compute-1.amazonaws.com/</a:t>
             </a:r>
             <a:r>
-              <a:rPr lang="hu-HU" dirty="0" err="1"/>
-              <a:t>xxxxx</a:t>
+              <a:rPr lang="hu-HU" dirty="0" err="1" smtClean="0"/>
+              <a:t>pxpcxaijkf</a:t>
             </a:r>
             <a:endParaRPr lang="hu-HU" dirty="0"/>
           </a:p>
           <a:p>
             <a:r>
-              <a:rPr lang="hu-HU" b="1" dirty="0" smtClean="0"/>
+              <a:rPr lang="hu-HU" b="1" dirty="0"/>
               <a:t>JAVA_OPTS</a:t>
             </a:r>
             <a:r>
-              <a:rPr lang="hu-HU" dirty="0" smtClean="0"/>
-              <a:t> =&gt; </a:t>
+              <a:rPr lang="hu-HU" dirty="0"/>
+              <a:t> </a:t>
+            </a:r>
+            <a:r>
+              <a:rPr lang="hu-HU" dirty="0" smtClean="0"/>
+              <a:t>=&gt; </a:t>
             </a:r>
             <a:r>
               <a:rPr lang="hu-HU" dirty="0"/>
@@ -2805,6 +2812,30 @@
               <a:rPr lang="hu-HU" dirty="0" err="1"/>
               <a:t>UseCompressedOops</a:t>
             </a:r>
+            <a:r>
+              <a:rPr lang="hu-HU" dirty="0"/>
+              <a:t> </a:t>
+            </a:r>
+            <a:r>
+              <a:rPr lang="hu-HU" dirty="0" err="1"/>
+              <a:t>-javaagent</a:t>
+            </a:r>
+            <a:r>
+              <a:rPr lang="hu-HU" dirty="0"/>
+              <a:t>:</a:t>
+            </a:r>
+            <a:r>
+              <a:rPr lang="hu-HU" dirty="0" err="1"/>
+              <a:t>newrelic</a:t>
+            </a:r>
+            <a:r>
+              <a:rPr lang="hu-HU" dirty="0"/>
+              <a:t>/</a:t>
+            </a:r>
+            <a:r>
+              <a:rPr lang="hu-HU" dirty="0" err="1"/>
+              <a:t>newrelic.jar</a:t>
+            </a:r>
             <a:endParaRPr lang="hu-HU" dirty="0"/>
           </a:p>
           <a:p>
@@ -2857,15 +2888,27 @@
             </a:r>
             <a:r>
               <a:rPr lang="hu-HU" dirty="0" smtClean="0"/>
-              <a:t>_app2802008: </a:t>
-            </a:r>
-            <a:r>
-              <a:rPr lang="hu-HU" dirty="0" err="1" smtClean="0"/>
-              <a:t>xxxxx</a:t>
-            </a:r>
-            <a:r>
-              <a:rPr lang="hu-HU" dirty="0" smtClean="0"/>
-              <a:t>@ds029817.mongolab.com:29817/</a:t>
+              <a:t>_</a:t>
+            </a:r>
+            <a:r>
+              <a:rPr lang="hu-HU" dirty="0" err="1" smtClean="0"/>
+              <a:t>app</a:t>
+            </a:r>
+            <a:r>
+              <a:rPr lang="hu-HU" dirty="0" err="1"/>
+              <a:t>xxxxxx</a:t>
+            </a:r>
+            <a:r>
+              <a:rPr lang="hu-HU" dirty="0" smtClean="0"/>
+              <a:t>:</a:t>
+            </a:r>
+            <a:r>
+              <a:rPr lang="hu-HU" dirty="0" err="1" smtClean="0"/>
+              <a:t>xxxxxxx</a:t>
+            </a:r>
+            <a:r>
+              <a:rPr lang="hu-HU" dirty="0" smtClean="0"/>
+              <a:t> @ds029817.mongolab.com:29817/</a:t>
             </a:r>
             <a:r>
               <a:rPr lang="hu-HU" dirty="0" err="1" smtClean="0"/>
@@ -2873,22 +2916,78 @@
             </a:r>
             <a:r>
               <a:rPr lang="hu-HU" dirty="0" smtClean="0"/>
-              <a:t>_app2802008</a:t>
+              <a:t>_</a:t>
+            </a:r>
+            <a:r>
+              <a:rPr lang="hu-HU" dirty="0" err="1" smtClean="0"/>
+              <a:t>app</a:t>
+            </a:r>
+            <a:r>
+              <a:rPr lang="hu-HU" dirty="0" err="1"/>
+              <a:t>xxxxxx</a:t>
             </a:r>
             <a:endParaRPr lang="hu-HU" dirty="0"/>
           </a:p>
           <a:p>
             <a:r>
               <a:rPr lang="hu-HU" b="1" dirty="0"/>
+              <a:t>NEW_RELIC_APP_NAME</a:t>
+            </a:r>
+            <a:r>
+              <a:rPr lang="hu-HU" dirty="0"/>
+              <a:t> </a:t>
+            </a:r>
+            <a:r>
+              <a:rPr lang="hu-HU" dirty="0" smtClean="0"/>
+              <a:t>=&gt; </a:t>
+            </a:r>
+            <a:r>
+              <a:rPr lang="hu-HU" dirty="0" err="1" smtClean="0"/>
+              <a:t>myapp</a:t>
+            </a:r>
+            <a:endParaRPr lang="hu-HU" dirty="0"/>
+          </a:p>
+          <a:p>
+            <a:r>
+              <a:rPr lang="hu-HU" b="1" dirty="0"/>
+              <a:t>NEW_RELIC_ID</a:t>
+            </a:r>
+            <a:r>
+              <a:rPr lang="hu-HU" dirty="0"/>
+              <a:t> </a:t>
+            </a:r>
+            <a:r>
+              <a:rPr lang="hu-HU" dirty="0" smtClean="0"/>
+              <a:t>=&gt; </a:t>
+            </a:r>
+            <a:r>
+              <a:rPr lang="hu-HU" dirty="0"/>
+              <a:t>92645</a:t>
+            </a:r>
+          </a:p>
+          <a:p>
+            <a:r>
+              <a:rPr lang="hu-HU" b="1" dirty="0"/>
+              <a:t>NEW_RELIC_LICENSE_KEY</a:t>
+            </a:r>
+            <a:r>
+              <a:rPr lang="hu-HU" dirty="0"/>
+              <a:t> =&gt; </a:t>
+            </a:r>
+            <a:r>
+              <a:rPr lang="hu-HU" dirty="0" err="1" smtClean="0"/>
+              <a:t>xxxxxxxxxxxxxxxxxxxxxxxxxxxxx</a:t>
+            </a:r>
+            <a:endParaRPr lang="hu-HU" dirty="0"/>
+          </a:p>
+          <a:p>
+            <a:r>
+              <a:rPr lang="hu-HU" b="1" dirty="0" smtClean="0"/>
               <a:t>PATH</a:t>
             </a:r>
             <a:r>
-              <a:rPr lang="hu-HU" dirty="0"/>
-              <a:t> </a:t>
-            </a:r>
-            <a:r>
-              <a:rPr lang="hu-HU" dirty="0" smtClean="0"/>
-              <a:t>=&gt; </a:t>
+              <a:rPr lang="hu-HU" dirty="0" smtClean="0"/>
+              <a:t> =&gt; </a:t>
             </a:r>
             <a:r>
               <a:rPr lang="hu-HU" dirty="0"/>
@@ -2919,46 +3018,54 @@
               <a:t>:/</a:t>
             </a:r>
             <a:r>
-              <a:rPr lang="hu-HU" dirty="0" err="1" smtClean="0"/>
+              <a:rPr lang="hu-HU" dirty="0" err="1"/>
               <a:t>bin</a:t>
             </a:r>
-            <a:endParaRPr lang="hu-HU" dirty="0" smtClean="0"/>
+            <a:endParaRPr lang="hu-HU" dirty="0"/>
           </a:p>
           <a:p>
             <a:r>
               <a:rPr lang="hu-HU" b="1" dirty="0" smtClean="0"/>
+              <a:t>SENDGRID_PASSWORD</a:t>
+            </a:r>
+            <a:r>
+              <a:rPr lang="hu-HU" dirty="0" smtClean="0"/>
+              <a:t> =&gt; </a:t>
+            </a:r>
+            <a:r>
+              <a:rPr lang="hu-HU" dirty="0" err="1" smtClean="0"/>
+              <a:t>xxxxxxxxxx</a:t>
+            </a:r>
+            <a:endParaRPr lang="hu-HU" dirty="0"/>
+          </a:p>
+          <a:p>
+            <a:r>
+              <a:rPr lang="hu-HU" b="1" dirty="0"/>
               <a:t>SENDGRID_USERNAME</a:t>
             </a:r>
             <a:r>
-              <a:rPr lang="hu-HU" dirty="0" smtClean="0"/>
-              <a:t> =&gt; app2802008@</a:t>
-            </a:r>
-            <a:r>
-              <a:rPr lang="hu-HU" dirty="0" err="1" smtClean="0"/>
-              <a:t>heroku.co</a:t>
+              <a:rPr lang="hu-HU" dirty="0"/>
+              <a:t> </a:t>
+            </a:r>
+            <a:r>
+              <a:rPr lang="hu-HU" dirty="0" smtClean="0"/>
+              <a:t>=&gt; </a:t>
+            </a:r>
+            <a:r>
+              <a:rPr lang="hu-HU" dirty="0" err="1" smtClean="0"/>
+              <a:t>app</a:t>
             </a:r>
             <a:r>
               <a:rPr lang="hu-HU" dirty="0" err="1"/>
-              <a:t>m</a:t>
-            </a:r>
-            <a:endParaRPr lang="hu-HU" dirty="0"/>
-          </a:p>
-          <a:p>
-            <a:r>
-              <a:rPr lang="hu-HU" b="1" dirty="0"/>
-              <a:t>SENDGRID_PASSWORD</a:t>
-            </a:r>
-            <a:r>
-              <a:rPr lang="hu-HU" dirty="0"/>
-              <a:t> </a:t>
-            </a:r>
-            <a:r>
-              <a:rPr lang="hu-HU" dirty="0" smtClean="0"/>
-              <a:t>=&gt; </a:t>
-            </a:r>
-            <a:r>
-              <a:rPr lang="hu-HU" dirty="0" err="1" smtClean="0"/>
-              <a:t>xxxxxxx</a:t>
+              <a:t>xxxxxx</a:t>
+            </a:r>
+            <a:r>
+              <a:rPr lang="hu-HU" dirty="0" smtClean="0"/>
+              <a:t>@</a:t>
+            </a:r>
+            <a:r>
+              <a:rPr lang="hu-HU" dirty="0" err="1" smtClean="0"/>
+              <a:t>heroku.com</a:t>
             </a:r>
             <a:endParaRPr lang="hu-HU" dirty="0"/>
           </a:p>
@@ -2968,13 +3075,18 @@
               <a:t>TZ</a:t>
             </a:r>
             <a:r>
-              <a:rPr lang="hu-HU" dirty="0" smtClean="0"/>
-              <a:t> =&gt; </a:t>
+              <a:rPr lang="hu-HU" dirty="0"/>
+              <a:t> </a:t>
+            </a:r>
+            <a:r>
+              <a:rPr lang="hu-HU" dirty="0" smtClean="0"/>
+              <a:t>=&gt; </a:t>
             </a:r>
             <a:r>
               <a:rPr lang="hu-HU" dirty="0"/>
               <a:t>Europe/Budapest</a:t>
             </a:r>
+            <a:endParaRPr lang="hu-HU" dirty="0"/>
           </a:p>
         </p:txBody>
       </p:sp>
@@ -3468,10 +3580,9 @@
               <a:t>worker</a:t>
             </a:r>
             <a:r>
-              <a:rPr lang="hu-HU" i="1" smtClean="0"/>
+              <a:rPr lang="hu-HU" i="1" dirty="0" smtClean="0"/>
               <a:t>=2</a:t>
             </a:r>
-            <a:endParaRPr lang="hu-HU" i="1" dirty="0" smtClean="0"/>
           </a:p>
           <a:p>
             <a:r>
@@ -3744,7 +3855,7 @@
       </p:grpSpPr>
       <p:sp>
         <p:nvSpPr>
-          <p:cNvPr id="2" name="Cím 1"/>
+          <p:cNvPr id="2" name="Title 1"/>
           <p:cNvSpPr>
             <a:spLocks noGrp="1"/>
           </p:cNvSpPr>
@@ -3758,32 +3869,16 @@
           <a:lstStyle/>
           <a:p>
             <a:r>
-              <a:rPr lang="hu-HU" dirty="0" err="1"/>
-              <a:t>Scaling</a:t>
-            </a:r>
-            <a:r>
-              <a:rPr lang="hu-HU" dirty="0"/>
-              <a:t> </a:t>
-            </a:r>
-            <a:r>
-              <a:rPr lang="hu-HU" dirty="0" err="1"/>
-              <a:t>with</a:t>
-            </a:r>
-            <a:r>
-              <a:rPr lang="hu-HU" dirty="0"/>
-              <a:t> instant </a:t>
-            </a:r>
-            <a:r>
-              <a:rPr lang="hu-HU" dirty="0" err="1" smtClean="0"/>
-              <a:t>spin-up</a:t>
-            </a:r>
-            <a:endParaRPr lang="hu-HU" dirty="0"/>
-          </a:p>
-        </p:txBody>
-      </p:sp>
-      <p:sp>
-        <p:nvSpPr>
-          <p:cNvPr id="3" name="Élőláb helye 2"/>
+              <a:rPr lang="hu-HU" dirty="0" err="1" smtClean="0"/>
+              <a:t>Resources</a:t>
+            </a:r>
+            <a:endParaRPr lang="en-US" dirty="0"/>
+          </a:p>
+        </p:txBody>
+      </p:sp>
+      <p:sp>
+        <p:nvSpPr>
+          <p:cNvPr id="3" name="Footer Placeholder 2"/>
           <p:cNvSpPr>
             <a:spLocks noGrp="1"/>
           </p:cNvSpPr>
@@ -3809,7 +3904,7 @@
       </p:sp>
       <p:sp>
         <p:nvSpPr>
-          <p:cNvPr id="4" name="Dia számának helye 3"/>
+          <p:cNvPr id="4" name="Slide Number Placeholder 3"/>
           <p:cNvSpPr>
             <a:spLocks noGrp="1"/>
           </p:cNvSpPr>
@@ -3832,42 +3927,346 @@
               </a:pPr>
               <a:t>13</a:t>
             </a:fld>
-            <a:endParaRPr lang="en-US" dirty="0"/>
-          </a:p>
-        </p:txBody>
-      </p:sp>
-      <p:pic>
-        <p:nvPicPr>
-          <p:cNvPr id="2050" name="Picture 2"/>
-          <p:cNvPicPr>
-            <a:picLocks noChangeAspect="1" noChangeArrowheads="1"/>
-          </p:cNvPicPr>
+            <a:endParaRPr lang="en-US"/>
+          </a:p>
+        </p:txBody>
+      </p:sp>
+      <p:sp>
+        <p:nvSpPr>
+          <p:cNvPr id="7" name="Tartalom helye 5"/>
+          <p:cNvSpPr txBox="1">
+            <a:spLocks/>
+          </p:cNvSpPr>
           <p:nvPr/>
-        </p:nvPicPr>
-        <p:blipFill>
-          <a:blip r:embed="rId2" cstate="print"/>
-          <a:srcRect/>
-          <a:stretch>
-            <a:fillRect/>
-          </a:stretch>
-        </p:blipFill>
-        <p:spPr bwMode="auto">
+        </p:nvSpPr>
+        <p:spPr>
           <a:xfrm>
-            <a:off x="1600200" y="914400"/>
-            <a:ext cx="6000750" cy="4495800"/>
+            <a:off x="457200" y="762000"/>
+            <a:ext cx="8229600" cy="4953000"/>
           </a:xfrm>
           <a:prstGeom prst="rect">
             <a:avLst/>
           </a:prstGeom>
-          <a:noFill/>
-          <a:ln w="9525">
-            <a:noFill/>
-            <a:miter lim="800000"/>
-            <a:headEnd/>
-            <a:tailEnd/>
-          </a:ln>
         </p:spPr>
-      </p:pic>
+        <p:txBody>
+          <a:bodyPr/>
+          <a:lstStyle/>
+          <a:p>
+            <a:pPr marL="342900" lvl="0" indent="-342900" eaLnBrk="0" hangingPunct="0">
+              <a:spcBef>
+                <a:spcPct val="20000"/>
+              </a:spcBef>
+              <a:buFont typeface="Arial" pitchFamily="34" charset="0"/>
+              <a:buChar char="•"/>
+            </a:pPr>
+            <a:r>
+              <a:rPr lang="hu-HU" dirty="0" err="1" smtClean="0">
+                <a:solidFill>
+                  <a:srgbClr val="000000"/>
+                </a:solidFill>
+                <a:latin typeface="Helvetica LT Std"/>
+                <a:ea typeface="Lucida Sans Unicode" pitchFamily="2"/>
+                <a:cs typeface="Lucida Sans Unicode" pitchFamily="2"/>
+              </a:rPr>
+              <a:t>Sample</a:t>
+            </a:r>
+            <a:r>
+              <a:rPr lang="hu-HU" dirty="0" smtClean="0">
+                <a:solidFill>
+                  <a:srgbClr val="000000"/>
+                </a:solidFill>
+                <a:latin typeface="Helvetica LT Std"/>
+                <a:ea typeface="Lucida Sans Unicode" pitchFamily="2"/>
+                <a:cs typeface="Lucida Sans Unicode" pitchFamily="2"/>
+              </a:rPr>
+              <a:t> Java </a:t>
+            </a:r>
+            <a:r>
+              <a:rPr lang="hu-HU" dirty="0" err="1" smtClean="0">
+                <a:solidFill>
+                  <a:srgbClr val="000000"/>
+                </a:solidFill>
+                <a:latin typeface="Helvetica LT Std"/>
+                <a:ea typeface="Lucida Sans Unicode" pitchFamily="2"/>
+                <a:cs typeface="Lucida Sans Unicode" pitchFamily="2"/>
+              </a:rPr>
+              <a:t>projects</a:t>
+            </a:r>
+            <a:endParaRPr kumimoji="0" lang="hu-HU" sz="1800" b="0" i="0" u="none" strike="noStrike" kern="1200" cap="none" spc="0" normalizeH="0" baseline="0" noProof="0" dirty="0" smtClean="0">
+              <a:ln>
+                <a:noFill/>
+              </a:ln>
+              <a:solidFill>
+                <a:schemeClr val="tx1"/>
+              </a:solidFill>
+              <a:effectLst/>
+              <a:uLnTx/>
+              <a:uFillTx/>
+              <a:latin typeface="Helvetica LT Std"/>
+            </a:endParaRPr>
+          </a:p>
+          <a:p>
+            <a:pPr marL="342900" lvl="1" indent="-342900" eaLnBrk="0" hangingPunct="0">
+              <a:spcBef>
+                <a:spcPct val="20000"/>
+              </a:spcBef>
+            </a:pPr>
+            <a:r>
+              <a:rPr lang="hu-HU" i="1" dirty="0" smtClean="0">
+                <a:latin typeface="Helvetica LT Std"/>
+              </a:rPr>
+              <a:t>	 </a:t>
+            </a:r>
+            <a:r>
+              <a:rPr lang="hu-HU" i="1" dirty="0" smtClean="0">
+                <a:latin typeface="Helvetica LT Std"/>
+                <a:hlinkClick r:id="rId2"/>
+              </a:rPr>
+              <a:t>http://java.herokuapp.com/</a:t>
+            </a:r>
+            <a:endParaRPr lang="hu-HU" i="1" dirty="0" smtClean="0">
+              <a:latin typeface="Helvetica LT Std"/>
+            </a:endParaRPr>
+          </a:p>
+          <a:p>
+            <a:pPr marL="342900" lvl="1" indent="-342900" eaLnBrk="0" hangingPunct="0">
+              <a:spcBef>
+                <a:spcPct val="20000"/>
+              </a:spcBef>
+            </a:pPr>
+            <a:endParaRPr kumimoji="0" lang="hu-HU" sz="1800" b="0" i="1" u="none" strike="noStrike" kern="1200" cap="none" spc="0" normalizeH="0" baseline="0" noProof="0" dirty="0" smtClean="0">
+              <a:ln>
+                <a:noFill/>
+              </a:ln>
+              <a:solidFill>
+                <a:schemeClr val="tx1"/>
+              </a:solidFill>
+              <a:effectLst/>
+              <a:uLnTx/>
+              <a:uFillTx/>
+              <a:latin typeface="Helvetica LT Std"/>
+              <a:ea typeface="+mn-ea"/>
+              <a:cs typeface="+mn-cs"/>
+            </a:endParaRPr>
+          </a:p>
+          <a:p>
+            <a:pPr marL="342900" indent="-342900" eaLnBrk="0" hangingPunct="0">
+              <a:spcBef>
+                <a:spcPct val="20000"/>
+              </a:spcBef>
+              <a:buFont typeface="Arial" pitchFamily="34" charset="0"/>
+              <a:buChar char="•"/>
+            </a:pPr>
+            <a:r>
+              <a:rPr lang="hu-HU" dirty="0" err="1" smtClean="0">
+                <a:latin typeface="Helvetica LT Std"/>
+              </a:rPr>
+              <a:t>Heroku</a:t>
+            </a:r>
+            <a:r>
+              <a:rPr lang="hu-HU" dirty="0" smtClean="0">
+                <a:latin typeface="Helvetica LT Std"/>
+              </a:rPr>
+              <a:t> </a:t>
+            </a:r>
+            <a:r>
+              <a:rPr lang="hu-HU" dirty="0" err="1" smtClean="0">
+                <a:latin typeface="Helvetica LT Std"/>
+              </a:rPr>
+              <a:t>Devcenter</a:t>
+            </a:r>
+            <a:endParaRPr kumimoji="0" lang="hu-HU" sz="1800" b="0" i="0" u="none" strike="noStrike" kern="1200" cap="none" spc="0" normalizeH="0" baseline="0" noProof="0" dirty="0" smtClean="0">
+              <a:ln>
+                <a:noFill/>
+              </a:ln>
+              <a:solidFill>
+                <a:schemeClr val="tx1"/>
+              </a:solidFill>
+              <a:effectLst/>
+              <a:uLnTx/>
+              <a:uFillTx/>
+              <a:latin typeface="Helvetica LT Std"/>
+              <a:ea typeface="+mn-ea"/>
+              <a:cs typeface="+mn-cs"/>
+            </a:endParaRPr>
+          </a:p>
+          <a:p>
+            <a:pPr marL="342900" lvl="0" indent="-342900" eaLnBrk="0" hangingPunct="0">
+              <a:spcBef>
+                <a:spcPct val="20000"/>
+              </a:spcBef>
+            </a:pPr>
+            <a:r>
+              <a:rPr lang="hu-HU" i="1" dirty="0" smtClean="0">
+                <a:latin typeface="Helvetica LT Std"/>
+              </a:rPr>
+              <a:t>	</a:t>
+            </a:r>
+            <a:r>
+              <a:rPr lang="hu-HU" i="1" dirty="0" smtClean="0">
+                <a:latin typeface="Helvetica LT Std"/>
+                <a:hlinkClick r:id="rId3"/>
+              </a:rPr>
+              <a:t>http://devcenter.heroku.com/</a:t>
+            </a:r>
+            <a:endParaRPr lang="hu-HU" i="1" dirty="0" smtClean="0">
+              <a:latin typeface="Helvetica LT Std"/>
+            </a:endParaRPr>
+          </a:p>
+          <a:p>
+            <a:pPr marL="342900" lvl="0" indent="-342900" eaLnBrk="0" hangingPunct="0">
+              <a:spcBef>
+                <a:spcPct val="20000"/>
+              </a:spcBef>
+            </a:pPr>
+            <a:endParaRPr kumimoji="0" lang="hu-HU" sz="1800" b="0" i="1" u="none" strike="noStrike" kern="1200" cap="none" spc="0" normalizeH="0" baseline="0" noProof="0" dirty="0" smtClean="0">
+              <a:ln>
+                <a:noFill/>
+              </a:ln>
+              <a:solidFill>
+                <a:schemeClr val="tx1"/>
+              </a:solidFill>
+              <a:effectLst/>
+              <a:uLnTx/>
+              <a:uFillTx/>
+              <a:latin typeface="Helvetica LT Std"/>
+              <a:ea typeface="+mn-ea"/>
+              <a:cs typeface="+mn-cs"/>
+            </a:endParaRPr>
+          </a:p>
+          <a:p>
+            <a:pPr marL="342900" indent="-342900" eaLnBrk="0" hangingPunct="0">
+              <a:spcBef>
+                <a:spcPct val="20000"/>
+              </a:spcBef>
+              <a:buFont typeface="Arial" pitchFamily="34" charset="0"/>
+              <a:buChar char="•"/>
+            </a:pPr>
+            <a:r>
+              <a:rPr lang="hu-HU" dirty="0" err="1" smtClean="0">
+                <a:latin typeface="Helvetica LT Std"/>
+              </a:rPr>
+              <a:t>Add-ons</a:t>
+            </a:r>
+            <a:endParaRPr lang="hu-HU" dirty="0" smtClean="0">
+              <a:latin typeface="Helvetica LT Std"/>
+            </a:endParaRPr>
+          </a:p>
+          <a:p>
+            <a:pPr marL="342900" indent="-342900" eaLnBrk="0" hangingPunct="0">
+              <a:spcBef>
+                <a:spcPct val="20000"/>
+              </a:spcBef>
+            </a:pPr>
+            <a:r>
+              <a:rPr lang="hu-HU" i="1" dirty="0" smtClean="0">
+                <a:latin typeface="Helvetica LT Std"/>
+              </a:rPr>
+              <a:t>	</a:t>
+            </a:r>
+            <a:r>
+              <a:rPr lang="hu-HU" i="1" dirty="0" smtClean="0">
+                <a:latin typeface="Helvetica LT Std"/>
+                <a:hlinkClick r:id="rId4"/>
+              </a:rPr>
+              <a:t>http://addons.heroku.com/</a:t>
+            </a:r>
+            <a:endParaRPr lang="hu-HU" i="1" dirty="0" smtClean="0">
+              <a:latin typeface="Helvetica LT Std"/>
+            </a:endParaRPr>
+          </a:p>
+          <a:p>
+            <a:pPr marL="342900" indent="-342900" eaLnBrk="0" hangingPunct="0">
+              <a:spcBef>
+                <a:spcPct val="20000"/>
+              </a:spcBef>
+            </a:pPr>
+            <a:endParaRPr lang="hu-HU" i="1" dirty="0" smtClean="0">
+              <a:latin typeface="Helvetica LT Std"/>
+            </a:endParaRPr>
+          </a:p>
+          <a:p>
+            <a:pPr marL="342900" indent="-342900" eaLnBrk="0" hangingPunct="0">
+              <a:spcBef>
+                <a:spcPct val="20000"/>
+              </a:spcBef>
+              <a:buFont typeface="Arial" pitchFamily="34" charset="0"/>
+              <a:buChar char="•"/>
+            </a:pPr>
+            <a:r>
+              <a:rPr lang="hu-HU" dirty="0" err="1" smtClean="0">
+                <a:latin typeface="Helvetica LT Std"/>
+              </a:rPr>
+              <a:t>Git</a:t>
+            </a:r>
+            <a:endParaRPr lang="hu-HU" dirty="0" smtClean="0">
+              <a:latin typeface="Helvetica LT Std"/>
+            </a:endParaRPr>
+          </a:p>
+          <a:p>
+            <a:pPr marL="342900" indent="-342900" eaLnBrk="0" hangingPunct="0">
+              <a:spcBef>
+                <a:spcPct val="20000"/>
+              </a:spcBef>
+            </a:pPr>
+            <a:r>
+              <a:rPr lang="hu-HU" dirty="0" smtClean="0">
+                <a:latin typeface="Helvetica LT Std"/>
+              </a:rPr>
+              <a:t>	</a:t>
+            </a:r>
+            <a:r>
+              <a:rPr lang="hu-HU" i="1" dirty="0" smtClean="0">
+                <a:latin typeface="Helvetica LT Std"/>
+              </a:rPr>
+              <a:t> </a:t>
+            </a:r>
+            <a:r>
+              <a:rPr lang="hu-HU" i="1" dirty="0" smtClean="0">
+                <a:latin typeface="Helvetica LT Std"/>
+                <a:hlinkClick r:id="rId5"/>
+              </a:rPr>
+              <a:t>http://help.github.com/</a:t>
+            </a:r>
+            <a:endParaRPr lang="hu-HU" i="1" dirty="0" smtClean="0">
+              <a:latin typeface="Helvetica LT Std"/>
+            </a:endParaRPr>
+          </a:p>
+          <a:p>
+            <a:pPr marL="342900" marR="0" lvl="0" indent="-342900" algn="l" defTabSz="914400" rtl="0" eaLnBrk="0" fontAlgn="base" latinLnBrk="0" hangingPunct="0">
+              <a:lnSpc>
+                <a:spcPct val="100000"/>
+              </a:lnSpc>
+              <a:spcBef>
+                <a:spcPct val="20000"/>
+              </a:spcBef>
+              <a:spcAft>
+                <a:spcPct val="0"/>
+              </a:spcAft>
+              <a:buClrTx/>
+              <a:buSzTx/>
+              <a:buFont typeface="Arial" pitchFamily="34" charset="0"/>
+              <a:buNone/>
+              <a:tabLst/>
+              <a:defRPr/>
+            </a:pPr>
+            <a:endParaRPr kumimoji="0" lang="hu-HU" sz="1800" b="0" i="1" u="none" strike="noStrike" kern="1200" cap="none" spc="0" normalizeH="0" baseline="0" noProof="0" dirty="0" smtClean="0">
+              <a:ln>
+                <a:noFill/>
+              </a:ln>
+              <a:solidFill>
+                <a:schemeClr val="tx1"/>
+              </a:solidFill>
+              <a:effectLst/>
+              <a:uLnTx/>
+              <a:uFillTx/>
+              <a:latin typeface="Helvetica LT Std"/>
+              <a:ea typeface="+mn-ea"/>
+              <a:cs typeface="+mn-cs"/>
+            </a:endParaRPr>
+          </a:p>
+        </p:txBody>
+      </p:sp>
     </p:spTree>
   </p:cSld>
   <p:clrMapOvr>
@@ -3902,29 +4301,6 @@
       </p:grpSpPr>
       <p:sp>
         <p:nvSpPr>
-          <p:cNvPr id="2" name="Title 1"/>
-          <p:cNvSpPr>
-            <a:spLocks noGrp="1"/>
-          </p:cNvSpPr>
-          <p:nvPr>
-            <p:ph type="title"/>
-          </p:nvPr>
-        </p:nvSpPr>
-        <p:spPr/>
-        <p:txBody>
-          <a:bodyPr/>
-          <a:lstStyle/>
-          <a:p>
-            <a:r>
-              <a:rPr lang="hu-HU" dirty="0" err="1" smtClean="0"/>
-              <a:t>Resources</a:t>
-            </a:r>
-            <a:endParaRPr lang="en-US" dirty="0"/>
-          </a:p>
-        </p:txBody>
-      </p:sp>
-      <p:sp>
-        <p:nvSpPr>
           <p:cNvPr id="3" name="Footer Placeholder 2"/>
           <p:cNvSpPr>
             <a:spLocks noGrp="1"/>
@@ -3980,337 +4356,31 @@
       </p:sp>
       <p:sp>
         <p:nvSpPr>
-          <p:cNvPr id="7" name="Tartalom helye 5"/>
-          <p:cNvSpPr txBox="1">
-            <a:spLocks/>
-          </p:cNvSpPr>
+          <p:cNvPr id="7" name="TextBox 6"/>
+          <p:cNvSpPr txBox="1"/>
           <p:nvPr/>
         </p:nvSpPr>
         <p:spPr>
           <a:xfrm>
-            <a:off x="457200" y="762000"/>
-            <a:ext cx="8229600" cy="4953000"/>
+            <a:off x="2362200" y="2514600"/>
+            <a:ext cx="4076757" cy="1015663"/>
           </a:xfrm>
           <a:prstGeom prst="rect">
             <a:avLst/>
           </a:prstGeom>
+          <a:noFill/>
         </p:spPr>
         <p:txBody>
-          <a:bodyPr/>
+          <a:bodyPr wrap="none" rtlCol="0">
+            <a:spAutoFit/>
+          </a:bodyPr>
           <a:lstStyle/>
           <a:p>
-            <a:pPr marL="342900" lvl="0" indent="-342900" eaLnBrk="0" hangingPunct="0">
-              <a:spcBef>
-                <a:spcPct val="20000"/>
-              </a:spcBef>
-              <a:buFont typeface="Arial" pitchFamily="34" charset="0"/>
-              <a:buChar char="•"/>
-            </a:pPr>
-            <a:r>
-              <a:rPr lang="hu-HU" dirty="0" err="1" smtClean="0">
-                <a:solidFill>
-                  <a:srgbClr val="000000"/>
-                </a:solidFill>
-                <a:latin typeface="Helvetica LT Std"/>
-                <a:ea typeface="Lucida Sans Unicode" pitchFamily="2"/>
-                <a:cs typeface="Lucida Sans Unicode" pitchFamily="2"/>
-              </a:rPr>
-              <a:t>Sample</a:t>
-            </a:r>
-            <a:r>
-              <a:rPr lang="hu-HU" dirty="0" smtClean="0">
-                <a:solidFill>
-                  <a:srgbClr val="000000"/>
-                </a:solidFill>
-                <a:latin typeface="Helvetica LT Std"/>
-                <a:ea typeface="Lucida Sans Unicode" pitchFamily="2"/>
-                <a:cs typeface="Lucida Sans Unicode" pitchFamily="2"/>
-              </a:rPr>
-              <a:t> Java </a:t>
-            </a:r>
-            <a:r>
-              <a:rPr lang="hu-HU" dirty="0" err="1" smtClean="0">
-                <a:solidFill>
-                  <a:srgbClr val="000000"/>
-                </a:solidFill>
-                <a:latin typeface="Helvetica LT Std"/>
-                <a:ea typeface="Lucida Sans Unicode" pitchFamily="2"/>
-                <a:cs typeface="Lucida Sans Unicode" pitchFamily="2"/>
-              </a:rPr>
-              <a:t>projects</a:t>
-            </a:r>
-            <a:endParaRPr kumimoji="0" lang="hu-HU" sz="1800" b="0" i="0" u="none" strike="noStrike" kern="1200" cap="none" spc="0" normalizeH="0" baseline="0" noProof="0" dirty="0" smtClean="0">
-              <a:ln>
-                <a:noFill/>
-              </a:ln>
-              <a:solidFill>
-                <a:schemeClr val="tx1"/>
-              </a:solidFill>
-              <a:effectLst/>
-              <a:uLnTx/>
-              <a:uFillTx/>
-              <a:latin typeface="Helvetica LT Std"/>
-            </a:endParaRPr>
-          </a:p>
-          <a:p>
-            <a:pPr marL="342900" lvl="1" indent="-342900" eaLnBrk="0" hangingPunct="0">
-              <a:spcBef>
-                <a:spcPct val="20000"/>
-              </a:spcBef>
-            </a:pPr>
-            <a:r>
-              <a:rPr lang="hu-HU" i="1" dirty="0" smtClean="0">
-                <a:latin typeface="Helvetica LT Std"/>
-              </a:rPr>
-              <a:t>	 </a:t>
-            </a:r>
-            <a:r>
-              <a:rPr lang="hu-HU" i="1" dirty="0" smtClean="0">
-                <a:latin typeface="Helvetica LT Std"/>
-                <a:hlinkClick r:id="rId2"/>
-              </a:rPr>
-              <a:t>http://java.herokuapp.com/</a:t>
-            </a:r>
-            <a:endParaRPr lang="hu-HU" i="1" dirty="0" smtClean="0">
-              <a:latin typeface="Helvetica LT Std"/>
-            </a:endParaRPr>
-          </a:p>
-          <a:p>
-            <a:pPr marL="342900" lvl="1" indent="-342900" eaLnBrk="0" hangingPunct="0">
-              <a:spcBef>
-                <a:spcPct val="20000"/>
-              </a:spcBef>
-            </a:pPr>
-            <a:endParaRPr kumimoji="0" lang="hu-HU" sz="1800" b="0" i="1" u="none" strike="noStrike" kern="1200" cap="none" spc="0" normalizeH="0" baseline="0" noProof="0" dirty="0" smtClean="0">
-              <a:ln>
-                <a:noFill/>
-              </a:ln>
-              <a:solidFill>
-                <a:schemeClr val="tx1"/>
-              </a:solidFill>
-              <a:effectLst/>
-              <a:uLnTx/>
-              <a:uFillTx/>
-              <a:latin typeface="Helvetica LT Std"/>
-              <a:ea typeface="+mn-ea"/>
-              <a:cs typeface="+mn-cs"/>
-            </a:endParaRPr>
-          </a:p>
-          <a:p>
-            <a:pPr marL="342900" indent="-342900" eaLnBrk="0" hangingPunct="0">
-              <a:spcBef>
-                <a:spcPct val="20000"/>
-              </a:spcBef>
-              <a:buFont typeface="Arial" pitchFamily="34" charset="0"/>
-              <a:buChar char="•"/>
-            </a:pPr>
-            <a:r>
-              <a:rPr lang="hu-HU" dirty="0" err="1" smtClean="0">
-                <a:latin typeface="Helvetica LT Std"/>
-              </a:rPr>
-              <a:t>Heroku</a:t>
-            </a:r>
-            <a:r>
-              <a:rPr lang="hu-HU" dirty="0" smtClean="0">
-                <a:latin typeface="Helvetica LT Std"/>
-              </a:rPr>
-              <a:t> </a:t>
-            </a:r>
-            <a:r>
-              <a:rPr lang="hu-HU" dirty="0" err="1" smtClean="0">
-                <a:latin typeface="Helvetica LT Std"/>
-              </a:rPr>
-              <a:t>Devcenter</a:t>
-            </a:r>
-            <a:endParaRPr kumimoji="0" lang="hu-HU" sz="1800" b="0" i="0" u="none" strike="noStrike" kern="1200" cap="none" spc="0" normalizeH="0" baseline="0" noProof="0" dirty="0" smtClean="0">
-              <a:ln>
-                <a:noFill/>
-              </a:ln>
-              <a:solidFill>
-                <a:schemeClr val="tx1"/>
-              </a:solidFill>
-              <a:effectLst/>
-              <a:uLnTx/>
-              <a:uFillTx/>
-              <a:latin typeface="Helvetica LT Std"/>
-              <a:ea typeface="+mn-ea"/>
-              <a:cs typeface="+mn-cs"/>
-            </a:endParaRPr>
-          </a:p>
-          <a:p>
-            <a:pPr marL="342900" lvl="0" indent="-342900" eaLnBrk="0" hangingPunct="0">
-              <a:spcBef>
-                <a:spcPct val="20000"/>
-              </a:spcBef>
-            </a:pPr>
-            <a:r>
-              <a:rPr lang="hu-HU" i="1" dirty="0" smtClean="0">
-                <a:latin typeface="Helvetica LT Std"/>
-              </a:rPr>
-              <a:t>	</a:t>
-            </a:r>
-            <a:r>
-              <a:rPr lang="hu-HU" i="1" dirty="0" smtClean="0">
-                <a:latin typeface="Helvetica LT Std"/>
-                <a:hlinkClick r:id="rId3"/>
-              </a:rPr>
-              <a:t>http://devcenter.heroku.com/</a:t>
-            </a:r>
-            <a:endParaRPr lang="hu-HU" i="1" dirty="0" smtClean="0">
-              <a:latin typeface="Helvetica LT Std"/>
-            </a:endParaRPr>
-          </a:p>
-          <a:p>
-            <a:pPr marL="342900" lvl="0" indent="-342900" eaLnBrk="0" hangingPunct="0">
-              <a:spcBef>
-                <a:spcPct val="20000"/>
-              </a:spcBef>
-            </a:pPr>
-            <a:endParaRPr kumimoji="0" lang="hu-HU" sz="1800" b="0" i="1" u="none" strike="noStrike" kern="1200" cap="none" spc="0" normalizeH="0" baseline="0" noProof="0" dirty="0" smtClean="0">
-              <a:ln>
-                <a:noFill/>
-              </a:ln>
-              <a:solidFill>
-                <a:schemeClr val="tx1"/>
-              </a:solidFill>
-              <a:effectLst/>
-              <a:uLnTx/>
-              <a:uFillTx/>
-              <a:latin typeface="Helvetica LT Std"/>
-              <a:ea typeface="+mn-ea"/>
-              <a:cs typeface="+mn-cs"/>
-            </a:endParaRPr>
-          </a:p>
-          <a:p>
-            <a:pPr marL="342900" indent="-342900" eaLnBrk="0" hangingPunct="0">
-              <a:spcBef>
-                <a:spcPct val="20000"/>
-              </a:spcBef>
-              <a:buFont typeface="Arial" pitchFamily="34" charset="0"/>
-              <a:buChar char="•"/>
-            </a:pPr>
-            <a:r>
-              <a:rPr lang="hu-HU" dirty="0" err="1" smtClean="0">
-                <a:latin typeface="Helvetica LT Std"/>
-              </a:rPr>
-              <a:t>Add-ons</a:t>
-            </a:r>
-            <a:endParaRPr lang="hu-HU" dirty="0" smtClean="0">
-              <a:latin typeface="Helvetica LT Std"/>
-            </a:endParaRPr>
-          </a:p>
-          <a:p>
-            <a:pPr marL="342900" indent="-342900" eaLnBrk="0" hangingPunct="0">
-              <a:spcBef>
-                <a:spcPct val="20000"/>
-              </a:spcBef>
-            </a:pPr>
-            <a:r>
-              <a:rPr lang="hu-HU" i="1" dirty="0" smtClean="0">
-                <a:latin typeface="Helvetica LT Std"/>
-              </a:rPr>
-              <a:t>	</a:t>
-            </a:r>
-            <a:r>
-              <a:rPr lang="hu-HU" i="1" dirty="0" smtClean="0">
-                <a:latin typeface="Helvetica LT Std"/>
-                <a:hlinkClick r:id="rId4"/>
-              </a:rPr>
-              <a:t>http://addons.heroku.com/</a:t>
-            </a:r>
-            <a:endParaRPr lang="hu-HU" i="1" dirty="0" smtClean="0">
-              <a:latin typeface="Helvetica LT Std"/>
-            </a:endParaRPr>
-          </a:p>
-          <a:p>
-            <a:pPr marL="342900" indent="-342900" eaLnBrk="0" hangingPunct="0">
-              <a:spcBef>
-                <a:spcPct val="20000"/>
-              </a:spcBef>
-            </a:pPr>
-            <a:endParaRPr lang="hu-HU" i="1" dirty="0" smtClean="0">
-              <a:latin typeface="Helvetica LT Std"/>
-            </a:endParaRPr>
-          </a:p>
-          <a:p>
-            <a:pPr marL="342900" indent="-342900" eaLnBrk="0" hangingPunct="0">
-              <a:spcBef>
-                <a:spcPct val="20000"/>
-              </a:spcBef>
-              <a:buFont typeface="Arial" pitchFamily="34" charset="0"/>
-              <a:buChar char="•"/>
-            </a:pPr>
-            <a:r>
-              <a:rPr lang="hu-HU" dirty="0" err="1" smtClean="0">
-                <a:latin typeface="Helvetica LT Std"/>
-              </a:rPr>
-              <a:t>Git</a:t>
-            </a:r>
-            <a:endParaRPr lang="hu-HU" dirty="0" smtClean="0">
-              <a:latin typeface="Helvetica LT Std"/>
-            </a:endParaRPr>
-          </a:p>
-          <a:p>
-            <a:pPr marL="342900" indent="-342900" eaLnBrk="0" hangingPunct="0">
-              <a:spcBef>
-                <a:spcPct val="20000"/>
-              </a:spcBef>
-            </a:pPr>
-            <a:r>
-              <a:rPr lang="hu-HU" dirty="0" smtClean="0">
-                <a:latin typeface="Helvetica LT Std"/>
-              </a:rPr>
-              <a:t>	</a:t>
-            </a:r>
-            <a:r>
-              <a:rPr lang="hu-HU" i="1" dirty="0" smtClean="0">
-                <a:latin typeface="Helvetica LT Std"/>
-              </a:rPr>
-              <a:t> </a:t>
-            </a:r>
-            <a:r>
-              <a:rPr lang="hu-HU" i="1" dirty="0" smtClean="0">
-                <a:latin typeface="Helvetica LT Std"/>
-                <a:hlinkClick r:id="rId5"/>
-              </a:rPr>
-              <a:t>http://help.github.com/</a:t>
-            </a:r>
-            <a:endParaRPr lang="hu-HU" i="1" dirty="0" smtClean="0">
-              <a:latin typeface="Helvetica LT Std"/>
-            </a:endParaRPr>
-          </a:p>
-          <a:p>
-            <a:pPr marL="342900" marR="0" lvl="0" indent="-342900" algn="l" defTabSz="914400" rtl="0" eaLnBrk="0" fontAlgn="base" latinLnBrk="0" hangingPunct="0">
-              <a:lnSpc>
-                <a:spcPct val="100000"/>
-              </a:lnSpc>
-              <a:spcBef>
-                <a:spcPct val="20000"/>
-              </a:spcBef>
-              <a:spcAft>
-                <a:spcPct val="0"/>
-              </a:spcAft>
-              <a:buClrTx/>
-              <a:buSzTx/>
-              <a:buFont typeface="Arial" pitchFamily="34" charset="0"/>
-              <a:buNone/>
-              <a:tabLst/>
-              <a:defRPr/>
-            </a:pPr>
-            <a:endParaRPr kumimoji="0" lang="hu-HU" sz="1800" b="0" i="1" u="none" strike="noStrike" kern="1200" cap="none" spc="0" normalizeH="0" baseline="0" noProof="0" dirty="0" smtClean="0">
-              <a:ln>
-                <a:noFill/>
-              </a:ln>
-              <a:solidFill>
-                <a:schemeClr val="tx1"/>
-              </a:solidFill>
-              <a:effectLst/>
-              <a:uLnTx/>
-              <a:uFillTx/>
-              <a:latin typeface="Helvetica LT Std"/>
-              <a:ea typeface="+mn-ea"/>
-              <a:cs typeface="+mn-cs"/>
-            </a:endParaRPr>
+            <a:r>
+              <a:rPr lang="en-US" sz="6000" dirty="0" smtClean="0"/>
+              <a:t>Questions?</a:t>
+            </a:r>
+            <a:endParaRPr lang="en-US" sz="6000" dirty="0"/>
           </a:p>
         </p:txBody>
       </p:sp>
@@ -4348,123 +4418,6 @@
       </p:grpSpPr>
       <p:sp>
         <p:nvSpPr>
-          <p:cNvPr id="3" name="Footer Placeholder 2"/>
-          <p:cNvSpPr>
-            <a:spLocks noGrp="1"/>
-          </p:cNvSpPr>
-          <p:nvPr>
-            <p:ph type="ftr" sz="quarter" idx="10"/>
-          </p:nvPr>
-        </p:nvSpPr>
-        <p:spPr/>
-        <p:txBody>
-          <a:bodyPr/>
-          <a:lstStyle/>
-          <a:p>
-            <a:pPr>
-              <a:defRPr/>
-            </a:pPr>
-            <a:r>
-              <a:rPr lang="en-US" smtClean="0"/>
-              <a:t>2011 © EPAM Systems</a:t>
-            </a:r>
-            <a:endParaRPr lang="en-US"/>
-          </a:p>
-        </p:txBody>
-      </p:sp>
-      <p:sp>
-        <p:nvSpPr>
-          <p:cNvPr id="4" name="Slide Number Placeholder 3"/>
-          <p:cNvSpPr>
-            <a:spLocks noGrp="1"/>
-          </p:cNvSpPr>
-          <p:nvPr>
-            <p:ph type="sldNum" sz="quarter" idx="11"/>
-          </p:nvPr>
-        </p:nvSpPr>
-        <p:spPr/>
-        <p:txBody>
-          <a:bodyPr/>
-          <a:lstStyle/>
-          <a:p>
-            <a:pPr>
-              <a:defRPr/>
-            </a:pPr>
-            <a:fld id="{AA712712-3884-4B09-89F4-3E21D1ECCFA1}" type="slidenum">
-              <a:rPr lang="en-US" smtClean="0"/>
-              <a:pPr>
-                <a:defRPr/>
-              </a:pPr>
-              <a:t>15</a:t>
-            </a:fld>
-            <a:endParaRPr lang="en-US"/>
-          </a:p>
-        </p:txBody>
-      </p:sp>
-      <p:sp>
-        <p:nvSpPr>
-          <p:cNvPr id="7" name="TextBox 6"/>
-          <p:cNvSpPr txBox="1"/>
-          <p:nvPr/>
-        </p:nvSpPr>
-        <p:spPr>
-          <a:xfrm>
-            <a:off x="2362200" y="2514600"/>
-            <a:ext cx="4076757" cy="1015663"/>
-          </a:xfrm>
-          <a:prstGeom prst="rect">
-            <a:avLst/>
-          </a:prstGeom>
-          <a:noFill/>
-        </p:spPr>
-        <p:txBody>
-          <a:bodyPr wrap="none" rtlCol="0">
-            <a:spAutoFit/>
-          </a:bodyPr>
-          <a:lstStyle/>
-          <a:p>
-            <a:r>
-              <a:rPr lang="en-US" sz="6000" dirty="0" smtClean="0"/>
-              <a:t>Questions?</a:t>
-            </a:r>
-            <a:endParaRPr lang="en-US" sz="6000" dirty="0"/>
-          </a:p>
-        </p:txBody>
-      </p:sp>
-    </p:spTree>
-  </p:cSld>
-  <p:clrMapOvr>
-    <a:masterClrMapping/>
-  </p:clrMapOvr>
-  <p:timing>
-    <p:tnLst>
-      <p:par>
-        <p:cTn id="1" dur="indefinite" restart="never" nodeType="tmRoot"/>
-      </p:par>
-    </p:tnLst>
-  </p:timing>
-</p:sld>
-</file>
-
-<file path=ppt/slides/slide16.xml><?xml version="1.0" encoding="utf-8"?>
-<p:sld xmlns:a="http://schemas.openxmlformats.org/drawingml/2006/main" xmlns:r="http://schemas.openxmlformats.org/officeDocument/2006/relationships" xmlns:p="http://schemas.openxmlformats.org/presentationml/2006/main">
-  <p:cSld>
-    <p:spTree>
-      <p:nvGrpSpPr>
-        <p:cNvPr id="1" name=""/>
-        <p:cNvGrpSpPr/>
-        <p:nvPr/>
-      </p:nvGrpSpPr>
-      <p:grpSpPr>
-        <a:xfrm>
-          <a:off x="0" y="0"/>
-          <a:ext cx="0" cy="0"/>
-          <a:chOff x="0" y="0"/>
-          <a:chExt cx="0" cy="0"/>
-        </a:xfrm>
-      </p:grpSpPr>
-      <p:sp>
-        <p:nvSpPr>
           <p:cNvPr id="5" name="Title 4"/>
           <p:cNvSpPr>
             <a:spLocks noGrp="1"/>
@@ -5058,7 +5011,7 @@
     </p:spTree>
     <p:extLst>
       <p:ext uri="{BB962C8B-B14F-4D97-AF65-F5344CB8AC3E}">
-        <p14:creationId xmlns:p14="http://schemas.microsoft.com/office/powerpoint/2010/main" xmlns="" val="3780603295"/>
+        <p14:creationId xmlns="" xmlns:p14="http://schemas.microsoft.com/office/powerpoint/2010/main" val="3780603295"/>
       </p:ext>
     </p:extLst>
   </p:cSld>
@@ -5204,19 +5157,11 @@
             </a:r>
             <a:r>
               <a:rPr lang="hu-HU" smtClean="0"/>
-              <a:t> </a:t>
-            </a:r>
-            <a:r>
-              <a:rPr lang="hu-HU" smtClean="0"/>
-              <a:t>complete</a:t>
-            </a:r>
-            <a:r>
-              <a:rPr lang="hu-HU" dirty="0" smtClean="0"/>
-              <a:t> </a:t>
-            </a:r>
-            <a:r>
-              <a:rPr lang="hu-HU" dirty="0" smtClean="0"/>
-              <a:t>d</a:t>
+              <a:t> complete</a:t>
+            </a:r>
+            <a:r>
+              <a:rPr lang="hu-HU" dirty="0" smtClean="0"/>
+              <a:t> d</a:t>
             </a:r>
             <a:r>
               <a:rPr lang="en-US" dirty="0" err="1" smtClean="0"/>
@@ -6124,11 +6069,183 @@
           <a:lstStyle/>
           <a:p>
             <a:r>
-              <a:rPr lang="hu-HU" dirty="0" err="1"/>
+              <a:rPr lang="hu-HU" dirty="0" err="1" smtClean="0"/>
+              <a:t>Init</a:t>
+            </a:r>
+            <a:r>
+              <a:rPr lang="hu-HU" dirty="0" smtClean="0"/>
+              <a:t> </a:t>
+            </a:r>
+            <a:r>
+              <a:rPr lang="hu-HU" dirty="0" err="1" smtClean="0"/>
+              <a:t>Git</a:t>
+            </a:r>
+            <a:r>
+              <a:rPr lang="hu-HU" dirty="0" smtClean="0"/>
+              <a:t> </a:t>
+            </a:r>
+            <a:r>
+              <a:rPr lang="hu-HU" dirty="0" err="1" smtClean="0"/>
+              <a:t>repository</a:t>
+            </a:r>
+            <a:r>
+              <a:rPr lang="hu-HU" dirty="0" smtClean="0"/>
+              <a:t>:</a:t>
+            </a:r>
+          </a:p>
+          <a:p>
+            <a:pPr>
+              <a:buNone/>
+            </a:pPr>
+            <a:r>
+              <a:rPr lang="hu-HU" i="1" dirty="0" smtClean="0"/>
+              <a:t>	</a:t>
+            </a:r>
+            <a:r>
+              <a:rPr lang="hu-HU" i="1" dirty="0" err="1" smtClean="0"/>
+              <a:t>git</a:t>
+            </a:r>
+            <a:r>
+              <a:rPr lang="hu-HU" i="1" dirty="0" smtClean="0"/>
+              <a:t> </a:t>
+            </a:r>
+            <a:r>
+              <a:rPr lang="hu-HU" i="1" dirty="0" err="1" smtClean="0"/>
+              <a:t>init</a:t>
+            </a:r>
+            <a:endParaRPr lang="hu-HU" i="1" dirty="0" smtClean="0"/>
+          </a:p>
+          <a:p>
+            <a:r>
+              <a:rPr lang="hu-HU" dirty="0" err="1" smtClean="0"/>
+              <a:t>Adding</a:t>
+            </a:r>
+            <a:r>
+              <a:rPr lang="hu-HU" dirty="0" smtClean="0"/>
+              <a:t> </a:t>
+            </a:r>
+            <a:r>
+              <a:rPr lang="hu-HU" dirty="0" err="1" smtClean="0"/>
+              <a:t>changes</a:t>
+            </a:r>
+            <a:r>
+              <a:rPr lang="hu-HU" dirty="0" smtClean="0"/>
+              <a:t> </a:t>
+            </a:r>
+            <a:r>
+              <a:rPr lang="hu-HU" dirty="0" err="1" smtClean="0"/>
+              <a:t>to</a:t>
+            </a:r>
+            <a:r>
+              <a:rPr lang="hu-HU" dirty="0" smtClean="0"/>
+              <a:t> </a:t>
+            </a:r>
+            <a:r>
+              <a:rPr lang="hu-HU" dirty="0" err="1" smtClean="0"/>
+              <a:t>the</a:t>
+            </a:r>
+            <a:r>
+              <a:rPr lang="hu-HU" dirty="0" smtClean="0"/>
+              <a:t> index:</a:t>
+            </a:r>
+          </a:p>
+          <a:p>
+            <a:pPr>
+              <a:buNone/>
+            </a:pPr>
+            <a:r>
+              <a:rPr lang="hu-HU" i="1" dirty="0" smtClean="0"/>
+              <a:t>	</a:t>
+            </a:r>
+            <a:r>
+              <a:rPr lang="hu-HU" i="1" dirty="0" err="1" smtClean="0"/>
+              <a:t>git</a:t>
+            </a:r>
+            <a:r>
+              <a:rPr lang="hu-HU" i="1" dirty="0" smtClean="0"/>
+              <a:t> add .</a:t>
+            </a:r>
+          </a:p>
+          <a:p>
+            <a:r>
+              <a:rPr lang="hu-HU" dirty="0" err="1" smtClean="0"/>
+              <a:t>Commit</a:t>
+            </a:r>
+            <a:r>
+              <a:rPr lang="hu-HU" dirty="0" smtClean="0"/>
+              <a:t> </a:t>
+            </a:r>
+            <a:r>
+              <a:rPr lang="hu-HU" dirty="0" err="1" smtClean="0"/>
+              <a:t>to</a:t>
+            </a:r>
+            <a:r>
+              <a:rPr lang="hu-HU" dirty="0" smtClean="0"/>
+              <a:t> local </a:t>
+            </a:r>
+            <a:r>
+              <a:rPr lang="hu-HU" dirty="0" err="1" smtClean="0"/>
+              <a:t>repo</a:t>
+            </a:r>
+            <a:r>
+              <a:rPr lang="hu-HU" dirty="0" smtClean="0"/>
+              <a:t>:</a:t>
+            </a:r>
+          </a:p>
+          <a:p>
+            <a:pPr>
+              <a:buNone/>
+            </a:pPr>
+            <a:r>
+              <a:rPr lang="hu-HU" i="1" dirty="0" smtClean="0"/>
+              <a:t>	</a:t>
+            </a:r>
+            <a:r>
+              <a:rPr lang="hu-HU" i="1" dirty="0" err="1" smtClean="0"/>
+              <a:t>git</a:t>
+            </a:r>
+            <a:r>
+              <a:rPr lang="hu-HU" i="1" dirty="0" smtClean="0"/>
+              <a:t> </a:t>
+            </a:r>
+            <a:r>
+              <a:rPr lang="hu-HU" i="1" dirty="0" err="1" smtClean="0"/>
+              <a:t>commit</a:t>
+            </a:r>
+            <a:r>
+              <a:rPr lang="hu-HU" i="1" dirty="0" smtClean="0"/>
+              <a:t> –m ”</a:t>
+            </a:r>
+            <a:r>
+              <a:rPr lang="hu-HU" i="1" dirty="0" err="1" smtClean="0"/>
+              <a:t>commit</a:t>
+            </a:r>
+            <a:r>
+              <a:rPr lang="hu-HU" i="1" dirty="0" smtClean="0"/>
+              <a:t> </a:t>
+            </a:r>
+            <a:r>
+              <a:rPr lang="hu-HU" i="1" dirty="0" err="1" smtClean="0"/>
+              <a:t>message</a:t>
+            </a:r>
+            <a:r>
+              <a:rPr lang="hu-HU" i="1" dirty="0" smtClean="0"/>
+              <a:t>”</a:t>
+            </a:r>
+          </a:p>
+          <a:p>
+            <a:pPr>
+              <a:buNone/>
+            </a:pPr>
+            <a:endParaRPr lang="hu-HU" i="1" dirty="0" smtClean="0"/>
+          </a:p>
+          <a:p>
+            <a:r>
+              <a:rPr lang="hu-HU" dirty="0" err="1" smtClean="0"/>
               <a:t>Create</a:t>
             </a:r>
             <a:r>
-              <a:rPr lang="hu-HU" dirty="0"/>
+              <a:rPr lang="hu-HU" dirty="0" smtClean="0"/>
               <a:t> </a:t>
             </a:r>
             <a:r>
@@ -6214,173 +6331,7 @@
             <a:pPr>
               <a:buNone/>
             </a:pPr>
-            <a:endParaRPr lang="hu-HU" dirty="0" smtClean="0"/>
-          </a:p>
-          <a:p>
-            <a:r>
-              <a:rPr lang="hu-HU" dirty="0" err="1" smtClean="0"/>
-              <a:t>Init</a:t>
-            </a:r>
-            <a:r>
-              <a:rPr lang="hu-HU" dirty="0" smtClean="0"/>
-              <a:t> </a:t>
-            </a:r>
-            <a:r>
-              <a:rPr lang="hu-HU" dirty="0" err="1" smtClean="0"/>
-              <a:t>Git</a:t>
-            </a:r>
-            <a:r>
-              <a:rPr lang="hu-HU" dirty="0" smtClean="0"/>
-              <a:t> </a:t>
-            </a:r>
-            <a:r>
-              <a:rPr lang="hu-HU" dirty="0" err="1" smtClean="0"/>
-              <a:t>repository</a:t>
-            </a:r>
-            <a:r>
-              <a:rPr lang="hu-HU" dirty="0" smtClean="0"/>
-              <a:t>:</a:t>
-            </a:r>
-          </a:p>
-          <a:p>
-            <a:pPr>
-              <a:buNone/>
-            </a:pPr>
-            <a:r>
-              <a:rPr lang="hu-HU" i="1" dirty="0"/>
-              <a:t>	</a:t>
-            </a:r>
-            <a:r>
-              <a:rPr lang="hu-HU" i="1" dirty="0" err="1" smtClean="0"/>
-              <a:t>git</a:t>
-            </a:r>
-            <a:r>
-              <a:rPr lang="hu-HU" i="1" dirty="0" smtClean="0"/>
-              <a:t> </a:t>
-            </a:r>
-            <a:r>
-              <a:rPr lang="hu-HU" i="1" dirty="0" err="1" smtClean="0"/>
-              <a:t>init</a:t>
-            </a:r>
             <a:endParaRPr lang="hu-HU" i="1" dirty="0" smtClean="0"/>
-          </a:p>
-          <a:p>
-            <a:r>
-              <a:rPr lang="hu-HU" dirty="0" err="1" smtClean="0"/>
-              <a:t>Adding</a:t>
-            </a:r>
-            <a:r>
-              <a:rPr lang="hu-HU" dirty="0" smtClean="0"/>
-              <a:t> </a:t>
-            </a:r>
-            <a:r>
-              <a:rPr lang="hu-HU" dirty="0" err="1" smtClean="0"/>
-              <a:t>changes</a:t>
-            </a:r>
-            <a:r>
-              <a:rPr lang="hu-HU" dirty="0" smtClean="0"/>
-              <a:t> </a:t>
-            </a:r>
-            <a:r>
-              <a:rPr lang="hu-HU" dirty="0" err="1" smtClean="0"/>
-              <a:t>to</a:t>
-            </a:r>
-            <a:r>
-              <a:rPr lang="hu-HU" dirty="0" smtClean="0"/>
-              <a:t> </a:t>
-            </a:r>
-            <a:r>
-              <a:rPr lang="hu-HU" dirty="0" err="1" smtClean="0"/>
-              <a:t>the</a:t>
-            </a:r>
-            <a:r>
-              <a:rPr lang="hu-HU" dirty="0" smtClean="0"/>
-              <a:t> index:</a:t>
-            </a:r>
-          </a:p>
-          <a:p>
-            <a:pPr>
-              <a:buNone/>
-            </a:pPr>
-            <a:r>
-              <a:rPr lang="hu-HU" i="1" dirty="0" smtClean="0"/>
-              <a:t>	</a:t>
-            </a:r>
-            <a:r>
-              <a:rPr lang="hu-HU" i="1" dirty="0" err="1" smtClean="0"/>
-              <a:t>git</a:t>
-            </a:r>
-            <a:r>
-              <a:rPr lang="hu-HU" i="1" dirty="0" smtClean="0"/>
-              <a:t> add .</a:t>
-            </a:r>
-          </a:p>
-          <a:p>
-            <a:r>
-              <a:rPr lang="hu-HU" dirty="0" err="1" smtClean="0"/>
-              <a:t>Commit</a:t>
-            </a:r>
-            <a:r>
-              <a:rPr lang="hu-HU" dirty="0" smtClean="0"/>
-              <a:t> </a:t>
-            </a:r>
-            <a:r>
-              <a:rPr lang="hu-HU" dirty="0" err="1" smtClean="0"/>
-              <a:t>to</a:t>
-            </a:r>
-            <a:r>
-              <a:rPr lang="hu-HU" dirty="0" smtClean="0"/>
-              <a:t> local </a:t>
-            </a:r>
-            <a:r>
-              <a:rPr lang="hu-HU" dirty="0" err="1" smtClean="0"/>
-              <a:t>repo</a:t>
-            </a:r>
-            <a:r>
-              <a:rPr lang="hu-HU" dirty="0" smtClean="0"/>
-              <a:t>:</a:t>
-            </a:r>
-          </a:p>
-          <a:p>
-            <a:pPr>
-              <a:buNone/>
-            </a:pPr>
-            <a:r>
-              <a:rPr lang="hu-HU" i="1" dirty="0"/>
-              <a:t>	</a:t>
-            </a:r>
-            <a:r>
-              <a:rPr lang="hu-HU" i="1" dirty="0" err="1" smtClean="0"/>
-              <a:t>git</a:t>
-            </a:r>
-            <a:r>
-              <a:rPr lang="hu-HU" i="1" dirty="0" smtClean="0"/>
-              <a:t> </a:t>
-            </a:r>
-            <a:r>
-              <a:rPr lang="hu-HU" i="1" dirty="0" err="1" smtClean="0"/>
-              <a:t>commit</a:t>
-            </a:r>
-            <a:r>
-              <a:rPr lang="hu-HU" i="1" dirty="0" smtClean="0"/>
-              <a:t> –m ”</a:t>
-            </a:r>
-            <a:r>
-              <a:rPr lang="hu-HU" i="1" dirty="0" err="1" smtClean="0"/>
-              <a:t>commit</a:t>
-            </a:r>
-            <a:r>
-              <a:rPr lang="hu-HU" i="1" dirty="0" smtClean="0"/>
-              <a:t> </a:t>
-            </a:r>
-            <a:r>
-              <a:rPr lang="hu-HU" i="1" dirty="0" err="1" smtClean="0"/>
-              <a:t>message</a:t>
-            </a:r>
-            <a:r>
-              <a:rPr lang="hu-HU" i="1" dirty="0" smtClean="0"/>
-              <a:t>”</a:t>
-            </a:r>
           </a:p>
           <a:p>
             <a:r>
@@ -7724,6 +7675,21 @@
 </file>
 
 <file path=customXml/item1.xml><?xml version="1.0" encoding="utf-8"?>
+<p:properties xmlns:p="http://schemas.microsoft.com/office/2006/metadata/properties" xmlns:xsi="http://www.w3.org/2001/XMLSchema-instance" xmlns:pc="http://schemas.microsoft.com/office/infopath/2007/PartnerControls">
+  <documentManagement/>
+</p:properties>
+</file>
+
+<file path=customXml/item2.xml><?xml version="1.0" encoding="utf-8"?>
+<?mso-contentType ?>
+<FormTemplates xmlns="http://schemas.microsoft.com/sharepoint/v3/contenttype/forms">
+  <Display>DocumentLibraryForm</Display>
+  <Edit>DocumentLibraryForm</Edit>
+  <New>DocumentLibraryForm</New>
+</FormTemplates>
+</file>
+
+<file path=customXml/item3.xml><?xml version="1.0" encoding="utf-8"?>
 <ct:contentTypeSchema xmlns:ct="http://schemas.microsoft.com/office/2006/metadata/contentType" xmlns:ma="http://schemas.microsoft.com/office/2006/metadata/properties/metaAttributes" ct:_="" ma:_="" ma:contentTypeName="Document" ma:contentTypeID="0x010100175146E524073F468C4FC57E5B2789C1" ma:contentTypeVersion="0" ma:contentTypeDescription="Create a new document." ma:contentTypeScope="" ma:versionID="2cd562bb1c5679eea0696edea0d34439">
   <xsd:schema xmlns:xsd="http://www.w3.org/2001/XMLSchema" xmlns:p="http://schemas.microsoft.com/office/2006/metadata/properties" targetNamespace="http://schemas.microsoft.com/office/2006/metadata/properties" ma:root="true" ma:fieldsID="4aeb20c0e3442673af7ee10786458764">
     <xsd:element name="properties">
@@ -7772,32 +7738,17 @@
 </ct:contentTypeSchema>
 </file>
 
-<file path=customXml/item2.xml><?xml version="1.0" encoding="utf-8"?>
-<?mso-contentType ?>
-<FormTemplates xmlns="http://schemas.microsoft.com/sharepoint/v3/contenttype/forms">
-  <Display>DocumentLibraryForm</Display>
-  <Edit>DocumentLibraryForm</Edit>
-  <New>DocumentLibraryForm</New>
-</FormTemplates>
-</file>
-
-<file path=customXml/item3.xml><?xml version="1.0" encoding="utf-8"?>
-<p:properties xmlns:p="http://schemas.microsoft.com/office/2006/metadata/properties" xmlns:xsi="http://www.w3.org/2001/XMLSchema-instance" xmlns:pc="http://schemas.microsoft.com/office/infopath/2007/PartnerControls">
-  <documentManagement/>
-</p:properties>
-</file>
-
 <file path=customXml/itemProps1.xml><?xml version="1.0" encoding="utf-8"?>
-<ds:datastoreItem xmlns:ds="http://schemas.openxmlformats.org/officeDocument/2006/customXml" ds:itemID="{034CAA0A-5047-4F67-A62F-383038D28FEC}">
+<ds:datastoreItem xmlns:ds="http://schemas.openxmlformats.org/officeDocument/2006/customXml" ds:itemID="{201233C3-0E5A-4BE4-AC6A-44DA18E39D2E}">
   <ds:schemaRefs>
-    <ds:schemaRef ds:uri="http://schemas.microsoft.com/office/2006/metadata/contentType"/>
-    <ds:schemaRef ds:uri="http://schemas.microsoft.com/office/2006/metadata/properties/metaAttributes"/>
-    <ds:schemaRef ds:uri="http://www.w3.org/2001/XMLSchema"/>
+    <ds:schemaRef ds:uri="http://purl.org/dc/dcmitype/"/>
+    <ds:schemaRef ds:uri="http://www.w3.org/XML/1998/namespace"/>
+    <ds:schemaRef ds:uri="http://schemas.microsoft.com/office/2006/documentManagement/types"/>
+    <ds:schemaRef ds:uri="http://schemas.openxmlformats.org/package/2006/metadata/core-properties"/>
     <ds:schemaRef ds:uri="http://schemas.microsoft.com/office/2006/metadata/properties"/>
-    <ds:schemaRef ds:uri="http://schemas.openxmlformats.org/package/2006/metadata/core-properties"/>
     <ds:schemaRef ds:uri="http://purl.org/dc/elements/1.1/"/>
     <ds:schemaRef ds:uri="http://purl.org/dc/terms/"/>
-    <ds:schemaRef ds:uri="http://schemas.microsoft.com/office/internal/2005/internalDocumentation"/>
+    <ds:schemaRef ds:uri="http://schemas.microsoft.com/office/infopath/2007/PartnerControls"/>
   </ds:schemaRefs>
 </ds:datastoreItem>
 </file>
@@ -7811,16 +7762,16 @@
 </file>
 
 <file path=customXml/itemProps3.xml><?xml version="1.0" encoding="utf-8"?>
-<ds:datastoreItem xmlns:ds="http://schemas.openxmlformats.org/officeDocument/2006/customXml" ds:itemID="{201233C3-0E5A-4BE4-AC6A-44DA18E39D2E}">
+<ds:datastoreItem xmlns:ds="http://schemas.openxmlformats.org/officeDocument/2006/customXml" ds:itemID="{034CAA0A-5047-4F67-A62F-383038D28FEC}">
   <ds:schemaRefs>
-    <ds:schemaRef ds:uri="http://purl.org/dc/dcmitype/"/>
-    <ds:schemaRef ds:uri="http://www.w3.org/XML/1998/namespace"/>
-    <ds:schemaRef ds:uri="http://schemas.microsoft.com/office/2006/documentManagement/types"/>
+    <ds:schemaRef ds:uri="http://schemas.microsoft.com/office/2006/metadata/contentType"/>
+    <ds:schemaRef ds:uri="http://schemas.microsoft.com/office/2006/metadata/properties/metaAttributes"/>
+    <ds:schemaRef ds:uri="http://www.w3.org/2001/XMLSchema"/>
+    <ds:schemaRef ds:uri="http://schemas.microsoft.com/office/2006/metadata/properties"/>
     <ds:schemaRef ds:uri="http://schemas.openxmlformats.org/package/2006/metadata/core-properties"/>
-    <ds:schemaRef ds:uri="http://schemas.microsoft.com/office/2006/metadata/properties"/>
     <ds:schemaRef ds:uri="http://purl.org/dc/elements/1.1/"/>
     <ds:schemaRef ds:uri="http://purl.org/dc/terms/"/>
-    <ds:schemaRef ds:uri="http://schemas.microsoft.com/office/infopath/2007/PartnerControls"/>
+    <ds:schemaRef ds:uri="http://schemas.microsoft.com/office/internal/2005/internalDocumentation"/>
   </ds:schemaRefs>
 </ds:datastoreItem>
 </file>
--- a/Heroku - meetup.pptx
+++ b/Heroku - meetup.pptx
@@ -5,7 +5,7 @@
     <p:sldMasterId id="2147483648" r:id="rId4"/>
   </p:sldMasterIdLst>
   <p:notesMasterIdLst>
-    <p:notesMasterId r:id="rId20"/>
+    <p:notesMasterId r:id="rId19"/>
   </p:notesMasterIdLst>
   <p:sldIdLst>
     <p:sldId id="309" r:id="rId5"/>
@@ -17,12 +17,11 @@
     <p:sldId id="324" r:id="rId11"/>
     <p:sldId id="325" r:id="rId12"/>
     <p:sldId id="326" r:id="rId13"/>
-    <p:sldId id="336" r:id="rId14"/>
-    <p:sldId id="335" r:id="rId15"/>
-    <p:sldId id="332" r:id="rId16"/>
-    <p:sldId id="334" r:id="rId17"/>
-    <p:sldId id="319" r:id="rId18"/>
-    <p:sldId id="312" r:id="rId19"/>
+    <p:sldId id="335" r:id="rId14"/>
+    <p:sldId id="332" r:id="rId15"/>
+    <p:sldId id="334" r:id="rId16"/>
+    <p:sldId id="319" r:id="rId17"/>
+    <p:sldId id="312" r:id="rId18"/>
   </p:sldIdLst>
   <p:sldSz cx="9144000" cy="6858000" type="screen4x3"/>
   <p:notesSz cx="6858000" cy="9144000"/>
@@ -261,7 +260,7 @@
               <a:pPr>
                 <a:defRPr/>
               </a:pPr>
-              <a:t>3/20/2012</a:t>
+              <a:t>3/22/2012</a:t>
             </a:fld>
             <a:endParaRPr lang="en-US"/>
           </a:p>
@@ -2630,7 +2629,7 @@
       </p:grpSpPr>
       <p:sp>
         <p:nvSpPr>
-          <p:cNvPr id="2" name="Cím 1"/>
+          <p:cNvPr id="2" name="Title 1"/>
           <p:cNvSpPr>
             <a:spLocks noGrp="1"/>
           </p:cNvSpPr>
@@ -2645,43 +2644,47 @@
           <a:p>
             <a:r>
               <a:rPr lang="hu-HU" dirty="0" err="1" smtClean="0"/>
-              <a:t>Environment</a:t>
-            </a:r>
-            <a:r>
-              <a:rPr lang="hu-HU" dirty="0"/>
-              <a:t>  </a:t>
-            </a:r>
-            <a:r>
-              <a:rPr lang="hu-HU" dirty="0" err="1" smtClean="0"/>
-              <a:t>variables</a:t>
-            </a:r>
-            <a:r>
-              <a:rPr lang="hu-HU" dirty="0" smtClean="0"/>
-              <a:t> – ‘</a:t>
-            </a:r>
-            <a:r>
-              <a:rPr lang="hu-HU" dirty="0" err="1" smtClean="0"/>
-              <a:t>heroku</a:t>
-            </a:r>
-            <a:r>
-              <a:rPr lang="hu-HU" dirty="0" smtClean="0"/>
-              <a:t> </a:t>
-            </a:r>
-            <a:r>
-              <a:rPr lang="hu-HU" dirty="0" err="1" smtClean="0"/>
-              <a:t>config</a:t>
-            </a:r>
-            <a:r>
-              <a:rPr lang="hu-HU" dirty="0" smtClean="0"/>
-              <a:t>’</a:t>
-            </a:r>
-            <a:endParaRPr lang="hu-HU" dirty="0"/>
-          </a:p>
-        </p:txBody>
-      </p:sp>
-      <p:sp>
-        <p:nvSpPr>
-          <p:cNvPr id="3" name="Élőláb helye 2"/>
+              <a:t>Extending</a:t>
+            </a:r>
+            <a:r>
+              <a:rPr lang="hu-HU" dirty="0" smtClean="0"/>
+              <a:t> </a:t>
+            </a:r>
+            <a:r>
+              <a:rPr lang="hu-HU" dirty="0" err="1" smtClean="0"/>
+              <a:t>your</a:t>
+            </a:r>
+            <a:r>
+              <a:rPr lang="hu-HU" dirty="0" smtClean="0"/>
+              <a:t> </a:t>
+            </a:r>
+            <a:r>
+              <a:rPr lang="hu-HU" dirty="0" err="1" smtClean="0"/>
+              <a:t>app</a:t>
+            </a:r>
+            <a:r>
+              <a:rPr lang="hu-HU" dirty="0" smtClean="0"/>
+              <a:t> </a:t>
+            </a:r>
+            <a:r>
+              <a:rPr lang="hu-HU" dirty="0" err="1" smtClean="0"/>
+              <a:t>with</a:t>
+            </a:r>
+            <a:r>
+              <a:rPr lang="hu-HU" dirty="0" smtClean="0"/>
+              <a:t> </a:t>
+            </a:r>
+            <a:r>
+              <a:rPr lang="hu-HU" dirty="0" err="1" smtClean="0"/>
+              <a:t>Add-ons</a:t>
+            </a:r>
+            <a:endParaRPr lang="en-US" dirty="0"/>
+          </a:p>
+        </p:txBody>
+      </p:sp>
+      <p:sp>
+        <p:nvSpPr>
+          <p:cNvPr id="3" name="Footer Placeholder 2"/>
           <p:cNvSpPr>
             <a:spLocks noGrp="1"/>
           </p:cNvSpPr>
@@ -2707,7 +2710,7 @@
       </p:sp>
       <p:sp>
         <p:nvSpPr>
-          <p:cNvPr id="4" name="Dia számának helye 3"/>
+          <p:cNvPr id="4" name="Slide Number Placeholder 3"/>
           <p:cNvSpPr>
             <a:spLocks noGrp="1"/>
           </p:cNvSpPr>
@@ -2729,504 +2732,6 @@
                 <a:defRPr/>
               </a:pPr>
               <a:t>10</a:t>
-            </a:fld>
-            <a:endParaRPr lang="en-US" dirty="0"/>
-          </a:p>
-        </p:txBody>
-      </p:sp>
-      <p:sp>
-        <p:nvSpPr>
-          <p:cNvPr id="5" name="Szöveg helye 4"/>
-          <p:cNvSpPr>
-            <a:spLocks noGrp="1"/>
-          </p:cNvSpPr>
-          <p:nvPr>
-            <p:ph type="body" idx="1"/>
-          </p:nvPr>
-        </p:nvSpPr>
-        <p:spPr/>
-        <p:txBody>
-          <a:bodyPr/>
-          <a:lstStyle/>
-          <a:p>
-            <a:r>
-              <a:rPr lang="hu-HU" b="1" dirty="0"/>
-              <a:t>DATABASE_URL</a:t>
-            </a:r>
-            <a:r>
-              <a:rPr lang="hu-HU" dirty="0"/>
-              <a:t> </a:t>
-            </a:r>
-            <a:r>
-              <a:rPr lang="hu-HU" dirty="0" smtClean="0"/>
-              <a:t>=&gt; </a:t>
-            </a:r>
-            <a:r>
-              <a:rPr lang="hu-HU" dirty="0" err="1"/>
-              <a:t>postgres</a:t>
-            </a:r>
-            <a:r>
-              <a:rPr lang="hu-HU" dirty="0"/>
-              <a:t>://</a:t>
-            </a:r>
-            <a:r>
-              <a:rPr lang="hu-HU" dirty="0" err="1" smtClean="0"/>
-              <a:t>pxpcxaijkf</a:t>
-            </a:r>
-            <a:r>
-              <a:rPr lang="hu-HU" dirty="0" smtClean="0"/>
-              <a:t>:</a:t>
-            </a:r>
-            <a:r>
-              <a:rPr lang="hu-HU" dirty="0" err="1" smtClean="0"/>
-              <a:t>xxxxxxxxxxx</a:t>
-            </a:r>
-            <a:r>
-              <a:rPr lang="hu-HU" dirty="0" smtClean="0"/>
-              <a:t>@ec2-75-101-128-168.compute-1.amazonaws.com/</a:t>
-            </a:r>
-            <a:r>
-              <a:rPr lang="hu-HU" dirty="0" err="1" smtClean="0"/>
-              <a:t>pxpcxaijkf</a:t>
-            </a:r>
-            <a:endParaRPr lang="hu-HU" dirty="0"/>
-          </a:p>
-          <a:p>
-            <a:r>
-              <a:rPr lang="hu-HU" b="1" dirty="0"/>
-              <a:t>JAVA_OPTS</a:t>
-            </a:r>
-            <a:r>
-              <a:rPr lang="hu-HU" dirty="0"/>
-              <a:t> </a:t>
-            </a:r>
-            <a:r>
-              <a:rPr lang="hu-HU" dirty="0" smtClean="0"/>
-              <a:t>=&gt; </a:t>
-            </a:r>
-            <a:r>
-              <a:rPr lang="hu-HU" dirty="0"/>
-              <a:t>-Xmx384m -Xss512k -XX:+</a:t>
-            </a:r>
-            <a:r>
-              <a:rPr lang="hu-HU" dirty="0" err="1"/>
-              <a:t>UseCompressedOops</a:t>
-            </a:r>
-            <a:r>
-              <a:rPr lang="hu-HU" dirty="0"/>
-              <a:t> </a:t>
-            </a:r>
-            <a:r>
-              <a:rPr lang="hu-HU" dirty="0" err="1"/>
-              <a:t>-javaagent</a:t>
-            </a:r>
-            <a:r>
-              <a:rPr lang="hu-HU" dirty="0"/>
-              <a:t>:</a:t>
-            </a:r>
-            <a:r>
-              <a:rPr lang="hu-HU" dirty="0" err="1"/>
-              <a:t>newrelic</a:t>
-            </a:r>
-            <a:r>
-              <a:rPr lang="hu-HU" dirty="0"/>
-              <a:t>/</a:t>
-            </a:r>
-            <a:r>
-              <a:rPr lang="hu-HU" dirty="0" err="1"/>
-              <a:t>newrelic.jar</a:t>
-            </a:r>
-            <a:endParaRPr lang="hu-HU" dirty="0"/>
-          </a:p>
-          <a:p>
-            <a:r>
-              <a:rPr lang="hu-HU" b="1" dirty="0"/>
-              <a:t>MAVEN_OPTS</a:t>
-            </a:r>
-            <a:r>
-              <a:rPr lang="hu-HU" dirty="0"/>
-              <a:t> </a:t>
-            </a:r>
-            <a:r>
-              <a:rPr lang="hu-HU" dirty="0" smtClean="0"/>
-              <a:t>=&gt; </a:t>
-            </a:r>
-            <a:r>
-              <a:rPr lang="hu-HU" dirty="0"/>
-              <a:t>-Xmx384m -Xss512k -XX:+</a:t>
-            </a:r>
-            <a:r>
-              <a:rPr lang="hu-HU" dirty="0" err="1"/>
-              <a:t>UseCompressedOops</a:t>
-            </a:r>
-            <a:endParaRPr lang="hu-HU" dirty="0"/>
-          </a:p>
-          <a:p>
-            <a:r>
-              <a:rPr lang="hu-HU" b="1" dirty="0"/>
-              <a:t>MONGOLAB_URI</a:t>
-            </a:r>
-            <a:r>
-              <a:rPr lang="hu-HU" dirty="0"/>
-              <a:t> </a:t>
-            </a:r>
-            <a:r>
-              <a:rPr lang="hu-HU" dirty="0" smtClean="0"/>
-              <a:t>=&gt; </a:t>
-            </a:r>
-            <a:r>
-              <a:rPr lang="hu-HU" dirty="0" err="1"/>
-              <a:t>mongodb</a:t>
-            </a:r>
-            <a:r>
-              <a:rPr lang="hu-HU" dirty="0"/>
-              <a:t>://</a:t>
-            </a:r>
-            <a:r>
-              <a:rPr lang="hu-HU" dirty="0" err="1" smtClean="0"/>
-              <a:t>heroku</a:t>
-            </a:r>
-            <a:r>
-              <a:rPr lang="hu-HU" dirty="0" smtClean="0"/>
-              <a:t>_</a:t>
-            </a:r>
-            <a:r>
-              <a:rPr lang="hu-HU" dirty="0" err="1" smtClean="0"/>
-              <a:t>app</a:t>
-            </a:r>
-            <a:r>
-              <a:rPr lang="hu-HU" dirty="0" err="1"/>
-              <a:t>xxxxxx</a:t>
-            </a:r>
-            <a:r>
-              <a:rPr lang="hu-HU" dirty="0" smtClean="0"/>
-              <a:t>:</a:t>
-            </a:r>
-            <a:r>
-              <a:rPr lang="hu-HU" dirty="0" err="1" smtClean="0"/>
-              <a:t>xxxxxxx</a:t>
-            </a:r>
-            <a:r>
-              <a:rPr lang="hu-HU" dirty="0" smtClean="0"/>
-              <a:t> @ds029817.mongolab.com:29817/</a:t>
-            </a:r>
-            <a:r>
-              <a:rPr lang="hu-HU" dirty="0" err="1" smtClean="0"/>
-              <a:t>heroku</a:t>
-            </a:r>
-            <a:r>
-              <a:rPr lang="hu-HU" dirty="0" smtClean="0"/>
-              <a:t>_</a:t>
-            </a:r>
-            <a:r>
-              <a:rPr lang="hu-HU" dirty="0" err="1" smtClean="0"/>
-              <a:t>app</a:t>
-            </a:r>
-            <a:r>
-              <a:rPr lang="hu-HU" dirty="0" err="1"/>
-              <a:t>xxxxxx</a:t>
-            </a:r>
-            <a:endParaRPr lang="hu-HU" dirty="0"/>
-          </a:p>
-          <a:p>
-            <a:r>
-              <a:rPr lang="hu-HU" b="1" dirty="0"/>
-              <a:t>NEW_RELIC_APP_NAME</a:t>
-            </a:r>
-            <a:r>
-              <a:rPr lang="hu-HU" dirty="0"/>
-              <a:t> </a:t>
-            </a:r>
-            <a:r>
-              <a:rPr lang="hu-HU" dirty="0" smtClean="0"/>
-              <a:t>=&gt; </a:t>
-            </a:r>
-            <a:r>
-              <a:rPr lang="hu-HU" dirty="0" err="1" smtClean="0"/>
-              <a:t>myapp</a:t>
-            </a:r>
-            <a:endParaRPr lang="hu-HU" dirty="0"/>
-          </a:p>
-          <a:p>
-            <a:r>
-              <a:rPr lang="hu-HU" b="1" dirty="0"/>
-              <a:t>NEW_RELIC_ID</a:t>
-            </a:r>
-            <a:r>
-              <a:rPr lang="hu-HU" dirty="0"/>
-              <a:t> </a:t>
-            </a:r>
-            <a:r>
-              <a:rPr lang="hu-HU" dirty="0" smtClean="0"/>
-              <a:t>=&gt; </a:t>
-            </a:r>
-            <a:r>
-              <a:rPr lang="hu-HU" dirty="0"/>
-              <a:t>92645</a:t>
-            </a:r>
-          </a:p>
-          <a:p>
-            <a:r>
-              <a:rPr lang="hu-HU" b="1" dirty="0"/>
-              <a:t>NEW_RELIC_LICENSE_KEY</a:t>
-            </a:r>
-            <a:r>
-              <a:rPr lang="hu-HU" dirty="0"/>
-              <a:t> =&gt; </a:t>
-            </a:r>
-            <a:r>
-              <a:rPr lang="hu-HU" dirty="0" err="1" smtClean="0"/>
-              <a:t>xxxxxxxxxxxxxxxxxxxxxxxxxxxxx</a:t>
-            </a:r>
-            <a:endParaRPr lang="hu-HU" dirty="0"/>
-          </a:p>
-          <a:p>
-            <a:r>
-              <a:rPr lang="hu-HU" b="1" dirty="0" smtClean="0"/>
-              <a:t>PATH</a:t>
-            </a:r>
-            <a:r>
-              <a:rPr lang="hu-HU" dirty="0" smtClean="0"/>
-              <a:t> =&gt; </a:t>
-            </a:r>
-            <a:r>
-              <a:rPr lang="hu-HU" dirty="0"/>
-              <a:t>/</a:t>
-            </a:r>
-            <a:r>
-              <a:rPr lang="hu-HU" dirty="0" err="1"/>
-              <a:t>usr</a:t>
-            </a:r>
-            <a:r>
-              <a:rPr lang="hu-HU" dirty="0"/>
-              <a:t>/local/bin:/</a:t>
-            </a:r>
-            <a:r>
-              <a:rPr lang="hu-HU" dirty="0" err="1"/>
-              <a:t>usr</a:t>
-            </a:r>
-            <a:r>
-              <a:rPr lang="hu-HU" dirty="0"/>
-              <a:t>/</a:t>
-            </a:r>
-            <a:r>
-              <a:rPr lang="hu-HU" dirty="0" err="1"/>
-              <a:t>bin</a:t>
-            </a:r>
-            <a:r>
-              <a:rPr lang="hu-HU" dirty="0"/>
-              <a:t>:/</a:t>
-            </a:r>
-            <a:r>
-              <a:rPr lang="hu-HU" dirty="0" err="1"/>
-              <a:t>bin</a:t>
-            </a:r>
-            <a:endParaRPr lang="hu-HU" dirty="0"/>
-          </a:p>
-          <a:p>
-            <a:r>
-              <a:rPr lang="hu-HU" b="1" dirty="0" smtClean="0"/>
-              <a:t>SENDGRID_PASSWORD</a:t>
-            </a:r>
-            <a:r>
-              <a:rPr lang="hu-HU" dirty="0" smtClean="0"/>
-              <a:t> =&gt; </a:t>
-            </a:r>
-            <a:r>
-              <a:rPr lang="hu-HU" dirty="0" err="1" smtClean="0"/>
-              <a:t>xxxxxxxxxx</a:t>
-            </a:r>
-            <a:endParaRPr lang="hu-HU" dirty="0"/>
-          </a:p>
-          <a:p>
-            <a:r>
-              <a:rPr lang="hu-HU" b="1" dirty="0"/>
-              <a:t>SENDGRID_USERNAME</a:t>
-            </a:r>
-            <a:r>
-              <a:rPr lang="hu-HU" dirty="0"/>
-              <a:t> </a:t>
-            </a:r>
-            <a:r>
-              <a:rPr lang="hu-HU" dirty="0" smtClean="0"/>
-              <a:t>=&gt; </a:t>
-            </a:r>
-            <a:r>
-              <a:rPr lang="hu-HU" dirty="0" err="1" smtClean="0"/>
-              <a:t>app</a:t>
-            </a:r>
-            <a:r>
-              <a:rPr lang="hu-HU" dirty="0" err="1"/>
-              <a:t>xxxxxx</a:t>
-            </a:r>
-            <a:r>
-              <a:rPr lang="hu-HU" dirty="0" smtClean="0"/>
-              <a:t>@</a:t>
-            </a:r>
-            <a:r>
-              <a:rPr lang="hu-HU" dirty="0" err="1" smtClean="0"/>
-              <a:t>heroku.com</a:t>
-            </a:r>
-            <a:endParaRPr lang="hu-HU" dirty="0"/>
-          </a:p>
-          <a:p>
-            <a:r>
-              <a:rPr lang="hu-HU" b="1" dirty="0" smtClean="0"/>
-              <a:t>TZ</a:t>
-            </a:r>
-            <a:r>
-              <a:rPr lang="hu-HU" dirty="0"/>
-              <a:t> </a:t>
-            </a:r>
-            <a:r>
-              <a:rPr lang="hu-HU" dirty="0" smtClean="0"/>
-              <a:t>=&gt; </a:t>
-            </a:r>
-            <a:r>
-              <a:rPr lang="hu-HU" dirty="0"/>
-              <a:t>Europe/Budapest</a:t>
-            </a:r>
-            <a:endParaRPr lang="hu-HU" dirty="0"/>
-          </a:p>
-        </p:txBody>
-      </p:sp>
-    </p:spTree>
-  </p:cSld>
-  <p:clrMapOvr>
-    <a:masterClrMapping/>
-  </p:clrMapOvr>
-  <p:timing>
-    <p:tnLst>
-      <p:par>
-        <p:cTn id="1" dur="indefinite" restart="never" nodeType="tmRoot"/>
-      </p:par>
-    </p:tnLst>
-  </p:timing>
-</p:sld>
-</file>
-
-<file path=ppt/slides/slide11.xml><?xml version="1.0" encoding="utf-8"?>
-<p:sld xmlns:a="http://schemas.openxmlformats.org/drawingml/2006/main" xmlns:r="http://schemas.openxmlformats.org/officeDocument/2006/relationships" xmlns:p="http://schemas.openxmlformats.org/presentationml/2006/main">
-  <p:cSld>
-    <p:spTree>
-      <p:nvGrpSpPr>
-        <p:cNvPr id="1" name=""/>
-        <p:cNvGrpSpPr/>
-        <p:nvPr/>
-      </p:nvGrpSpPr>
-      <p:grpSpPr>
-        <a:xfrm>
-          <a:off x="0" y="0"/>
-          <a:ext cx="0" cy="0"/>
-          <a:chOff x="0" y="0"/>
-          <a:chExt cx="0" cy="0"/>
-        </a:xfrm>
-      </p:grpSpPr>
-      <p:sp>
-        <p:nvSpPr>
-          <p:cNvPr id="2" name="Title 1"/>
-          <p:cNvSpPr>
-            <a:spLocks noGrp="1"/>
-          </p:cNvSpPr>
-          <p:nvPr>
-            <p:ph type="title"/>
-          </p:nvPr>
-        </p:nvSpPr>
-        <p:spPr/>
-        <p:txBody>
-          <a:bodyPr/>
-          <a:lstStyle/>
-          <a:p>
-            <a:r>
-              <a:rPr lang="hu-HU" dirty="0" err="1" smtClean="0"/>
-              <a:t>Extending</a:t>
-            </a:r>
-            <a:r>
-              <a:rPr lang="hu-HU" dirty="0" smtClean="0"/>
-              <a:t> </a:t>
-            </a:r>
-            <a:r>
-              <a:rPr lang="hu-HU" dirty="0" err="1" smtClean="0"/>
-              <a:t>your</a:t>
-            </a:r>
-            <a:r>
-              <a:rPr lang="hu-HU" dirty="0" smtClean="0"/>
-              <a:t> </a:t>
-            </a:r>
-            <a:r>
-              <a:rPr lang="hu-HU" dirty="0" err="1" smtClean="0"/>
-              <a:t>app</a:t>
-            </a:r>
-            <a:r>
-              <a:rPr lang="hu-HU" dirty="0" smtClean="0"/>
-              <a:t> </a:t>
-            </a:r>
-            <a:r>
-              <a:rPr lang="hu-HU" dirty="0" err="1" smtClean="0"/>
-              <a:t>with</a:t>
-            </a:r>
-            <a:r>
-              <a:rPr lang="hu-HU" dirty="0" smtClean="0"/>
-              <a:t> </a:t>
-            </a:r>
-            <a:r>
-              <a:rPr lang="hu-HU" dirty="0" err="1" smtClean="0"/>
-              <a:t>Add-ons</a:t>
-            </a:r>
-            <a:endParaRPr lang="en-US" dirty="0"/>
-          </a:p>
-        </p:txBody>
-      </p:sp>
-      <p:sp>
-        <p:nvSpPr>
-          <p:cNvPr id="3" name="Footer Placeholder 2"/>
-          <p:cNvSpPr>
-            <a:spLocks noGrp="1"/>
-          </p:cNvSpPr>
-          <p:nvPr>
-            <p:ph type="ftr" sz="quarter" idx="10"/>
-          </p:nvPr>
-        </p:nvSpPr>
-        <p:spPr/>
-        <p:txBody>
-          <a:bodyPr/>
-          <a:lstStyle/>
-          <a:p>
-            <a:pPr>
-              <a:defRPr/>
-            </a:pPr>
-            <a:r>
-              <a:rPr lang="en-US" smtClean="0"/>
-              <a:t>2011 © EPAM Systems</a:t>
-            </a:r>
-            <a:endParaRPr lang="en-US"/>
-          </a:p>
-        </p:txBody>
-      </p:sp>
-      <p:sp>
-        <p:nvSpPr>
-          <p:cNvPr id="4" name="Slide Number Placeholder 3"/>
-          <p:cNvSpPr>
-            <a:spLocks noGrp="1"/>
-          </p:cNvSpPr>
-          <p:nvPr>
-            <p:ph type="sldNum" sz="quarter" idx="11"/>
-          </p:nvPr>
-        </p:nvSpPr>
-        <p:spPr/>
-        <p:txBody>
-          <a:bodyPr/>
-          <a:lstStyle/>
-          <a:p>
-            <a:pPr>
-              <a:defRPr/>
-            </a:pPr>
-            <a:fld id="{AA712712-3884-4B09-89F4-3E21D1ECCFA1}" type="slidenum">
-              <a:rPr lang="en-US" smtClean="0"/>
-              <a:pPr>
-                <a:defRPr/>
-              </a:pPr>
-              <a:t>11</a:t>
             </a:fld>
             <a:endParaRPr lang="en-US"/>
           </a:p>
@@ -3279,6 +2784,551 @@
 </p:sld>
 </file>
 
+<file path=ppt/slides/slide11.xml><?xml version="1.0" encoding="utf-8"?>
+<p:sld xmlns:a="http://schemas.openxmlformats.org/drawingml/2006/main" xmlns:r="http://schemas.openxmlformats.org/officeDocument/2006/relationships" xmlns:p="http://schemas.openxmlformats.org/presentationml/2006/main">
+  <p:cSld>
+    <p:spTree>
+      <p:nvGrpSpPr>
+        <p:cNvPr id="1" name=""/>
+        <p:cNvGrpSpPr/>
+        <p:nvPr/>
+      </p:nvGrpSpPr>
+      <p:grpSpPr>
+        <a:xfrm>
+          <a:off x="0" y="0"/>
+          <a:ext cx="0" cy="0"/>
+          <a:chOff x="0" y="0"/>
+          <a:chExt cx="0" cy="0"/>
+        </a:xfrm>
+      </p:grpSpPr>
+      <p:sp>
+        <p:nvSpPr>
+          <p:cNvPr id="2" name="Title 1"/>
+          <p:cNvSpPr>
+            <a:spLocks noGrp="1"/>
+          </p:cNvSpPr>
+          <p:nvPr>
+            <p:ph type="title"/>
+          </p:nvPr>
+        </p:nvSpPr>
+        <p:spPr/>
+        <p:txBody>
+          <a:bodyPr/>
+          <a:lstStyle/>
+          <a:p>
+            <a:r>
+              <a:rPr lang="hu-HU" dirty="0" err="1" smtClean="0"/>
+              <a:t>Scaling</a:t>
+            </a:r>
+            <a:r>
+              <a:rPr lang="hu-HU" dirty="0" smtClean="0"/>
+              <a:t> </a:t>
+            </a:r>
+            <a:r>
+              <a:rPr lang="hu-HU" dirty="0" err="1" smtClean="0"/>
+              <a:t>with</a:t>
+            </a:r>
+            <a:r>
+              <a:rPr lang="hu-HU" dirty="0" smtClean="0"/>
+              <a:t> instant </a:t>
+            </a:r>
+            <a:r>
+              <a:rPr lang="hu-HU" dirty="0" err="1" smtClean="0"/>
+              <a:t>spin-up</a:t>
+            </a:r>
+            <a:endParaRPr lang="en-US" dirty="0"/>
+          </a:p>
+        </p:txBody>
+      </p:sp>
+      <p:sp>
+        <p:nvSpPr>
+          <p:cNvPr id="3" name="Footer Placeholder 2"/>
+          <p:cNvSpPr>
+            <a:spLocks noGrp="1"/>
+          </p:cNvSpPr>
+          <p:nvPr>
+            <p:ph type="ftr" sz="quarter" idx="10"/>
+          </p:nvPr>
+        </p:nvSpPr>
+        <p:spPr/>
+        <p:txBody>
+          <a:bodyPr/>
+          <a:lstStyle/>
+          <a:p>
+            <a:pPr>
+              <a:defRPr/>
+            </a:pPr>
+            <a:r>
+              <a:rPr lang="en-US" smtClean="0"/>
+              <a:t>2011 © EPAM Systems</a:t>
+            </a:r>
+            <a:endParaRPr lang="en-US"/>
+          </a:p>
+        </p:txBody>
+      </p:sp>
+      <p:sp>
+        <p:nvSpPr>
+          <p:cNvPr id="4" name="Slide Number Placeholder 3"/>
+          <p:cNvSpPr>
+            <a:spLocks noGrp="1"/>
+          </p:cNvSpPr>
+          <p:nvPr>
+            <p:ph type="sldNum" sz="quarter" idx="11"/>
+          </p:nvPr>
+        </p:nvSpPr>
+        <p:spPr/>
+        <p:txBody>
+          <a:bodyPr/>
+          <a:lstStyle/>
+          <a:p>
+            <a:pPr>
+              <a:defRPr/>
+            </a:pPr>
+            <a:fld id="{AA712712-3884-4B09-89F4-3E21D1ECCFA1}" type="slidenum">
+              <a:rPr lang="en-US" smtClean="0"/>
+              <a:pPr>
+                <a:defRPr/>
+              </a:pPr>
+              <a:t>11</a:t>
+            </a:fld>
+            <a:endParaRPr lang="en-US" dirty="0"/>
+          </a:p>
+        </p:txBody>
+      </p:sp>
+      <p:sp>
+        <p:nvSpPr>
+          <p:cNvPr id="5" name="Text Placeholder 4"/>
+          <p:cNvSpPr>
+            <a:spLocks noGrp="1"/>
+          </p:cNvSpPr>
+          <p:nvPr>
+            <p:ph type="body" idx="1"/>
+          </p:nvPr>
+        </p:nvSpPr>
+        <p:spPr/>
+        <p:txBody>
+          <a:bodyPr/>
+          <a:lstStyle/>
+          <a:p>
+            <a:r>
+              <a:rPr lang="hu-HU" dirty="0" err="1" smtClean="0"/>
+              <a:t>Scale</a:t>
+            </a:r>
+            <a:r>
+              <a:rPr lang="hu-HU" dirty="0" smtClean="0"/>
+              <a:t> </a:t>
+            </a:r>
+            <a:r>
+              <a:rPr lang="hu-HU" dirty="0" err="1" smtClean="0"/>
+              <a:t>easily</a:t>
+            </a:r>
+            <a:r>
+              <a:rPr lang="hu-HU" dirty="0" smtClean="0"/>
+              <a:t> and </a:t>
+            </a:r>
+            <a:r>
+              <a:rPr lang="hu-HU" dirty="0" err="1" smtClean="0"/>
+              <a:t>instantly</a:t>
+            </a:r>
+            <a:r>
+              <a:rPr lang="hu-HU" dirty="0" smtClean="0"/>
+              <a:t> </a:t>
+            </a:r>
+            <a:r>
+              <a:rPr lang="hu-HU" dirty="0" err="1" smtClean="0"/>
+              <a:t>with</a:t>
+            </a:r>
+            <a:r>
+              <a:rPr lang="hu-HU" dirty="0" smtClean="0"/>
+              <a:t> ‘</a:t>
+            </a:r>
+            <a:r>
+              <a:rPr lang="hu-HU" dirty="0" err="1" smtClean="0"/>
+              <a:t>heroku</a:t>
+            </a:r>
+            <a:r>
+              <a:rPr lang="hu-HU" dirty="0" smtClean="0"/>
+              <a:t>’ </a:t>
+            </a:r>
+            <a:r>
+              <a:rPr lang="hu-HU" dirty="0" err="1" smtClean="0"/>
+              <a:t>command</a:t>
+            </a:r>
+            <a:r>
+              <a:rPr lang="hu-HU" dirty="0" smtClean="0"/>
+              <a:t> line </a:t>
+            </a:r>
+            <a:r>
+              <a:rPr lang="hu-HU" dirty="0" err="1" smtClean="0"/>
+              <a:t>tool</a:t>
+            </a:r>
+            <a:r>
+              <a:rPr lang="hu-HU" dirty="0" smtClean="0"/>
+              <a:t>:</a:t>
+            </a:r>
+          </a:p>
+          <a:p>
+            <a:pPr>
+              <a:buNone/>
+            </a:pPr>
+            <a:r>
+              <a:rPr lang="hu-HU" i="1" dirty="0" smtClean="0"/>
+              <a:t>	</a:t>
+            </a:r>
+            <a:r>
+              <a:rPr lang="hu-HU" i="1" dirty="0" err="1" smtClean="0"/>
+              <a:t>heroku</a:t>
+            </a:r>
+            <a:r>
+              <a:rPr lang="hu-HU" i="1" dirty="0" smtClean="0"/>
+              <a:t> </a:t>
+            </a:r>
+            <a:r>
+              <a:rPr lang="hu-HU" i="1" dirty="0" err="1"/>
+              <a:t>scale</a:t>
+            </a:r>
+            <a:r>
+              <a:rPr lang="hu-HU" i="1" dirty="0"/>
+              <a:t> </a:t>
+            </a:r>
+            <a:r>
+              <a:rPr lang="hu-HU" i="1" dirty="0" smtClean="0"/>
+              <a:t>web=5</a:t>
+            </a:r>
+          </a:p>
+          <a:p>
+            <a:pPr lvl="0"/>
+            <a:r>
+              <a:rPr lang="hu-HU" dirty="0" err="1" smtClean="0">
+                <a:solidFill>
+                  <a:prstClr val="black"/>
+                </a:solidFill>
+              </a:rPr>
+              <a:t>Scaling</a:t>
+            </a:r>
+            <a:r>
+              <a:rPr lang="hu-HU" dirty="0" smtClean="0">
+                <a:solidFill>
+                  <a:prstClr val="black"/>
+                </a:solidFill>
+              </a:rPr>
+              <a:t> web and </a:t>
+            </a:r>
+            <a:r>
+              <a:rPr lang="hu-HU" dirty="0" err="1" smtClean="0">
+                <a:solidFill>
+                  <a:prstClr val="black"/>
+                </a:solidFill>
+              </a:rPr>
+              <a:t>worker</a:t>
+            </a:r>
+            <a:r>
+              <a:rPr lang="hu-HU" dirty="0" smtClean="0">
+                <a:solidFill>
+                  <a:prstClr val="black"/>
+                </a:solidFill>
+              </a:rPr>
+              <a:t> </a:t>
+            </a:r>
+            <a:r>
+              <a:rPr lang="hu-HU" dirty="0" err="1" smtClean="0">
+                <a:solidFill>
+                  <a:prstClr val="black"/>
+                </a:solidFill>
+              </a:rPr>
+              <a:t>dynos</a:t>
+            </a:r>
+            <a:r>
+              <a:rPr lang="hu-HU" dirty="0" smtClean="0">
+                <a:solidFill>
+                  <a:prstClr val="black"/>
+                </a:solidFill>
+              </a:rPr>
+              <a:t>:</a:t>
+            </a:r>
+            <a:endParaRPr lang="hu-HU" dirty="0">
+              <a:solidFill>
+                <a:prstClr val="black"/>
+              </a:solidFill>
+            </a:endParaRPr>
+          </a:p>
+          <a:p>
+            <a:pPr>
+              <a:buNone/>
+            </a:pPr>
+            <a:r>
+              <a:rPr lang="hu-HU" i="1" dirty="0"/>
+              <a:t>	heroku scale </a:t>
+            </a:r>
+            <a:r>
+              <a:rPr lang="hu-HU" i="1" dirty="0" smtClean="0"/>
+              <a:t>web=6 worker=2</a:t>
+            </a:r>
+          </a:p>
+          <a:p>
+            <a:pPr>
+              <a:buNone/>
+            </a:pPr>
+            <a:endParaRPr lang="hu-HU" i="1" dirty="0" smtClean="0"/>
+          </a:p>
+          <a:p>
+            <a:r>
+              <a:rPr lang="hu-HU" dirty="0" err="1" smtClean="0"/>
+              <a:t>Nezumi</a:t>
+            </a:r>
+            <a:r>
+              <a:rPr lang="hu-HU" dirty="0" smtClean="0"/>
+              <a:t> </a:t>
+            </a:r>
+            <a:r>
+              <a:rPr lang="hu-HU" dirty="0" err="1" smtClean="0"/>
+              <a:t>for</a:t>
+            </a:r>
+            <a:r>
+              <a:rPr lang="hu-HU" dirty="0" smtClean="0"/>
+              <a:t> </a:t>
+            </a:r>
+            <a:r>
+              <a:rPr lang="hu-HU" dirty="0" err="1" smtClean="0"/>
+              <a:t>iPhone</a:t>
+            </a:r>
+            <a:r>
+              <a:rPr lang="hu-HU" dirty="0" smtClean="0"/>
+              <a:t>:</a:t>
+            </a:r>
+          </a:p>
+          <a:p>
+            <a:pPr>
+              <a:buNone/>
+            </a:pPr>
+            <a:r>
+              <a:rPr lang="hu-HU" i="1" dirty="0" smtClean="0"/>
+              <a:t>	</a:t>
+            </a:r>
+            <a:r>
+              <a:rPr lang="hu-HU" i="1" dirty="0" smtClean="0">
+                <a:hlinkClick r:id="rId2"/>
+              </a:rPr>
+              <a:t>http</a:t>
+            </a:r>
+            <a:r>
+              <a:rPr lang="hu-HU" i="1" dirty="0">
+                <a:hlinkClick r:id="rId2"/>
+              </a:rPr>
+              <a:t>://nezumiapp.com</a:t>
+            </a:r>
+            <a:r>
+              <a:rPr lang="hu-HU" i="1" dirty="0" smtClean="0">
+                <a:hlinkClick r:id="rId2"/>
+              </a:rPr>
+              <a:t>/</a:t>
+            </a:r>
+            <a:endParaRPr lang="hu-HU" i="1" dirty="0" smtClean="0"/>
+          </a:p>
+          <a:p>
+            <a:pPr>
+              <a:buNone/>
+            </a:pPr>
+            <a:endParaRPr lang="hu-HU" i="1" dirty="0" smtClean="0"/>
+          </a:p>
+          <a:p>
+            <a:r>
+              <a:rPr lang="hu-HU" dirty="0" err="1" smtClean="0"/>
+              <a:t>Autoscaling</a:t>
+            </a:r>
+            <a:r>
+              <a:rPr lang="hu-HU" dirty="0" smtClean="0"/>
+              <a:t> is </a:t>
+            </a:r>
+            <a:r>
+              <a:rPr lang="hu-HU" dirty="0" err="1" smtClean="0"/>
+              <a:t>not</a:t>
+            </a:r>
+            <a:r>
+              <a:rPr lang="hu-HU" dirty="0" smtClean="0"/>
+              <a:t> </a:t>
+            </a:r>
+            <a:r>
+              <a:rPr lang="hu-HU" dirty="0" err="1" smtClean="0"/>
+              <a:t>addressed</a:t>
+            </a:r>
+            <a:r>
+              <a:rPr lang="hu-HU" dirty="0" smtClean="0"/>
+              <a:t> </a:t>
+            </a:r>
+            <a:r>
+              <a:rPr lang="hu-HU" dirty="0" err="1" smtClean="0"/>
+              <a:t>by</a:t>
+            </a:r>
+            <a:r>
+              <a:rPr lang="hu-HU" dirty="0" smtClean="0"/>
+              <a:t> </a:t>
+            </a:r>
+            <a:r>
+              <a:rPr lang="hu-HU" dirty="0" err="1" smtClean="0"/>
+              <a:t>Heroku</a:t>
+            </a:r>
+            <a:endParaRPr lang="hu-HU" dirty="0" smtClean="0"/>
+          </a:p>
+          <a:p>
+            <a:r>
+              <a:rPr lang="hu-HU" dirty="0" err="1" smtClean="0"/>
+              <a:t>Implement</a:t>
+            </a:r>
+            <a:r>
+              <a:rPr lang="hu-HU" dirty="0" smtClean="0"/>
+              <a:t> </a:t>
+            </a:r>
+            <a:r>
+              <a:rPr lang="hu-HU" dirty="0" err="1" smtClean="0"/>
+              <a:t>your</a:t>
+            </a:r>
+            <a:r>
+              <a:rPr lang="hu-HU" dirty="0" smtClean="0"/>
+              <a:t> </a:t>
+            </a:r>
+            <a:r>
+              <a:rPr lang="hu-HU" dirty="0" err="1" smtClean="0"/>
+              <a:t>own</a:t>
+            </a:r>
+            <a:r>
+              <a:rPr lang="hu-HU" dirty="0" smtClean="0"/>
+              <a:t> </a:t>
+            </a:r>
+            <a:r>
+              <a:rPr lang="hu-HU" dirty="0" err="1" smtClean="0"/>
+              <a:t>autoscaling</a:t>
+            </a:r>
+            <a:r>
+              <a:rPr lang="hu-HU" dirty="0" smtClean="0"/>
+              <a:t>, </a:t>
+            </a:r>
+            <a:r>
+              <a:rPr lang="hu-HU" dirty="0" err="1" smtClean="0"/>
+              <a:t>or</a:t>
+            </a:r>
+            <a:r>
+              <a:rPr lang="hu-HU" dirty="0" smtClean="0"/>
+              <a:t> </a:t>
+            </a:r>
+            <a:r>
+              <a:rPr lang="hu-HU" dirty="0" err="1" smtClean="0"/>
+              <a:t>use</a:t>
+            </a:r>
+            <a:r>
+              <a:rPr lang="hu-HU" dirty="0" smtClean="0"/>
+              <a:t> </a:t>
+            </a:r>
+            <a:r>
+              <a:rPr lang="hu-HU" dirty="0" err="1" smtClean="0"/>
+              <a:t>third</a:t>
+            </a:r>
+            <a:r>
+              <a:rPr lang="hu-HU" dirty="0" smtClean="0"/>
+              <a:t> </a:t>
+            </a:r>
+            <a:r>
+              <a:rPr lang="hu-HU" dirty="0" err="1" smtClean="0"/>
+              <a:t>parties</a:t>
+            </a:r>
+            <a:r>
+              <a:rPr lang="hu-HU" dirty="0" smtClean="0"/>
+              <a:t> </a:t>
+            </a:r>
+            <a:r>
+              <a:rPr lang="hu-HU" dirty="0" err="1" smtClean="0"/>
+              <a:t>like</a:t>
+            </a:r>
+            <a:r>
+              <a:rPr lang="hu-HU" dirty="0" smtClean="0"/>
+              <a:t>:</a:t>
+            </a:r>
+          </a:p>
+          <a:p>
+            <a:pPr>
+              <a:buNone/>
+            </a:pPr>
+            <a:r>
+              <a:rPr lang="hu-HU" dirty="0" smtClean="0"/>
+              <a:t>	</a:t>
+            </a:r>
+            <a:r>
+              <a:rPr lang="hu-HU" i="1" dirty="0" smtClean="0">
+                <a:hlinkClick r:id="rId3"/>
+              </a:rPr>
+              <a:t>http</a:t>
+            </a:r>
+            <a:r>
+              <a:rPr lang="hu-HU" i="1" dirty="0">
+                <a:hlinkClick r:id="rId3"/>
+              </a:rPr>
+              <a:t>://hirefireapp.com</a:t>
+            </a:r>
+            <a:r>
+              <a:rPr lang="hu-HU" i="1" dirty="0" smtClean="0">
+                <a:hlinkClick r:id="rId3"/>
+              </a:rPr>
+              <a:t>/</a:t>
+            </a:r>
+            <a:endParaRPr lang="hu-HU" i="1" dirty="0" smtClean="0"/>
+          </a:p>
+          <a:p>
+            <a:pPr>
+              <a:buNone/>
+            </a:pPr>
+            <a:r>
+              <a:rPr lang="hu-HU" i="1" dirty="0" smtClean="0"/>
+              <a:t>	</a:t>
+            </a:r>
+            <a:r>
+              <a:rPr lang="hu-HU" i="1" dirty="0" smtClean="0">
+                <a:hlinkClick r:id="rId4"/>
+              </a:rPr>
+              <a:t>http</a:t>
+            </a:r>
+            <a:r>
+              <a:rPr lang="hu-HU" i="1" dirty="0">
+                <a:hlinkClick r:id="rId4"/>
+              </a:rPr>
+              <a:t>://www.heroscale.com</a:t>
+            </a:r>
+            <a:r>
+              <a:rPr lang="hu-HU" i="1" dirty="0" smtClean="0">
+                <a:hlinkClick r:id="rId4"/>
+              </a:rPr>
+              <a:t>/</a:t>
+            </a:r>
+            <a:endParaRPr lang="hu-HU" i="1" dirty="0" smtClean="0"/>
+          </a:p>
+          <a:p>
+            <a:pPr>
+              <a:buNone/>
+            </a:pPr>
+            <a:endParaRPr lang="hu-HU" i="1" dirty="0"/>
+          </a:p>
+          <a:p>
+            <a:pPr>
+              <a:buNone/>
+            </a:pPr>
+            <a:endParaRPr lang="hu-HU" dirty="0" smtClean="0"/>
+          </a:p>
+        </p:txBody>
+      </p:sp>
+    </p:spTree>
+  </p:cSld>
+  <p:clrMapOvr>
+    <a:masterClrMapping/>
+  </p:clrMapOvr>
+  <p:timing>
+    <p:tnLst>
+      <p:par>
+        <p:cTn id="1" dur="indefinite" restart="never" nodeType="tmRoot"/>
+      </p:par>
+    </p:tnLst>
+  </p:timing>
+</p:sld>
+</file>
+
 <file path=ppt/slides/slide12.xml><?xml version="1.0" encoding="utf-8"?>
 <p:sld xmlns:a="http://schemas.openxmlformats.org/drawingml/2006/main" xmlns:r="http://schemas.openxmlformats.org/officeDocument/2006/relationships" xmlns:p="http://schemas.openxmlformats.org/presentationml/2006/main">
   <p:cSld>
@@ -3313,23 +3363,7 @@
           <a:p>
             <a:r>
               <a:rPr lang="hu-HU" dirty="0" err="1" smtClean="0"/>
-              <a:t>Scaling</a:t>
-            </a:r>
-            <a:r>
-              <a:rPr lang="hu-HU" dirty="0" smtClean="0"/>
-              <a:t> </a:t>
-            </a:r>
-            <a:r>
-              <a:rPr lang="hu-HU" dirty="0" err="1" smtClean="0"/>
-              <a:t>with</a:t>
-            </a:r>
-            <a:r>
-              <a:rPr lang="hu-HU" dirty="0" smtClean="0"/>
-              <a:t> instant </a:t>
-            </a:r>
-            <a:r>
-              <a:rPr lang="hu-HU" dirty="0" err="1" smtClean="0"/>
-              <a:t>spin-up</a:t>
+              <a:t>Resources</a:t>
             </a:r>
             <a:endParaRPr lang="en-US" dirty="0"/>
           </a:p>
@@ -3386,438 +3420,354 @@
               </a:pPr>
               <a:t>12</a:t>
             </a:fld>
-            <a:endParaRPr lang="en-US" dirty="0"/>
-          </a:p>
-        </p:txBody>
-      </p:sp>
-      <p:sp>
-        <p:nvSpPr>
-          <p:cNvPr id="5" name="Text Placeholder 4"/>
-          <p:cNvSpPr>
-            <a:spLocks noGrp="1"/>
-          </p:cNvSpPr>
-          <p:nvPr>
-            <p:ph type="body" idx="1"/>
-          </p:nvPr>
-        </p:nvSpPr>
-        <p:spPr/>
+            <a:endParaRPr lang="en-US"/>
+          </a:p>
+        </p:txBody>
+      </p:sp>
+      <p:sp>
+        <p:nvSpPr>
+          <p:cNvPr id="7" name="Tartalom helye 5"/>
+          <p:cNvSpPr txBox="1">
+            <a:spLocks/>
+          </p:cNvSpPr>
+          <p:nvPr/>
+        </p:nvSpPr>
+        <p:spPr>
+          <a:xfrm>
+            <a:off x="457200" y="762000"/>
+            <a:ext cx="8229600" cy="4953000"/>
+          </a:xfrm>
+          <a:prstGeom prst="rect">
+            <a:avLst/>
+          </a:prstGeom>
+        </p:spPr>
         <p:txBody>
           <a:bodyPr/>
           <a:lstStyle/>
           <a:p>
-            <a:r>
-              <a:rPr lang="hu-HU" dirty="0" err="1" smtClean="0"/>
-              <a:t>Scale</a:t>
-            </a:r>
-            <a:r>
-              <a:rPr lang="hu-HU" dirty="0" smtClean="0"/>
-              <a:t> </a:t>
-            </a:r>
-            <a:r>
-              <a:rPr lang="hu-HU" dirty="0" err="1" smtClean="0"/>
-              <a:t>easily</a:t>
-            </a:r>
-            <a:r>
-              <a:rPr lang="hu-HU" dirty="0" smtClean="0"/>
-              <a:t> and </a:t>
-            </a:r>
-            <a:r>
-              <a:rPr lang="hu-HU" dirty="0" err="1" smtClean="0"/>
-              <a:t>instantly</a:t>
-            </a:r>
-            <a:r>
-              <a:rPr lang="hu-HU" dirty="0" smtClean="0"/>
-              <a:t> </a:t>
-            </a:r>
-            <a:r>
-              <a:rPr lang="hu-HU" dirty="0" err="1" smtClean="0"/>
-              <a:t>with</a:t>
-            </a:r>
-            <a:r>
-              <a:rPr lang="hu-HU" dirty="0" smtClean="0"/>
-              <a:t> ‘</a:t>
-            </a:r>
-            <a:r>
-              <a:rPr lang="hu-HU" dirty="0" err="1" smtClean="0"/>
-              <a:t>heroku</a:t>
-            </a:r>
-            <a:r>
-              <a:rPr lang="hu-HU" dirty="0" smtClean="0"/>
-              <a:t>’ </a:t>
-            </a:r>
-            <a:r>
-              <a:rPr lang="hu-HU" dirty="0" err="1" smtClean="0"/>
-              <a:t>command</a:t>
-            </a:r>
-            <a:r>
-              <a:rPr lang="hu-HU" dirty="0" smtClean="0"/>
-              <a:t> line </a:t>
-            </a:r>
-            <a:r>
-              <a:rPr lang="hu-HU" dirty="0" err="1" smtClean="0"/>
-              <a:t>tool</a:t>
-            </a:r>
-            <a:r>
-              <a:rPr lang="hu-HU" dirty="0" smtClean="0"/>
-              <a:t>:</a:t>
-            </a:r>
-          </a:p>
-          <a:p>
-            <a:pPr>
-              <a:buNone/>
-            </a:pPr>
-            <a:r>
-              <a:rPr lang="hu-HU" i="1" dirty="0" smtClean="0"/>
-              <a:t>	</a:t>
-            </a:r>
-            <a:r>
-              <a:rPr lang="hu-HU" i="1" dirty="0" err="1" smtClean="0"/>
-              <a:t>heroku</a:t>
-            </a:r>
-            <a:r>
-              <a:rPr lang="hu-HU" i="1" dirty="0" smtClean="0"/>
-              <a:t> </a:t>
-            </a:r>
-            <a:r>
-              <a:rPr lang="hu-HU" i="1" dirty="0" err="1"/>
-              <a:t>scale</a:t>
-            </a:r>
-            <a:r>
-              <a:rPr lang="hu-HU" i="1" dirty="0"/>
-              <a:t> </a:t>
-            </a:r>
-            <a:r>
-              <a:rPr lang="hu-HU" i="1" dirty="0" smtClean="0"/>
-              <a:t>web=5</a:t>
-            </a:r>
-          </a:p>
-          <a:p>
-            <a:pPr lvl="0"/>
+            <a:pPr marL="342900" lvl="0" indent="-342900" eaLnBrk="0" hangingPunct="0">
+              <a:spcBef>
+                <a:spcPct val="20000"/>
+              </a:spcBef>
+              <a:buFont typeface="Arial" pitchFamily="34" charset="0"/>
+              <a:buChar char="•"/>
+            </a:pPr>
+            <a:r>
+              <a:rPr lang="hu-HU" smtClean="0">
+                <a:solidFill>
+                  <a:srgbClr val="000000"/>
+                </a:solidFill>
+                <a:latin typeface="Helvetica LT Std"/>
+                <a:ea typeface="Lucida Sans Unicode" pitchFamily="2"/>
+                <a:cs typeface="Lucida Sans Unicode" pitchFamily="2"/>
+              </a:rPr>
+              <a:t>Template</a:t>
+            </a:r>
+            <a:r>
+              <a:rPr lang="hu-HU" smtClean="0">
+                <a:solidFill>
+                  <a:srgbClr val="000000"/>
+                </a:solidFill>
+                <a:latin typeface="Helvetica LT Std"/>
+                <a:ea typeface="Lucida Sans Unicode" pitchFamily="2"/>
+                <a:cs typeface="Lucida Sans Unicode" pitchFamily="2"/>
+              </a:rPr>
+              <a:t> </a:t>
+            </a:r>
+            <a:r>
+              <a:rPr lang="hu-HU" dirty="0" smtClean="0">
+                <a:solidFill>
+                  <a:srgbClr val="000000"/>
+                </a:solidFill>
+                <a:latin typeface="Helvetica LT Std"/>
+                <a:ea typeface="Lucida Sans Unicode" pitchFamily="2"/>
+                <a:cs typeface="Lucida Sans Unicode" pitchFamily="2"/>
+              </a:rPr>
+              <a:t>Java </a:t>
+            </a:r>
             <a:r>
               <a:rPr lang="hu-HU" dirty="0" err="1" smtClean="0">
                 <a:solidFill>
-                  <a:prstClr val="black"/>
+                  <a:srgbClr val="000000"/>
                 </a:solidFill>
+                <a:latin typeface="Helvetica LT Std"/>
+                <a:ea typeface="Lucida Sans Unicode" pitchFamily="2"/>
+                <a:cs typeface="Lucida Sans Unicode" pitchFamily="2"/>
               </a:rPr>
-              <a:t>Scaling</a:t>
-            </a:r>
-            <a:r>
-              <a:rPr lang="hu-HU" dirty="0" smtClean="0">
-                <a:solidFill>
-                  <a:prstClr val="black"/>
-                </a:solidFill>
+              <a:t>projects</a:t>
+            </a:r>
+            <a:endParaRPr kumimoji="0" lang="hu-HU" sz="1800" b="0" i="0" u="none" strike="noStrike" kern="1200" cap="none" spc="0" normalizeH="0" baseline="0" noProof="0" dirty="0" smtClean="0">
+              <a:ln>
+                <a:noFill/>
+              </a:ln>
+              <a:solidFill>
+                <a:schemeClr val="tx1"/>
+              </a:solidFill>
+              <a:effectLst/>
+              <a:uLnTx/>
+              <a:uFillTx/>
+              <a:latin typeface="Helvetica LT Std"/>
+            </a:endParaRPr>
+          </a:p>
+          <a:p>
+            <a:pPr marL="342900" lvl="1" indent="-342900" eaLnBrk="0" hangingPunct="0">
+              <a:spcBef>
+                <a:spcPct val="20000"/>
+              </a:spcBef>
+            </a:pPr>
+            <a:r>
+              <a:rPr lang="hu-HU" i="1" dirty="0" smtClean="0">
+                <a:latin typeface="Helvetica LT Std"/>
               </a:rPr>
-              <a:t> web and </a:t>
-            </a:r>
-            <a:r>
-              <a:rPr lang="hu-HU" dirty="0" err="1" smtClean="0">
-                <a:solidFill>
-                  <a:prstClr val="black"/>
-                </a:solidFill>
-              </a:rPr>
-              <a:t>worker</a:t>
-            </a:r>
-            <a:r>
-              <a:rPr lang="hu-HU" dirty="0" smtClean="0">
-                <a:solidFill>
-                  <a:prstClr val="black"/>
-                </a:solidFill>
-              </a:rPr>
-              <a:t> </a:t>
-            </a:r>
-            <a:r>
-              <a:rPr lang="hu-HU" dirty="0" err="1" smtClean="0">
-                <a:solidFill>
-                  <a:prstClr val="black"/>
-                </a:solidFill>
-              </a:rPr>
-              <a:t>dynos</a:t>
-            </a:r>
-            <a:r>
-              <a:rPr lang="hu-HU" dirty="0" smtClean="0">
-                <a:solidFill>
-                  <a:prstClr val="black"/>
-                </a:solidFill>
-              </a:rPr>
-              <a:t>:</a:t>
-            </a:r>
-            <a:endParaRPr lang="hu-HU" dirty="0">
-              <a:solidFill>
-                <a:prstClr val="black"/>
-              </a:solidFill>
-            </a:endParaRPr>
-          </a:p>
-          <a:p>
-            <a:pPr>
-              <a:buNone/>
-            </a:pPr>
-            <a:r>
-              <a:rPr lang="hu-HU" i="1" dirty="0"/>
-              <a:t>	</a:t>
-            </a:r>
-            <a:r>
-              <a:rPr lang="hu-HU" i="1" dirty="0" err="1"/>
-              <a:t>heroku</a:t>
-            </a:r>
-            <a:r>
-              <a:rPr lang="hu-HU" i="1" dirty="0"/>
-              <a:t> </a:t>
-            </a:r>
-            <a:r>
-              <a:rPr lang="hu-HU" i="1" dirty="0" err="1"/>
-              <a:t>scale</a:t>
-            </a:r>
-            <a:r>
-              <a:rPr lang="hu-HU" i="1" dirty="0"/>
-              <a:t> </a:t>
-            </a:r>
-            <a:r>
-              <a:rPr lang="hu-HU" i="1" dirty="0" smtClean="0"/>
-              <a:t>web=6 </a:t>
-            </a:r>
-            <a:r>
-              <a:rPr lang="hu-HU" i="1" dirty="0" err="1" smtClean="0"/>
-              <a:t>worker</a:t>
-            </a:r>
-            <a:r>
-              <a:rPr lang="hu-HU" i="1" dirty="0" smtClean="0"/>
-              <a:t>=2</a:t>
-            </a:r>
-          </a:p>
-          <a:p>
-            <a:r>
-              <a:rPr lang="hu-HU" dirty="0" err="1" smtClean="0"/>
-              <a:t>Nezumi</a:t>
-            </a:r>
-            <a:r>
-              <a:rPr lang="hu-HU" dirty="0" smtClean="0"/>
-              <a:t> </a:t>
-            </a:r>
-            <a:r>
-              <a:rPr lang="hu-HU" dirty="0" err="1" smtClean="0"/>
-              <a:t>for</a:t>
-            </a:r>
-            <a:r>
-              <a:rPr lang="hu-HU" dirty="0" smtClean="0"/>
-              <a:t> </a:t>
-            </a:r>
-            <a:r>
-              <a:rPr lang="hu-HU" dirty="0" err="1" smtClean="0"/>
-              <a:t>iPhone</a:t>
-            </a:r>
-            <a:r>
-              <a:rPr lang="hu-HU" dirty="0" smtClean="0"/>
-              <a:t>:</a:t>
-            </a:r>
-          </a:p>
-          <a:p>
-            <a:pPr>
-              <a:buNone/>
-            </a:pPr>
-            <a:r>
-              <a:rPr lang="hu-HU" i="1" dirty="0" smtClean="0"/>
-              <a:t>	</a:t>
+              <a:t>	 </a:t>
             </a:r>
             <a:r>
               <a:rPr lang="hu-HU" i="1" dirty="0" smtClean="0">
+                <a:latin typeface="Helvetica LT Std"/>
                 <a:hlinkClick r:id="rId2"/>
               </a:rPr>
-              <a:t>http</a:t>
-            </a:r>
-            <a:r>
-              <a:rPr lang="hu-HU" i="1" dirty="0">
-                <a:hlinkClick r:id="rId2"/>
+              <a:t>http://java.heroku.com/</a:t>
+            </a:r>
+            <a:endParaRPr lang="hu-HU" i="1" dirty="0" smtClean="0">
+              <a:latin typeface="Helvetica LT Std"/>
+            </a:endParaRPr>
+          </a:p>
+          <a:p>
+            <a:pPr marL="342900" lvl="1" indent="-342900" eaLnBrk="0" hangingPunct="0">
+              <a:spcBef>
+                <a:spcPct val="20000"/>
+              </a:spcBef>
+            </a:pPr>
+            <a:endParaRPr kumimoji="0" lang="hu-HU" sz="1800" b="0" i="1" u="none" strike="noStrike" kern="1200" cap="none" spc="0" normalizeH="0" baseline="0" noProof="0" dirty="0" smtClean="0">
+              <a:ln>
+                <a:noFill/>
+              </a:ln>
+              <a:solidFill>
+                <a:schemeClr val="tx1"/>
+              </a:solidFill>
+              <a:effectLst/>
+              <a:uLnTx/>
+              <a:uFillTx/>
+              <a:latin typeface="Helvetica LT Std"/>
+              <a:ea typeface="+mn-ea"/>
+              <a:cs typeface="+mn-cs"/>
+            </a:endParaRPr>
+          </a:p>
+          <a:p>
+            <a:pPr marL="342900" indent="-342900" eaLnBrk="0" hangingPunct="0">
+              <a:spcBef>
+                <a:spcPct val="20000"/>
+              </a:spcBef>
+              <a:buFont typeface="Arial" pitchFamily="34" charset="0"/>
+              <a:buChar char="•"/>
+            </a:pPr>
+            <a:r>
+              <a:rPr lang="hu-HU" dirty="0" err="1" smtClean="0">
+                <a:latin typeface="Helvetica LT Std"/>
               </a:rPr>
-              <a:t>://nezumiapp.com</a:t>
-            </a:r>
+              <a:t>Heroku</a:t>
+            </a:r>
+            <a:r>
+              <a:rPr lang="hu-HU" dirty="0" smtClean="0">
+                <a:latin typeface="Helvetica LT Std"/>
+              </a:rPr>
+              <a:t> </a:t>
+            </a:r>
+            <a:r>
+              <a:rPr lang="hu-HU" dirty="0" err="1" smtClean="0">
+                <a:latin typeface="Helvetica LT Std"/>
+              </a:rPr>
+              <a:t>Devcenter</a:t>
+            </a:r>
+            <a:endParaRPr kumimoji="0" lang="hu-HU" sz="1800" b="0" i="0" u="none" strike="noStrike" kern="1200" cap="none" spc="0" normalizeH="0" baseline="0" noProof="0" dirty="0" smtClean="0">
+              <a:ln>
+                <a:noFill/>
+              </a:ln>
+              <a:solidFill>
+                <a:schemeClr val="tx1"/>
+              </a:solidFill>
+              <a:effectLst/>
+              <a:uLnTx/>
+              <a:uFillTx/>
+              <a:latin typeface="Helvetica LT Std"/>
+              <a:ea typeface="+mn-ea"/>
+              <a:cs typeface="+mn-cs"/>
+            </a:endParaRPr>
+          </a:p>
+          <a:p>
+            <a:pPr marL="342900" lvl="0" indent="-342900" eaLnBrk="0" hangingPunct="0">
+              <a:spcBef>
+                <a:spcPct val="20000"/>
+              </a:spcBef>
+            </a:pPr>
             <a:r>
               <a:rPr lang="hu-HU" i="1" dirty="0" smtClean="0">
-                <a:hlinkClick r:id="rId2"/>
+                <a:latin typeface="Helvetica LT Std"/>
               </a:rPr>
-              <a:t>/</a:t>
-            </a:r>
-            <a:endParaRPr lang="hu-HU" i="1" dirty="0" smtClean="0"/>
-          </a:p>
-          <a:p>
-            <a:r>
-              <a:rPr lang="hu-HU" dirty="0" err="1" smtClean="0"/>
-              <a:t>Autoscaling</a:t>
-            </a:r>
-            <a:r>
-              <a:rPr lang="hu-HU" dirty="0" smtClean="0"/>
-              <a:t> is </a:t>
-            </a:r>
-            <a:r>
-              <a:rPr lang="hu-HU" dirty="0" err="1" smtClean="0"/>
-              <a:t>not</a:t>
-            </a:r>
-            <a:r>
-              <a:rPr lang="hu-HU" dirty="0" smtClean="0"/>
-              <a:t> </a:t>
-            </a:r>
-            <a:r>
-              <a:rPr lang="hu-HU" dirty="0" err="1" smtClean="0"/>
-              <a:t>addressed</a:t>
-            </a:r>
-            <a:r>
-              <a:rPr lang="hu-HU" dirty="0" smtClean="0"/>
-              <a:t> </a:t>
-            </a:r>
-            <a:r>
-              <a:rPr lang="hu-HU" dirty="0" err="1" smtClean="0"/>
-              <a:t>by</a:t>
-            </a:r>
-            <a:r>
-              <a:rPr lang="hu-HU" dirty="0" smtClean="0"/>
-              <a:t> </a:t>
-            </a:r>
-            <a:r>
-              <a:rPr lang="hu-HU" dirty="0" err="1" smtClean="0"/>
-              <a:t>Heroku</a:t>
-            </a:r>
-            <a:endParaRPr lang="hu-HU" dirty="0" smtClean="0"/>
-          </a:p>
-          <a:p>
-            <a:r>
-              <a:rPr lang="hu-HU" dirty="0" err="1" smtClean="0"/>
-              <a:t>Implement</a:t>
-            </a:r>
-            <a:r>
-              <a:rPr lang="hu-HU" dirty="0" smtClean="0"/>
-              <a:t> </a:t>
-            </a:r>
-            <a:r>
-              <a:rPr lang="hu-HU" dirty="0" err="1" smtClean="0"/>
-              <a:t>your</a:t>
-            </a:r>
-            <a:r>
-              <a:rPr lang="hu-HU" dirty="0" smtClean="0"/>
-              <a:t> </a:t>
-            </a:r>
-            <a:r>
-              <a:rPr lang="hu-HU" dirty="0" err="1" smtClean="0"/>
-              <a:t>own</a:t>
-            </a:r>
-            <a:r>
-              <a:rPr lang="hu-HU" dirty="0" smtClean="0"/>
-              <a:t> </a:t>
-            </a:r>
-            <a:r>
-              <a:rPr lang="hu-HU" dirty="0" err="1" smtClean="0"/>
-              <a:t>autoscaling</a:t>
-            </a:r>
-            <a:r>
-              <a:rPr lang="hu-HU" dirty="0" smtClean="0"/>
-              <a:t>, </a:t>
-            </a:r>
-            <a:r>
-              <a:rPr lang="hu-HU" dirty="0" err="1" smtClean="0"/>
-              <a:t>or</a:t>
-            </a:r>
-            <a:r>
-              <a:rPr lang="hu-HU" dirty="0" smtClean="0"/>
-              <a:t> </a:t>
-            </a:r>
-            <a:r>
-              <a:rPr lang="hu-HU" dirty="0" err="1" smtClean="0"/>
-              <a:t>use</a:t>
-            </a:r>
-            <a:r>
-              <a:rPr lang="hu-HU" dirty="0" smtClean="0"/>
-              <a:t> </a:t>
-            </a:r>
-            <a:r>
-              <a:rPr lang="hu-HU" dirty="0" err="1" smtClean="0"/>
-              <a:t>third</a:t>
-            </a:r>
-            <a:r>
-              <a:rPr lang="hu-HU" dirty="0" smtClean="0"/>
-              <a:t> </a:t>
-            </a:r>
-            <a:r>
-              <a:rPr lang="hu-HU" dirty="0" err="1" smtClean="0"/>
-              <a:t>parties</a:t>
-            </a:r>
-            <a:r>
-              <a:rPr lang="hu-HU" dirty="0" smtClean="0"/>
-              <a:t> </a:t>
-            </a:r>
-            <a:r>
-              <a:rPr lang="hu-HU" dirty="0" err="1" smtClean="0"/>
-              <a:t>like</a:t>
-            </a:r>
-            <a:r>
-              <a:rPr lang="hu-HU" dirty="0" smtClean="0"/>
-              <a:t>:</a:t>
-            </a:r>
-          </a:p>
-          <a:p>
-            <a:pPr>
-              <a:buNone/>
-            </a:pPr>
-            <a:r>
-              <a:rPr lang="hu-HU" dirty="0" smtClean="0"/>
               <a:t>	</a:t>
             </a:r>
             <a:r>
               <a:rPr lang="hu-HU" i="1" dirty="0" smtClean="0">
+                <a:latin typeface="Helvetica LT Std"/>
                 <a:hlinkClick r:id="rId3"/>
               </a:rPr>
-              <a:t>http</a:t>
-            </a:r>
-            <a:r>
-              <a:rPr lang="hu-HU" i="1" dirty="0">
-                <a:hlinkClick r:id="rId3"/>
+              <a:t>http://devcenter.heroku.com/</a:t>
+            </a:r>
+            <a:endParaRPr lang="hu-HU" i="1" dirty="0" smtClean="0">
+              <a:latin typeface="Helvetica LT Std"/>
+            </a:endParaRPr>
+          </a:p>
+          <a:p>
+            <a:pPr marL="342900" lvl="0" indent="-342900" eaLnBrk="0" hangingPunct="0">
+              <a:spcBef>
+                <a:spcPct val="20000"/>
+              </a:spcBef>
+            </a:pPr>
+            <a:endParaRPr kumimoji="0" lang="hu-HU" sz="1800" b="0" i="1" u="none" strike="noStrike" kern="1200" cap="none" spc="0" normalizeH="0" baseline="0" noProof="0" dirty="0" smtClean="0">
+              <a:ln>
+                <a:noFill/>
+              </a:ln>
+              <a:solidFill>
+                <a:schemeClr val="tx1"/>
+              </a:solidFill>
+              <a:effectLst/>
+              <a:uLnTx/>
+              <a:uFillTx/>
+              <a:latin typeface="Helvetica LT Std"/>
+              <a:ea typeface="+mn-ea"/>
+              <a:cs typeface="+mn-cs"/>
+            </a:endParaRPr>
+          </a:p>
+          <a:p>
+            <a:pPr marL="342900" indent="-342900" eaLnBrk="0" hangingPunct="0">
+              <a:spcBef>
+                <a:spcPct val="20000"/>
+              </a:spcBef>
+              <a:buFont typeface="Arial" pitchFamily="34" charset="0"/>
+              <a:buChar char="•"/>
+            </a:pPr>
+            <a:r>
+              <a:rPr lang="hu-HU" dirty="0" err="1" smtClean="0">
+                <a:latin typeface="Helvetica LT Std"/>
               </a:rPr>
-              <a:t>://hirefireapp.com</a:t>
-            </a:r>
+              <a:t>Add-ons</a:t>
+            </a:r>
+            <a:endParaRPr lang="hu-HU" dirty="0" smtClean="0">
+              <a:latin typeface="Helvetica LT Std"/>
+            </a:endParaRPr>
+          </a:p>
+          <a:p>
+            <a:pPr marL="342900" indent="-342900" eaLnBrk="0" hangingPunct="0">
+              <a:spcBef>
+                <a:spcPct val="20000"/>
+              </a:spcBef>
+            </a:pPr>
             <a:r>
               <a:rPr lang="hu-HU" i="1" dirty="0" smtClean="0">
-                <a:hlinkClick r:id="rId3"/>
+                <a:latin typeface="Helvetica LT Std"/>
               </a:rPr>
-              <a:t>/</a:t>
-            </a:r>
-            <a:endParaRPr lang="hu-HU" i="1" dirty="0" smtClean="0"/>
-          </a:p>
-          <a:p>
-            <a:pPr>
-              <a:buNone/>
-            </a:pPr>
-            <a:r>
-              <a:rPr lang="hu-HU" i="1" dirty="0" smtClean="0"/>
               <a:t>	</a:t>
             </a:r>
             <a:r>
               <a:rPr lang="hu-HU" i="1" dirty="0" smtClean="0">
+                <a:latin typeface="Helvetica LT Std"/>
                 <a:hlinkClick r:id="rId4"/>
               </a:rPr>
-              <a:t>http</a:t>
-            </a:r>
-            <a:r>
-              <a:rPr lang="hu-HU" i="1" dirty="0">
-                <a:hlinkClick r:id="rId4"/>
+              <a:t>http://addons.heroku.com/</a:t>
+            </a:r>
+            <a:endParaRPr lang="hu-HU" i="1" dirty="0" smtClean="0">
+              <a:latin typeface="Helvetica LT Std"/>
+            </a:endParaRPr>
+          </a:p>
+          <a:p>
+            <a:pPr marL="342900" indent="-342900" eaLnBrk="0" hangingPunct="0">
+              <a:spcBef>
+                <a:spcPct val="20000"/>
+              </a:spcBef>
+            </a:pPr>
+            <a:endParaRPr lang="hu-HU" i="1" dirty="0" smtClean="0">
+              <a:latin typeface="Helvetica LT Std"/>
+            </a:endParaRPr>
+          </a:p>
+          <a:p>
+            <a:pPr marL="342900" indent="-342900" eaLnBrk="0" hangingPunct="0">
+              <a:spcBef>
+                <a:spcPct val="20000"/>
+              </a:spcBef>
+              <a:buFont typeface="Arial" pitchFamily="34" charset="0"/>
+              <a:buChar char="•"/>
+            </a:pPr>
+            <a:r>
+              <a:rPr lang="hu-HU" dirty="0" err="1" smtClean="0">
+                <a:latin typeface="Helvetica LT Std"/>
               </a:rPr>
-              <a:t>://www.heroscale.com</a:t>
+              <a:t>Git</a:t>
+            </a:r>
+            <a:endParaRPr lang="hu-HU" dirty="0" smtClean="0">
+              <a:latin typeface="Helvetica LT Std"/>
+            </a:endParaRPr>
+          </a:p>
+          <a:p>
+            <a:pPr marL="342900" indent="-342900" eaLnBrk="0" hangingPunct="0">
+              <a:spcBef>
+                <a:spcPct val="20000"/>
+              </a:spcBef>
+            </a:pPr>
+            <a:r>
+              <a:rPr lang="hu-HU" dirty="0" smtClean="0">
+                <a:latin typeface="Helvetica LT Std"/>
+              </a:rPr>
+              <a:t>	</a:t>
             </a:r>
             <a:r>
               <a:rPr lang="hu-HU" i="1" dirty="0" smtClean="0">
-                <a:hlinkClick r:id="rId4"/>
+                <a:latin typeface="Helvetica LT Std"/>
               </a:rPr>
-              <a:t>/</a:t>
-            </a:r>
-            <a:endParaRPr lang="hu-HU" i="1" dirty="0" smtClean="0"/>
-          </a:p>
-          <a:p>
-            <a:pPr>
+              <a:t> </a:t>
+            </a:r>
+            <a:r>
+              <a:rPr lang="hu-HU" i="1" dirty="0" smtClean="0">
+                <a:latin typeface="Helvetica LT Std"/>
+                <a:hlinkClick r:id="rId5"/>
+              </a:rPr>
+              <a:t>http://help.github.com/</a:t>
+            </a:r>
+            <a:endParaRPr lang="hu-HU" i="1" dirty="0" smtClean="0">
+              <a:latin typeface="Helvetica LT Std"/>
+            </a:endParaRPr>
+          </a:p>
+          <a:p>
+            <a:pPr marL="342900" marR="0" lvl="0" indent="-342900" algn="l" defTabSz="914400" rtl="0" eaLnBrk="0" fontAlgn="base" latinLnBrk="0" hangingPunct="0">
+              <a:lnSpc>
+                <a:spcPct val="100000"/>
+              </a:lnSpc>
+              <a:spcBef>
+                <a:spcPct val="20000"/>
+              </a:spcBef>
+              <a:spcAft>
+                <a:spcPct val="0"/>
+              </a:spcAft>
+              <a:buClrTx/>
+              <a:buSzTx/>
+              <a:buFont typeface="Arial" pitchFamily="34" charset="0"/>
               <a:buNone/>
-            </a:pPr>
-            <a:endParaRPr lang="hu-HU" i="1" dirty="0"/>
-          </a:p>
-          <a:p>
-            <a:pPr>
-              <a:buNone/>
-            </a:pPr>
-            <a:endParaRPr lang="hu-HU" dirty="0" smtClean="0"/>
+              <a:tabLst/>
+              <a:defRPr/>
+            </a:pPr>
+            <a:endParaRPr kumimoji="0" lang="hu-HU" sz="1800" b="0" i="1" u="none" strike="noStrike" kern="1200" cap="none" spc="0" normalizeH="0" baseline="0" noProof="0" dirty="0" smtClean="0">
+              <a:ln>
+                <a:noFill/>
+              </a:ln>
+              <a:solidFill>
+                <a:schemeClr val="tx1"/>
+              </a:solidFill>
+              <a:effectLst/>
+              <a:uLnTx/>
+              <a:uFillTx/>
+              <a:latin typeface="Helvetica LT Std"/>
+              <a:ea typeface="+mn-ea"/>
+              <a:cs typeface="+mn-cs"/>
+            </a:endParaRPr>
           </a:p>
         </p:txBody>
       </p:sp>
@@ -3855,29 +3805,6 @@
       </p:grpSpPr>
       <p:sp>
         <p:nvSpPr>
-          <p:cNvPr id="2" name="Title 1"/>
-          <p:cNvSpPr>
-            <a:spLocks noGrp="1"/>
-          </p:cNvSpPr>
-          <p:nvPr>
-            <p:ph type="title"/>
-          </p:nvPr>
-        </p:nvSpPr>
-        <p:spPr/>
-        <p:txBody>
-          <a:bodyPr/>
-          <a:lstStyle/>
-          <a:p>
-            <a:r>
-              <a:rPr lang="hu-HU" dirty="0" err="1" smtClean="0"/>
-              <a:t>Resources</a:t>
-            </a:r>
-            <a:endParaRPr lang="en-US" dirty="0"/>
-          </a:p>
-        </p:txBody>
-      </p:sp>
-      <p:sp>
-        <p:nvSpPr>
           <p:cNvPr id="3" name="Footer Placeholder 2"/>
           <p:cNvSpPr>
             <a:spLocks noGrp="1"/>
@@ -3933,337 +3860,31 @@
       </p:sp>
       <p:sp>
         <p:nvSpPr>
-          <p:cNvPr id="7" name="Tartalom helye 5"/>
-          <p:cNvSpPr txBox="1">
-            <a:spLocks/>
-          </p:cNvSpPr>
+          <p:cNvPr id="7" name="TextBox 6"/>
+          <p:cNvSpPr txBox="1"/>
           <p:nvPr/>
         </p:nvSpPr>
         <p:spPr>
           <a:xfrm>
-            <a:off x="457200" y="762000"/>
-            <a:ext cx="8229600" cy="4953000"/>
+            <a:off x="2362200" y="2514600"/>
+            <a:ext cx="4076757" cy="1015663"/>
           </a:xfrm>
           <a:prstGeom prst="rect">
             <a:avLst/>
           </a:prstGeom>
+          <a:noFill/>
         </p:spPr>
         <p:txBody>
-          <a:bodyPr/>
+          <a:bodyPr wrap="none" rtlCol="0">
+            <a:spAutoFit/>
+          </a:bodyPr>
           <a:lstStyle/>
           <a:p>
-            <a:pPr marL="342900" lvl="0" indent="-342900" eaLnBrk="0" hangingPunct="0">
-              <a:spcBef>
-                <a:spcPct val="20000"/>
-              </a:spcBef>
-              <a:buFont typeface="Arial" pitchFamily="34" charset="0"/>
-              <a:buChar char="•"/>
-            </a:pPr>
-            <a:r>
-              <a:rPr lang="hu-HU" dirty="0" err="1" smtClean="0">
-                <a:solidFill>
-                  <a:srgbClr val="000000"/>
-                </a:solidFill>
-                <a:latin typeface="Helvetica LT Std"/>
-                <a:ea typeface="Lucida Sans Unicode" pitchFamily="2"/>
-                <a:cs typeface="Lucida Sans Unicode" pitchFamily="2"/>
-              </a:rPr>
-              <a:t>Sample</a:t>
-            </a:r>
-            <a:r>
-              <a:rPr lang="hu-HU" dirty="0" smtClean="0">
-                <a:solidFill>
-                  <a:srgbClr val="000000"/>
-                </a:solidFill>
-                <a:latin typeface="Helvetica LT Std"/>
-                <a:ea typeface="Lucida Sans Unicode" pitchFamily="2"/>
-                <a:cs typeface="Lucida Sans Unicode" pitchFamily="2"/>
-              </a:rPr>
-              <a:t> Java </a:t>
-            </a:r>
-            <a:r>
-              <a:rPr lang="hu-HU" dirty="0" err="1" smtClean="0">
-                <a:solidFill>
-                  <a:srgbClr val="000000"/>
-                </a:solidFill>
-                <a:latin typeface="Helvetica LT Std"/>
-                <a:ea typeface="Lucida Sans Unicode" pitchFamily="2"/>
-                <a:cs typeface="Lucida Sans Unicode" pitchFamily="2"/>
-              </a:rPr>
-              <a:t>projects</a:t>
-            </a:r>
-            <a:endParaRPr kumimoji="0" lang="hu-HU" sz="1800" b="0" i="0" u="none" strike="noStrike" kern="1200" cap="none" spc="0" normalizeH="0" baseline="0" noProof="0" dirty="0" smtClean="0">
-              <a:ln>
-                <a:noFill/>
-              </a:ln>
-              <a:solidFill>
-                <a:schemeClr val="tx1"/>
-              </a:solidFill>
-              <a:effectLst/>
-              <a:uLnTx/>
-              <a:uFillTx/>
-              <a:latin typeface="Helvetica LT Std"/>
-            </a:endParaRPr>
-          </a:p>
-          <a:p>
-            <a:pPr marL="342900" lvl="1" indent="-342900" eaLnBrk="0" hangingPunct="0">
-              <a:spcBef>
-                <a:spcPct val="20000"/>
-              </a:spcBef>
-            </a:pPr>
-            <a:r>
-              <a:rPr lang="hu-HU" i="1" dirty="0" smtClean="0">
-                <a:latin typeface="Helvetica LT Std"/>
-              </a:rPr>
-              <a:t>	 </a:t>
-            </a:r>
-            <a:r>
-              <a:rPr lang="hu-HU" i="1" dirty="0" smtClean="0">
-                <a:latin typeface="Helvetica LT Std"/>
-                <a:hlinkClick r:id="rId2"/>
-              </a:rPr>
-              <a:t>http://java.herokuapp.com/</a:t>
-            </a:r>
-            <a:endParaRPr lang="hu-HU" i="1" dirty="0" smtClean="0">
-              <a:latin typeface="Helvetica LT Std"/>
-            </a:endParaRPr>
-          </a:p>
-          <a:p>
-            <a:pPr marL="342900" lvl="1" indent="-342900" eaLnBrk="0" hangingPunct="0">
-              <a:spcBef>
-                <a:spcPct val="20000"/>
-              </a:spcBef>
-            </a:pPr>
-            <a:endParaRPr kumimoji="0" lang="hu-HU" sz="1800" b="0" i="1" u="none" strike="noStrike" kern="1200" cap="none" spc="0" normalizeH="0" baseline="0" noProof="0" dirty="0" smtClean="0">
-              <a:ln>
-                <a:noFill/>
-              </a:ln>
-              <a:solidFill>
-                <a:schemeClr val="tx1"/>
-              </a:solidFill>
-              <a:effectLst/>
-              <a:uLnTx/>
-              <a:uFillTx/>
-              <a:latin typeface="Helvetica LT Std"/>
-              <a:ea typeface="+mn-ea"/>
-              <a:cs typeface="+mn-cs"/>
-            </a:endParaRPr>
-          </a:p>
-          <a:p>
-            <a:pPr marL="342900" indent="-342900" eaLnBrk="0" hangingPunct="0">
-              <a:spcBef>
-                <a:spcPct val="20000"/>
-              </a:spcBef>
-              <a:buFont typeface="Arial" pitchFamily="34" charset="0"/>
-              <a:buChar char="•"/>
-            </a:pPr>
-            <a:r>
-              <a:rPr lang="hu-HU" dirty="0" err="1" smtClean="0">
-                <a:latin typeface="Helvetica LT Std"/>
-              </a:rPr>
-              <a:t>Heroku</a:t>
-            </a:r>
-            <a:r>
-              <a:rPr lang="hu-HU" dirty="0" smtClean="0">
-                <a:latin typeface="Helvetica LT Std"/>
-              </a:rPr>
-              <a:t> </a:t>
-            </a:r>
-            <a:r>
-              <a:rPr lang="hu-HU" dirty="0" err="1" smtClean="0">
-                <a:latin typeface="Helvetica LT Std"/>
-              </a:rPr>
-              <a:t>Devcenter</a:t>
-            </a:r>
-            <a:endParaRPr kumimoji="0" lang="hu-HU" sz="1800" b="0" i="0" u="none" strike="noStrike" kern="1200" cap="none" spc="0" normalizeH="0" baseline="0" noProof="0" dirty="0" smtClean="0">
-              <a:ln>
-                <a:noFill/>
-              </a:ln>
-              <a:solidFill>
-                <a:schemeClr val="tx1"/>
-              </a:solidFill>
-              <a:effectLst/>
-              <a:uLnTx/>
-              <a:uFillTx/>
-              <a:latin typeface="Helvetica LT Std"/>
-              <a:ea typeface="+mn-ea"/>
-              <a:cs typeface="+mn-cs"/>
-            </a:endParaRPr>
-          </a:p>
-          <a:p>
-            <a:pPr marL="342900" lvl="0" indent="-342900" eaLnBrk="0" hangingPunct="0">
-              <a:spcBef>
-                <a:spcPct val="20000"/>
-              </a:spcBef>
-            </a:pPr>
-            <a:r>
-              <a:rPr lang="hu-HU" i="1" dirty="0" smtClean="0">
-                <a:latin typeface="Helvetica LT Std"/>
-              </a:rPr>
-              <a:t>	</a:t>
-            </a:r>
-            <a:r>
-              <a:rPr lang="hu-HU" i="1" dirty="0" smtClean="0">
-                <a:latin typeface="Helvetica LT Std"/>
-                <a:hlinkClick r:id="rId3"/>
-              </a:rPr>
-              <a:t>http://devcenter.heroku.com/</a:t>
-            </a:r>
-            <a:endParaRPr lang="hu-HU" i="1" dirty="0" smtClean="0">
-              <a:latin typeface="Helvetica LT Std"/>
-            </a:endParaRPr>
-          </a:p>
-          <a:p>
-            <a:pPr marL="342900" lvl="0" indent="-342900" eaLnBrk="0" hangingPunct="0">
-              <a:spcBef>
-                <a:spcPct val="20000"/>
-              </a:spcBef>
-            </a:pPr>
-            <a:endParaRPr kumimoji="0" lang="hu-HU" sz="1800" b="0" i="1" u="none" strike="noStrike" kern="1200" cap="none" spc="0" normalizeH="0" baseline="0" noProof="0" dirty="0" smtClean="0">
-              <a:ln>
-                <a:noFill/>
-              </a:ln>
-              <a:solidFill>
-                <a:schemeClr val="tx1"/>
-              </a:solidFill>
-              <a:effectLst/>
-              <a:uLnTx/>
-              <a:uFillTx/>
-              <a:latin typeface="Helvetica LT Std"/>
-              <a:ea typeface="+mn-ea"/>
-              <a:cs typeface="+mn-cs"/>
-            </a:endParaRPr>
-          </a:p>
-          <a:p>
-            <a:pPr marL="342900" indent="-342900" eaLnBrk="0" hangingPunct="0">
-              <a:spcBef>
-                <a:spcPct val="20000"/>
-              </a:spcBef>
-              <a:buFont typeface="Arial" pitchFamily="34" charset="0"/>
-              <a:buChar char="•"/>
-            </a:pPr>
-            <a:r>
-              <a:rPr lang="hu-HU" dirty="0" err="1" smtClean="0">
-                <a:latin typeface="Helvetica LT Std"/>
-              </a:rPr>
-              <a:t>Add-ons</a:t>
-            </a:r>
-            <a:endParaRPr lang="hu-HU" dirty="0" smtClean="0">
-              <a:latin typeface="Helvetica LT Std"/>
-            </a:endParaRPr>
-          </a:p>
-          <a:p>
-            <a:pPr marL="342900" indent="-342900" eaLnBrk="0" hangingPunct="0">
-              <a:spcBef>
-                <a:spcPct val="20000"/>
-              </a:spcBef>
-            </a:pPr>
-            <a:r>
-              <a:rPr lang="hu-HU" i="1" dirty="0" smtClean="0">
-                <a:latin typeface="Helvetica LT Std"/>
-              </a:rPr>
-              <a:t>	</a:t>
-            </a:r>
-            <a:r>
-              <a:rPr lang="hu-HU" i="1" dirty="0" smtClean="0">
-                <a:latin typeface="Helvetica LT Std"/>
-                <a:hlinkClick r:id="rId4"/>
-              </a:rPr>
-              <a:t>http://addons.heroku.com/</a:t>
-            </a:r>
-            <a:endParaRPr lang="hu-HU" i="1" dirty="0" smtClean="0">
-              <a:latin typeface="Helvetica LT Std"/>
-            </a:endParaRPr>
-          </a:p>
-          <a:p>
-            <a:pPr marL="342900" indent="-342900" eaLnBrk="0" hangingPunct="0">
-              <a:spcBef>
-                <a:spcPct val="20000"/>
-              </a:spcBef>
-            </a:pPr>
-            <a:endParaRPr lang="hu-HU" i="1" dirty="0" smtClean="0">
-              <a:latin typeface="Helvetica LT Std"/>
-            </a:endParaRPr>
-          </a:p>
-          <a:p>
-            <a:pPr marL="342900" indent="-342900" eaLnBrk="0" hangingPunct="0">
-              <a:spcBef>
-                <a:spcPct val="20000"/>
-              </a:spcBef>
-              <a:buFont typeface="Arial" pitchFamily="34" charset="0"/>
-              <a:buChar char="•"/>
-            </a:pPr>
-            <a:r>
-              <a:rPr lang="hu-HU" dirty="0" err="1" smtClean="0">
-                <a:latin typeface="Helvetica LT Std"/>
-              </a:rPr>
-              <a:t>Git</a:t>
-            </a:r>
-            <a:endParaRPr lang="hu-HU" dirty="0" smtClean="0">
-              <a:latin typeface="Helvetica LT Std"/>
-            </a:endParaRPr>
-          </a:p>
-          <a:p>
-            <a:pPr marL="342900" indent="-342900" eaLnBrk="0" hangingPunct="0">
-              <a:spcBef>
-                <a:spcPct val="20000"/>
-              </a:spcBef>
-            </a:pPr>
-            <a:r>
-              <a:rPr lang="hu-HU" dirty="0" smtClean="0">
-                <a:latin typeface="Helvetica LT Std"/>
-              </a:rPr>
-              <a:t>	</a:t>
-            </a:r>
-            <a:r>
-              <a:rPr lang="hu-HU" i="1" dirty="0" smtClean="0">
-                <a:latin typeface="Helvetica LT Std"/>
-              </a:rPr>
-              <a:t> </a:t>
-            </a:r>
-            <a:r>
-              <a:rPr lang="hu-HU" i="1" dirty="0" smtClean="0">
-                <a:latin typeface="Helvetica LT Std"/>
-                <a:hlinkClick r:id="rId5"/>
-              </a:rPr>
-              <a:t>http://help.github.com/</a:t>
-            </a:r>
-            <a:endParaRPr lang="hu-HU" i="1" dirty="0" smtClean="0">
-              <a:latin typeface="Helvetica LT Std"/>
-            </a:endParaRPr>
-          </a:p>
-          <a:p>
-            <a:pPr marL="342900" marR="0" lvl="0" indent="-342900" algn="l" defTabSz="914400" rtl="0" eaLnBrk="0" fontAlgn="base" latinLnBrk="0" hangingPunct="0">
-              <a:lnSpc>
-                <a:spcPct val="100000"/>
-              </a:lnSpc>
-              <a:spcBef>
-                <a:spcPct val="20000"/>
-              </a:spcBef>
-              <a:spcAft>
-                <a:spcPct val="0"/>
-              </a:spcAft>
-              <a:buClrTx/>
-              <a:buSzTx/>
-              <a:buFont typeface="Arial" pitchFamily="34" charset="0"/>
-              <a:buNone/>
-              <a:tabLst/>
-              <a:defRPr/>
-            </a:pPr>
-            <a:endParaRPr kumimoji="0" lang="hu-HU" sz="1800" b="0" i="1" u="none" strike="noStrike" kern="1200" cap="none" spc="0" normalizeH="0" baseline="0" noProof="0" dirty="0" smtClean="0">
-              <a:ln>
-                <a:noFill/>
-              </a:ln>
-              <a:solidFill>
-                <a:schemeClr val="tx1"/>
-              </a:solidFill>
-              <a:effectLst/>
-              <a:uLnTx/>
-              <a:uFillTx/>
-              <a:latin typeface="Helvetica LT Std"/>
-              <a:ea typeface="+mn-ea"/>
-              <a:cs typeface="+mn-cs"/>
-            </a:endParaRPr>
+            <a:r>
+              <a:rPr lang="en-US" sz="6000" dirty="0" smtClean="0"/>
+              <a:t>Questions?</a:t>
+            </a:r>
+            <a:endParaRPr lang="en-US" sz="6000" dirty="0"/>
           </a:p>
         </p:txBody>
       </p:sp>
@@ -4283,123 +3904,6 @@
 </file>
 
 <file path=ppt/slides/slide14.xml><?xml version="1.0" encoding="utf-8"?>
-<p:sld xmlns:a="http://schemas.openxmlformats.org/drawingml/2006/main" xmlns:r="http://schemas.openxmlformats.org/officeDocument/2006/relationships" xmlns:p="http://schemas.openxmlformats.org/presentationml/2006/main">
-  <p:cSld>
-    <p:spTree>
-      <p:nvGrpSpPr>
-        <p:cNvPr id="1" name=""/>
-        <p:cNvGrpSpPr/>
-        <p:nvPr/>
-      </p:nvGrpSpPr>
-      <p:grpSpPr>
-        <a:xfrm>
-          <a:off x="0" y="0"/>
-          <a:ext cx="0" cy="0"/>
-          <a:chOff x="0" y="0"/>
-          <a:chExt cx="0" cy="0"/>
-        </a:xfrm>
-      </p:grpSpPr>
-      <p:sp>
-        <p:nvSpPr>
-          <p:cNvPr id="3" name="Footer Placeholder 2"/>
-          <p:cNvSpPr>
-            <a:spLocks noGrp="1"/>
-          </p:cNvSpPr>
-          <p:nvPr>
-            <p:ph type="ftr" sz="quarter" idx="10"/>
-          </p:nvPr>
-        </p:nvSpPr>
-        <p:spPr/>
-        <p:txBody>
-          <a:bodyPr/>
-          <a:lstStyle/>
-          <a:p>
-            <a:pPr>
-              <a:defRPr/>
-            </a:pPr>
-            <a:r>
-              <a:rPr lang="en-US" smtClean="0"/>
-              <a:t>2011 © EPAM Systems</a:t>
-            </a:r>
-            <a:endParaRPr lang="en-US"/>
-          </a:p>
-        </p:txBody>
-      </p:sp>
-      <p:sp>
-        <p:nvSpPr>
-          <p:cNvPr id="4" name="Slide Number Placeholder 3"/>
-          <p:cNvSpPr>
-            <a:spLocks noGrp="1"/>
-          </p:cNvSpPr>
-          <p:nvPr>
-            <p:ph type="sldNum" sz="quarter" idx="11"/>
-          </p:nvPr>
-        </p:nvSpPr>
-        <p:spPr/>
-        <p:txBody>
-          <a:bodyPr/>
-          <a:lstStyle/>
-          <a:p>
-            <a:pPr>
-              <a:defRPr/>
-            </a:pPr>
-            <a:fld id="{AA712712-3884-4B09-89F4-3E21D1ECCFA1}" type="slidenum">
-              <a:rPr lang="en-US" smtClean="0"/>
-              <a:pPr>
-                <a:defRPr/>
-              </a:pPr>
-              <a:t>14</a:t>
-            </a:fld>
-            <a:endParaRPr lang="en-US"/>
-          </a:p>
-        </p:txBody>
-      </p:sp>
-      <p:sp>
-        <p:nvSpPr>
-          <p:cNvPr id="7" name="TextBox 6"/>
-          <p:cNvSpPr txBox="1"/>
-          <p:nvPr/>
-        </p:nvSpPr>
-        <p:spPr>
-          <a:xfrm>
-            <a:off x="2362200" y="2514600"/>
-            <a:ext cx="4076757" cy="1015663"/>
-          </a:xfrm>
-          <a:prstGeom prst="rect">
-            <a:avLst/>
-          </a:prstGeom>
-          <a:noFill/>
-        </p:spPr>
-        <p:txBody>
-          <a:bodyPr wrap="none" rtlCol="0">
-            <a:spAutoFit/>
-          </a:bodyPr>
-          <a:lstStyle/>
-          <a:p>
-            <a:r>
-              <a:rPr lang="en-US" sz="6000" dirty="0" smtClean="0"/>
-              <a:t>Questions?</a:t>
-            </a:r>
-            <a:endParaRPr lang="en-US" sz="6000" dirty="0"/>
-          </a:p>
-        </p:txBody>
-      </p:sp>
-    </p:spTree>
-  </p:cSld>
-  <p:clrMapOvr>
-    <a:masterClrMapping/>
-  </p:clrMapOvr>
-  <p:timing>
-    <p:tnLst>
-      <p:par>
-        <p:cTn id="1" dur="indefinite" restart="never" nodeType="tmRoot"/>
-      </p:par>
-    </p:tnLst>
-  </p:timing>
-</p:sld>
-</file>
-
-<file path=ppt/slides/slide15.xml><?xml version="1.0" encoding="utf-8"?>
 <p:sld xmlns:a="http://schemas.openxmlformats.org/drawingml/2006/main" xmlns:r="http://schemas.openxmlformats.org/officeDocument/2006/relationships" xmlns:p="http://schemas.openxmlformats.org/presentationml/2006/main">
   <p:cSld>
     <p:spTree>
